--- a/docs/diagrams/HighLevelSequenceDiagrams.pptx
+++ b/docs/diagrams/HighLevelSequenceDiagrams.pptx
@@ -5,10 +5,13 @@
     <p:sldMasterId id="2147483648" r:id="rId1"/>
   </p:sldMasterIdLst>
   <p:notesMasterIdLst>
-    <p:notesMasterId r:id="rId3"/>
+    <p:notesMasterId r:id="rId6"/>
   </p:notesMasterIdLst>
   <p:sldIdLst>
     <p:sldId id="266" r:id="rId2"/>
+    <p:sldId id="270" r:id="rId3"/>
+    <p:sldId id="268" r:id="rId4"/>
+    <p:sldId id="269" r:id="rId5"/>
   </p:sldIdLst>
   <p:sldSz cx="9144000" cy="6858000" type="screen4x3"/>
   <p:notesSz cx="6858000" cy="9144000"/>
@@ -212,7 +215,7 @@
           <a:p>
             <a:fld id="{F5CC4B3F-88C1-4FFA-B1B6-F41C21DC6924}" type="datetimeFigureOut">
               <a:rPr lang="en-US" smtClean="0"/>
-              <a:t>4/5/2018</a:t>
+              <a:t>4/12/2018</a:t>
             </a:fld>
             <a:endParaRPr lang="en-US"/>
           </a:p>
@@ -658,7 +661,7 @@
           <a:p>
             <a:fld id="{78C97017-6FC3-485B-9764-EAC9E56C1D49}" type="datetimeFigureOut">
               <a:rPr lang="en-US" smtClean="0"/>
-              <a:t>4/5/2018</a:t>
+              <a:t>4/12/2018</a:t>
             </a:fld>
             <a:endParaRPr lang="en-US"/>
           </a:p>
@@ -826,7 +829,7 @@
           <a:p>
             <a:fld id="{78C97017-6FC3-485B-9764-EAC9E56C1D49}" type="datetimeFigureOut">
               <a:rPr lang="en-US" smtClean="0"/>
-              <a:t>4/5/2018</a:t>
+              <a:t>4/12/2018</a:t>
             </a:fld>
             <a:endParaRPr lang="en-US"/>
           </a:p>
@@ -1004,7 +1007,7 @@
           <a:p>
             <a:fld id="{78C97017-6FC3-485B-9764-EAC9E56C1D49}" type="datetimeFigureOut">
               <a:rPr lang="en-US" smtClean="0"/>
-              <a:t>4/5/2018</a:t>
+              <a:t>4/12/2018</a:t>
             </a:fld>
             <a:endParaRPr lang="en-US"/>
           </a:p>
@@ -1172,7 +1175,7 @@
           <a:p>
             <a:fld id="{78C97017-6FC3-485B-9764-EAC9E56C1D49}" type="datetimeFigureOut">
               <a:rPr lang="en-US" smtClean="0"/>
-              <a:t>4/5/2018</a:t>
+              <a:t>4/12/2018</a:t>
             </a:fld>
             <a:endParaRPr lang="en-US"/>
           </a:p>
@@ -1417,7 +1420,7 @@
           <a:p>
             <a:fld id="{78C97017-6FC3-485B-9764-EAC9E56C1D49}" type="datetimeFigureOut">
               <a:rPr lang="en-US" smtClean="0"/>
-              <a:t>4/5/2018</a:t>
+              <a:t>4/12/2018</a:t>
             </a:fld>
             <a:endParaRPr lang="en-US"/>
           </a:p>
@@ -1702,7 +1705,7 @@
           <a:p>
             <a:fld id="{78C97017-6FC3-485B-9764-EAC9E56C1D49}" type="datetimeFigureOut">
               <a:rPr lang="en-US" smtClean="0"/>
-              <a:t>4/5/2018</a:t>
+              <a:t>4/12/2018</a:t>
             </a:fld>
             <a:endParaRPr lang="en-US"/>
           </a:p>
@@ -2121,7 +2124,7 @@
           <a:p>
             <a:fld id="{78C97017-6FC3-485B-9764-EAC9E56C1D49}" type="datetimeFigureOut">
               <a:rPr lang="en-US" smtClean="0"/>
-              <a:t>4/5/2018</a:t>
+              <a:t>4/12/2018</a:t>
             </a:fld>
             <a:endParaRPr lang="en-US"/>
           </a:p>
@@ -2238,7 +2241,7 @@
           <a:p>
             <a:fld id="{78C97017-6FC3-485B-9764-EAC9E56C1D49}" type="datetimeFigureOut">
               <a:rPr lang="en-US" smtClean="0"/>
-              <a:t>4/5/2018</a:t>
+              <a:t>4/12/2018</a:t>
             </a:fld>
             <a:endParaRPr lang="en-US"/>
           </a:p>
@@ -2333,7 +2336,7 @@
           <a:p>
             <a:fld id="{78C97017-6FC3-485B-9764-EAC9E56C1D49}" type="datetimeFigureOut">
               <a:rPr lang="en-US" smtClean="0"/>
-              <a:t>4/5/2018</a:t>
+              <a:t>4/12/2018</a:t>
             </a:fld>
             <a:endParaRPr lang="en-US"/>
           </a:p>
@@ -2608,7 +2611,7 @@
           <a:p>
             <a:fld id="{78C97017-6FC3-485B-9764-EAC9E56C1D49}" type="datetimeFigureOut">
               <a:rPr lang="en-US" smtClean="0"/>
-              <a:t>4/5/2018</a:t>
+              <a:t>4/12/2018</a:t>
             </a:fld>
             <a:endParaRPr lang="en-US"/>
           </a:p>
@@ -2860,7 +2863,7 @@
           <a:p>
             <a:fld id="{78C97017-6FC3-485B-9764-EAC9E56C1D49}" type="datetimeFigureOut">
               <a:rPr lang="en-US" smtClean="0"/>
-              <a:t>4/5/2018</a:t>
+              <a:t>4/12/2018</a:t>
             </a:fld>
             <a:endParaRPr lang="en-US"/>
           </a:p>
@@ -3071,7 +3074,7 @@
           <a:p>
             <a:fld id="{78C97017-6FC3-485B-9764-EAC9E56C1D49}" type="datetimeFigureOut">
               <a:rPr lang="en-US" smtClean="0"/>
-              <a:t>4/5/2018</a:t>
+              <a:t>4/12/2018</a:t>
             </a:fld>
             <a:endParaRPr lang="en-US"/>
           </a:p>
@@ -6038,6 +6041,7887 @@
     <p:extLst>
       <p:ext uri="{BB962C8B-B14F-4D97-AF65-F5344CB8AC3E}">
         <p14:creationId xmlns:p14="http://schemas.microsoft.com/office/powerpoint/2010/main" val="4023378879"/>
+      </p:ext>
+    </p:extLst>
+  </p:cSld>
+  <p:clrMapOvr>
+    <a:masterClrMapping/>
+  </p:clrMapOvr>
+</p:sld>
+</file>
+
+<file path=ppt/slides/slide2.xml><?xml version="1.0" encoding="utf-8"?>
+<p:sld xmlns:a="http://schemas.openxmlformats.org/drawingml/2006/main" xmlns:r="http://schemas.openxmlformats.org/officeDocument/2006/relationships" xmlns:p="http://schemas.openxmlformats.org/presentationml/2006/main">
+  <p:cSld>
+    <p:spTree>
+      <p:nvGrpSpPr>
+        <p:cNvPr id="1" name=""/>
+        <p:cNvGrpSpPr/>
+        <p:nvPr/>
+      </p:nvGrpSpPr>
+      <p:grpSpPr>
+        <a:xfrm>
+          <a:off x="0" y="0"/>
+          <a:ext cx="0" cy="0"/>
+          <a:chOff x="0" y="0"/>
+          <a:chExt cx="0" cy="0"/>
+        </a:xfrm>
+      </p:grpSpPr>
+      <p:sp>
+        <p:nvSpPr>
+          <p:cNvPr id="2" name="Rectangle 62">
+            <a:extLst>
+              <a:ext uri="{FF2B5EF4-FFF2-40B4-BE49-F238E27FC236}">
+                <a16:creationId xmlns:a16="http://schemas.microsoft.com/office/drawing/2014/main" id="{699B6438-ED07-49A4-A6BE-F3F8730F089D}"/>
+              </a:ext>
+            </a:extLst>
+          </p:cNvPr>
+          <p:cNvSpPr/>
+          <p:nvPr/>
+        </p:nvSpPr>
+        <p:spPr>
+          <a:xfrm>
+            <a:off x="7786055" y="502502"/>
+            <a:ext cx="1093635" cy="346760"/>
+          </a:xfrm>
+          <a:prstGeom prst="rect">
+            <a:avLst/>
+          </a:prstGeom>
+          <a:solidFill>
+            <a:schemeClr val="accent6">
+              <a:lumMod val="75000"/>
+            </a:schemeClr>
+          </a:solidFill>
+          <a:ln w="19050">
+            <a:solidFill>
+              <a:schemeClr val="accent6">
+                <a:lumMod val="75000"/>
+              </a:schemeClr>
+            </a:solidFill>
+          </a:ln>
+          <a:effectLst/>
+        </p:spPr>
+        <p:style>
+          <a:lnRef idx="1">
+            <a:schemeClr val="accent2"/>
+          </a:lnRef>
+          <a:fillRef idx="2">
+            <a:schemeClr val="accent2"/>
+          </a:fillRef>
+          <a:effectRef idx="1">
+            <a:schemeClr val="accent2"/>
+          </a:effectRef>
+          <a:fontRef idx="minor">
+            <a:schemeClr val="dk1"/>
+          </a:fontRef>
+        </p:style>
+        <p:txBody>
+          <a:bodyPr rtlCol="0" anchor="ctr"/>
+          <a:lstStyle/>
+          <a:p>
+            <a:pPr algn="ctr"/>
+            <a:r>
+              <a:rPr lang="en-US" sz="1600" dirty="0">
+                <a:solidFill>
+                  <a:schemeClr val="bg1"/>
+                </a:solidFill>
+              </a:rPr>
+              <a:t>:Storage</a:t>
+            </a:r>
+            <a:endParaRPr lang="en-SG" sz="1600" dirty="0">
+              <a:solidFill>
+                <a:schemeClr val="bg1"/>
+              </a:solidFill>
+            </a:endParaRPr>
+          </a:p>
+        </p:txBody>
+      </p:sp>
+      <p:cxnSp>
+        <p:nvCxnSpPr>
+          <p:cNvPr id="3" name="Straight Connector 2">
+            <a:extLst>
+              <a:ext uri="{FF2B5EF4-FFF2-40B4-BE49-F238E27FC236}">
+                <a16:creationId xmlns:a16="http://schemas.microsoft.com/office/drawing/2014/main" id="{B3F8A35B-FA3B-453B-B43C-3294C45FD31B}"/>
+              </a:ext>
+            </a:extLst>
+          </p:cNvPr>
+          <p:cNvCxnSpPr/>
+          <p:nvPr/>
+        </p:nvCxnSpPr>
+        <p:spPr>
+          <a:xfrm>
+            <a:off x="8332872" y="866173"/>
+            <a:ext cx="0" cy="1723059"/>
+          </a:xfrm>
+          <a:prstGeom prst="line">
+            <a:avLst/>
+          </a:prstGeom>
+          <a:ln w="19050">
+            <a:solidFill>
+              <a:schemeClr val="accent6">
+                <a:lumMod val="75000"/>
+              </a:schemeClr>
+            </a:solidFill>
+            <a:prstDash val="sysDash"/>
+          </a:ln>
+          <a:effectLst/>
+        </p:spPr>
+        <p:style>
+          <a:lnRef idx="1">
+            <a:schemeClr val="accent1"/>
+          </a:lnRef>
+          <a:fillRef idx="2">
+            <a:schemeClr val="accent1"/>
+          </a:fillRef>
+          <a:effectRef idx="1">
+            <a:schemeClr val="accent1"/>
+          </a:effectRef>
+          <a:fontRef idx="minor">
+            <a:schemeClr val="dk1"/>
+          </a:fontRef>
+        </p:style>
+      </p:cxnSp>
+      <p:sp>
+        <p:nvSpPr>
+          <p:cNvPr id="4" name="Rectangle 3">
+            <a:extLst>
+              <a:ext uri="{FF2B5EF4-FFF2-40B4-BE49-F238E27FC236}">
+                <a16:creationId xmlns:a16="http://schemas.microsoft.com/office/drawing/2014/main" id="{84BD1EA7-A10A-4052-87BC-7569E47EDC68}"/>
+              </a:ext>
+            </a:extLst>
+          </p:cNvPr>
+          <p:cNvSpPr/>
+          <p:nvPr/>
+        </p:nvSpPr>
+        <p:spPr>
+          <a:xfrm>
+            <a:off x="8260864" y="1559842"/>
+            <a:ext cx="124478" cy="287409"/>
+          </a:xfrm>
+          <a:prstGeom prst="rect">
+            <a:avLst/>
+          </a:prstGeom>
+          <a:solidFill>
+            <a:schemeClr val="accent6">
+              <a:lumMod val="75000"/>
+            </a:schemeClr>
+          </a:solidFill>
+          <a:ln>
+            <a:solidFill>
+              <a:schemeClr val="accent6">
+                <a:lumMod val="75000"/>
+              </a:schemeClr>
+            </a:solidFill>
+          </a:ln>
+          <a:effectLst/>
+        </p:spPr>
+        <p:style>
+          <a:lnRef idx="1">
+            <a:schemeClr val="accent3"/>
+          </a:lnRef>
+          <a:fillRef idx="2">
+            <a:schemeClr val="accent3"/>
+          </a:fillRef>
+          <a:effectRef idx="1">
+            <a:schemeClr val="accent3"/>
+          </a:effectRef>
+          <a:fontRef idx="minor">
+            <a:schemeClr val="dk1"/>
+          </a:fontRef>
+        </p:style>
+        <p:txBody>
+          <a:bodyPr rtlCol="0" anchor="ctr"/>
+          <a:lstStyle/>
+          <a:p>
+            <a:pPr algn="ctr"/>
+            <a:endParaRPr lang="en-SG" sz="1400">
+              <a:solidFill>
+                <a:schemeClr val="dk1"/>
+              </a:solidFill>
+            </a:endParaRPr>
+          </a:p>
+        </p:txBody>
+      </p:sp>
+      <p:sp>
+        <p:nvSpPr>
+          <p:cNvPr id="5" name="TextBox 4">
+            <a:extLst>
+              <a:ext uri="{FF2B5EF4-FFF2-40B4-BE49-F238E27FC236}">
+                <a16:creationId xmlns:a16="http://schemas.microsoft.com/office/drawing/2014/main" id="{F4555EAD-22E9-43EA-A6EF-9508DC5D7959}"/>
+              </a:ext>
+            </a:extLst>
+          </p:cNvPr>
+          <p:cNvSpPr txBox="1"/>
+          <p:nvPr/>
+        </p:nvSpPr>
+        <p:spPr>
+          <a:xfrm>
+            <a:off x="2225971" y="1021854"/>
+            <a:ext cx="2716635" cy="215444"/>
+          </a:xfrm>
+          <a:prstGeom prst="rect">
+            <a:avLst/>
+          </a:prstGeom>
+          <a:noFill/>
+        </p:spPr>
+        <p:txBody>
+          <a:bodyPr wrap="square" lIns="0" tIns="0" rIns="0" bIns="0" rtlCol="0">
+            <a:spAutoFit/>
+          </a:bodyPr>
+          <a:lstStyle/>
+          <a:p>
+            <a:r>
+              <a:rPr lang="en-US" sz="1400" dirty="0">
+                <a:solidFill>
+                  <a:schemeClr val="accent5">
+                    <a:lumMod val="75000"/>
+                  </a:schemeClr>
+                </a:solidFill>
+              </a:rPr>
+              <a:t>post(</a:t>
+            </a:r>
+            <a:r>
+              <a:rPr lang="en-US" sz="1400" dirty="0" err="1">
+                <a:solidFill>
+                  <a:schemeClr val="accent5">
+                    <a:lumMod val="75000"/>
+                  </a:schemeClr>
+                </a:solidFill>
+              </a:rPr>
+              <a:t>InvestigapptorChangedEvent</a:t>
+            </a:r>
+            <a:r>
+              <a:rPr lang="en-US" sz="1400" dirty="0">
+                <a:solidFill>
+                  <a:schemeClr val="accent5">
+                    <a:lumMod val="75000"/>
+                  </a:schemeClr>
+                </a:solidFill>
+              </a:rPr>
+              <a:t>)</a:t>
+            </a:r>
+          </a:p>
+        </p:txBody>
+      </p:sp>
+      <p:cxnSp>
+        <p:nvCxnSpPr>
+          <p:cNvPr id="6" name="Straight Arrow Connector 5">
+            <a:extLst>
+              <a:ext uri="{FF2B5EF4-FFF2-40B4-BE49-F238E27FC236}">
+                <a16:creationId xmlns:a16="http://schemas.microsoft.com/office/drawing/2014/main" id="{8F106FCE-557B-4485-8099-A58F10C9446F}"/>
+              </a:ext>
+            </a:extLst>
+          </p:cNvPr>
+          <p:cNvCxnSpPr/>
+          <p:nvPr/>
+        </p:nvCxnSpPr>
+        <p:spPr>
+          <a:xfrm flipH="1">
+            <a:off x="4942606" y="1847251"/>
+            <a:ext cx="3383941" cy="0"/>
+          </a:xfrm>
+          <a:prstGeom prst="straightConnector1">
+            <a:avLst/>
+          </a:prstGeom>
+          <a:ln w="19050">
+            <a:solidFill>
+              <a:schemeClr val="accent6">
+                <a:lumMod val="75000"/>
+              </a:schemeClr>
+            </a:solidFill>
+            <a:prstDash val="sysDash"/>
+            <a:headEnd type="none" w="med" len="med"/>
+            <a:tailEnd type="arrow" w="med" len="med"/>
+          </a:ln>
+        </p:spPr>
+        <p:style>
+          <a:lnRef idx="1">
+            <a:schemeClr val="accent1"/>
+          </a:lnRef>
+          <a:fillRef idx="0">
+            <a:schemeClr val="accent1"/>
+          </a:fillRef>
+          <a:effectRef idx="0">
+            <a:schemeClr val="accent1"/>
+          </a:effectRef>
+          <a:fontRef idx="minor">
+            <a:schemeClr val="tx1"/>
+          </a:fontRef>
+        </p:style>
+      </p:cxnSp>
+      <p:sp>
+        <p:nvSpPr>
+          <p:cNvPr id="7" name="Rectangle 62">
+            <a:extLst>
+              <a:ext uri="{FF2B5EF4-FFF2-40B4-BE49-F238E27FC236}">
+                <a16:creationId xmlns:a16="http://schemas.microsoft.com/office/drawing/2014/main" id="{86DC6A1D-81F9-4C2D-96ED-C9DA2F380208}"/>
+              </a:ext>
+            </a:extLst>
+          </p:cNvPr>
+          <p:cNvSpPr/>
+          <p:nvPr/>
+        </p:nvSpPr>
+        <p:spPr>
+          <a:xfrm>
+            <a:off x="4207023" y="519413"/>
+            <a:ext cx="1371600" cy="346760"/>
+          </a:xfrm>
+          <a:prstGeom prst="rect">
+            <a:avLst/>
+          </a:prstGeom>
+          <a:solidFill>
+            <a:schemeClr val="accent5">
+              <a:lumMod val="75000"/>
+            </a:schemeClr>
+          </a:solidFill>
+          <a:ln w="19050">
+            <a:solidFill>
+              <a:schemeClr val="accent5">
+                <a:lumMod val="75000"/>
+              </a:schemeClr>
+            </a:solidFill>
+          </a:ln>
+          <a:effectLst/>
+        </p:spPr>
+        <p:style>
+          <a:lnRef idx="1">
+            <a:schemeClr val="accent2"/>
+          </a:lnRef>
+          <a:fillRef idx="2">
+            <a:schemeClr val="accent2"/>
+          </a:fillRef>
+          <a:effectRef idx="1">
+            <a:schemeClr val="accent2"/>
+          </a:effectRef>
+          <a:fontRef idx="minor">
+            <a:schemeClr val="dk1"/>
+          </a:fontRef>
+        </p:style>
+        <p:txBody>
+          <a:bodyPr rtlCol="0" anchor="ctr"/>
+          <a:lstStyle/>
+          <a:p>
+            <a:pPr algn="ctr"/>
+            <a:r>
+              <a:rPr lang="en-US" sz="1600" dirty="0">
+                <a:solidFill>
+                  <a:schemeClr val="bg1"/>
+                </a:solidFill>
+              </a:rPr>
+              <a:t>:</a:t>
+            </a:r>
+            <a:r>
+              <a:rPr lang="en-US" sz="1600" dirty="0" err="1">
+                <a:solidFill>
+                  <a:schemeClr val="bg1"/>
+                </a:solidFill>
+              </a:rPr>
+              <a:t>EventsCenter</a:t>
+            </a:r>
+            <a:endParaRPr lang="en-SG" sz="1600" dirty="0">
+              <a:solidFill>
+                <a:schemeClr val="bg1"/>
+              </a:solidFill>
+            </a:endParaRPr>
+          </a:p>
+        </p:txBody>
+      </p:sp>
+      <p:cxnSp>
+        <p:nvCxnSpPr>
+          <p:cNvPr id="8" name="Straight Connector 7">
+            <a:extLst>
+              <a:ext uri="{FF2B5EF4-FFF2-40B4-BE49-F238E27FC236}">
+                <a16:creationId xmlns:a16="http://schemas.microsoft.com/office/drawing/2014/main" id="{F5D847C4-7521-49FA-85BB-0C9B53A3FCF5}"/>
+              </a:ext>
+            </a:extLst>
+          </p:cNvPr>
+          <p:cNvCxnSpPr/>
+          <p:nvPr/>
+        </p:nvCxnSpPr>
+        <p:spPr>
+          <a:xfrm>
+            <a:off x="4872608" y="872467"/>
+            <a:ext cx="0" cy="1723059"/>
+          </a:xfrm>
+          <a:prstGeom prst="line">
+            <a:avLst/>
+          </a:prstGeom>
+          <a:ln w="19050">
+            <a:solidFill>
+              <a:schemeClr val="accent5">
+                <a:lumMod val="75000"/>
+              </a:schemeClr>
+            </a:solidFill>
+            <a:prstDash val="sysDash"/>
+          </a:ln>
+          <a:effectLst/>
+        </p:spPr>
+        <p:style>
+          <a:lnRef idx="1">
+            <a:schemeClr val="accent1"/>
+          </a:lnRef>
+          <a:fillRef idx="2">
+            <a:schemeClr val="accent1"/>
+          </a:fillRef>
+          <a:effectRef idx="1">
+            <a:schemeClr val="accent1"/>
+          </a:effectRef>
+          <a:fontRef idx="minor">
+            <a:schemeClr val="dk1"/>
+          </a:fontRef>
+        </p:style>
+      </p:cxnSp>
+      <p:sp>
+        <p:nvSpPr>
+          <p:cNvPr id="9" name="Rectangle 8">
+            <a:extLst>
+              <a:ext uri="{FF2B5EF4-FFF2-40B4-BE49-F238E27FC236}">
+                <a16:creationId xmlns:a16="http://schemas.microsoft.com/office/drawing/2014/main" id="{EB5B13BB-B9CA-4B61-9AFF-DB875763E32A}"/>
+              </a:ext>
+            </a:extLst>
+          </p:cNvPr>
+          <p:cNvSpPr/>
+          <p:nvPr/>
+        </p:nvSpPr>
+        <p:spPr>
+          <a:xfrm>
+            <a:off x="4800600" y="1295400"/>
+            <a:ext cx="142006" cy="1036757"/>
+          </a:xfrm>
+          <a:prstGeom prst="rect">
+            <a:avLst/>
+          </a:prstGeom>
+          <a:solidFill>
+            <a:schemeClr val="accent5">
+              <a:lumMod val="75000"/>
+            </a:schemeClr>
+          </a:solidFill>
+          <a:ln>
+            <a:solidFill>
+              <a:schemeClr val="accent5">
+                <a:lumMod val="75000"/>
+              </a:schemeClr>
+            </a:solidFill>
+          </a:ln>
+          <a:effectLst/>
+        </p:spPr>
+        <p:style>
+          <a:lnRef idx="1">
+            <a:schemeClr val="accent3"/>
+          </a:lnRef>
+          <a:fillRef idx="2">
+            <a:schemeClr val="accent3"/>
+          </a:fillRef>
+          <a:effectRef idx="1">
+            <a:schemeClr val="accent3"/>
+          </a:effectRef>
+          <a:fontRef idx="minor">
+            <a:schemeClr val="dk1"/>
+          </a:fontRef>
+        </p:style>
+        <p:txBody>
+          <a:bodyPr rtlCol="0" anchor="ctr"/>
+          <a:lstStyle/>
+          <a:p>
+            <a:pPr algn="ctr"/>
+            <a:endParaRPr lang="en-SG" sz="1400">
+              <a:solidFill>
+                <a:schemeClr val="dk1"/>
+              </a:solidFill>
+            </a:endParaRPr>
+          </a:p>
+        </p:txBody>
+      </p:sp>
+      <p:cxnSp>
+        <p:nvCxnSpPr>
+          <p:cNvPr id="10" name="Straight Arrow Connector 9">
+            <a:extLst>
+              <a:ext uri="{FF2B5EF4-FFF2-40B4-BE49-F238E27FC236}">
+                <a16:creationId xmlns:a16="http://schemas.microsoft.com/office/drawing/2014/main" id="{20CC3644-1F75-4C53-938C-D8943DD1AC51}"/>
+              </a:ext>
+            </a:extLst>
+          </p:cNvPr>
+          <p:cNvCxnSpPr/>
+          <p:nvPr/>
+        </p:nvCxnSpPr>
+        <p:spPr>
+          <a:xfrm>
+            <a:off x="3494806" y="1295400"/>
+            <a:ext cx="1295400" cy="0"/>
+          </a:xfrm>
+          <a:prstGeom prst="straightConnector1">
+            <a:avLst/>
+          </a:prstGeom>
+          <a:ln w="19050">
+            <a:solidFill>
+              <a:srgbClr val="7030A0"/>
+            </a:solidFill>
+            <a:tailEnd type="arrow"/>
+          </a:ln>
+        </p:spPr>
+        <p:style>
+          <a:lnRef idx="1">
+            <a:schemeClr val="accent1"/>
+          </a:lnRef>
+          <a:fillRef idx="0">
+            <a:schemeClr val="accent1"/>
+          </a:fillRef>
+          <a:effectRef idx="0">
+            <a:schemeClr val="accent1"/>
+          </a:effectRef>
+          <a:fontRef idx="minor">
+            <a:schemeClr val="tx1"/>
+          </a:fontRef>
+        </p:style>
+      </p:cxnSp>
+      <p:cxnSp>
+        <p:nvCxnSpPr>
+          <p:cNvPr id="11" name="Straight Arrow Connector 10">
+            <a:extLst>
+              <a:ext uri="{FF2B5EF4-FFF2-40B4-BE49-F238E27FC236}">
+                <a16:creationId xmlns:a16="http://schemas.microsoft.com/office/drawing/2014/main" id="{4FC51D0B-B4B0-4652-B385-6BA81EE038BC}"/>
+              </a:ext>
+            </a:extLst>
+          </p:cNvPr>
+          <p:cNvCxnSpPr/>
+          <p:nvPr/>
+        </p:nvCxnSpPr>
+        <p:spPr>
+          <a:xfrm>
+            <a:off x="3391519" y="2332157"/>
+            <a:ext cx="1448755" cy="0"/>
+          </a:xfrm>
+          <a:prstGeom prst="straightConnector1">
+            <a:avLst/>
+          </a:prstGeom>
+          <a:ln w="19050">
+            <a:solidFill>
+              <a:schemeClr val="accent5">
+                <a:lumMod val="75000"/>
+              </a:schemeClr>
+            </a:solidFill>
+            <a:prstDash val="sysDash"/>
+            <a:headEnd type="arrow" w="med" len="med"/>
+            <a:tailEnd type="none" w="med" len="med"/>
+          </a:ln>
+        </p:spPr>
+        <p:style>
+          <a:lnRef idx="1">
+            <a:schemeClr val="accent1"/>
+          </a:lnRef>
+          <a:fillRef idx="0">
+            <a:schemeClr val="accent1"/>
+          </a:fillRef>
+          <a:effectRef idx="0">
+            <a:schemeClr val="accent1"/>
+          </a:effectRef>
+          <a:fontRef idx="minor">
+            <a:schemeClr val="tx1"/>
+          </a:fontRef>
+        </p:style>
+      </p:cxnSp>
+      <p:cxnSp>
+        <p:nvCxnSpPr>
+          <p:cNvPr id="12" name="Straight Arrow Connector 11">
+            <a:extLst>
+              <a:ext uri="{FF2B5EF4-FFF2-40B4-BE49-F238E27FC236}">
+                <a16:creationId xmlns:a16="http://schemas.microsoft.com/office/drawing/2014/main" id="{9A2518A1-D51E-42E9-A0F6-44CE3847EA58}"/>
+              </a:ext>
+            </a:extLst>
+          </p:cNvPr>
+          <p:cNvCxnSpPr/>
+          <p:nvPr/>
+        </p:nvCxnSpPr>
+        <p:spPr>
+          <a:xfrm>
+            <a:off x="4942606" y="1565194"/>
+            <a:ext cx="3318258" cy="0"/>
+          </a:xfrm>
+          <a:prstGeom prst="straightConnector1">
+            <a:avLst/>
+          </a:prstGeom>
+          <a:ln w="19050">
+            <a:solidFill>
+              <a:schemeClr val="accent5">
+                <a:lumMod val="75000"/>
+              </a:schemeClr>
+            </a:solidFill>
+            <a:headEnd type="none" w="med" len="med"/>
+            <a:tailEnd type="arrow" w="med" len="med"/>
+          </a:ln>
+        </p:spPr>
+        <p:style>
+          <a:lnRef idx="1">
+            <a:schemeClr val="accent1"/>
+          </a:lnRef>
+          <a:fillRef idx="0">
+            <a:schemeClr val="accent1"/>
+          </a:fillRef>
+          <a:effectRef idx="0">
+            <a:schemeClr val="accent1"/>
+          </a:effectRef>
+          <a:fontRef idx="minor">
+            <a:schemeClr val="tx1"/>
+          </a:fontRef>
+        </p:style>
+      </p:cxnSp>
+      <p:sp>
+        <p:nvSpPr>
+          <p:cNvPr id="13" name="TextBox 12">
+            <a:extLst>
+              <a:ext uri="{FF2B5EF4-FFF2-40B4-BE49-F238E27FC236}">
+                <a16:creationId xmlns:a16="http://schemas.microsoft.com/office/drawing/2014/main" id="{C4820DC7-394E-40B1-A8C5-F94B2C0909D3}"/>
+              </a:ext>
+            </a:extLst>
+          </p:cNvPr>
+          <p:cNvSpPr txBox="1"/>
+          <p:nvPr/>
+        </p:nvSpPr>
+        <p:spPr>
+          <a:xfrm>
+            <a:off x="5413696" y="1290091"/>
+            <a:ext cx="2698381" cy="215444"/>
+          </a:xfrm>
+          <a:prstGeom prst="rect">
+            <a:avLst/>
+          </a:prstGeom>
+          <a:noFill/>
+        </p:spPr>
+        <p:txBody>
+          <a:bodyPr wrap="square" lIns="0" tIns="0" rIns="0" bIns="0" rtlCol="0">
+            <a:spAutoFit/>
+          </a:bodyPr>
+          <a:lstStyle/>
+          <a:p>
+            <a:r>
+              <a:rPr lang="en-US" sz="1400" dirty="0" err="1">
+                <a:solidFill>
+                  <a:schemeClr val="accent6">
+                    <a:lumMod val="75000"/>
+                  </a:schemeClr>
+                </a:solidFill>
+              </a:rPr>
+              <a:t>handleInvestigapptorChangedEvent</a:t>
+            </a:r>
+            <a:r>
+              <a:rPr lang="en-US" sz="1400" dirty="0">
+                <a:solidFill>
+                  <a:schemeClr val="accent6">
+                    <a:lumMod val="75000"/>
+                  </a:schemeClr>
+                </a:solidFill>
+              </a:rPr>
+              <a:t>()</a:t>
+            </a:r>
+          </a:p>
+        </p:txBody>
+      </p:sp>
+      <p:sp>
+        <p:nvSpPr>
+          <p:cNvPr id="14" name="Rectangle 62">
+            <a:extLst>
+              <a:ext uri="{FF2B5EF4-FFF2-40B4-BE49-F238E27FC236}">
+                <a16:creationId xmlns:a16="http://schemas.microsoft.com/office/drawing/2014/main" id="{FAF502F3-FC6A-4A37-8DEF-F8E3E3493DA0}"/>
+              </a:ext>
+            </a:extLst>
+          </p:cNvPr>
+          <p:cNvSpPr/>
+          <p:nvPr/>
+        </p:nvSpPr>
+        <p:spPr>
+          <a:xfrm>
+            <a:off x="1137511" y="502502"/>
+            <a:ext cx="1093635" cy="346760"/>
+          </a:xfrm>
+          <a:prstGeom prst="rect">
+            <a:avLst/>
+          </a:prstGeom>
+          <a:solidFill>
+            <a:srgbClr val="00B050"/>
+          </a:solidFill>
+          <a:ln w="19050">
+            <a:solidFill>
+              <a:srgbClr val="00B050"/>
+            </a:solidFill>
+          </a:ln>
+          <a:effectLst/>
+        </p:spPr>
+        <p:style>
+          <a:lnRef idx="1">
+            <a:schemeClr val="accent2"/>
+          </a:lnRef>
+          <a:fillRef idx="2">
+            <a:schemeClr val="accent2"/>
+          </a:fillRef>
+          <a:effectRef idx="1">
+            <a:schemeClr val="accent2"/>
+          </a:effectRef>
+          <a:fontRef idx="minor">
+            <a:schemeClr val="dk1"/>
+          </a:fontRef>
+        </p:style>
+        <p:txBody>
+          <a:bodyPr rtlCol="0" anchor="ctr"/>
+          <a:lstStyle/>
+          <a:p>
+            <a:pPr algn="ctr"/>
+            <a:r>
+              <a:rPr lang="en-US" sz="1600" dirty="0">
+                <a:solidFill>
+                  <a:schemeClr val="bg1"/>
+                </a:solidFill>
+              </a:rPr>
+              <a:t>:UI</a:t>
+            </a:r>
+            <a:endParaRPr lang="en-SG" sz="1600" dirty="0">
+              <a:solidFill>
+                <a:schemeClr val="bg1"/>
+              </a:solidFill>
+            </a:endParaRPr>
+          </a:p>
+        </p:txBody>
+      </p:sp>
+      <p:cxnSp>
+        <p:nvCxnSpPr>
+          <p:cNvPr id="15" name="Straight Connector 14">
+            <a:extLst>
+              <a:ext uri="{FF2B5EF4-FFF2-40B4-BE49-F238E27FC236}">
+                <a16:creationId xmlns:a16="http://schemas.microsoft.com/office/drawing/2014/main" id="{ABC1CA36-CEE0-4664-AD82-11D2617AC3CA}"/>
+              </a:ext>
+            </a:extLst>
+          </p:cNvPr>
+          <p:cNvCxnSpPr/>
+          <p:nvPr/>
+        </p:nvCxnSpPr>
+        <p:spPr>
+          <a:xfrm>
+            <a:off x="1684328" y="866173"/>
+            <a:ext cx="0" cy="1723059"/>
+          </a:xfrm>
+          <a:prstGeom prst="line">
+            <a:avLst/>
+          </a:prstGeom>
+          <a:ln w="19050">
+            <a:solidFill>
+              <a:srgbClr val="00B050"/>
+            </a:solidFill>
+            <a:prstDash val="sysDash"/>
+          </a:ln>
+          <a:effectLst/>
+        </p:spPr>
+        <p:style>
+          <a:lnRef idx="1">
+            <a:schemeClr val="accent1"/>
+          </a:lnRef>
+          <a:fillRef idx="2">
+            <a:schemeClr val="accent1"/>
+          </a:fillRef>
+          <a:effectRef idx="1">
+            <a:schemeClr val="accent1"/>
+          </a:effectRef>
+          <a:fontRef idx="minor">
+            <a:schemeClr val="dk1"/>
+          </a:fontRef>
+        </p:style>
+      </p:cxnSp>
+      <p:sp>
+        <p:nvSpPr>
+          <p:cNvPr id="16" name="Rectangle 15">
+            <a:extLst>
+              <a:ext uri="{FF2B5EF4-FFF2-40B4-BE49-F238E27FC236}">
+                <a16:creationId xmlns:a16="http://schemas.microsoft.com/office/drawing/2014/main" id="{3AF6862C-5D15-4696-82FF-DDFA6BC1C8D5}"/>
+              </a:ext>
+            </a:extLst>
+          </p:cNvPr>
+          <p:cNvSpPr/>
+          <p:nvPr/>
+        </p:nvSpPr>
+        <p:spPr>
+          <a:xfrm>
+            <a:off x="1612320" y="1894652"/>
+            <a:ext cx="130545" cy="273128"/>
+          </a:xfrm>
+          <a:prstGeom prst="rect">
+            <a:avLst/>
+          </a:prstGeom>
+          <a:solidFill>
+            <a:srgbClr val="00B050"/>
+          </a:solidFill>
+          <a:ln>
+            <a:solidFill>
+              <a:srgbClr val="00B050"/>
+            </a:solidFill>
+          </a:ln>
+          <a:effectLst/>
+        </p:spPr>
+        <p:style>
+          <a:lnRef idx="1">
+            <a:schemeClr val="accent3"/>
+          </a:lnRef>
+          <a:fillRef idx="2">
+            <a:schemeClr val="accent3"/>
+          </a:fillRef>
+          <a:effectRef idx="1">
+            <a:schemeClr val="accent3"/>
+          </a:effectRef>
+          <a:fontRef idx="minor">
+            <a:schemeClr val="dk1"/>
+          </a:fontRef>
+        </p:style>
+        <p:txBody>
+          <a:bodyPr rtlCol="0" anchor="ctr"/>
+          <a:lstStyle/>
+          <a:p>
+            <a:pPr algn="ctr"/>
+            <a:endParaRPr lang="en-SG" sz="1400">
+              <a:solidFill>
+                <a:schemeClr val="dk1"/>
+              </a:solidFill>
+            </a:endParaRPr>
+          </a:p>
+        </p:txBody>
+      </p:sp>
+      <p:cxnSp>
+        <p:nvCxnSpPr>
+          <p:cNvPr id="17" name="Straight Arrow Connector 16">
+            <a:extLst>
+              <a:ext uri="{FF2B5EF4-FFF2-40B4-BE49-F238E27FC236}">
+                <a16:creationId xmlns:a16="http://schemas.microsoft.com/office/drawing/2014/main" id="{30AB4A0A-8215-4481-BCDD-C22642C6B85D}"/>
+              </a:ext>
+            </a:extLst>
+          </p:cNvPr>
+          <p:cNvCxnSpPr/>
+          <p:nvPr/>
+        </p:nvCxnSpPr>
+        <p:spPr>
+          <a:xfrm flipH="1">
+            <a:off x="1764720" y="2167780"/>
+            <a:ext cx="3061842" cy="0"/>
+          </a:xfrm>
+          <a:prstGeom prst="straightConnector1">
+            <a:avLst/>
+          </a:prstGeom>
+          <a:ln w="19050">
+            <a:solidFill>
+              <a:srgbClr val="00B050"/>
+            </a:solidFill>
+            <a:prstDash val="sysDash"/>
+            <a:headEnd type="arrow" w="med" len="med"/>
+            <a:tailEnd type="none" w="med" len="med"/>
+          </a:ln>
+        </p:spPr>
+        <p:style>
+          <a:lnRef idx="1">
+            <a:schemeClr val="accent1"/>
+          </a:lnRef>
+          <a:fillRef idx="0">
+            <a:schemeClr val="accent1"/>
+          </a:fillRef>
+          <a:effectRef idx="0">
+            <a:schemeClr val="accent1"/>
+          </a:effectRef>
+          <a:fontRef idx="minor">
+            <a:schemeClr val="tx1"/>
+          </a:fontRef>
+        </p:style>
+      </p:cxnSp>
+      <p:cxnSp>
+        <p:nvCxnSpPr>
+          <p:cNvPr id="18" name="Straight Arrow Connector 17">
+            <a:extLst>
+              <a:ext uri="{FF2B5EF4-FFF2-40B4-BE49-F238E27FC236}">
+                <a16:creationId xmlns:a16="http://schemas.microsoft.com/office/drawing/2014/main" id="{5E4E444F-F363-4CC9-9980-642DAAFB1604}"/>
+              </a:ext>
+            </a:extLst>
+          </p:cNvPr>
+          <p:cNvCxnSpPr/>
+          <p:nvPr/>
+        </p:nvCxnSpPr>
+        <p:spPr>
+          <a:xfrm>
+            <a:off x="1764720" y="1894652"/>
+            <a:ext cx="3061841" cy="0"/>
+          </a:xfrm>
+          <a:prstGeom prst="straightConnector1">
+            <a:avLst/>
+          </a:prstGeom>
+          <a:ln w="19050">
+            <a:solidFill>
+              <a:schemeClr val="accent5">
+                <a:lumMod val="75000"/>
+              </a:schemeClr>
+            </a:solidFill>
+            <a:headEnd type="arrow" w="med" len="med"/>
+            <a:tailEnd type="none" w="med" len="med"/>
+          </a:ln>
+        </p:spPr>
+        <p:style>
+          <a:lnRef idx="1">
+            <a:schemeClr val="accent1"/>
+          </a:lnRef>
+          <a:fillRef idx="0">
+            <a:schemeClr val="accent1"/>
+          </a:fillRef>
+          <a:effectRef idx="0">
+            <a:schemeClr val="accent1"/>
+          </a:effectRef>
+          <a:fontRef idx="minor">
+            <a:schemeClr val="tx1"/>
+          </a:fontRef>
+        </p:style>
+      </p:cxnSp>
+      <p:sp>
+        <p:nvSpPr>
+          <p:cNvPr id="19" name="TextBox 18">
+            <a:extLst>
+              <a:ext uri="{FF2B5EF4-FFF2-40B4-BE49-F238E27FC236}">
+                <a16:creationId xmlns:a16="http://schemas.microsoft.com/office/drawing/2014/main" id="{0819D5CD-81FB-47AF-B099-D86502065C1B}"/>
+              </a:ext>
+            </a:extLst>
+          </p:cNvPr>
+          <p:cNvSpPr txBox="1"/>
+          <p:nvPr/>
+        </p:nvSpPr>
+        <p:spPr>
+          <a:xfrm>
+            <a:off x="1832152" y="1619549"/>
+            <a:ext cx="2915959" cy="215444"/>
+          </a:xfrm>
+          <a:prstGeom prst="rect">
+            <a:avLst/>
+          </a:prstGeom>
+          <a:noFill/>
+        </p:spPr>
+        <p:txBody>
+          <a:bodyPr wrap="square" lIns="0" tIns="0" rIns="0" bIns="0" rtlCol="0">
+            <a:spAutoFit/>
+          </a:bodyPr>
+          <a:lstStyle/>
+          <a:p>
+            <a:r>
+              <a:rPr lang="en-US" sz="1400" dirty="0" err="1">
+                <a:solidFill>
+                  <a:srgbClr val="00B050"/>
+                </a:solidFill>
+              </a:rPr>
+              <a:t>handleInvestigapptorChangedEvent</a:t>
+            </a:r>
+            <a:r>
+              <a:rPr lang="en-US" sz="1400" dirty="0">
+                <a:solidFill>
+                  <a:srgbClr val="00B050"/>
+                </a:solidFill>
+              </a:rPr>
+              <a:t>()</a:t>
+            </a:r>
+          </a:p>
+        </p:txBody>
+      </p:sp>
+      <p:grpSp>
+        <p:nvGrpSpPr>
+          <p:cNvPr id="20" name="Group 19">
+            <a:extLst>
+              <a:ext uri="{FF2B5EF4-FFF2-40B4-BE49-F238E27FC236}">
+                <a16:creationId xmlns:a16="http://schemas.microsoft.com/office/drawing/2014/main" id="{C404C451-C025-45AC-88CF-484A57D916FD}"/>
+              </a:ext>
+            </a:extLst>
+          </p:cNvPr>
+          <p:cNvGrpSpPr/>
+          <p:nvPr/>
+        </p:nvGrpSpPr>
+        <p:grpSpPr>
+          <a:xfrm>
+            <a:off x="1444011" y="1836212"/>
+            <a:ext cx="217349" cy="270072"/>
+            <a:chOff x="1028134" y="5612032"/>
+            <a:chExt cx="217349" cy="270072"/>
+          </a:xfrm>
+        </p:grpSpPr>
+        <p:sp>
+          <p:nvSpPr>
+            <p:cNvPr id="21" name="Freeform 11">
+              <a:extLst>
+                <a:ext uri="{FF2B5EF4-FFF2-40B4-BE49-F238E27FC236}">
+                  <a16:creationId xmlns:a16="http://schemas.microsoft.com/office/drawing/2014/main" id="{BB5ECB7C-A1AD-4169-9BCE-9E80C777E42C}"/>
+                </a:ext>
+              </a:extLst>
+            </p:cNvPr>
+            <p:cNvSpPr/>
+            <p:nvPr/>
+          </p:nvSpPr>
+          <p:spPr>
+            <a:xfrm rot="2600998" flipH="1" flipV="1">
+              <a:off x="1028134" y="5612032"/>
+              <a:ext cx="167452" cy="116880"/>
+            </a:xfrm>
+            <a:custGeom>
+              <a:avLst/>
+              <a:gdLst>
+                <a:gd name="connsiteX0" fmla="*/ 0 w 226400"/>
+                <a:gd name="connsiteY0" fmla="*/ 32920 h 171466"/>
+                <a:gd name="connsiteX1" fmla="*/ 157018 w 226400"/>
+                <a:gd name="connsiteY1" fmla="*/ 5211 h 171466"/>
+                <a:gd name="connsiteX2" fmla="*/ 221673 w 226400"/>
+                <a:gd name="connsiteY2" fmla="*/ 125284 h 171466"/>
+                <a:gd name="connsiteX3" fmla="*/ 36945 w 226400"/>
+                <a:gd name="connsiteY3" fmla="*/ 171466 h 171466"/>
+              </a:gdLst>
+              <a:ahLst/>
+              <a:cxnLst>
+                <a:cxn ang="0">
+                  <a:pos x="connsiteX0" y="connsiteY0"/>
+                </a:cxn>
+                <a:cxn ang="0">
+                  <a:pos x="connsiteX1" y="connsiteY1"/>
+                </a:cxn>
+                <a:cxn ang="0">
+                  <a:pos x="connsiteX2" y="connsiteY2"/>
+                </a:cxn>
+                <a:cxn ang="0">
+                  <a:pos x="connsiteX3" y="connsiteY3"/>
+                </a:cxn>
+              </a:cxnLst>
+              <a:rect l="l" t="t" r="r" b="b"/>
+              <a:pathLst>
+                <a:path w="226400" h="171466">
+                  <a:moveTo>
+                    <a:pt x="0" y="32920"/>
+                  </a:moveTo>
+                  <a:cubicBezTo>
+                    <a:pt x="60036" y="11368"/>
+                    <a:pt x="120073" y="-10183"/>
+                    <a:pt x="157018" y="5211"/>
+                  </a:cubicBezTo>
+                  <a:cubicBezTo>
+                    <a:pt x="193963" y="20605"/>
+                    <a:pt x="241685" y="97575"/>
+                    <a:pt x="221673" y="125284"/>
+                  </a:cubicBezTo>
+                  <a:cubicBezTo>
+                    <a:pt x="201661" y="152993"/>
+                    <a:pt x="119303" y="162229"/>
+                    <a:pt x="36945" y="171466"/>
+                  </a:cubicBezTo>
+                </a:path>
+              </a:pathLst>
+            </a:custGeom>
+            <a:ln w="19050">
+              <a:solidFill>
+                <a:srgbClr val="00B050"/>
+              </a:solidFill>
+              <a:headEnd type="arrow" w="med" len="med"/>
+              <a:tailEnd type="none" w="med" len="med"/>
+            </a:ln>
+          </p:spPr>
+          <p:style>
+            <a:lnRef idx="1">
+              <a:schemeClr val="accent1"/>
+            </a:lnRef>
+            <a:fillRef idx="0">
+              <a:schemeClr val="accent1"/>
+            </a:fillRef>
+            <a:effectRef idx="0">
+              <a:schemeClr val="accent1"/>
+            </a:effectRef>
+            <a:fontRef idx="minor">
+              <a:schemeClr val="tx1"/>
+            </a:fontRef>
+          </p:style>
+          <p:txBody>
+            <a:bodyPr rtlCol="0" anchor="ctr"/>
+            <a:lstStyle/>
+            <a:p>
+              <a:pPr algn="ctr"/>
+              <a:endParaRPr lang="en-SG"/>
+            </a:p>
+          </p:txBody>
+        </p:sp>
+        <p:sp>
+          <p:nvSpPr>
+            <p:cNvPr id="22" name="Rectangle 21">
+              <a:extLst>
+                <a:ext uri="{FF2B5EF4-FFF2-40B4-BE49-F238E27FC236}">
+                  <a16:creationId xmlns:a16="http://schemas.microsoft.com/office/drawing/2014/main" id="{6E3FEAF8-352F-424F-9B1B-854C60F3A6A7}"/>
+                </a:ext>
+              </a:extLst>
+            </p:cNvPr>
+            <p:cNvSpPr/>
+            <p:nvPr/>
+          </p:nvSpPr>
+          <p:spPr>
+            <a:xfrm>
+              <a:off x="1147403" y="5712513"/>
+              <a:ext cx="98080" cy="169591"/>
+            </a:xfrm>
+            <a:prstGeom prst="rect">
+              <a:avLst/>
+            </a:prstGeom>
+            <a:solidFill>
+              <a:srgbClr val="00B050"/>
+            </a:solidFill>
+            <a:ln>
+              <a:solidFill>
+                <a:schemeClr val="bg1"/>
+              </a:solidFill>
+            </a:ln>
+            <a:effectLst/>
+          </p:spPr>
+          <p:style>
+            <a:lnRef idx="1">
+              <a:schemeClr val="accent3"/>
+            </a:lnRef>
+            <a:fillRef idx="2">
+              <a:schemeClr val="accent3"/>
+            </a:fillRef>
+            <a:effectRef idx="1">
+              <a:schemeClr val="accent3"/>
+            </a:effectRef>
+            <a:fontRef idx="minor">
+              <a:schemeClr val="dk1"/>
+            </a:fontRef>
+          </p:style>
+          <p:txBody>
+            <a:bodyPr rtlCol="0" anchor="ctr"/>
+            <a:lstStyle/>
+            <a:p>
+              <a:pPr algn="ctr"/>
+              <a:endParaRPr lang="en-SG" sz="1400">
+                <a:solidFill>
+                  <a:schemeClr val="dk1"/>
+                </a:solidFill>
+              </a:endParaRPr>
+            </a:p>
+          </p:txBody>
+        </p:sp>
+      </p:grpSp>
+      <p:sp>
+        <p:nvSpPr>
+          <p:cNvPr id="23" name="TextBox 22">
+            <a:extLst>
+              <a:ext uri="{FF2B5EF4-FFF2-40B4-BE49-F238E27FC236}">
+                <a16:creationId xmlns:a16="http://schemas.microsoft.com/office/drawing/2014/main" id="{82889C9F-6284-4C32-A389-EA4FC1C32407}"/>
+              </a:ext>
+            </a:extLst>
+          </p:cNvPr>
+          <p:cNvSpPr txBox="1"/>
+          <p:nvPr/>
+        </p:nvSpPr>
+        <p:spPr>
+          <a:xfrm>
+            <a:off x="55041" y="1660323"/>
+            <a:ext cx="1289072" cy="646331"/>
+          </a:xfrm>
+          <a:prstGeom prst="rect">
+            <a:avLst/>
+          </a:prstGeom>
+          <a:noFill/>
+        </p:spPr>
+        <p:txBody>
+          <a:bodyPr wrap="square" lIns="0" tIns="0" rIns="0" bIns="0" rtlCol="0">
+            <a:spAutoFit/>
+          </a:bodyPr>
+          <a:lstStyle/>
+          <a:p>
+            <a:pPr algn="r"/>
+            <a:r>
+              <a:rPr lang="en-US" sz="1400" dirty="0">
+                <a:solidFill>
+                  <a:srgbClr val="00B050"/>
+                </a:solidFill>
+              </a:rPr>
+              <a:t>Update calendar view by updating the entries</a:t>
+            </a:r>
+          </a:p>
+        </p:txBody>
+      </p:sp>
+      <p:grpSp>
+        <p:nvGrpSpPr>
+          <p:cNvPr id="24" name="Group 23">
+            <a:extLst>
+              <a:ext uri="{FF2B5EF4-FFF2-40B4-BE49-F238E27FC236}">
+                <a16:creationId xmlns:a16="http://schemas.microsoft.com/office/drawing/2014/main" id="{C3A4E5DB-0B3A-4DBC-8DDB-11A2FFC87DCD}"/>
+              </a:ext>
+            </a:extLst>
+          </p:cNvPr>
+          <p:cNvGrpSpPr/>
+          <p:nvPr/>
+        </p:nvGrpSpPr>
+        <p:grpSpPr>
+          <a:xfrm flipH="1">
+            <a:off x="8352719" y="1559842"/>
+            <a:ext cx="217349" cy="270072"/>
+            <a:chOff x="1028134" y="5612032"/>
+            <a:chExt cx="217349" cy="270072"/>
+          </a:xfrm>
+        </p:grpSpPr>
+        <p:sp>
+          <p:nvSpPr>
+            <p:cNvPr id="25" name="Freeform 58">
+              <a:extLst>
+                <a:ext uri="{FF2B5EF4-FFF2-40B4-BE49-F238E27FC236}">
+                  <a16:creationId xmlns:a16="http://schemas.microsoft.com/office/drawing/2014/main" id="{AFA8999C-BAA9-4CBD-A21D-84A01DFD1962}"/>
+                </a:ext>
+              </a:extLst>
+            </p:cNvPr>
+            <p:cNvSpPr/>
+            <p:nvPr/>
+          </p:nvSpPr>
+          <p:spPr>
+            <a:xfrm rot="2600998" flipH="1" flipV="1">
+              <a:off x="1028134" y="5612032"/>
+              <a:ext cx="167452" cy="116880"/>
+            </a:xfrm>
+            <a:custGeom>
+              <a:avLst/>
+              <a:gdLst>
+                <a:gd name="connsiteX0" fmla="*/ 0 w 226400"/>
+                <a:gd name="connsiteY0" fmla="*/ 32920 h 171466"/>
+                <a:gd name="connsiteX1" fmla="*/ 157018 w 226400"/>
+                <a:gd name="connsiteY1" fmla="*/ 5211 h 171466"/>
+                <a:gd name="connsiteX2" fmla="*/ 221673 w 226400"/>
+                <a:gd name="connsiteY2" fmla="*/ 125284 h 171466"/>
+                <a:gd name="connsiteX3" fmla="*/ 36945 w 226400"/>
+                <a:gd name="connsiteY3" fmla="*/ 171466 h 171466"/>
+              </a:gdLst>
+              <a:ahLst/>
+              <a:cxnLst>
+                <a:cxn ang="0">
+                  <a:pos x="connsiteX0" y="connsiteY0"/>
+                </a:cxn>
+                <a:cxn ang="0">
+                  <a:pos x="connsiteX1" y="connsiteY1"/>
+                </a:cxn>
+                <a:cxn ang="0">
+                  <a:pos x="connsiteX2" y="connsiteY2"/>
+                </a:cxn>
+                <a:cxn ang="0">
+                  <a:pos x="connsiteX3" y="connsiteY3"/>
+                </a:cxn>
+              </a:cxnLst>
+              <a:rect l="l" t="t" r="r" b="b"/>
+              <a:pathLst>
+                <a:path w="226400" h="171466">
+                  <a:moveTo>
+                    <a:pt x="0" y="32920"/>
+                  </a:moveTo>
+                  <a:cubicBezTo>
+                    <a:pt x="60036" y="11368"/>
+                    <a:pt x="120073" y="-10183"/>
+                    <a:pt x="157018" y="5211"/>
+                  </a:cubicBezTo>
+                  <a:cubicBezTo>
+                    <a:pt x="193963" y="20605"/>
+                    <a:pt x="241685" y="97575"/>
+                    <a:pt x="221673" y="125284"/>
+                  </a:cubicBezTo>
+                  <a:cubicBezTo>
+                    <a:pt x="201661" y="152993"/>
+                    <a:pt x="119303" y="162229"/>
+                    <a:pt x="36945" y="171466"/>
+                  </a:cubicBezTo>
+                </a:path>
+              </a:pathLst>
+            </a:custGeom>
+            <a:ln w="19050">
+              <a:solidFill>
+                <a:schemeClr val="accent6">
+                  <a:lumMod val="75000"/>
+                </a:schemeClr>
+              </a:solidFill>
+              <a:headEnd type="arrow" w="med" len="med"/>
+              <a:tailEnd type="none" w="med" len="med"/>
+            </a:ln>
+          </p:spPr>
+          <p:style>
+            <a:lnRef idx="1">
+              <a:schemeClr val="accent1"/>
+            </a:lnRef>
+            <a:fillRef idx="0">
+              <a:schemeClr val="accent1"/>
+            </a:fillRef>
+            <a:effectRef idx="0">
+              <a:schemeClr val="accent1"/>
+            </a:effectRef>
+            <a:fontRef idx="minor">
+              <a:schemeClr val="tx1"/>
+            </a:fontRef>
+          </p:style>
+          <p:txBody>
+            <a:bodyPr rtlCol="0" anchor="ctr"/>
+            <a:lstStyle/>
+            <a:p>
+              <a:pPr algn="ctr"/>
+              <a:endParaRPr lang="en-SG"/>
+            </a:p>
+          </p:txBody>
+        </p:sp>
+        <p:sp>
+          <p:nvSpPr>
+            <p:cNvPr id="26" name="Rectangle 25">
+              <a:extLst>
+                <a:ext uri="{FF2B5EF4-FFF2-40B4-BE49-F238E27FC236}">
+                  <a16:creationId xmlns:a16="http://schemas.microsoft.com/office/drawing/2014/main" id="{F1F98AE6-8524-4361-A5DE-3E5AECCDD56F}"/>
+                </a:ext>
+              </a:extLst>
+            </p:cNvPr>
+            <p:cNvSpPr/>
+            <p:nvPr/>
+          </p:nvSpPr>
+          <p:spPr>
+            <a:xfrm>
+              <a:off x="1147403" y="5712513"/>
+              <a:ext cx="98080" cy="169591"/>
+            </a:xfrm>
+            <a:prstGeom prst="rect">
+              <a:avLst/>
+            </a:prstGeom>
+            <a:solidFill>
+              <a:schemeClr val="accent6">
+                <a:lumMod val="75000"/>
+              </a:schemeClr>
+            </a:solidFill>
+            <a:ln>
+              <a:solidFill>
+                <a:schemeClr val="bg1"/>
+              </a:solidFill>
+            </a:ln>
+            <a:effectLst/>
+          </p:spPr>
+          <p:style>
+            <a:lnRef idx="1">
+              <a:schemeClr val="accent3"/>
+            </a:lnRef>
+            <a:fillRef idx="2">
+              <a:schemeClr val="accent3"/>
+            </a:fillRef>
+            <a:effectRef idx="1">
+              <a:schemeClr val="accent3"/>
+            </a:effectRef>
+            <a:fontRef idx="minor">
+              <a:schemeClr val="dk1"/>
+            </a:fontRef>
+          </p:style>
+          <p:txBody>
+            <a:bodyPr rtlCol="0" anchor="ctr"/>
+            <a:lstStyle/>
+            <a:p>
+              <a:pPr algn="ctr"/>
+              <a:endParaRPr lang="en-SG" sz="1400">
+                <a:solidFill>
+                  <a:schemeClr val="dk1"/>
+                </a:solidFill>
+              </a:endParaRPr>
+            </a:p>
+          </p:txBody>
+        </p:sp>
+      </p:grpSp>
+      <p:sp>
+        <p:nvSpPr>
+          <p:cNvPr id="27" name="TextBox 26">
+            <a:extLst>
+              <a:ext uri="{FF2B5EF4-FFF2-40B4-BE49-F238E27FC236}">
+                <a16:creationId xmlns:a16="http://schemas.microsoft.com/office/drawing/2014/main" id="{9601C9DE-A18A-4BE7-9B79-06B49429064D}"/>
+              </a:ext>
+            </a:extLst>
+          </p:cNvPr>
+          <p:cNvSpPr txBox="1"/>
+          <p:nvPr/>
+        </p:nvSpPr>
+        <p:spPr>
+          <a:xfrm>
+            <a:off x="8639830" y="1405172"/>
+            <a:ext cx="539047" cy="430887"/>
+          </a:xfrm>
+          <a:prstGeom prst="rect">
+            <a:avLst/>
+          </a:prstGeom>
+          <a:noFill/>
+        </p:spPr>
+        <p:txBody>
+          <a:bodyPr wrap="square" lIns="0" tIns="0" rIns="0" bIns="0" rtlCol="0">
+            <a:spAutoFit/>
+          </a:bodyPr>
+          <a:lstStyle/>
+          <a:p>
+            <a:r>
+              <a:rPr lang="en-US" sz="1400" dirty="0">
+                <a:solidFill>
+                  <a:schemeClr val="accent6">
+                    <a:lumMod val="75000"/>
+                  </a:schemeClr>
+                </a:solidFill>
+              </a:rPr>
+              <a:t>Save </a:t>
+            </a:r>
+            <a:br>
+              <a:rPr lang="en-US" sz="1400" dirty="0">
+                <a:solidFill>
+                  <a:schemeClr val="accent6">
+                    <a:lumMod val="75000"/>
+                  </a:schemeClr>
+                </a:solidFill>
+              </a:rPr>
+            </a:br>
+            <a:r>
+              <a:rPr lang="en-US" sz="1400" dirty="0">
+                <a:solidFill>
+                  <a:schemeClr val="accent6">
+                    <a:lumMod val="75000"/>
+                  </a:schemeClr>
+                </a:solidFill>
+              </a:rPr>
+              <a:t>to file</a:t>
+            </a:r>
+          </a:p>
+        </p:txBody>
+      </p:sp>
+      <p:sp>
+        <p:nvSpPr>
+          <p:cNvPr id="30" name="Rectangle 62">
+            <a:extLst>
+              <a:ext uri="{FF2B5EF4-FFF2-40B4-BE49-F238E27FC236}">
+                <a16:creationId xmlns:a16="http://schemas.microsoft.com/office/drawing/2014/main" id="{EADB9CC4-96EF-43D6-9F43-B8D56F5024EE}"/>
+              </a:ext>
+            </a:extLst>
+          </p:cNvPr>
+          <p:cNvSpPr/>
+          <p:nvPr/>
+        </p:nvSpPr>
+        <p:spPr>
+          <a:xfrm>
+            <a:off x="7760004" y="3716889"/>
+            <a:ext cx="1093635" cy="346760"/>
+          </a:xfrm>
+          <a:prstGeom prst="rect">
+            <a:avLst/>
+          </a:prstGeom>
+          <a:solidFill>
+            <a:schemeClr val="accent6">
+              <a:lumMod val="75000"/>
+            </a:schemeClr>
+          </a:solidFill>
+          <a:ln w="19050">
+            <a:solidFill>
+              <a:schemeClr val="accent6">
+                <a:lumMod val="75000"/>
+              </a:schemeClr>
+            </a:solidFill>
+          </a:ln>
+          <a:effectLst/>
+        </p:spPr>
+        <p:style>
+          <a:lnRef idx="1">
+            <a:schemeClr val="accent2"/>
+          </a:lnRef>
+          <a:fillRef idx="2">
+            <a:schemeClr val="accent2"/>
+          </a:fillRef>
+          <a:effectRef idx="1">
+            <a:schemeClr val="accent2"/>
+          </a:effectRef>
+          <a:fontRef idx="minor">
+            <a:schemeClr val="dk1"/>
+          </a:fontRef>
+        </p:style>
+        <p:txBody>
+          <a:bodyPr rtlCol="0" anchor="ctr"/>
+          <a:lstStyle/>
+          <a:p>
+            <a:pPr algn="ctr"/>
+            <a:r>
+              <a:rPr lang="en-US" sz="1600" dirty="0">
+                <a:solidFill>
+                  <a:schemeClr val="bg1"/>
+                </a:solidFill>
+              </a:rPr>
+              <a:t>:Storage</a:t>
+            </a:r>
+            <a:endParaRPr lang="en-SG" sz="1600" dirty="0">
+              <a:solidFill>
+                <a:schemeClr val="bg1"/>
+              </a:solidFill>
+            </a:endParaRPr>
+          </a:p>
+        </p:txBody>
+      </p:sp>
+      <p:cxnSp>
+        <p:nvCxnSpPr>
+          <p:cNvPr id="31" name="Straight Connector 30">
+            <a:extLst>
+              <a:ext uri="{FF2B5EF4-FFF2-40B4-BE49-F238E27FC236}">
+                <a16:creationId xmlns:a16="http://schemas.microsoft.com/office/drawing/2014/main" id="{00ADFA19-385F-4446-A06D-C1E784BCF469}"/>
+              </a:ext>
+            </a:extLst>
+          </p:cNvPr>
+          <p:cNvCxnSpPr/>
+          <p:nvPr/>
+        </p:nvCxnSpPr>
+        <p:spPr>
+          <a:xfrm>
+            <a:off x="8306821" y="4080560"/>
+            <a:ext cx="0" cy="1723059"/>
+          </a:xfrm>
+          <a:prstGeom prst="line">
+            <a:avLst/>
+          </a:prstGeom>
+          <a:ln w="19050">
+            <a:solidFill>
+              <a:schemeClr val="accent6">
+                <a:lumMod val="75000"/>
+              </a:schemeClr>
+            </a:solidFill>
+            <a:prstDash val="sysDash"/>
+          </a:ln>
+          <a:effectLst/>
+        </p:spPr>
+        <p:style>
+          <a:lnRef idx="1">
+            <a:schemeClr val="accent1"/>
+          </a:lnRef>
+          <a:fillRef idx="2">
+            <a:schemeClr val="accent1"/>
+          </a:fillRef>
+          <a:effectRef idx="1">
+            <a:schemeClr val="accent1"/>
+          </a:effectRef>
+          <a:fontRef idx="minor">
+            <a:schemeClr val="dk1"/>
+          </a:fontRef>
+        </p:style>
+      </p:cxnSp>
+      <p:sp>
+        <p:nvSpPr>
+          <p:cNvPr id="32" name="Rectangle 31">
+            <a:extLst>
+              <a:ext uri="{FF2B5EF4-FFF2-40B4-BE49-F238E27FC236}">
+                <a16:creationId xmlns:a16="http://schemas.microsoft.com/office/drawing/2014/main" id="{433B2486-2CDB-44F9-A09B-57A887C3354C}"/>
+              </a:ext>
+            </a:extLst>
+          </p:cNvPr>
+          <p:cNvSpPr/>
+          <p:nvPr/>
+        </p:nvSpPr>
+        <p:spPr>
+          <a:xfrm>
+            <a:off x="8234813" y="4774229"/>
+            <a:ext cx="124478" cy="287409"/>
+          </a:xfrm>
+          <a:prstGeom prst="rect">
+            <a:avLst/>
+          </a:prstGeom>
+          <a:solidFill>
+            <a:schemeClr val="accent6">
+              <a:lumMod val="75000"/>
+            </a:schemeClr>
+          </a:solidFill>
+          <a:ln>
+            <a:solidFill>
+              <a:schemeClr val="accent6">
+                <a:lumMod val="75000"/>
+              </a:schemeClr>
+            </a:solidFill>
+          </a:ln>
+          <a:effectLst/>
+        </p:spPr>
+        <p:style>
+          <a:lnRef idx="1">
+            <a:schemeClr val="accent3"/>
+          </a:lnRef>
+          <a:fillRef idx="2">
+            <a:schemeClr val="accent3"/>
+          </a:fillRef>
+          <a:effectRef idx="1">
+            <a:schemeClr val="accent3"/>
+          </a:effectRef>
+          <a:fontRef idx="minor">
+            <a:schemeClr val="dk1"/>
+          </a:fontRef>
+        </p:style>
+        <p:txBody>
+          <a:bodyPr rtlCol="0" anchor="ctr"/>
+          <a:lstStyle/>
+          <a:p>
+            <a:pPr algn="ctr"/>
+            <a:endParaRPr lang="en-SG" sz="1400">
+              <a:solidFill>
+                <a:schemeClr val="dk1"/>
+              </a:solidFill>
+            </a:endParaRPr>
+          </a:p>
+        </p:txBody>
+      </p:sp>
+      <p:sp>
+        <p:nvSpPr>
+          <p:cNvPr id="33" name="TextBox 32">
+            <a:extLst>
+              <a:ext uri="{FF2B5EF4-FFF2-40B4-BE49-F238E27FC236}">
+                <a16:creationId xmlns:a16="http://schemas.microsoft.com/office/drawing/2014/main" id="{BB0D48A8-D20E-4D79-AE35-5C135BF58EF4}"/>
+              </a:ext>
+            </a:extLst>
+          </p:cNvPr>
+          <p:cNvSpPr txBox="1"/>
+          <p:nvPr/>
+        </p:nvSpPr>
+        <p:spPr>
+          <a:xfrm>
+            <a:off x="1710766" y="4236241"/>
+            <a:ext cx="3205789" cy="215444"/>
+          </a:xfrm>
+          <a:prstGeom prst="rect">
+            <a:avLst/>
+          </a:prstGeom>
+          <a:noFill/>
+        </p:spPr>
+        <p:txBody>
+          <a:bodyPr wrap="square" lIns="0" tIns="0" rIns="0" bIns="0" rtlCol="0">
+            <a:spAutoFit/>
+          </a:bodyPr>
+          <a:lstStyle/>
+          <a:p>
+            <a:r>
+              <a:rPr lang="en-US" sz="1400" dirty="0">
+                <a:solidFill>
+                  <a:schemeClr val="accent5">
+                    <a:lumMod val="75000"/>
+                  </a:schemeClr>
+                </a:solidFill>
+              </a:rPr>
+              <a:t>post(</a:t>
+            </a:r>
+            <a:r>
+              <a:rPr lang="en-US" sz="1400" dirty="0" err="1">
+                <a:solidFill>
+                  <a:schemeClr val="accent5">
+                    <a:lumMod val="75000"/>
+                  </a:schemeClr>
+                </a:solidFill>
+              </a:rPr>
+              <a:t>FilteredCrimeCaseListChangedEvent</a:t>
+            </a:r>
+            <a:r>
+              <a:rPr lang="en-US" sz="1400" dirty="0">
+                <a:solidFill>
+                  <a:schemeClr val="accent5">
+                    <a:lumMod val="75000"/>
+                  </a:schemeClr>
+                </a:solidFill>
+              </a:rPr>
+              <a:t>)</a:t>
+            </a:r>
+          </a:p>
+        </p:txBody>
+      </p:sp>
+      <p:cxnSp>
+        <p:nvCxnSpPr>
+          <p:cNvPr id="34" name="Straight Arrow Connector 33">
+            <a:extLst>
+              <a:ext uri="{FF2B5EF4-FFF2-40B4-BE49-F238E27FC236}">
+                <a16:creationId xmlns:a16="http://schemas.microsoft.com/office/drawing/2014/main" id="{6557B928-B921-49DD-9181-20DA78371ABB}"/>
+              </a:ext>
+            </a:extLst>
+          </p:cNvPr>
+          <p:cNvCxnSpPr/>
+          <p:nvPr/>
+        </p:nvCxnSpPr>
+        <p:spPr>
+          <a:xfrm flipH="1">
+            <a:off x="4916555" y="5061638"/>
+            <a:ext cx="3383941" cy="0"/>
+          </a:xfrm>
+          <a:prstGeom prst="straightConnector1">
+            <a:avLst/>
+          </a:prstGeom>
+          <a:ln w="19050">
+            <a:solidFill>
+              <a:schemeClr val="accent6">
+                <a:lumMod val="75000"/>
+              </a:schemeClr>
+            </a:solidFill>
+            <a:prstDash val="sysDash"/>
+            <a:headEnd type="none" w="med" len="med"/>
+            <a:tailEnd type="arrow" w="med" len="med"/>
+          </a:ln>
+        </p:spPr>
+        <p:style>
+          <a:lnRef idx="1">
+            <a:schemeClr val="accent1"/>
+          </a:lnRef>
+          <a:fillRef idx="0">
+            <a:schemeClr val="accent1"/>
+          </a:fillRef>
+          <a:effectRef idx="0">
+            <a:schemeClr val="accent1"/>
+          </a:effectRef>
+          <a:fontRef idx="minor">
+            <a:schemeClr val="tx1"/>
+          </a:fontRef>
+        </p:style>
+      </p:cxnSp>
+      <p:sp>
+        <p:nvSpPr>
+          <p:cNvPr id="35" name="Rectangle 62">
+            <a:extLst>
+              <a:ext uri="{FF2B5EF4-FFF2-40B4-BE49-F238E27FC236}">
+                <a16:creationId xmlns:a16="http://schemas.microsoft.com/office/drawing/2014/main" id="{27BC7059-7C3F-4EC8-8D65-503D0C3EA2B5}"/>
+              </a:ext>
+            </a:extLst>
+          </p:cNvPr>
+          <p:cNvSpPr/>
+          <p:nvPr/>
+        </p:nvSpPr>
+        <p:spPr>
+          <a:xfrm>
+            <a:off x="4180972" y="3733800"/>
+            <a:ext cx="1371600" cy="346760"/>
+          </a:xfrm>
+          <a:prstGeom prst="rect">
+            <a:avLst/>
+          </a:prstGeom>
+          <a:solidFill>
+            <a:schemeClr val="accent5">
+              <a:lumMod val="75000"/>
+            </a:schemeClr>
+          </a:solidFill>
+          <a:ln w="19050">
+            <a:solidFill>
+              <a:schemeClr val="accent5">
+                <a:lumMod val="75000"/>
+              </a:schemeClr>
+            </a:solidFill>
+          </a:ln>
+          <a:effectLst/>
+        </p:spPr>
+        <p:style>
+          <a:lnRef idx="1">
+            <a:schemeClr val="accent2"/>
+          </a:lnRef>
+          <a:fillRef idx="2">
+            <a:schemeClr val="accent2"/>
+          </a:fillRef>
+          <a:effectRef idx="1">
+            <a:schemeClr val="accent2"/>
+          </a:effectRef>
+          <a:fontRef idx="minor">
+            <a:schemeClr val="dk1"/>
+          </a:fontRef>
+        </p:style>
+        <p:txBody>
+          <a:bodyPr rtlCol="0" anchor="ctr"/>
+          <a:lstStyle/>
+          <a:p>
+            <a:pPr algn="ctr"/>
+            <a:r>
+              <a:rPr lang="en-US" sz="1600" dirty="0">
+                <a:solidFill>
+                  <a:schemeClr val="bg1"/>
+                </a:solidFill>
+              </a:rPr>
+              <a:t>:</a:t>
+            </a:r>
+            <a:r>
+              <a:rPr lang="en-US" sz="1600" dirty="0" err="1">
+                <a:solidFill>
+                  <a:schemeClr val="bg1"/>
+                </a:solidFill>
+              </a:rPr>
+              <a:t>EventsCenter</a:t>
+            </a:r>
+            <a:endParaRPr lang="en-SG" sz="1600" dirty="0">
+              <a:solidFill>
+                <a:schemeClr val="bg1"/>
+              </a:solidFill>
+            </a:endParaRPr>
+          </a:p>
+        </p:txBody>
+      </p:sp>
+      <p:cxnSp>
+        <p:nvCxnSpPr>
+          <p:cNvPr id="36" name="Straight Connector 35">
+            <a:extLst>
+              <a:ext uri="{FF2B5EF4-FFF2-40B4-BE49-F238E27FC236}">
+                <a16:creationId xmlns:a16="http://schemas.microsoft.com/office/drawing/2014/main" id="{B1A7FA24-9610-4E7F-84DA-9BC6573F111C}"/>
+              </a:ext>
+            </a:extLst>
+          </p:cNvPr>
+          <p:cNvCxnSpPr/>
+          <p:nvPr/>
+        </p:nvCxnSpPr>
+        <p:spPr>
+          <a:xfrm>
+            <a:off x="4846557" y="4086854"/>
+            <a:ext cx="0" cy="1723059"/>
+          </a:xfrm>
+          <a:prstGeom prst="line">
+            <a:avLst/>
+          </a:prstGeom>
+          <a:ln w="19050">
+            <a:solidFill>
+              <a:schemeClr val="accent5">
+                <a:lumMod val="75000"/>
+              </a:schemeClr>
+            </a:solidFill>
+            <a:prstDash val="sysDash"/>
+          </a:ln>
+          <a:effectLst/>
+        </p:spPr>
+        <p:style>
+          <a:lnRef idx="1">
+            <a:schemeClr val="accent1"/>
+          </a:lnRef>
+          <a:fillRef idx="2">
+            <a:schemeClr val="accent1"/>
+          </a:fillRef>
+          <a:effectRef idx="1">
+            <a:schemeClr val="accent1"/>
+          </a:effectRef>
+          <a:fontRef idx="minor">
+            <a:schemeClr val="dk1"/>
+          </a:fontRef>
+        </p:style>
+      </p:cxnSp>
+      <p:sp>
+        <p:nvSpPr>
+          <p:cNvPr id="37" name="Rectangle 36">
+            <a:extLst>
+              <a:ext uri="{FF2B5EF4-FFF2-40B4-BE49-F238E27FC236}">
+                <a16:creationId xmlns:a16="http://schemas.microsoft.com/office/drawing/2014/main" id="{FCDF009B-1210-46B9-9CDB-0334A631F661}"/>
+              </a:ext>
+            </a:extLst>
+          </p:cNvPr>
+          <p:cNvSpPr/>
+          <p:nvPr/>
+        </p:nvSpPr>
+        <p:spPr>
+          <a:xfrm>
+            <a:off x="4774549" y="4509787"/>
+            <a:ext cx="142006" cy="1036757"/>
+          </a:xfrm>
+          <a:prstGeom prst="rect">
+            <a:avLst/>
+          </a:prstGeom>
+          <a:solidFill>
+            <a:schemeClr val="accent5">
+              <a:lumMod val="75000"/>
+            </a:schemeClr>
+          </a:solidFill>
+          <a:ln>
+            <a:solidFill>
+              <a:schemeClr val="accent5">
+                <a:lumMod val="75000"/>
+              </a:schemeClr>
+            </a:solidFill>
+          </a:ln>
+          <a:effectLst/>
+        </p:spPr>
+        <p:style>
+          <a:lnRef idx="1">
+            <a:schemeClr val="accent3"/>
+          </a:lnRef>
+          <a:fillRef idx="2">
+            <a:schemeClr val="accent3"/>
+          </a:fillRef>
+          <a:effectRef idx="1">
+            <a:schemeClr val="accent3"/>
+          </a:effectRef>
+          <a:fontRef idx="minor">
+            <a:schemeClr val="dk1"/>
+          </a:fontRef>
+        </p:style>
+        <p:txBody>
+          <a:bodyPr rtlCol="0" anchor="ctr"/>
+          <a:lstStyle/>
+          <a:p>
+            <a:pPr algn="ctr"/>
+            <a:endParaRPr lang="en-SG" sz="1400">
+              <a:solidFill>
+                <a:schemeClr val="dk1"/>
+              </a:solidFill>
+            </a:endParaRPr>
+          </a:p>
+        </p:txBody>
+      </p:sp>
+      <p:cxnSp>
+        <p:nvCxnSpPr>
+          <p:cNvPr id="38" name="Straight Arrow Connector 37">
+            <a:extLst>
+              <a:ext uri="{FF2B5EF4-FFF2-40B4-BE49-F238E27FC236}">
+                <a16:creationId xmlns:a16="http://schemas.microsoft.com/office/drawing/2014/main" id="{D669D0D5-6EDC-4F30-A65F-188903135D8D}"/>
+              </a:ext>
+            </a:extLst>
+          </p:cNvPr>
+          <p:cNvCxnSpPr/>
+          <p:nvPr/>
+        </p:nvCxnSpPr>
+        <p:spPr>
+          <a:xfrm>
+            <a:off x="3468755" y="4509787"/>
+            <a:ext cx="1295400" cy="0"/>
+          </a:xfrm>
+          <a:prstGeom prst="straightConnector1">
+            <a:avLst/>
+          </a:prstGeom>
+          <a:ln w="19050">
+            <a:solidFill>
+              <a:srgbClr val="7030A0"/>
+            </a:solidFill>
+            <a:tailEnd type="arrow"/>
+          </a:ln>
+        </p:spPr>
+        <p:style>
+          <a:lnRef idx="1">
+            <a:schemeClr val="accent1"/>
+          </a:lnRef>
+          <a:fillRef idx="0">
+            <a:schemeClr val="accent1"/>
+          </a:fillRef>
+          <a:effectRef idx="0">
+            <a:schemeClr val="accent1"/>
+          </a:effectRef>
+          <a:fontRef idx="minor">
+            <a:schemeClr val="tx1"/>
+          </a:fontRef>
+        </p:style>
+      </p:cxnSp>
+      <p:cxnSp>
+        <p:nvCxnSpPr>
+          <p:cNvPr id="39" name="Straight Arrow Connector 38">
+            <a:extLst>
+              <a:ext uri="{FF2B5EF4-FFF2-40B4-BE49-F238E27FC236}">
+                <a16:creationId xmlns:a16="http://schemas.microsoft.com/office/drawing/2014/main" id="{78B051F5-E6D5-4C02-BEF1-773AAE027F1E}"/>
+              </a:ext>
+            </a:extLst>
+          </p:cNvPr>
+          <p:cNvCxnSpPr>
+            <a:cxnSpLocks/>
+          </p:cNvCxnSpPr>
+          <p:nvPr/>
+        </p:nvCxnSpPr>
+        <p:spPr>
+          <a:xfrm>
+            <a:off x="2971800" y="5546544"/>
+            <a:ext cx="1842423" cy="0"/>
+          </a:xfrm>
+          <a:prstGeom prst="straightConnector1">
+            <a:avLst/>
+          </a:prstGeom>
+          <a:ln w="19050">
+            <a:solidFill>
+              <a:schemeClr val="accent5">
+                <a:lumMod val="75000"/>
+              </a:schemeClr>
+            </a:solidFill>
+            <a:prstDash val="sysDash"/>
+            <a:headEnd type="arrow" w="med" len="med"/>
+            <a:tailEnd type="none" w="med" len="med"/>
+          </a:ln>
+        </p:spPr>
+        <p:style>
+          <a:lnRef idx="1">
+            <a:schemeClr val="accent1"/>
+          </a:lnRef>
+          <a:fillRef idx="0">
+            <a:schemeClr val="accent1"/>
+          </a:fillRef>
+          <a:effectRef idx="0">
+            <a:schemeClr val="accent1"/>
+          </a:effectRef>
+          <a:fontRef idx="minor">
+            <a:schemeClr val="tx1"/>
+          </a:fontRef>
+        </p:style>
+      </p:cxnSp>
+      <p:cxnSp>
+        <p:nvCxnSpPr>
+          <p:cNvPr id="40" name="Straight Arrow Connector 39">
+            <a:extLst>
+              <a:ext uri="{FF2B5EF4-FFF2-40B4-BE49-F238E27FC236}">
+                <a16:creationId xmlns:a16="http://schemas.microsoft.com/office/drawing/2014/main" id="{775BE384-F8DB-4E42-85AB-16BEC2DB630C}"/>
+              </a:ext>
+            </a:extLst>
+          </p:cNvPr>
+          <p:cNvCxnSpPr/>
+          <p:nvPr/>
+        </p:nvCxnSpPr>
+        <p:spPr>
+          <a:xfrm>
+            <a:off x="4916555" y="4779581"/>
+            <a:ext cx="3318258" cy="0"/>
+          </a:xfrm>
+          <a:prstGeom prst="straightConnector1">
+            <a:avLst/>
+          </a:prstGeom>
+          <a:ln w="19050">
+            <a:solidFill>
+              <a:schemeClr val="accent5">
+                <a:lumMod val="75000"/>
+              </a:schemeClr>
+            </a:solidFill>
+            <a:headEnd type="none" w="med" len="med"/>
+            <a:tailEnd type="arrow" w="med" len="med"/>
+          </a:ln>
+        </p:spPr>
+        <p:style>
+          <a:lnRef idx="1">
+            <a:schemeClr val="accent1"/>
+          </a:lnRef>
+          <a:fillRef idx="0">
+            <a:schemeClr val="accent1"/>
+          </a:fillRef>
+          <a:effectRef idx="0">
+            <a:schemeClr val="accent1"/>
+          </a:effectRef>
+          <a:fontRef idx="minor">
+            <a:schemeClr val="tx1"/>
+          </a:fontRef>
+        </p:style>
+      </p:cxnSp>
+      <p:sp>
+        <p:nvSpPr>
+          <p:cNvPr id="41" name="TextBox 40">
+            <a:extLst>
+              <a:ext uri="{FF2B5EF4-FFF2-40B4-BE49-F238E27FC236}">
+                <a16:creationId xmlns:a16="http://schemas.microsoft.com/office/drawing/2014/main" id="{AA3DC280-4E13-43A9-A43A-1B83876C6710}"/>
+              </a:ext>
+            </a:extLst>
+          </p:cNvPr>
+          <p:cNvSpPr txBox="1"/>
+          <p:nvPr/>
+        </p:nvSpPr>
+        <p:spPr>
+          <a:xfrm>
+            <a:off x="4972669" y="4507911"/>
+            <a:ext cx="3233143" cy="215444"/>
+          </a:xfrm>
+          <a:prstGeom prst="rect">
+            <a:avLst/>
+          </a:prstGeom>
+          <a:noFill/>
+        </p:spPr>
+        <p:txBody>
+          <a:bodyPr wrap="square" lIns="0" tIns="0" rIns="0" bIns="0" rtlCol="0">
+            <a:spAutoFit/>
+          </a:bodyPr>
+          <a:lstStyle/>
+          <a:p>
+            <a:r>
+              <a:rPr lang="en-US" sz="1400" dirty="0" err="1">
+                <a:solidFill>
+                  <a:schemeClr val="accent6">
+                    <a:lumMod val="75000"/>
+                  </a:schemeClr>
+                </a:solidFill>
+              </a:rPr>
+              <a:t>handleFilteredCrimeCaseListChangedEvent</a:t>
+            </a:r>
+            <a:r>
+              <a:rPr lang="en-US" sz="1400" dirty="0">
+                <a:solidFill>
+                  <a:schemeClr val="accent6">
+                    <a:lumMod val="75000"/>
+                  </a:schemeClr>
+                </a:solidFill>
+              </a:rPr>
+              <a:t>()</a:t>
+            </a:r>
+          </a:p>
+        </p:txBody>
+      </p:sp>
+      <p:sp>
+        <p:nvSpPr>
+          <p:cNvPr id="42" name="Rectangle 62">
+            <a:extLst>
+              <a:ext uri="{FF2B5EF4-FFF2-40B4-BE49-F238E27FC236}">
+                <a16:creationId xmlns:a16="http://schemas.microsoft.com/office/drawing/2014/main" id="{26779B97-2650-48CA-A4BC-06CD5CB185BB}"/>
+              </a:ext>
+            </a:extLst>
+          </p:cNvPr>
+          <p:cNvSpPr/>
+          <p:nvPr/>
+        </p:nvSpPr>
+        <p:spPr>
+          <a:xfrm>
+            <a:off x="837465" y="3733800"/>
+            <a:ext cx="1093635" cy="346760"/>
+          </a:xfrm>
+          <a:prstGeom prst="rect">
+            <a:avLst/>
+          </a:prstGeom>
+          <a:solidFill>
+            <a:srgbClr val="00B050"/>
+          </a:solidFill>
+          <a:ln w="19050">
+            <a:solidFill>
+              <a:srgbClr val="00B050"/>
+            </a:solidFill>
+          </a:ln>
+          <a:effectLst/>
+        </p:spPr>
+        <p:style>
+          <a:lnRef idx="1">
+            <a:schemeClr val="accent2"/>
+          </a:lnRef>
+          <a:fillRef idx="2">
+            <a:schemeClr val="accent2"/>
+          </a:fillRef>
+          <a:effectRef idx="1">
+            <a:schemeClr val="accent2"/>
+          </a:effectRef>
+          <a:fontRef idx="minor">
+            <a:schemeClr val="dk1"/>
+          </a:fontRef>
+        </p:style>
+        <p:txBody>
+          <a:bodyPr rtlCol="0" anchor="ctr"/>
+          <a:lstStyle/>
+          <a:p>
+            <a:pPr algn="ctr"/>
+            <a:r>
+              <a:rPr lang="en-US" sz="1600" dirty="0">
+                <a:solidFill>
+                  <a:schemeClr val="bg1"/>
+                </a:solidFill>
+              </a:rPr>
+              <a:t>:UI</a:t>
+            </a:r>
+            <a:endParaRPr lang="en-SG" sz="1600" dirty="0">
+              <a:solidFill>
+                <a:schemeClr val="bg1"/>
+              </a:solidFill>
+            </a:endParaRPr>
+          </a:p>
+        </p:txBody>
+      </p:sp>
+      <p:cxnSp>
+        <p:nvCxnSpPr>
+          <p:cNvPr id="43" name="Straight Connector 42">
+            <a:extLst>
+              <a:ext uri="{FF2B5EF4-FFF2-40B4-BE49-F238E27FC236}">
+                <a16:creationId xmlns:a16="http://schemas.microsoft.com/office/drawing/2014/main" id="{9360D430-9E42-471B-BF3E-04F02572A7F6}"/>
+              </a:ext>
+            </a:extLst>
+          </p:cNvPr>
+          <p:cNvCxnSpPr/>
+          <p:nvPr/>
+        </p:nvCxnSpPr>
+        <p:spPr>
+          <a:xfrm>
+            <a:off x="1384282" y="4097471"/>
+            <a:ext cx="0" cy="1723059"/>
+          </a:xfrm>
+          <a:prstGeom prst="line">
+            <a:avLst/>
+          </a:prstGeom>
+          <a:ln w="19050">
+            <a:solidFill>
+              <a:srgbClr val="00B050"/>
+            </a:solidFill>
+            <a:prstDash val="sysDash"/>
+          </a:ln>
+          <a:effectLst/>
+        </p:spPr>
+        <p:style>
+          <a:lnRef idx="1">
+            <a:schemeClr val="accent1"/>
+          </a:lnRef>
+          <a:fillRef idx="2">
+            <a:schemeClr val="accent1"/>
+          </a:fillRef>
+          <a:effectRef idx="1">
+            <a:schemeClr val="accent1"/>
+          </a:effectRef>
+          <a:fontRef idx="minor">
+            <a:schemeClr val="dk1"/>
+          </a:fontRef>
+        </p:style>
+      </p:cxnSp>
+      <p:sp>
+        <p:nvSpPr>
+          <p:cNvPr id="44" name="Rectangle 43">
+            <a:extLst>
+              <a:ext uri="{FF2B5EF4-FFF2-40B4-BE49-F238E27FC236}">
+                <a16:creationId xmlns:a16="http://schemas.microsoft.com/office/drawing/2014/main" id="{A953D325-7604-4DEF-970A-F0258D30F11D}"/>
+              </a:ext>
+            </a:extLst>
+          </p:cNvPr>
+          <p:cNvSpPr/>
+          <p:nvPr/>
+        </p:nvSpPr>
+        <p:spPr>
+          <a:xfrm>
+            <a:off x="1312274" y="5125950"/>
+            <a:ext cx="130545" cy="273128"/>
+          </a:xfrm>
+          <a:prstGeom prst="rect">
+            <a:avLst/>
+          </a:prstGeom>
+          <a:solidFill>
+            <a:srgbClr val="00B050"/>
+          </a:solidFill>
+          <a:ln>
+            <a:solidFill>
+              <a:srgbClr val="00B050"/>
+            </a:solidFill>
+          </a:ln>
+          <a:effectLst/>
+        </p:spPr>
+        <p:style>
+          <a:lnRef idx="1">
+            <a:schemeClr val="accent3"/>
+          </a:lnRef>
+          <a:fillRef idx="2">
+            <a:schemeClr val="accent3"/>
+          </a:fillRef>
+          <a:effectRef idx="1">
+            <a:schemeClr val="accent3"/>
+          </a:effectRef>
+          <a:fontRef idx="minor">
+            <a:schemeClr val="dk1"/>
+          </a:fontRef>
+        </p:style>
+        <p:txBody>
+          <a:bodyPr rtlCol="0" anchor="ctr"/>
+          <a:lstStyle/>
+          <a:p>
+            <a:pPr algn="ctr"/>
+            <a:endParaRPr lang="en-SG" sz="1400">
+              <a:solidFill>
+                <a:schemeClr val="dk1"/>
+              </a:solidFill>
+            </a:endParaRPr>
+          </a:p>
+        </p:txBody>
+      </p:sp>
+      <p:cxnSp>
+        <p:nvCxnSpPr>
+          <p:cNvPr id="45" name="Straight Arrow Connector 44">
+            <a:extLst>
+              <a:ext uri="{FF2B5EF4-FFF2-40B4-BE49-F238E27FC236}">
+                <a16:creationId xmlns:a16="http://schemas.microsoft.com/office/drawing/2014/main" id="{DD3DC297-37B0-4BA3-BEEE-4E9E37690AB3}"/>
+              </a:ext>
+            </a:extLst>
+          </p:cNvPr>
+          <p:cNvCxnSpPr>
+            <a:cxnSpLocks/>
+          </p:cNvCxnSpPr>
+          <p:nvPr/>
+        </p:nvCxnSpPr>
+        <p:spPr>
+          <a:xfrm flipH="1">
+            <a:off x="1527737" y="5382167"/>
+            <a:ext cx="3272774" cy="0"/>
+          </a:xfrm>
+          <a:prstGeom prst="straightConnector1">
+            <a:avLst/>
+          </a:prstGeom>
+          <a:ln w="19050">
+            <a:solidFill>
+              <a:srgbClr val="00B050"/>
+            </a:solidFill>
+            <a:prstDash val="sysDash"/>
+            <a:headEnd type="arrow" w="med" len="med"/>
+            <a:tailEnd type="none" w="med" len="med"/>
+          </a:ln>
+        </p:spPr>
+        <p:style>
+          <a:lnRef idx="1">
+            <a:schemeClr val="accent1"/>
+          </a:lnRef>
+          <a:fillRef idx="0">
+            <a:schemeClr val="accent1"/>
+          </a:fillRef>
+          <a:effectRef idx="0">
+            <a:schemeClr val="accent1"/>
+          </a:effectRef>
+          <a:fontRef idx="minor">
+            <a:schemeClr val="tx1"/>
+          </a:fontRef>
+        </p:style>
+      </p:cxnSp>
+      <p:cxnSp>
+        <p:nvCxnSpPr>
+          <p:cNvPr id="46" name="Straight Arrow Connector 45">
+            <a:extLst>
+              <a:ext uri="{FF2B5EF4-FFF2-40B4-BE49-F238E27FC236}">
+                <a16:creationId xmlns:a16="http://schemas.microsoft.com/office/drawing/2014/main" id="{C93C644D-3834-4B24-BF0A-FDDF50C0061F}"/>
+              </a:ext>
+            </a:extLst>
+          </p:cNvPr>
+          <p:cNvCxnSpPr>
+            <a:cxnSpLocks/>
+          </p:cNvCxnSpPr>
+          <p:nvPr/>
+        </p:nvCxnSpPr>
+        <p:spPr>
+          <a:xfrm>
+            <a:off x="1426737" y="5109039"/>
+            <a:ext cx="3373773" cy="0"/>
+          </a:xfrm>
+          <a:prstGeom prst="straightConnector1">
+            <a:avLst/>
+          </a:prstGeom>
+          <a:ln w="19050">
+            <a:solidFill>
+              <a:schemeClr val="accent5">
+                <a:lumMod val="75000"/>
+              </a:schemeClr>
+            </a:solidFill>
+            <a:headEnd type="arrow" w="med" len="med"/>
+            <a:tailEnd type="none" w="med" len="med"/>
+          </a:ln>
+        </p:spPr>
+        <p:style>
+          <a:lnRef idx="1">
+            <a:schemeClr val="accent1"/>
+          </a:lnRef>
+          <a:fillRef idx="0">
+            <a:schemeClr val="accent1"/>
+          </a:fillRef>
+          <a:effectRef idx="0">
+            <a:schemeClr val="accent1"/>
+          </a:effectRef>
+          <a:fontRef idx="minor">
+            <a:schemeClr val="tx1"/>
+          </a:fontRef>
+        </p:style>
+      </p:cxnSp>
+      <p:sp>
+        <p:nvSpPr>
+          <p:cNvPr id="47" name="TextBox 46">
+            <a:extLst>
+              <a:ext uri="{FF2B5EF4-FFF2-40B4-BE49-F238E27FC236}">
+                <a16:creationId xmlns:a16="http://schemas.microsoft.com/office/drawing/2014/main" id="{D3C44AC9-8E63-44F6-845F-F08AA3E86078}"/>
+              </a:ext>
+            </a:extLst>
+          </p:cNvPr>
+          <p:cNvSpPr txBox="1"/>
+          <p:nvPr/>
+        </p:nvSpPr>
+        <p:spPr>
+          <a:xfrm>
+            <a:off x="1489393" y="4834367"/>
+            <a:ext cx="3242443" cy="215444"/>
+          </a:xfrm>
+          <a:prstGeom prst="rect">
+            <a:avLst/>
+          </a:prstGeom>
+          <a:noFill/>
+        </p:spPr>
+        <p:txBody>
+          <a:bodyPr wrap="square" lIns="0" tIns="0" rIns="0" bIns="0" rtlCol="0">
+            <a:spAutoFit/>
+          </a:bodyPr>
+          <a:lstStyle/>
+          <a:p>
+            <a:r>
+              <a:rPr lang="en-US" sz="1400" dirty="0" err="1">
+                <a:solidFill>
+                  <a:srgbClr val="00B050"/>
+                </a:solidFill>
+              </a:rPr>
+              <a:t>handleFilteredCrimeCaseListChangedEvent</a:t>
+            </a:r>
+            <a:r>
+              <a:rPr lang="en-US" sz="1400" dirty="0">
+                <a:solidFill>
+                  <a:srgbClr val="00B050"/>
+                </a:solidFill>
+              </a:rPr>
+              <a:t>()</a:t>
+            </a:r>
+          </a:p>
+        </p:txBody>
+      </p:sp>
+      <p:grpSp>
+        <p:nvGrpSpPr>
+          <p:cNvPr id="48" name="Group 47">
+            <a:extLst>
+              <a:ext uri="{FF2B5EF4-FFF2-40B4-BE49-F238E27FC236}">
+                <a16:creationId xmlns:a16="http://schemas.microsoft.com/office/drawing/2014/main" id="{E1B7F33B-72BB-47C4-BF27-6A9F7339C4B0}"/>
+              </a:ext>
+            </a:extLst>
+          </p:cNvPr>
+          <p:cNvGrpSpPr/>
+          <p:nvPr/>
+        </p:nvGrpSpPr>
+        <p:grpSpPr>
+          <a:xfrm>
+            <a:off x="1143965" y="5067510"/>
+            <a:ext cx="217349" cy="270072"/>
+            <a:chOff x="1028134" y="5612032"/>
+            <a:chExt cx="217349" cy="270072"/>
+          </a:xfrm>
+        </p:grpSpPr>
+        <p:sp>
+          <p:nvSpPr>
+            <p:cNvPr id="49" name="Freeform 11">
+              <a:extLst>
+                <a:ext uri="{FF2B5EF4-FFF2-40B4-BE49-F238E27FC236}">
+                  <a16:creationId xmlns:a16="http://schemas.microsoft.com/office/drawing/2014/main" id="{E3D86EFB-998D-4944-888D-F6D3E6B3A1BE}"/>
+                </a:ext>
+              </a:extLst>
+            </p:cNvPr>
+            <p:cNvSpPr/>
+            <p:nvPr/>
+          </p:nvSpPr>
+          <p:spPr>
+            <a:xfrm rot="2600998" flipH="1" flipV="1">
+              <a:off x="1028134" y="5612032"/>
+              <a:ext cx="167452" cy="116880"/>
+            </a:xfrm>
+            <a:custGeom>
+              <a:avLst/>
+              <a:gdLst>
+                <a:gd name="connsiteX0" fmla="*/ 0 w 226400"/>
+                <a:gd name="connsiteY0" fmla="*/ 32920 h 171466"/>
+                <a:gd name="connsiteX1" fmla="*/ 157018 w 226400"/>
+                <a:gd name="connsiteY1" fmla="*/ 5211 h 171466"/>
+                <a:gd name="connsiteX2" fmla="*/ 221673 w 226400"/>
+                <a:gd name="connsiteY2" fmla="*/ 125284 h 171466"/>
+                <a:gd name="connsiteX3" fmla="*/ 36945 w 226400"/>
+                <a:gd name="connsiteY3" fmla="*/ 171466 h 171466"/>
+              </a:gdLst>
+              <a:ahLst/>
+              <a:cxnLst>
+                <a:cxn ang="0">
+                  <a:pos x="connsiteX0" y="connsiteY0"/>
+                </a:cxn>
+                <a:cxn ang="0">
+                  <a:pos x="connsiteX1" y="connsiteY1"/>
+                </a:cxn>
+                <a:cxn ang="0">
+                  <a:pos x="connsiteX2" y="connsiteY2"/>
+                </a:cxn>
+                <a:cxn ang="0">
+                  <a:pos x="connsiteX3" y="connsiteY3"/>
+                </a:cxn>
+              </a:cxnLst>
+              <a:rect l="l" t="t" r="r" b="b"/>
+              <a:pathLst>
+                <a:path w="226400" h="171466">
+                  <a:moveTo>
+                    <a:pt x="0" y="32920"/>
+                  </a:moveTo>
+                  <a:cubicBezTo>
+                    <a:pt x="60036" y="11368"/>
+                    <a:pt x="120073" y="-10183"/>
+                    <a:pt x="157018" y="5211"/>
+                  </a:cubicBezTo>
+                  <a:cubicBezTo>
+                    <a:pt x="193963" y="20605"/>
+                    <a:pt x="241685" y="97575"/>
+                    <a:pt x="221673" y="125284"/>
+                  </a:cubicBezTo>
+                  <a:cubicBezTo>
+                    <a:pt x="201661" y="152993"/>
+                    <a:pt x="119303" y="162229"/>
+                    <a:pt x="36945" y="171466"/>
+                  </a:cubicBezTo>
+                </a:path>
+              </a:pathLst>
+            </a:custGeom>
+            <a:ln w="19050">
+              <a:solidFill>
+                <a:srgbClr val="00B050"/>
+              </a:solidFill>
+              <a:headEnd type="arrow" w="med" len="med"/>
+              <a:tailEnd type="none" w="med" len="med"/>
+            </a:ln>
+          </p:spPr>
+          <p:style>
+            <a:lnRef idx="1">
+              <a:schemeClr val="accent1"/>
+            </a:lnRef>
+            <a:fillRef idx="0">
+              <a:schemeClr val="accent1"/>
+            </a:fillRef>
+            <a:effectRef idx="0">
+              <a:schemeClr val="accent1"/>
+            </a:effectRef>
+            <a:fontRef idx="minor">
+              <a:schemeClr val="tx1"/>
+            </a:fontRef>
+          </p:style>
+          <p:txBody>
+            <a:bodyPr rtlCol="0" anchor="ctr"/>
+            <a:lstStyle/>
+            <a:p>
+              <a:pPr algn="ctr"/>
+              <a:endParaRPr lang="en-SG"/>
+            </a:p>
+          </p:txBody>
+        </p:sp>
+        <p:sp>
+          <p:nvSpPr>
+            <p:cNvPr id="50" name="Rectangle 49">
+              <a:extLst>
+                <a:ext uri="{FF2B5EF4-FFF2-40B4-BE49-F238E27FC236}">
+                  <a16:creationId xmlns:a16="http://schemas.microsoft.com/office/drawing/2014/main" id="{204A9E58-549C-42CF-BB63-0B807EA5792D}"/>
+                </a:ext>
+              </a:extLst>
+            </p:cNvPr>
+            <p:cNvSpPr/>
+            <p:nvPr/>
+          </p:nvSpPr>
+          <p:spPr>
+            <a:xfrm>
+              <a:off x="1147403" y="5712513"/>
+              <a:ext cx="98080" cy="169591"/>
+            </a:xfrm>
+            <a:prstGeom prst="rect">
+              <a:avLst/>
+            </a:prstGeom>
+            <a:solidFill>
+              <a:srgbClr val="00B050"/>
+            </a:solidFill>
+            <a:ln>
+              <a:solidFill>
+                <a:schemeClr val="bg1"/>
+              </a:solidFill>
+            </a:ln>
+            <a:effectLst/>
+          </p:spPr>
+          <p:style>
+            <a:lnRef idx="1">
+              <a:schemeClr val="accent3"/>
+            </a:lnRef>
+            <a:fillRef idx="2">
+              <a:schemeClr val="accent3"/>
+            </a:fillRef>
+            <a:effectRef idx="1">
+              <a:schemeClr val="accent3"/>
+            </a:effectRef>
+            <a:fontRef idx="minor">
+              <a:schemeClr val="dk1"/>
+            </a:fontRef>
+          </p:style>
+          <p:txBody>
+            <a:bodyPr rtlCol="0" anchor="ctr"/>
+            <a:lstStyle/>
+            <a:p>
+              <a:pPr algn="ctr"/>
+              <a:endParaRPr lang="en-SG" sz="1400">
+                <a:solidFill>
+                  <a:schemeClr val="dk1"/>
+                </a:solidFill>
+              </a:endParaRPr>
+            </a:p>
+          </p:txBody>
+        </p:sp>
+      </p:grpSp>
+      <p:sp>
+        <p:nvSpPr>
+          <p:cNvPr id="51" name="TextBox 50">
+            <a:extLst>
+              <a:ext uri="{FF2B5EF4-FFF2-40B4-BE49-F238E27FC236}">
+                <a16:creationId xmlns:a16="http://schemas.microsoft.com/office/drawing/2014/main" id="{66DA110C-4B85-4B72-B11D-53B26499F777}"/>
+              </a:ext>
+            </a:extLst>
+          </p:cNvPr>
+          <p:cNvSpPr txBox="1"/>
+          <p:nvPr/>
+        </p:nvSpPr>
+        <p:spPr>
+          <a:xfrm>
+            <a:off x="-245005" y="4891621"/>
+            <a:ext cx="1289072" cy="646331"/>
+          </a:xfrm>
+          <a:prstGeom prst="rect">
+            <a:avLst/>
+          </a:prstGeom>
+          <a:noFill/>
+        </p:spPr>
+        <p:txBody>
+          <a:bodyPr wrap="square" lIns="0" tIns="0" rIns="0" bIns="0" rtlCol="0">
+            <a:spAutoFit/>
+          </a:bodyPr>
+          <a:lstStyle/>
+          <a:p>
+            <a:pPr algn="r"/>
+            <a:r>
+              <a:rPr lang="en-US" sz="1400" dirty="0">
+                <a:solidFill>
+                  <a:srgbClr val="00B050"/>
+                </a:solidFill>
+              </a:rPr>
+              <a:t>Update calendar view by updating the entries</a:t>
+            </a:r>
+          </a:p>
+        </p:txBody>
+      </p:sp>
+      <p:grpSp>
+        <p:nvGrpSpPr>
+          <p:cNvPr id="52" name="Group 51">
+            <a:extLst>
+              <a:ext uri="{FF2B5EF4-FFF2-40B4-BE49-F238E27FC236}">
+                <a16:creationId xmlns:a16="http://schemas.microsoft.com/office/drawing/2014/main" id="{27FEFB21-3930-478C-BA50-8A7F51A7253D}"/>
+              </a:ext>
+            </a:extLst>
+          </p:cNvPr>
+          <p:cNvGrpSpPr/>
+          <p:nvPr/>
+        </p:nvGrpSpPr>
+        <p:grpSpPr>
+          <a:xfrm flipH="1">
+            <a:off x="8326668" y="4774229"/>
+            <a:ext cx="217349" cy="270072"/>
+            <a:chOff x="1028134" y="5612032"/>
+            <a:chExt cx="217349" cy="270072"/>
+          </a:xfrm>
+        </p:grpSpPr>
+        <p:sp>
+          <p:nvSpPr>
+            <p:cNvPr id="53" name="Freeform 58">
+              <a:extLst>
+                <a:ext uri="{FF2B5EF4-FFF2-40B4-BE49-F238E27FC236}">
+                  <a16:creationId xmlns:a16="http://schemas.microsoft.com/office/drawing/2014/main" id="{4EF09101-1F19-4A6C-AA6C-41C4D09D903A}"/>
+                </a:ext>
+              </a:extLst>
+            </p:cNvPr>
+            <p:cNvSpPr/>
+            <p:nvPr/>
+          </p:nvSpPr>
+          <p:spPr>
+            <a:xfrm rot="2600998" flipH="1" flipV="1">
+              <a:off x="1028134" y="5612032"/>
+              <a:ext cx="167452" cy="116880"/>
+            </a:xfrm>
+            <a:custGeom>
+              <a:avLst/>
+              <a:gdLst>
+                <a:gd name="connsiteX0" fmla="*/ 0 w 226400"/>
+                <a:gd name="connsiteY0" fmla="*/ 32920 h 171466"/>
+                <a:gd name="connsiteX1" fmla="*/ 157018 w 226400"/>
+                <a:gd name="connsiteY1" fmla="*/ 5211 h 171466"/>
+                <a:gd name="connsiteX2" fmla="*/ 221673 w 226400"/>
+                <a:gd name="connsiteY2" fmla="*/ 125284 h 171466"/>
+                <a:gd name="connsiteX3" fmla="*/ 36945 w 226400"/>
+                <a:gd name="connsiteY3" fmla="*/ 171466 h 171466"/>
+              </a:gdLst>
+              <a:ahLst/>
+              <a:cxnLst>
+                <a:cxn ang="0">
+                  <a:pos x="connsiteX0" y="connsiteY0"/>
+                </a:cxn>
+                <a:cxn ang="0">
+                  <a:pos x="connsiteX1" y="connsiteY1"/>
+                </a:cxn>
+                <a:cxn ang="0">
+                  <a:pos x="connsiteX2" y="connsiteY2"/>
+                </a:cxn>
+                <a:cxn ang="0">
+                  <a:pos x="connsiteX3" y="connsiteY3"/>
+                </a:cxn>
+              </a:cxnLst>
+              <a:rect l="l" t="t" r="r" b="b"/>
+              <a:pathLst>
+                <a:path w="226400" h="171466">
+                  <a:moveTo>
+                    <a:pt x="0" y="32920"/>
+                  </a:moveTo>
+                  <a:cubicBezTo>
+                    <a:pt x="60036" y="11368"/>
+                    <a:pt x="120073" y="-10183"/>
+                    <a:pt x="157018" y="5211"/>
+                  </a:cubicBezTo>
+                  <a:cubicBezTo>
+                    <a:pt x="193963" y="20605"/>
+                    <a:pt x="241685" y="97575"/>
+                    <a:pt x="221673" y="125284"/>
+                  </a:cubicBezTo>
+                  <a:cubicBezTo>
+                    <a:pt x="201661" y="152993"/>
+                    <a:pt x="119303" y="162229"/>
+                    <a:pt x="36945" y="171466"/>
+                  </a:cubicBezTo>
+                </a:path>
+              </a:pathLst>
+            </a:custGeom>
+            <a:ln w="19050">
+              <a:solidFill>
+                <a:schemeClr val="accent6">
+                  <a:lumMod val="75000"/>
+                </a:schemeClr>
+              </a:solidFill>
+              <a:headEnd type="arrow" w="med" len="med"/>
+              <a:tailEnd type="none" w="med" len="med"/>
+            </a:ln>
+          </p:spPr>
+          <p:style>
+            <a:lnRef idx="1">
+              <a:schemeClr val="accent1"/>
+            </a:lnRef>
+            <a:fillRef idx="0">
+              <a:schemeClr val="accent1"/>
+            </a:fillRef>
+            <a:effectRef idx="0">
+              <a:schemeClr val="accent1"/>
+            </a:effectRef>
+            <a:fontRef idx="minor">
+              <a:schemeClr val="tx1"/>
+            </a:fontRef>
+          </p:style>
+          <p:txBody>
+            <a:bodyPr rtlCol="0" anchor="ctr"/>
+            <a:lstStyle/>
+            <a:p>
+              <a:pPr algn="ctr"/>
+              <a:endParaRPr lang="en-SG"/>
+            </a:p>
+          </p:txBody>
+        </p:sp>
+        <p:sp>
+          <p:nvSpPr>
+            <p:cNvPr id="54" name="Rectangle 53">
+              <a:extLst>
+                <a:ext uri="{FF2B5EF4-FFF2-40B4-BE49-F238E27FC236}">
+                  <a16:creationId xmlns:a16="http://schemas.microsoft.com/office/drawing/2014/main" id="{17C9D1EA-5497-4C39-89B3-DE1068CCF602}"/>
+                </a:ext>
+              </a:extLst>
+            </p:cNvPr>
+            <p:cNvSpPr/>
+            <p:nvPr/>
+          </p:nvSpPr>
+          <p:spPr>
+            <a:xfrm>
+              <a:off x="1147403" y="5712513"/>
+              <a:ext cx="98080" cy="169591"/>
+            </a:xfrm>
+            <a:prstGeom prst="rect">
+              <a:avLst/>
+            </a:prstGeom>
+            <a:solidFill>
+              <a:schemeClr val="accent6">
+                <a:lumMod val="75000"/>
+              </a:schemeClr>
+            </a:solidFill>
+            <a:ln>
+              <a:solidFill>
+                <a:schemeClr val="bg1"/>
+              </a:solidFill>
+            </a:ln>
+            <a:effectLst/>
+          </p:spPr>
+          <p:style>
+            <a:lnRef idx="1">
+              <a:schemeClr val="accent3"/>
+            </a:lnRef>
+            <a:fillRef idx="2">
+              <a:schemeClr val="accent3"/>
+            </a:fillRef>
+            <a:effectRef idx="1">
+              <a:schemeClr val="accent3"/>
+            </a:effectRef>
+            <a:fontRef idx="minor">
+              <a:schemeClr val="dk1"/>
+            </a:fontRef>
+          </p:style>
+          <p:txBody>
+            <a:bodyPr rtlCol="0" anchor="ctr"/>
+            <a:lstStyle/>
+            <a:p>
+              <a:pPr algn="ctr"/>
+              <a:endParaRPr lang="en-SG" sz="1400">
+                <a:solidFill>
+                  <a:schemeClr val="dk1"/>
+                </a:solidFill>
+              </a:endParaRPr>
+            </a:p>
+          </p:txBody>
+        </p:sp>
+      </p:grpSp>
+      <p:sp>
+        <p:nvSpPr>
+          <p:cNvPr id="55" name="TextBox 54">
+            <a:extLst>
+              <a:ext uri="{FF2B5EF4-FFF2-40B4-BE49-F238E27FC236}">
+                <a16:creationId xmlns:a16="http://schemas.microsoft.com/office/drawing/2014/main" id="{1087F543-DA96-46E1-A6A5-2E5D29BA0AB2}"/>
+              </a:ext>
+            </a:extLst>
+          </p:cNvPr>
+          <p:cNvSpPr txBox="1"/>
+          <p:nvPr/>
+        </p:nvSpPr>
+        <p:spPr>
+          <a:xfrm>
+            <a:off x="8613779" y="4619559"/>
+            <a:ext cx="539047" cy="430887"/>
+          </a:xfrm>
+          <a:prstGeom prst="rect">
+            <a:avLst/>
+          </a:prstGeom>
+          <a:noFill/>
+        </p:spPr>
+        <p:txBody>
+          <a:bodyPr wrap="square" lIns="0" tIns="0" rIns="0" bIns="0" rtlCol="0">
+            <a:spAutoFit/>
+          </a:bodyPr>
+          <a:lstStyle/>
+          <a:p>
+            <a:r>
+              <a:rPr lang="en-US" sz="1400" dirty="0">
+                <a:solidFill>
+                  <a:schemeClr val="accent6">
+                    <a:lumMod val="75000"/>
+                  </a:schemeClr>
+                </a:solidFill>
+              </a:rPr>
+              <a:t>Save </a:t>
+            </a:r>
+            <a:br>
+              <a:rPr lang="en-US" sz="1400" dirty="0">
+                <a:solidFill>
+                  <a:schemeClr val="accent6">
+                    <a:lumMod val="75000"/>
+                  </a:schemeClr>
+                </a:solidFill>
+              </a:rPr>
+            </a:br>
+            <a:r>
+              <a:rPr lang="en-US" sz="1400" dirty="0">
+                <a:solidFill>
+                  <a:schemeClr val="accent6">
+                    <a:lumMod val="75000"/>
+                  </a:schemeClr>
+                </a:solidFill>
+              </a:rPr>
+              <a:t>to file</a:t>
+            </a:r>
+          </a:p>
+        </p:txBody>
+      </p:sp>
+    </p:spTree>
+    <p:extLst>
+      <p:ext uri="{BB962C8B-B14F-4D97-AF65-F5344CB8AC3E}">
+        <p14:creationId xmlns:p14="http://schemas.microsoft.com/office/powerpoint/2010/main" val="1476195209"/>
+      </p:ext>
+    </p:extLst>
+  </p:cSld>
+  <p:clrMapOvr>
+    <a:masterClrMapping/>
+  </p:clrMapOvr>
+</p:sld>
+</file>
+
+<file path=ppt/slides/slide3.xml><?xml version="1.0" encoding="utf-8"?>
+<p:sld xmlns:a="http://schemas.openxmlformats.org/drawingml/2006/main" xmlns:r="http://schemas.openxmlformats.org/officeDocument/2006/relationships" xmlns:p="http://schemas.openxmlformats.org/presentationml/2006/main">
+  <p:cSld>
+    <p:spTree>
+      <p:nvGrpSpPr>
+        <p:cNvPr id="1" name=""/>
+        <p:cNvGrpSpPr/>
+        <p:nvPr/>
+      </p:nvGrpSpPr>
+      <p:grpSpPr>
+        <a:xfrm>
+          <a:off x="0" y="0"/>
+          <a:ext cx="0" cy="0"/>
+          <a:chOff x="0" y="0"/>
+          <a:chExt cx="0" cy="0"/>
+        </a:xfrm>
+      </p:grpSpPr>
+      <p:sp>
+        <p:nvSpPr>
+          <p:cNvPr id="2" name="Rectangle 62">
+            <a:extLst>
+              <a:ext uri="{FF2B5EF4-FFF2-40B4-BE49-F238E27FC236}">
+                <a16:creationId xmlns:a16="http://schemas.microsoft.com/office/drawing/2014/main" id="{549ACFEC-FB30-4D67-B5F3-D07141C6FB13}"/>
+              </a:ext>
+            </a:extLst>
+          </p:cNvPr>
+          <p:cNvSpPr/>
+          <p:nvPr/>
+        </p:nvSpPr>
+        <p:spPr>
+          <a:xfrm>
+            <a:off x="1111860" y="607926"/>
+            <a:ext cx="1093635" cy="346760"/>
+          </a:xfrm>
+          <a:prstGeom prst="rect">
+            <a:avLst/>
+          </a:prstGeom>
+          <a:solidFill>
+            <a:srgbClr val="00B050"/>
+          </a:solidFill>
+          <a:ln w="19050">
+            <a:solidFill>
+              <a:srgbClr val="00B050"/>
+            </a:solidFill>
+          </a:ln>
+          <a:effectLst/>
+        </p:spPr>
+        <p:style>
+          <a:lnRef idx="1">
+            <a:schemeClr val="accent2"/>
+          </a:lnRef>
+          <a:fillRef idx="2">
+            <a:schemeClr val="accent2"/>
+          </a:fillRef>
+          <a:effectRef idx="1">
+            <a:schemeClr val="accent2"/>
+          </a:effectRef>
+          <a:fontRef idx="minor">
+            <a:schemeClr val="dk1"/>
+          </a:fontRef>
+        </p:style>
+        <p:txBody>
+          <a:bodyPr rtlCol="0" anchor="ctr"/>
+          <a:lstStyle/>
+          <a:p>
+            <a:pPr algn="ctr"/>
+            <a:r>
+              <a:rPr lang="en-US" sz="1600" dirty="0">
+                <a:solidFill>
+                  <a:schemeClr val="bg1"/>
+                </a:solidFill>
+              </a:rPr>
+              <a:t>:UI</a:t>
+            </a:r>
+            <a:endParaRPr lang="en-SG" sz="1600" dirty="0">
+              <a:solidFill>
+                <a:schemeClr val="bg1"/>
+              </a:solidFill>
+            </a:endParaRPr>
+          </a:p>
+        </p:txBody>
+      </p:sp>
+      <p:cxnSp>
+        <p:nvCxnSpPr>
+          <p:cNvPr id="3" name="Straight Connector 2">
+            <a:extLst>
+              <a:ext uri="{FF2B5EF4-FFF2-40B4-BE49-F238E27FC236}">
+                <a16:creationId xmlns:a16="http://schemas.microsoft.com/office/drawing/2014/main" id="{F36481A2-5724-473F-8D42-BBA3F0F3C9EE}"/>
+              </a:ext>
+            </a:extLst>
+          </p:cNvPr>
+          <p:cNvCxnSpPr/>
+          <p:nvPr/>
+        </p:nvCxnSpPr>
+        <p:spPr>
+          <a:xfrm>
+            <a:off x="1658677" y="971597"/>
+            <a:ext cx="0" cy="1723059"/>
+          </a:xfrm>
+          <a:prstGeom prst="line">
+            <a:avLst/>
+          </a:prstGeom>
+          <a:ln w="19050">
+            <a:solidFill>
+              <a:srgbClr val="00B050"/>
+            </a:solidFill>
+            <a:prstDash val="sysDash"/>
+          </a:ln>
+          <a:effectLst/>
+        </p:spPr>
+        <p:style>
+          <a:lnRef idx="1">
+            <a:schemeClr val="accent1"/>
+          </a:lnRef>
+          <a:fillRef idx="2">
+            <a:schemeClr val="accent1"/>
+          </a:fillRef>
+          <a:effectRef idx="1">
+            <a:schemeClr val="accent1"/>
+          </a:effectRef>
+          <a:fontRef idx="minor">
+            <a:schemeClr val="dk1"/>
+          </a:fontRef>
+        </p:style>
+      </p:cxnSp>
+      <p:sp>
+        <p:nvSpPr>
+          <p:cNvPr id="4" name="Rectangle 3">
+            <a:extLst>
+              <a:ext uri="{FF2B5EF4-FFF2-40B4-BE49-F238E27FC236}">
+                <a16:creationId xmlns:a16="http://schemas.microsoft.com/office/drawing/2014/main" id="{86033750-0D61-47B7-8B51-99DAAED17157}"/>
+              </a:ext>
+            </a:extLst>
+          </p:cNvPr>
+          <p:cNvSpPr/>
+          <p:nvPr/>
+        </p:nvSpPr>
+        <p:spPr>
+          <a:xfrm>
+            <a:off x="1586669" y="1322292"/>
+            <a:ext cx="152400" cy="1019910"/>
+          </a:xfrm>
+          <a:prstGeom prst="rect">
+            <a:avLst/>
+          </a:prstGeom>
+          <a:solidFill>
+            <a:srgbClr val="00B050"/>
+          </a:solidFill>
+          <a:ln>
+            <a:solidFill>
+              <a:srgbClr val="00B050"/>
+            </a:solidFill>
+          </a:ln>
+          <a:effectLst/>
+        </p:spPr>
+        <p:style>
+          <a:lnRef idx="1">
+            <a:schemeClr val="accent3"/>
+          </a:lnRef>
+          <a:fillRef idx="2">
+            <a:schemeClr val="accent3"/>
+          </a:fillRef>
+          <a:effectRef idx="1">
+            <a:schemeClr val="accent3"/>
+          </a:effectRef>
+          <a:fontRef idx="minor">
+            <a:schemeClr val="dk1"/>
+          </a:fontRef>
+        </p:style>
+        <p:txBody>
+          <a:bodyPr rtlCol="0" anchor="ctr"/>
+          <a:lstStyle/>
+          <a:p>
+            <a:pPr algn="ctr"/>
+            <a:endParaRPr lang="en-SG" sz="1400">
+              <a:solidFill>
+                <a:schemeClr val="dk1"/>
+              </a:solidFill>
+            </a:endParaRPr>
+          </a:p>
+        </p:txBody>
+      </p:sp>
+      <p:grpSp>
+        <p:nvGrpSpPr>
+          <p:cNvPr id="5" name="Actor">
+            <a:extLst>
+              <a:ext uri="{FF2B5EF4-FFF2-40B4-BE49-F238E27FC236}">
+                <a16:creationId xmlns:a16="http://schemas.microsoft.com/office/drawing/2014/main" id="{4A0F4826-CDE7-451E-9430-3DEF67883FB8}"/>
+              </a:ext>
+            </a:extLst>
+          </p:cNvPr>
+          <p:cNvGrpSpPr/>
+          <p:nvPr/>
+        </p:nvGrpSpPr>
+        <p:grpSpPr>
+          <a:xfrm>
+            <a:off x="152400" y="533400"/>
+            <a:ext cx="324036" cy="573410"/>
+            <a:chOff x="3239901" y="4149080"/>
+            <a:chExt cx="648072" cy="1146820"/>
+          </a:xfrm>
+        </p:grpSpPr>
+        <p:sp>
+          <p:nvSpPr>
+            <p:cNvPr id="6" name="Flowchart: Connector 5">
+              <a:extLst>
+                <a:ext uri="{FF2B5EF4-FFF2-40B4-BE49-F238E27FC236}">
+                  <a16:creationId xmlns:a16="http://schemas.microsoft.com/office/drawing/2014/main" id="{FCD61928-090E-448A-B3FF-E135CB4BF700}"/>
+                </a:ext>
+              </a:extLst>
+            </p:cNvPr>
+            <p:cNvSpPr/>
+            <p:nvPr/>
+          </p:nvSpPr>
+          <p:spPr>
+            <a:xfrm>
+              <a:off x="3419872" y="4149080"/>
+              <a:ext cx="288032" cy="288032"/>
+            </a:xfrm>
+            <a:prstGeom prst="flowChartConnector">
+              <a:avLst/>
+            </a:prstGeom>
+            <a:solidFill>
+              <a:schemeClr val="bg1">
+                <a:lumMod val="85000"/>
+              </a:schemeClr>
+            </a:solidFill>
+            <a:ln w="28575">
+              <a:solidFill>
+                <a:schemeClr val="tx1"/>
+              </a:solidFill>
+            </a:ln>
+            <a:effectLst/>
+          </p:spPr>
+          <p:style>
+            <a:lnRef idx="1">
+              <a:schemeClr val="accent4"/>
+            </a:lnRef>
+            <a:fillRef idx="2">
+              <a:schemeClr val="accent4"/>
+            </a:fillRef>
+            <a:effectRef idx="1">
+              <a:schemeClr val="accent4"/>
+            </a:effectRef>
+            <a:fontRef idx="minor">
+              <a:schemeClr val="dk1"/>
+            </a:fontRef>
+          </p:style>
+          <p:txBody>
+            <a:bodyPr rtlCol="0" anchor="ctr"/>
+            <a:lstStyle/>
+            <a:p>
+              <a:pPr algn="ctr"/>
+              <a:endParaRPr lang="en-SG"/>
+            </a:p>
+          </p:txBody>
+        </p:sp>
+        <p:cxnSp>
+          <p:nvCxnSpPr>
+            <p:cNvPr id="7" name="Straight Connector 6">
+              <a:extLst>
+                <a:ext uri="{FF2B5EF4-FFF2-40B4-BE49-F238E27FC236}">
+                  <a16:creationId xmlns:a16="http://schemas.microsoft.com/office/drawing/2014/main" id="{C35443BA-E9D0-48D8-8350-61E07D856560}"/>
+                </a:ext>
+              </a:extLst>
+            </p:cNvPr>
+            <p:cNvCxnSpPr>
+              <a:stCxn id="6" idx="4"/>
+            </p:cNvCxnSpPr>
+            <p:nvPr/>
+          </p:nvCxnSpPr>
+          <p:spPr>
+            <a:xfrm>
+              <a:off x="3563888" y="4437112"/>
+              <a:ext cx="0" cy="504056"/>
+            </a:xfrm>
+            <a:prstGeom prst="line">
+              <a:avLst/>
+            </a:prstGeom>
+            <a:ln w="28575">
+              <a:solidFill>
+                <a:schemeClr val="tx1"/>
+              </a:solidFill>
+            </a:ln>
+            <a:effectLst/>
+          </p:spPr>
+          <p:style>
+            <a:lnRef idx="1">
+              <a:schemeClr val="accent4"/>
+            </a:lnRef>
+            <a:fillRef idx="2">
+              <a:schemeClr val="accent4"/>
+            </a:fillRef>
+            <a:effectRef idx="1">
+              <a:schemeClr val="accent4"/>
+            </a:effectRef>
+            <a:fontRef idx="minor">
+              <a:schemeClr val="dk1"/>
+            </a:fontRef>
+          </p:style>
+        </p:cxnSp>
+        <p:sp>
+          <p:nvSpPr>
+            <p:cNvPr id="8" name="Freeform 9">
+              <a:extLst>
+                <a:ext uri="{FF2B5EF4-FFF2-40B4-BE49-F238E27FC236}">
+                  <a16:creationId xmlns:a16="http://schemas.microsoft.com/office/drawing/2014/main" id="{3500C8FD-A14E-47A0-890C-C8D7EDB44A67}"/>
+                </a:ext>
+              </a:extLst>
+            </p:cNvPr>
+            <p:cNvSpPr/>
+            <p:nvPr/>
+          </p:nvSpPr>
+          <p:spPr>
+            <a:xfrm>
+              <a:off x="3324225" y="4933950"/>
+              <a:ext cx="479425" cy="361950"/>
+            </a:xfrm>
+            <a:custGeom>
+              <a:avLst/>
+              <a:gdLst>
+                <a:gd name="connsiteX0" fmla="*/ 0 w 479425"/>
+                <a:gd name="connsiteY0" fmla="*/ 355600 h 361950"/>
+                <a:gd name="connsiteX1" fmla="*/ 241300 w 479425"/>
+                <a:gd name="connsiteY1" fmla="*/ 0 h 361950"/>
+                <a:gd name="connsiteX2" fmla="*/ 479425 w 479425"/>
+                <a:gd name="connsiteY2" fmla="*/ 361950 h 361950"/>
+              </a:gdLst>
+              <a:ahLst/>
+              <a:cxnLst>
+                <a:cxn ang="0">
+                  <a:pos x="connsiteX0" y="connsiteY0"/>
+                </a:cxn>
+                <a:cxn ang="0">
+                  <a:pos x="connsiteX1" y="connsiteY1"/>
+                </a:cxn>
+                <a:cxn ang="0">
+                  <a:pos x="connsiteX2" y="connsiteY2"/>
+                </a:cxn>
+              </a:cxnLst>
+              <a:rect l="l" t="t" r="r" b="b"/>
+              <a:pathLst>
+                <a:path w="479425" h="361950">
+                  <a:moveTo>
+                    <a:pt x="0" y="355600"/>
+                  </a:moveTo>
+                  <a:lnTo>
+                    <a:pt x="241300" y="0"/>
+                  </a:lnTo>
+                  <a:lnTo>
+                    <a:pt x="479425" y="361950"/>
+                  </a:lnTo>
+                </a:path>
+              </a:pathLst>
+            </a:custGeom>
+            <a:noFill/>
+            <a:ln w="28575">
+              <a:solidFill>
+                <a:schemeClr val="tx1"/>
+              </a:solidFill>
+            </a:ln>
+            <a:effectLst/>
+          </p:spPr>
+          <p:style>
+            <a:lnRef idx="1">
+              <a:schemeClr val="accent4"/>
+            </a:lnRef>
+            <a:fillRef idx="2">
+              <a:schemeClr val="accent4"/>
+            </a:fillRef>
+            <a:effectRef idx="1">
+              <a:schemeClr val="accent4"/>
+            </a:effectRef>
+            <a:fontRef idx="minor">
+              <a:schemeClr val="dk1"/>
+            </a:fontRef>
+          </p:style>
+          <p:txBody>
+            <a:bodyPr rtlCol="0" anchor="ctr"/>
+            <a:lstStyle/>
+            <a:p>
+              <a:pPr algn="ctr"/>
+              <a:endParaRPr lang="en-SG"/>
+            </a:p>
+          </p:txBody>
+        </p:sp>
+        <p:cxnSp>
+          <p:nvCxnSpPr>
+            <p:cNvPr id="9" name="Straight Connector 8">
+              <a:extLst>
+                <a:ext uri="{FF2B5EF4-FFF2-40B4-BE49-F238E27FC236}">
+                  <a16:creationId xmlns:a16="http://schemas.microsoft.com/office/drawing/2014/main" id="{CA5198BC-0D68-4D30-AD38-94D7BF48A539}"/>
+                </a:ext>
+              </a:extLst>
+            </p:cNvPr>
+            <p:cNvCxnSpPr/>
+            <p:nvPr/>
+          </p:nvCxnSpPr>
+          <p:spPr>
+            <a:xfrm>
+              <a:off x="3239901" y="4509120"/>
+              <a:ext cx="648072" cy="0"/>
+            </a:xfrm>
+            <a:prstGeom prst="line">
+              <a:avLst/>
+            </a:prstGeom>
+            <a:ln w="28575">
+              <a:solidFill>
+                <a:schemeClr val="tx1"/>
+              </a:solidFill>
+            </a:ln>
+            <a:effectLst/>
+          </p:spPr>
+          <p:style>
+            <a:lnRef idx="1">
+              <a:schemeClr val="accent4"/>
+            </a:lnRef>
+            <a:fillRef idx="2">
+              <a:schemeClr val="accent4"/>
+            </a:fillRef>
+            <a:effectRef idx="1">
+              <a:schemeClr val="accent4"/>
+            </a:effectRef>
+            <a:fontRef idx="minor">
+              <a:schemeClr val="dk1"/>
+            </a:fontRef>
+          </p:style>
+        </p:cxnSp>
+      </p:grpSp>
+      <p:sp>
+        <p:nvSpPr>
+          <p:cNvPr id="10" name="Rectangle 62">
+            <a:extLst>
+              <a:ext uri="{FF2B5EF4-FFF2-40B4-BE49-F238E27FC236}">
+                <a16:creationId xmlns:a16="http://schemas.microsoft.com/office/drawing/2014/main" id="{9FF7C67A-94CC-4A55-8059-D7EC2B03C675}"/>
+              </a:ext>
+            </a:extLst>
+          </p:cNvPr>
+          <p:cNvSpPr/>
+          <p:nvPr/>
+        </p:nvSpPr>
+        <p:spPr>
+          <a:xfrm>
+            <a:off x="3335583" y="611613"/>
+            <a:ext cx="1093635" cy="346760"/>
+          </a:xfrm>
+          <a:prstGeom prst="rect">
+            <a:avLst/>
+          </a:prstGeom>
+          <a:solidFill>
+            <a:srgbClr val="0070C0"/>
+          </a:solidFill>
+          <a:ln w="19050">
+            <a:solidFill>
+              <a:srgbClr val="0070C0"/>
+            </a:solidFill>
+          </a:ln>
+          <a:effectLst/>
+        </p:spPr>
+        <p:style>
+          <a:lnRef idx="1">
+            <a:schemeClr val="accent2"/>
+          </a:lnRef>
+          <a:fillRef idx="2">
+            <a:schemeClr val="accent2"/>
+          </a:fillRef>
+          <a:effectRef idx="1">
+            <a:schemeClr val="accent2"/>
+          </a:effectRef>
+          <a:fontRef idx="minor">
+            <a:schemeClr val="dk1"/>
+          </a:fontRef>
+        </p:style>
+        <p:txBody>
+          <a:bodyPr rtlCol="0" anchor="ctr"/>
+          <a:lstStyle/>
+          <a:p>
+            <a:pPr algn="ctr"/>
+            <a:r>
+              <a:rPr lang="en-US" sz="1600" dirty="0">
+                <a:solidFill>
+                  <a:schemeClr val="bg1"/>
+                </a:solidFill>
+              </a:rPr>
+              <a:t>:Logic</a:t>
+            </a:r>
+            <a:endParaRPr lang="en-SG" sz="1600" dirty="0">
+              <a:solidFill>
+                <a:schemeClr val="bg1"/>
+              </a:solidFill>
+            </a:endParaRPr>
+          </a:p>
+        </p:txBody>
+      </p:sp>
+      <p:cxnSp>
+        <p:nvCxnSpPr>
+          <p:cNvPr id="11" name="Straight Connector 10">
+            <a:extLst>
+              <a:ext uri="{FF2B5EF4-FFF2-40B4-BE49-F238E27FC236}">
+                <a16:creationId xmlns:a16="http://schemas.microsoft.com/office/drawing/2014/main" id="{BE1E70D3-1369-498A-B9B5-BEB44F86641F}"/>
+              </a:ext>
+            </a:extLst>
+          </p:cNvPr>
+          <p:cNvCxnSpPr/>
+          <p:nvPr/>
+        </p:nvCxnSpPr>
+        <p:spPr>
+          <a:xfrm>
+            <a:off x="3882400" y="975284"/>
+            <a:ext cx="0" cy="1723059"/>
+          </a:xfrm>
+          <a:prstGeom prst="line">
+            <a:avLst/>
+          </a:prstGeom>
+          <a:ln w="19050">
+            <a:solidFill>
+              <a:srgbClr val="0070C0"/>
+            </a:solidFill>
+            <a:prstDash val="sysDash"/>
+          </a:ln>
+          <a:effectLst/>
+        </p:spPr>
+        <p:style>
+          <a:lnRef idx="1">
+            <a:schemeClr val="accent1"/>
+          </a:lnRef>
+          <a:fillRef idx="2">
+            <a:schemeClr val="accent1"/>
+          </a:fillRef>
+          <a:effectRef idx="1">
+            <a:schemeClr val="accent1"/>
+          </a:effectRef>
+          <a:fontRef idx="minor">
+            <a:schemeClr val="dk1"/>
+          </a:fontRef>
+        </p:style>
+      </p:cxnSp>
+      <p:sp>
+        <p:nvSpPr>
+          <p:cNvPr id="12" name="Rectangle 11">
+            <a:extLst>
+              <a:ext uri="{FF2B5EF4-FFF2-40B4-BE49-F238E27FC236}">
+                <a16:creationId xmlns:a16="http://schemas.microsoft.com/office/drawing/2014/main" id="{AE869E1B-F8E1-4894-A522-2234D2992841}"/>
+              </a:ext>
+            </a:extLst>
+          </p:cNvPr>
+          <p:cNvSpPr/>
+          <p:nvPr/>
+        </p:nvSpPr>
+        <p:spPr>
+          <a:xfrm>
+            <a:off x="3810392" y="1433477"/>
+            <a:ext cx="144016" cy="832525"/>
+          </a:xfrm>
+          <a:prstGeom prst="rect">
+            <a:avLst/>
+          </a:prstGeom>
+          <a:solidFill>
+            <a:srgbClr val="0070C0"/>
+          </a:solidFill>
+          <a:ln>
+            <a:solidFill>
+              <a:srgbClr val="0070C0"/>
+            </a:solidFill>
+          </a:ln>
+          <a:effectLst/>
+        </p:spPr>
+        <p:style>
+          <a:lnRef idx="1">
+            <a:schemeClr val="accent3"/>
+          </a:lnRef>
+          <a:fillRef idx="2">
+            <a:schemeClr val="accent3"/>
+          </a:fillRef>
+          <a:effectRef idx="1">
+            <a:schemeClr val="accent3"/>
+          </a:effectRef>
+          <a:fontRef idx="minor">
+            <a:schemeClr val="dk1"/>
+          </a:fontRef>
+        </p:style>
+        <p:txBody>
+          <a:bodyPr rtlCol="0" anchor="ctr"/>
+          <a:lstStyle/>
+          <a:p>
+            <a:pPr algn="ctr"/>
+            <a:endParaRPr lang="en-SG" sz="1400">
+              <a:solidFill>
+                <a:schemeClr val="dk1"/>
+              </a:solidFill>
+            </a:endParaRPr>
+          </a:p>
+        </p:txBody>
+      </p:sp>
+      <p:sp>
+        <p:nvSpPr>
+          <p:cNvPr id="13" name="Rectangle 62">
+            <a:extLst>
+              <a:ext uri="{FF2B5EF4-FFF2-40B4-BE49-F238E27FC236}">
+                <a16:creationId xmlns:a16="http://schemas.microsoft.com/office/drawing/2014/main" id="{11C1A335-9489-444E-8E0E-6CB4C64C46F1}"/>
+              </a:ext>
+            </a:extLst>
+          </p:cNvPr>
+          <p:cNvSpPr/>
+          <p:nvPr/>
+        </p:nvSpPr>
+        <p:spPr>
+          <a:xfrm>
+            <a:off x="5316783" y="607926"/>
+            <a:ext cx="1093635" cy="346760"/>
+          </a:xfrm>
+          <a:prstGeom prst="rect">
+            <a:avLst/>
+          </a:prstGeom>
+          <a:solidFill>
+            <a:srgbClr val="7030A0"/>
+          </a:solidFill>
+          <a:ln w="19050">
+            <a:solidFill>
+              <a:srgbClr val="7030A0"/>
+            </a:solidFill>
+          </a:ln>
+          <a:effectLst/>
+        </p:spPr>
+        <p:style>
+          <a:lnRef idx="1">
+            <a:schemeClr val="accent2"/>
+          </a:lnRef>
+          <a:fillRef idx="2">
+            <a:schemeClr val="accent2"/>
+          </a:fillRef>
+          <a:effectRef idx="1">
+            <a:schemeClr val="accent2"/>
+          </a:effectRef>
+          <a:fontRef idx="minor">
+            <a:schemeClr val="dk1"/>
+          </a:fontRef>
+        </p:style>
+        <p:txBody>
+          <a:bodyPr rtlCol="0" anchor="ctr"/>
+          <a:lstStyle/>
+          <a:p>
+            <a:pPr algn="ctr"/>
+            <a:r>
+              <a:rPr lang="en-US" sz="1600" dirty="0">
+                <a:solidFill>
+                  <a:schemeClr val="bg1"/>
+                </a:solidFill>
+              </a:rPr>
+              <a:t>:Model</a:t>
+            </a:r>
+            <a:endParaRPr lang="en-SG" sz="1600" dirty="0">
+              <a:solidFill>
+                <a:schemeClr val="bg1"/>
+              </a:solidFill>
+            </a:endParaRPr>
+          </a:p>
+        </p:txBody>
+      </p:sp>
+      <p:cxnSp>
+        <p:nvCxnSpPr>
+          <p:cNvPr id="14" name="Straight Connector 13">
+            <a:extLst>
+              <a:ext uri="{FF2B5EF4-FFF2-40B4-BE49-F238E27FC236}">
+                <a16:creationId xmlns:a16="http://schemas.microsoft.com/office/drawing/2014/main" id="{C9F8892A-9450-493F-97DD-FC6702F043B7}"/>
+              </a:ext>
+            </a:extLst>
+          </p:cNvPr>
+          <p:cNvCxnSpPr/>
+          <p:nvPr/>
+        </p:nvCxnSpPr>
+        <p:spPr>
+          <a:xfrm>
+            <a:off x="5863600" y="971597"/>
+            <a:ext cx="0" cy="1723059"/>
+          </a:xfrm>
+          <a:prstGeom prst="line">
+            <a:avLst/>
+          </a:prstGeom>
+          <a:ln w="19050">
+            <a:solidFill>
+              <a:srgbClr val="7030A0"/>
+            </a:solidFill>
+            <a:prstDash val="sysDash"/>
+          </a:ln>
+          <a:effectLst/>
+        </p:spPr>
+        <p:style>
+          <a:lnRef idx="1">
+            <a:schemeClr val="accent1"/>
+          </a:lnRef>
+          <a:fillRef idx="2">
+            <a:schemeClr val="accent1"/>
+          </a:fillRef>
+          <a:effectRef idx="1">
+            <a:schemeClr val="accent1"/>
+          </a:effectRef>
+          <a:fontRef idx="minor">
+            <a:schemeClr val="dk1"/>
+          </a:fontRef>
+        </p:style>
+      </p:cxnSp>
+      <p:sp>
+        <p:nvSpPr>
+          <p:cNvPr id="15" name="Rectangle 14">
+            <a:extLst>
+              <a:ext uri="{FF2B5EF4-FFF2-40B4-BE49-F238E27FC236}">
+                <a16:creationId xmlns:a16="http://schemas.microsoft.com/office/drawing/2014/main" id="{07251DB0-D3CD-46F5-9FC1-13D13B3D931A}"/>
+              </a:ext>
+            </a:extLst>
+          </p:cNvPr>
+          <p:cNvSpPr/>
+          <p:nvPr/>
+        </p:nvSpPr>
+        <p:spPr>
+          <a:xfrm>
+            <a:off x="5791592" y="1538408"/>
+            <a:ext cx="142006" cy="651394"/>
+          </a:xfrm>
+          <a:prstGeom prst="rect">
+            <a:avLst/>
+          </a:prstGeom>
+          <a:solidFill>
+            <a:srgbClr val="7030A0"/>
+          </a:solidFill>
+          <a:ln>
+            <a:solidFill>
+              <a:srgbClr val="7030A0"/>
+            </a:solidFill>
+          </a:ln>
+          <a:effectLst/>
+        </p:spPr>
+        <p:style>
+          <a:lnRef idx="1">
+            <a:schemeClr val="accent3"/>
+          </a:lnRef>
+          <a:fillRef idx="2">
+            <a:schemeClr val="accent3"/>
+          </a:fillRef>
+          <a:effectRef idx="1">
+            <a:schemeClr val="accent3"/>
+          </a:effectRef>
+          <a:fontRef idx="minor">
+            <a:schemeClr val="dk1"/>
+          </a:fontRef>
+        </p:style>
+        <p:txBody>
+          <a:bodyPr rtlCol="0" anchor="ctr"/>
+          <a:lstStyle/>
+          <a:p>
+            <a:pPr algn="ctr"/>
+            <a:endParaRPr lang="en-SG" sz="1400">
+              <a:solidFill>
+                <a:schemeClr val="dk1"/>
+              </a:solidFill>
+            </a:endParaRPr>
+          </a:p>
+        </p:txBody>
+      </p:sp>
+      <p:cxnSp>
+        <p:nvCxnSpPr>
+          <p:cNvPr id="16" name="Straight Arrow Connector 15">
+            <a:extLst>
+              <a:ext uri="{FF2B5EF4-FFF2-40B4-BE49-F238E27FC236}">
+                <a16:creationId xmlns:a16="http://schemas.microsoft.com/office/drawing/2014/main" id="{914E93EF-7531-42FB-9FAC-AF2FDEA4F5DF}"/>
+              </a:ext>
+            </a:extLst>
+          </p:cNvPr>
+          <p:cNvCxnSpPr/>
+          <p:nvPr/>
+        </p:nvCxnSpPr>
+        <p:spPr>
+          <a:xfrm>
+            <a:off x="466818" y="1325979"/>
+            <a:ext cx="1119851" cy="0"/>
+          </a:xfrm>
+          <a:prstGeom prst="straightConnector1">
+            <a:avLst/>
+          </a:prstGeom>
+          <a:ln w="19050">
+            <a:solidFill>
+              <a:schemeClr val="tx1"/>
+            </a:solidFill>
+            <a:tailEnd type="arrow"/>
+          </a:ln>
+        </p:spPr>
+        <p:style>
+          <a:lnRef idx="1">
+            <a:schemeClr val="accent1"/>
+          </a:lnRef>
+          <a:fillRef idx="0">
+            <a:schemeClr val="accent1"/>
+          </a:fillRef>
+          <a:effectRef idx="0">
+            <a:schemeClr val="accent1"/>
+          </a:effectRef>
+          <a:fontRef idx="minor">
+            <a:schemeClr val="tx1"/>
+          </a:fontRef>
+        </p:style>
+      </p:cxnSp>
+      <p:sp>
+        <p:nvSpPr>
+          <p:cNvPr id="17" name="TextBox 16">
+            <a:extLst>
+              <a:ext uri="{FF2B5EF4-FFF2-40B4-BE49-F238E27FC236}">
+                <a16:creationId xmlns:a16="http://schemas.microsoft.com/office/drawing/2014/main" id="{D360A475-D2E0-41A9-92C1-5ACC1A722D0E}"/>
+              </a:ext>
+            </a:extLst>
+          </p:cNvPr>
+          <p:cNvSpPr txBox="1"/>
+          <p:nvPr/>
+        </p:nvSpPr>
+        <p:spPr>
+          <a:xfrm>
+            <a:off x="466818" y="1345880"/>
+            <a:ext cx="1107452" cy="646331"/>
+          </a:xfrm>
+          <a:prstGeom prst="rect">
+            <a:avLst/>
+          </a:prstGeom>
+          <a:noFill/>
+        </p:spPr>
+        <p:txBody>
+          <a:bodyPr wrap="square" lIns="0" tIns="0" rIns="0" bIns="0" rtlCol="0">
+            <a:spAutoFit/>
+          </a:bodyPr>
+          <a:lstStyle/>
+          <a:p>
+            <a:r>
+              <a:rPr lang="en-US" sz="1400" dirty="0" err="1"/>
+              <a:t>addcase</a:t>
+            </a:r>
+            <a:r>
+              <a:rPr lang="en-US" sz="1400" dirty="0"/>
+              <a:t> 1</a:t>
+            </a:r>
+          </a:p>
+          <a:p>
+            <a:endParaRPr lang="en-US" sz="1400" dirty="0"/>
+          </a:p>
+          <a:p>
+            <a:r>
+              <a:rPr lang="en-US" sz="1400" dirty="0" err="1"/>
+              <a:t>deletecase</a:t>
+            </a:r>
+            <a:r>
+              <a:rPr lang="en-US" sz="1400" dirty="0"/>
+              <a:t> 1</a:t>
+            </a:r>
+          </a:p>
+        </p:txBody>
+      </p:sp>
+      <p:cxnSp>
+        <p:nvCxnSpPr>
+          <p:cNvPr id="18" name="Straight Arrow Connector 17">
+            <a:extLst>
+              <a:ext uri="{FF2B5EF4-FFF2-40B4-BE49-F238E27FC236}">
+                <a16:creationId xmlns:a16="http://schemas.microsoft.com/office/drawing/2014/main" id="{E6F1AB44-0B20-477D-871D-816360DBE83D}"/>
+              </a:ext>
+            </a:extLst>
+          </p:cNvPr>
+          <p:cNvCxnSpPr/>
+          <p:nvPr/>
+        </p:nvCxnSpPr>
+        <p:spPr>
+          <a:xfrm>
+            <a:off x="1739069" y="1433478"/>
+            <a:ext cx="2071323" cy="0"/>
+          </a:xfrm>
+          <a:prstGeom prst="straightConnector1">
+            <a:avLst/>
+          </a:prstGeom>
+          <a:ln w="19050">
+            <a:solidFill>
+              <a:srgbClr val="00B050"/>
+            </a:solidFill>
+            <a:tailEnd type="arrow"/>
+          </a:ln>
+        </p:spPr>
+        <p:style>
+          <a:lnRef idx="1">
+            <a:schemeClr val="accent1"/>
+          </a:lnRef>
+          <a:fillRef idx="0">
+            <a:schemeClr val="accent1"/>
+          </a:fillRef>
+          <a:effectRef idx="0">
+            <a:schemeClr val="accent1"/>
+          </a:effectRef>
+          <a:fontRef idx="minor">
+            <a:schemeClr val="tx1"/>
+          </a:fontRef>
+        </p:style>
+      </p:cxnSp>
+      <p:sp>
+        <p:nvSpPr>
+          <p:cNvPr id="19" name="TextBox 18">
+            <a:extLst>
+              <a:ext uri="{FF2B5EF4-FFF2-40B4-BE49-F238E27FC236}">
+                <a16:creationId xmlns:a16="http://schemas.microsoft.com/office/drawing/2014/main" id="{BE70174D-7882-44F3-A28D-E52A6DF2DFBF}"/>
+              </a:ext>
+            </a:extLst>
+          </p:cNvPr>
+          <p:cNvSpPr txBox="1"/>
+          <p:nvPr/>
+        </p:nvSpPr>
+        <p:spPr>
+          <a:xfrm>
+            <a:off x="1823476" y="1446215"/>
+            <a:ext cx="1902509" cy="646331"/>
+          </a:xfrm>
+          <a:prstGeom prst="rect">
+            <a:avLst/>
+          </a:prstGeom>
+          <a:noFill/>
+        </p:spPr>
+        <p:txBody>
+          <a:bodyPr wrap="square" lIns="0" tIns="0" rIns="0" bIns="0" rtlCol="0">
+            <a:spAutoFit/>
+          </a:bodyPr>
+          <a:lstStyle/>
+          <a:p>
+            <a:r>
+              <a:rPr lang="en-US" sz="1400" dirty="0">
+                <a:solidFill>
+                  <a:srgbClr val="0070C0"/>
+                </a:solidFill>
+              </a:rPr>
+              <a:t>execute(“</a:t>
+            </a:r>
+            <a:r>
+              <a:rPr lang="en-US" sz="1400" dirty="0" err="1">
+                <a:solidFill>
+                  <a:srgbClr val="0070C0"/>
+                </a:solidFill>
+              </a:rPr>
+              <a:t>addcase</a:t>
+            </a:r>
+            <a:r>
+              <a:rPr lang="en-US" sz="1400" dirty="0">
+                <a:solidFill>
+                  <a:srgbClr val="0070C0"/>
+                </a:solidFill>
+              </a:rPr>
+              <a:t> 1”)</a:t>
+            </a:r>
+          </a:p>
+          <a:p>
+            <a:endParaRPr lang="en-US" sz="1400" dirty="0">
+              <a:solidFill>
+                <a:srgbClr val="0070C0"/>
+              </a:solidFill>
+            </a:endParaRPr>
+          </a:p>
+          <a:p>
+            <a:r>
+              <a:rPr lang="en-US" sz="1400" dirty="0">
+                <a:solidFill>
+                  <a:srgbClr val="0070C0"/>
+                </a:solidFill>
+              </a:rPr>
+              <a:t>Execute(“</a:t>
+            </a:r>
+            <a:r>
+              <a:rPr lang="en-US" sz="1400" dirty="0" err="1">
+                <a:solidFill>
+                  <a:srgbClr val="0070C0"/>
+                </a:solidFill>
+              </a:rPr>
+              <a:t>deletecase</a:t>
+            </a:r>
+            <a:r>
+              <a:rPr lang="en-US" sz="1400" dirty="0">
+                <a:solidFill>
+                  <a:srgbClr val="0070C0"/>
+                </a:solidFill>
+              </a:rPr>
+              <a:t> 1”)</a:t>
+            </a:r>
+          </a:p>
+        </p:txBody>
+      </p:sp>
+      <p:cxnSp>
+        <p:nvCxnSpPr>
+          <p:cNvPr id="20" name="Straight Arrow Connector 19">
+            <a:extLst>
+              <a:ext uri="{FF2B5EF4-FFF2-40B4-BE49-F238E27FC236}">
+                <a16:creationId xmlns:a16="http://schemas.microsoft.com/office/drawing/2014/main" id="{D40F2490-6B4F-4D7F-90AB-ED5F75D77BE1}"/>
+              </a:ext>
+            </a:extLst>
+          </p:cNvPr>
+          <p:cNvCxnSpPr/>
+          <p:nvPr/>
+        </p:nvCxnSpPr>
+        <p:spPr>
+          <a:xfrm>
+            <a:off x="3954408" y="1538409"/>
+            <a:ext cx="1837184" cy="0"/>
+          </a:xfrm>
+          <a:prstGeom prst="straightConnector1">
+            <a:avLst/>
+          </a:prstGeom>
+          <a:ln w="19050">
+            <a:solidFill>
+              <a:srgbClr val="0070C0"/>
+            </a:solidFill>
+            <a:tailEnd type="arrow"/>
+          </a:ln>
+        </p:spPr>
+        <p:style>
+          <a:lnRef idx="1">
+            <a:schemeClr val="accent1"/>
+          </a:lnRef>
+          <a:fillRef idx="0">
+            <a:schemeClr val="accent1"/>
+          </a:fillRef>
+          <a:effectRef idx="0">
+            <a:schemeClr val="accent1"/>
+          </a:effectRef>
+          <a:fontRef idx="minor">
+            <a:schemeClr val="tx1"/>
+          </a:fontRef>
+        </p:style>
+      </p:cxnSp>
+      <p:sp>
+        <p:nvSpPr>
+          <p:cNvPr id="21" name="TextBox 20">
+            <a:extLst>
+              <a:ext uri="{FF2B5EF4-FFF2-40B4-BE49-F238E27FC236}">
+                <a16:creationId xmlns:a16="http://schemas.microsoft.com/office/drawing/2014/main" id="{6B724B42-2E9C-413C-B104-7D007DAAE994}"/>
+              </a:ext>
+            </a:extLst>
+          </p:cNvPr>
+          <p:cNvSpPr txBox="1"/>
+          <p:nvPr/>
+        </p:nvSpPr>
+        <p:spPr>
+          <a:xfrm>
+            <a:off x="4157582" y="1538408"/>
+            <a:ext cx="1539152" cy="215444"/>
+          </a:xfrm>
+          <a:prstGeom prst="rect">
+            <a:avLst/>
+          </a:prstGeom>
+          <a:noFill/>
+        </p:spPr>
+        <p:txBody>
+          <a:bodyPr wrap="square" lIns="0" tIns="0" rIns="0" bIns="0" rtlCol="0">
+            <a:spAutoFit/>
+          </a:bodyPr>
+          <a:lstStyle/>
+          <a:p>
+            <a:r>
+              <a:rPr lang="en-US" sz="1400" dirty="0" err="1">
+                <a:solidFill>
+                  <a:srgbClr val="7030A0"/>
+                </a:solidFill>
+              </a:rPr>
+              <a:t>addCrimeCase</a:t>
+            </a:r>
+            <a:r>
+              <a:rPr lang="en-US" sz="1400" dirty="0">
+                <a:solidFill>
+                  <a:srgbClr val="7030A0"/>
+                </a:solidFill>
+              </a:rPr>
+              <a:t>(c)</a:t>
+            </a:r>
+          </a:p>
+        </p:txBody>
+      </p:sp>
+      <p:sp>
+        <p:nvSpPr>
+          <p:cNvPr id="22" name="TextBox 21">
+            <a:extLst>
+              <a:ext uri="{FF2B5EF4-FFF2-40B4-BE49-F238E27FC236}">
+                <a16:creationId xmlns:a16="http://schemas.microsoft.com/office/drawing/2014/main" id="{0A4DBA87-B53A-4BBF-85C2-4C919CB277DD}"/>
+              </a:ext>
+            </a:extLst>
+          </p:cNvPr>
+          <p:cNvSpPr txBox="1"/>
+          <p:nvPr/>
+        </p:nvSpPr>
+        <p:spPr>
+          <a:xfrm>
+            <a:off x="5989623" y="1689532"/>
+            <a:ext cx="2542772" cy="215444"/>
+          </a:xfrm>
+          <a:prstGeom prst="rect">
+            <a:avLst/>
+          </a:prstGeom>
+          <a:noFill/>
+        </p:spPr>
+        <p:txBody>
+          <a:bodyPr wrap="square" lIns="0" tIns="0" rIns="0" bIns="0" rtlCol="0">
+            <a:spAutoFit/>
+          </a:bodyPr>
+          <a:lstStyle/>
+          <a:p>
+            <a:r>
+              <a:rPr lang="en-US" sz="1400" dirty="0">
+                <a:solidFill>
+                  <a:schemeClr val="accent5">
+                    <a:lumMod val="75000"/>
+                  </a:schemeClr>
+                </a:solidFill>
+              </a:rPr>
+              <a:t>post(</a:t>
+            </a:r>
+            <a:r>
+              <a:rPr lang="en-US" sz="1400" dirty="0" err="1">
+                <a:solidFill>
+                  <a:schemeClr val="accent5">
+                    <a:lumMod val="75000"/>
+                  </a:schemeClr>
+                </a:solidFill>
+              </a:rPr>
+              <a:t>InvestigapptorChangedEvent</a:t>
+            </a:r>
+            <a:r>
+              <a:rPr lang="en-US" sz="1400" dirty="0">
+                <a:solidFill>
+                  <a:schemeClr val="accent5">
+                    <a:lumMod val="75000"/>
+                  </a:schemeClr>
+                </a:solidFill>
+              </a:rPr>
+              <a:t>)</a:t>
+            </a:r>
+          </a:p>
+        </p:txBody>
+      </p:sp>
+      <p:cxnSp>
+        <p:nvCxnSpPr>
+          <p:cNvPr id="23" name="Straight Arrow Connector 22">
+            <a:extLst>
+              <a:ext uri="{FF2B5EF4-FFF2-40B4-BE49-F238E27FC236}">
+                <a16:creationId xmlns:a16="http://schemas.microsoft.com/office/drawing/2014/main" id="{C2EE37B0-F1F7-4D9B-930F-38C7FCDB9617}"/>
+              </a:ext>
+            </a:extLst>
+          </p:cNvPr>
+          <p:cNvCxnSpPr/>
+          <p:nvPr/>
+        </p:nvCxnSpPr>
+        <p:spPr>
+          <a:xfrm>
+            <a:off x="3954408" y="2190681"/>
+            <a:ext cx="1837184" cy="0"/>
+          </a:xfrm>
+          <a:prstGeom prst="straightConnector1">
+            <a:avLst/>
+          </a:prstGeom>
+          <a:ln w="19050">
+            <a:solidFill>
+              <a:srgbClr val="7030A0"/>
+            </a:solidFill>
+            <a:prstDash val="sysDash"/>
+            <a:headEnd type="arrow" w="med" len="med"/>
+            <a:tailEnd type="none" w="med" len="med"/>
+          </a:ln>
+        </p:spPr>
+        <p:style>
+          <a:lnRef idx="1">
+            <a:schemeClr val="accent1"/>
+          </a:lnRef>
+          <a:fillRef idx="0">
+            <a:schemeClr val="accent1"/>
+          </a:fillRef>
+          <a:effectRef idx="0">
+            <a:schemeClr val="accent1"/>
+          </a:effectRef>
+          <a:fontRef idx="minor">
+            <a:schemeClr val="tx1"/>
+          </a:fontRef>
+        </p:style>
+      </p:cxnSp>
+      <p:cxnSp>
+        <p:nvCxnSpPr>
+          <p:cNvPr id="24" name="Straight Arrow Connector 23">
+            <a:extLst>
+              <a:ext uri="{FF2B5EF4-FFF2-40B4-BE49-F238E27FC236}">
+                <a16:creationId xmlns:a16="http://schemas.microsoft.com/office/drawing/2014/main" id="{A8E36A04-32D8-42BA-BD47-CED35239A321}"/>
+              </a:ext>
+            </a:extLst>
+          </p:cNvPr>
+          <p:cNvCxnSpPr/>
+          <p:nvPr/>
+        </p:nvCxnSpPr>
+        <p:spPr>
+          <a:xfrm>
+            <a:off x="1739069" y="2266002"/>
+            <a:ext cx="2058118" cy="0"/>
+          </a:xfrm>
+          <a:prstGeom prst="straightConnector1">
+            <a:avLst/>
+          </a:prstGeom>
+          <a:ln w="19050">
+            <a:solidFill>
+              <a:srgbClr val="0070C0"/>
+            </a:solidFill>
+            <a:prstDash val="sysDash"/>
+            <a:headEnd type="arrow" w="med" len="med"/>
+            <a:tailEnd type="none" w="med" len="med"/>
+          </a:ln>
+        </p:spPr>
+        <p:style>
+          <a:lnRef idx="1">
+            <a:schemeClr val="accent1"/>
+          </a:lnRef>
+          <a:fillRef idx="0">
+            <a:schemeClr val="accent1"/>
+          </a:fillRef>
+          <a:effectRef idx="0">
+            <a:schemeClr val="accent1"/>
+          </a:effectRef>
+          <a:fontRef idx="minor">
+            <a:schemeClr val="tx1"/>
+          </a:fontRef>
+        </p:style>
+      </p:cxnSp>
+      <p:cxnSp>
+        <p:nvCxnSpPr>
+          <p:cNvPr id="25" name="Straight Arrow Connector 24">
+            <a:extLst>
+              <a:ext uri="{FF2B5EF4-FFF2-40B4-BE49-F238E27FC236}">
+                <a16:creationId xmlns:a16="http://schemas.microsoft.com/office/drawing/2014/main" id="{D87AC6A2-C5C5-45D2-969E-31CD59544053}"/>
+              </a:ext>
+            </a:extLst>
+          </p:cNvPr>
+          <p:cNvCxnSpPr/>
+          <p:nvPr/>
+        </p:nvCxnSpPr>
+        <p:spPr>
+          <a:xfrm>
+            <a:off x="390618" y="2342202"/>
+            <a:ext cx="1196051" cy="0"/>
+          </a:xfrm>
+          <a:prstGeom prst="straightConnector1">
+            <a:avLst/>
+          </a:prstGeom>
+          <a:ln w="19050">
+            <a:solidFill>
+              <a:srgbClr val="00B050"/>
+            </a:solidFill>
+            <a:prstDash val="sysDash"/>
+            <a:headEnd type="arrow" w="med" len="med"/>
+            <a:tailEnd type="none" w="med" len="med"/>
+          </a:ln>
+        </p:spPr>
+        <p:style>
+          <a:lnRef idx="1">
+            <a:schemeClr val="accent1"/>
+          </a:lnRef>
+          <a:fillRef idx="0">
+            <a:schemeClr val="accent1"/>
+          </a:fillRef>
+          <a:effectRef idx="0">
+            <a:schemeClr val="accent1"/>
+          </a:effectRef>
+          <a:fontRef idx="minor">
+            <a:schemeClr val="tx1"/>
+          </a:fontRef>
+        </p:style>
+      </p:cxnSp>
+      <p:sp>
+        <p:nvSpPr>
+          <p:cNvPr id="26" name="Rectangle 62">
+            <a:extLst>
+              <a:ext uri="{FF2B5EF4-FFF2-40B4-BE49-F238E27FC236}">
+                <a16:creationId xmlns:a16="http://schemas.microsoft.com/office/drawing/2014/main" id="{64D0A8B3-CBED-4DA3-AC2D-F066D77DA76D}"/>
+              </a:ext>
+            </a:extLst>
+          </p:cNvPr>
+          <p:cNvSpPr/>
+          <p:nvPr/>
+        </p:nvSpPr>
+        <p:spPr>
+          <a:xfrm>
+            <a:off x="7696200" y="591251"/>
+            <a:ext cx="1371600" cy="346760"/>
+          </a:xfrm>
+          <a:prstGeom prst="rect">
+            <a:avLst/>
+          </a:prstGeom>
+          <a:solidFill>
+            <a:schemeClr val="accent5">
+              <a:lumMod val="75000"/>
+            </a:schemeClr>
+          </a:solidFill>
+          <a:ln w="19050">
+            <a:solidFill>
+              <a:schemeClr val="accent5">
+                <a:lumMod val="75000"/>
+              </a:schemeClr>
+            </a:solidFill>
+          </a:ln>
+          <a:effectLst/>
+        </p:spPr>
+        <p:style>
+          <a:lnRef idx="1">
+            <a:schemeClr val="accent2"/>
+          </a:lnRef>
+          <a:fillRef idx="2">
+            <a:schemeClr val="accent2"/>
+          </a:fillRef>
+          <a:effectRef idx="1">
+            <a:schemeClr val="accent2"/>
+          </a:effectRef>
+          <a:fontRef idx="minor">
+            <a:schemeClr val="dk1"/>
+          </a:fontRef>
+        </p:style>
+        <p:txBody>
+          <a:bodyPr rtlCol="0" anchor="ctr"/>
+          <a:lstStyle/>
+          <a:p>
+            <a:pPr algn="ctr"/>
+            <a:r>
+              <a:rPr lang="en-US" sz="1600" dirty="0">
+                <a:solidFill>
+                  <a:schemeClr val="bg1"/>
+                </a:solidFill>
+              </a:rPr>
+              <a:t>:</a:t>
+            </a:r>
+            <a:r>
+              <a:rPr lang="en-US" sz="1600" dirty="0" err="1">
+                <a:solidFill>
+                  <a:schemeClr val="bg1"/>
+                </a:solidFill>
+              </a:rPr>
+              <a:t>EventsCenter</a:t>
+            </a:r>
+            <a:endParaRPr lang="en-SG" sz="1600" dirty="0">
+              <a:solidFill>
+                <a:schemeClr val="bg1"/>
+              </a:solidFill>
+            </a:endParaRPr>
+          </a:p>
+        </p:txBody>
+      </p:sp>
+      <p:cxnSp>
+        <p:nvCxnSpPr>
+          <p:cNvPr id="27" name="Straight Connector 26">
+            <a:extLst>
+              <a:ext uri="{FF2B5EF4-FFF2-40B4-BE49-F238E27FC236}">
+                <a16:creationId xmlns:a16="http://schemas.microsoft.com/office/drawing/2014/main" id="{BC7AA929-EE78-4611-860A-08D7DFF8DBC4}"/>
+              </a:ext>
+            </a:extLst>
+          </p:cNvPr>
+          <p:cNvCxnSpPr/>
+          <p:nvPr/>
+        </p:nvCxnSpPr>
+        <p:spPr>
+          <a:xfrm>
+            <a:off x="8616802" y="944305"/>
+            <a:ext cx="0" cy="1723059"/>
+          </a:xfrm>
+          <a:prstGeom prst="line">
+            <a:avLst/>
+          </a:prstGeom>
+          <a:ln w="19050">
+            <a:solidFill>
+              <a:schemeClr val="accent5">
+                <a:lumMod val="75000"/>
+              </a:schemeClr>
+            </a:solidFill>
+            <a:prstDash val="sysDash"/>
+          </a:ln>
+          <a:effectLst/>
+        </p:spPr>
+        <p:style>
+          <a:lnRef idx="1">
+            <a:schemeClr val="accent1"/>
+          </a:lnRef>
+          <a:fillRef idx="2">
+            <a:schemeClr val="accent1"/>
+          </a:fillRef>
+          <a:effectRef idx="1">
+            <a:schemeClr val="accent1"/>
+          </a:effectRef>
+          <a:fontRef idx="minor">
+            <a:schemeClr val="dk1"/>
+          </a:fontRef>
+        </p:style>
+      </p:cxnSp>
+      <p:sp>
+        <p:nvSpPr>
+          <p:cNvPr id="28" name="Rectangle 27">
+            <a:extLst>
+              <a:ext uri="{FF2B5EF4-FFF2-40B4-BE49-F238E27FC236}">
+                <a16:creationId xmlns:a16="http://schemas.microsoft.com/office/drawing/2014/main" id="{CCBD0CDF-A5C1-4819-9159-211E40A59EE8}"/>
+              </a:ext>
+            </a:extLst>
+          </p:cNvPr>
+          <p:cNvSpPr/>
+          <p:nvPr/>
+        </p:nvSpPr>
+        <p:spPr>
+          <a:xfrm>
+            <a:off x="8544794" y="1961202"/>
+            <a:ext cx="142006" cy="176787"/>
+          </a:xfrm>
+          <a:prstGeom prst="rect">
+            <a:avLst/>
+          </a:prstGeom>
+          <a:solidFill>
+            <a:schemeClr val="accent5">
+              <a:lumMod val="75000"/>
+            </a:schemeClr>
+          </a:solidFill>
+          <a:ln>
+            <a:solidFill>
+              <a:schemeClr val="accent5">
+                <a:lumMod val="75000"/>
+              </a:schemeClr>
+            </a:solidFill>
+          </a:ln>
+          <a:effectLst/>
+        </p:spPr>
+        <p:style>
+          <a:lnRef idx="1">
+            <a:schemeClr val="accent3"/>
+          </a:lnRef>
+          <a:fillRef idx="2">
+            <a:schemeClr val="accent3"/>
+          </a:fillRef>
+          <a:effectRef idx="1">
+            <a:schemeClr val="accent3"/>
+          </a:effectRef>
+          <a:fontRef idx="minor">
+            <a:schemeClr val="dk1"/>
+          </a:fontRef>
+        </p:style>
+        <p:txBody>
+          <a:bodyPr rtlCol="0" anchor="ctr"/>
+          <a:lstStyle/>
+          <a:p>
+            <a:pPr algn="ctr"/>
+            <a:endParaRPr lang="en-SG" sz="1400">
+              <a:solidFill>
+                <a:schemeClr val="dk1"/>
+              </a:solidFill>
+            </a:endParaRPr>
+          </a:p>
+        </p:txBody>
+      </p:sp>
+      <p:cxnSp>
+        <p:nvCxnSpPr>
+          <p:cNvPr id="29" name="Straight Arrow Connector 28">
+            <a:extLst>
+              <a:ext uri="{FF2B5EF4-FFF2-40B4-BE49-F238E27FC236}">
+                <a16:creationId xmlns:a16="http://schemas.microsoft.com/office/drawing/2014/main" id="{D812DA01-6F15-4CF9-ABCA-7B07D61FB846}"/>
+              </a:ext>
+            </a:extLst>
+          </p:cNvPr>
+          <p:cNvCxnSpPr/>
+          <p:nvPr/>
+        </p:nvCxnSpPr>
+        <p:spPr>
+          <a:xfrm>
+            <a:off x="5943992" y="1961202"/>
+            <a:ext cx="2568438" cy="0"/>
+          </a:xfrm>
+          <a:prstGeom prst="straightConnector1">
+            <a:avLst/>
+          </a:prstGeom>
+          <a:ln w="19050">
+            <a:solidFill>
+              <a:srgbClr val="7030A0"/>
+            </a:solidFill>
+            <a:tailEnd type="arrow"/>
+          </a:ln>
+        </p:spPr>
+        <p:style>
+          <a:lnRef idx="1">
+            <a:schemeClr val="accent1"/>
+          </a:lnRef>
+          <a:fillRef idx="0">
+            <a:schemeClr val="accent1"/>
+          </a:fillRef>
+          <a:effectRef idx="0">
+            <a:schemeClr val="accent1"/>
+          </a:effectRef>
+          <a:fontRef idx="minor">
+            <a:schemeClr val="tx1"/>
+          </a:fontRef>
+        </p:style>
+      </p:cxnSp>
+      <p:cxnSp>
+        <p:nvCxnSpPr>
+          <p:cNvPr id="30" name="Straight Arrow Connector 29">
+            <a:extLst>
+              <a:ext uri="{FF2B5EF4-FFF2-40B4-BE49-F238E27FC236}">
+                <a16:creationId xmlns:a16="http://schemas.microsoft.com/office/drawing/2014/main" id="{923408E3-A3AE-4F2E-A516-8D61D47E048A}"/>
+              </a:ext>
+            </a:extLst>
+          </p:cNvPr>
+          <p:cNvCxnSpPr/>
+          <p:nvPr/>
+        </p:nvCxnSpPr>
+        <p:spPr>
+          <a:xfrm>
+            <a:off x="5943992" y="2137989"/>
+            <a:ext cx="2549946" cy="0"/>
+          </a:xfrm>
+          <a:prstGeom prst="straightConnector1">
+            <a:avLst/>
+          </a:prstGeom>
+          <a:ln w="19050">
+            <a:solidFill>
+              <a:schemeClr val="accent5">
+                <a:lumMod val="75000"/>
+              </a:schemeClr>
+            </a:solidFill>
+            <a:prstDash val="sysDash"/>
+            <a:headEnd type="arrow" w="med" len="med"/>
+            <a:tailEnd type="none" w="med" len="med"/>
+          </a:ln>
+        </p:spPr>
+        <p:style>
+          <a:lnRef idx="1">
+            <a:schemeClr val="accent1"/>
+          </a:lnRef>
+          <a:fillRef idx="0">
+            <a:schemeClr val="accent1"/>
+          </a:fillRef>
+          <a:effectRef idx="0">
+            <a:schemeClr val="accent1"/>
+          </a:effectRef>
+          <a:fontRef idx="minor">
+            <a:schemeClr val="tx1"/>
+          </a:fontRef>
+        </p:style>
+      </p:cxnSp>
+      <p:cxnSp>
+        <p:nvCxnSpPr>
+          <p:cNvPr id="31" name="Straight Connector 30">
+            <a:extLst>
+              <a:ext uri="{FF2B5EF4-FFF2-40B4-BE49-F238E27FC236}">
+                <a16:creationId xmlns:a16="http://schemas.microsoft.com/office/drawing/2014/main" id="{FAD2B5C7-CC6A-496D-881F-AF90756D9CED}"/>
+              </a:ext>
+            </a:extLst>
+          </p:cNvPr>
+          <p:cNvCxnSpPr/>
+          <p:nvPr/>
+        </p:nvCxnSpPr>
+        <p:spPr>
+          <a:xfrm flipH="1">
+            <a:off x="314394" y="1099672"/>
+            <a:ext cx="24" cy="1598671"/>
+          </a:xfrm>
+          <a:prstGeom prst="line">
+            <a:avLst/>
+          </a:prstGeom>
+          <a:ln w="19050">
+            <a:solidFill>
+              <a:schemeClr val="tx1"/>
+            </a:solidFill>
+            <a:prstDash val="sysDash"/>
+          </a:ln>
+          <a:effectLst/>
+        </p:spPr>
+        <p:style>
+          <a:lnRef idx="1">
+            <a:schemeClr val="accent1"/>
+          </a:lnRef>
+          <a:fillRef idx="2">
+            <a:schemeClr val="accent1"/>
+          </a:fillRef>
+          <a:effectRef idx="1">
+            <a:schemeClr val="accent1"/>
+          </a:effectRef>
+          <a:fontRef idx="minor">
+            <a:schemeClr val="dk1"/>
+          </a:fontRef>
+        </p:style>
+      </p:cxnSp>
+      <p:sp>
+        <p:nvSpPr>
+          <p:cNvPr id="37" name="Rectangle 62">
+            <a:extLst>
+              <a:ext uri="{FF2B5EF4-FFF2-40B4-BE49-F238E27FC236}">
+                <a16:creationId xmlns:a16="http://schemas.microsoft.com/office/drawing/2014/main" id="{C7229B09-442A-4024-B964-87BBF3E06439}"/>
+              </a:ext>
+            </a:extLst>
+          </p:cNvPr>
+          <p:cNvSpPr/>
+          <p:nvPr/>
+        </p:nvSpPr>
+        <p:spPr>
+          <a:xfrm>
+            <a:off x="1145311" y="3442490"/>
+            <a:ext cx="1093635" cy="346760"/>
+          </a:xfrm>
+          <a:prstGeom prst="rect">
+            <a:avLst/>
+          </a:prstGeom>
+          <a:solidFill>
+            <a:srgbClr val="00B050"/>
+          </a:solidFill>
+          <a:ln w="19050">
+            <a:solidFill>
+              <a:srgbClr val="00B050"/>
+            </a:solidFill>
+          </a:ln>
+          <a:effectLst/>
+        </p:spPr>
+        <p:style>
+          <a:lnRef idx="1">
+            <a:schemeClr val="accent2"/>
+          </a:lnRef>
+          <a:fillRef idx="2">
+            <a:schemeClr val="accent2"/>
+          </a:fillRef>
+          <a:effectRef idx="1">
+            <a:schemeClr val="accent2"/>
+          </a:effectRef>
+          <a:fontRef idx="minor">
+            <a:schemeClr val="dk1"/>
+          </a:fontRef>
+        </p:style>
+        <p:txBody>
+          <a:bodyPr rtlCol="0" anchor="ctr"/>
+          <a:lstStyle/>
+          <a:p>
+            <a:pPr algn="ctr"/>
+            <a:r>
+              <a:rPr lang="en-US" sz="1600" dirty="0">
+                <a:solidFill>
+                  <a:schemeClr val="bg1"/>
+                </a:solidFill>
+              </a:rPr>
+              <a:t>:UI</a:t>
+            </a:r>
+            <a:endParaRPr lang="en-SG" sz="1600" dirty="0">
+              <a:solidFill>
+                <a:schemeClr val="bg1"/>
+              </a:solidFill>
+            </a:endParaRPr>
+          </a:p>
+        </p:txBody>
+      </p:sp>
+      <p:cxnSp>
+        <p:nvCxnSpPr>
+          <p:cNvPr id="38" name="Straight Connector 37">
+            <a:extLst>
+              <a:ext uri="{FF2B5EF4-FFF2-40B4-BE49-F238E27FC236}">
+                <a16:creationId xmlns:a16="http://schemas.microsoft.com/office/drawing/2014/main" id="{DED74229-9F76-46D2-9BDA-A6F9EA1378E1}"/>
+              </a:ext>
+            </a:extLst>
+          </p:cNvPr>
+          <p:cNvCxnSpPr/>
+          <p:nvPr/>
+        </p:nvCxnSpPr>
+        <p:spPr>
+          <a:xfrm>
+            <a:off x="1692128" y="3806161"/>
+            <a:ext cx="0" cy="1723059"/>
+          </a:xfrm>
+          <a:prstGeom prst="line">
+            <a:avLst/>
+          </a:prstGeom>
+          <a:ln w="19050">
+            <a:solidFill>
+              <a:srgbClr val="00B050"/>
+            </a:solidFill>
+            <a:prstDash val="sysDash"/>
+          </a:ln>
+          <a:effectLst/>
+        </p:spPr>
+        <p:style>
+          <a:lnRef idx="1">
+            <a:schemeClr val="accent1"/>
+          </a:lnRef>
+          <a:fillRef idx="2">
+            <a:schemeClr val="accent1"/>
+          </a:fillRef>
+          <a:effectRef idx="1">
+            <a:schemeClr val="accent1"/>
+          </a:effectRef>
+          <a:fontRef idx="minor">
+            <a:schemeClr val="dk1"/>
+          </a:fontRef>
+        </p:style>
+      </p:cxnSp>
+      <p:sp>
+        <p:nvSpPr>
+          <p:cNvPr id="39" name="Rectangle 38">
+            <a:extLst>
+              <a:ext uri="{FF2B5EF4-FFF2-40B4-BE49-F238E27FC236}">
+                <a16:creationId xmlns:a16="http://schemas.microsoft.com/office/drawing/2014/main" id="{721A21E4-2551-4049-A450-959E17E75B2D}"/>
+              </a:ext>
+            </a:extLst>
+          </p:cNvPr>
+          <p:cNvSpPr/>
+          <p:nvPr/>
+        </p:nvSpPr>
+        <p:spPr>
+          <a:xfrm>
+            <a:off x="1620120" y="4156856"/>
+            <a:ext cx="152400" cy="1019910"/>
+          </a:xfrm>
+          <a:prstGeom prst="rect">
+            <a:avLst/>
+          </a:prstGeom>
+          <a:solidFill>
+            <a:srgbClr val="00B050"/>
+          </a:solidFill>
+          <a:ln>
+            <a:solidFill>
+              <a:srgbClr val="00B050"/>
+            </a:solidFill>
+          </a:ln>
+          <a:effectLst/>
+        </p:spPr>
+        <p:style>
+          <a:lnRef idx="1">
+            <a:schemeClr val="accent3"/>
+          </a:lnRef>
+          <a:fillRef idx="2">
+            <a:schemeClr val="accent3"/>
+          </a:fillRef>
+          <a:effectRef idx="1">
+            <a:schemeClr val="accent3"/>
+          </a:effectRef>
+          <a:fontRef idx="minor">
+            <a:schemeClr val="dk1"/>
+          </a:fontRef>
+        </p:style>
+        <p:txBody>
+          <a:bodyPr rtlCol="0" anchor="ctr"/>
+          <a:lstStyle/>
+          <a:p>
+            <a:pPr algn="ctr"/>
+            <a:endParaRPr lang="en-SG" sz="1400">
+              <a:solidFill>
+                <a:schemeClr val="dk1"/>
+              </a:solidFill>
+            </a:endParaRPr>
+          </a:p>
+        </p:txBody>
+      </p:sp>
+      <p:sp>
+        <p:nvSpPr>
+          <p:cNvPr id="40" name="Rectangle 62">
+            <a:extLst>
+              <a:ext uri="{FF2B5EF4-FFF2-40B4-BE49-F238E27FC236}">
+                <a16:creationId xmlns:a16="http://schemas.microsoft.com/office/drawing/2014/main" id="{CA2F79A7-EFE0-46D4-ACAE-ED927A13B05B}"/>
+              </a:ext>
+            </a:extLst>
+          </p:cNvPr>
+          <p:cNvSpPr/>
+          <p:nvPr/>
+        </p:nvSpPr>
+        <p:spPr>
+          <a:xfrm>
+            <a:off x="3369034" y="3446177"/>
+            <a:ext cx="1093635" cy="346760"/>
+          </a:xfrm>
+          <a:prstGeom prst="rect">
+            <a:avLst/>
+          </a:prstGeom>
+          <a:solidFill>
+            <a:srgbClr val="0070C0"/>
+          </a:solidFill>
+          <a:ln w="19050">
+            <a:solidFill>
+              <a:srgbClr val="0070C0"/>
+            </a:solidFill>
+          </a:ln>
+          <a:effectLst/>
+        </p:spPr>
+        <p:style>
+          <a:lnRef idx="1">
+            <a:schemeClr val="accent2"/>
+          </a:lnRef>
+          <a:fillRef idx="2">
+            <a:schemeClr val="accent2"/>
+          </a:fillRef>
+          <a:effectRef idx="1">
+            <a:schemeClr val="accent2"/>
+          </a:effectRef>
+          <a:fontRef idx="minor">
+            <a:schemeClr val="dk1"/>
+          </a:fontRef>
+        </p:style>
+        <p:txBody>
+          <a:bodyPr rtlCol="0" anchor="ctr"/>
+          <a:lstStyle/>
+          <a:p>
+            <a:pPr algn="ctr"/>
+            <a:r>
+              <a:rPr lang="en-US" sz="1600" dirty="0">
+                <a:solidFill>
+                  <a:schemeClr val="bg1"/>
+                </a:solidFill>
+              </a:rPr>
+              <a:t>:Logic</a:t>
+            </a:r>
+            <a:endParaRPr lang="en-SG" sz="1600" dirty="0">
+              <a:solidFill>
+                <a:schemeClr val="bg1"/>
+              </a:solidFill>
+            </a:endParaRPr>
+          </a:p>
+        </p:txBody>
+      </p:sp>
+      <p:cxnSp>
+        <p:nvCxnSpPr>
+          <p:cNvPr id="41" name="Straight Connector 40">
+            <a:extLst>
+              <a:ext uri="{FF2B5EF4-FFF2-40B4-BE49-F238E27FC236}">
+                <a16:creationId xmlns:a16="http://schemas.microsoft.com/office/drawing/2014/main" id="{3A2ADBBB-4E5E-4868-92A8-5F9D67C199A8}"/>
+              </a:ext>
+            </a:extLst>
+          </p:cNvPr>
+          <p:cNvCxnSpPr/>
+          <p:nvPr/>
+        </p:nvCxnSpPr>
+        <p:spPr>
+          <a:xfrm>
+            <a:off x="3915851" y="3809848"/>
+            <a:ext cx="0" cy="1723059"/>
+          </a:xfrm>
+          <a:prstGeom prst="line">
+            <a:avLst/>
+          </a:prstGeom>
+          <a:ln w="19050">
+            <a:solidFill>
+              <a:srgbClr val="0070C0"/>
+            </a:solidFill>
+            <a:prstDash val="sysDash"/>
+          </a:ln>
+          <a:effectLst/>
+        </p:spPr>
+        <p:style>
+          <a:lnRef idx="1">
+            <a:schemeClr val="accent1"/>
+          </a:lnRef>
+          <a:fillRef idx="2">
+            <a:schemeClr val="accent1"/>
+          </a:fillRef>
+          <a:effectRef idx="1">
+            <a:schemeClr val="accent1"/>
+          </a:effectRef>
+          <a:fontRef idx="minor">
+            <a:schemeClr val="dk1"/>
+          </a:fontRef>
+        </p:style>
+      </p:cxnSp>
+      <p:sp>
+        <p:nvSpPr>
+          <p:cNvPr id="42" name="Rectangle 41">
+            <a:extLst>
+              <a:ext uri="{FF2B5EF4-FFF2-40B4-BE49-F238E27FC236}">
+                <a16:creationId xmlns:a16="http://schemas.microsoft.com/office/drawing/2014/main" id="{AB59EE77-F306-41BC-B143-5994ECA9323E}"/>
+              </a:ext>
+            </a:extLst>
+          </p:cNvPr>
+          <p:cNvSpPr/>
+          <p:nvPr/>
+        </p:nvSpPr>
+        <p:spPr>
+          <a:xfrm>
+            <a:off x="3843843" y="4268041"/>
+            <a:ext cx="144016" cy="832525"/>
+          </a:xfrm>
+          <a:prstGeom prst="rect">
+            <a:avLst/>
+          </a:prstGeom>
+          <a:solidFill>
+            <a:srgbClr val="0070C0"/>
+          </a:solidFill>
+          <a:ln>
+            <a:solidFill>
+              <a:srgbClr val="0070C0"/>
+            </a:solidFill>
+          </a:ln>
+          <a:effectLst/>
+        </p:spPr>
+        <p:style>
+          <a:lnRef idx="1">
+            <a:schemeClr val="accent3"/>
+          </a:lnRef>
+          <a:fillRef idx="2">
+            <a:schemeClr val="accent3"/>
+          </a:fillRef>
+          <a:effectRef idx="1">
+            <a:schemeClr val="accent3"/>
+          </a:effectRef>
+          <a:fontRef idx="minor">
+            <a:schemeClr val="dk1"/>
+          </a:fontRef>
+        </p:style>
+        <p:txBody>
+          <a:bodyPr rtlCol="0" anchor="ctr"/>
+          <a:lstStyle/>
+          <a:p>
+            <a:pPr algn="ctr"/>
+            <a:endParaRPr lang="en-SG" sz="1400">
+              <a:solidFill>
+                <a:schemeClr val="dk1"/>
+              </a:solidFill>
+            </a:endParaRPr>
+          </a:p>
+        </p:txBody>
+      </p:sp>
+      <p:sp>
+        <p:nvSpPr>
+          <p:cNvPr id="43" name="Rectangle 62">
+            <a:extLst>
+              <a:ext uri="{FF2B5EF4-FFF2-40B4-BE49-F238E27FC236}">
+                <a16:creationId xmlns:a16="http://schemas.microsoft.com/office/drawing/2014/main" id="{ACD1759A-B10B-4DF4-8CA8-044E666C60CB}"/>
+              </a:ext>
+            </a:extLst>
+          </p:cNvPr>
+          <p:cNvSpPr/>
+          <p:nvPr/>
+        </p:nvSpPr>
+        <p:spPr>
+          <a:xfrm>
+            <a:off x="5350234" y="3442490"/>
+            <a:ext cx="1093635" cy="346760"/>
+          </a:xfrm>
+          <a:prstGeom prst="rect">
+            <a:avLst/>
+          </a:prstGeom>
+          <a:solidFill>
+            <a:srgbClr val="7030A0"/>
+          </a:solidFill>
+          <a:ln w="19050">
+            <a:solidFill>
+              <a:srgbClr val="7030A0"/>
+            </a:solidFill>
+          </a:ln>
+          <a:effectLst/>
+        </p:spPr>
+        <p:style>
+          <a:lnRef idx="1">
+            <a:schemeClr val="accent2"/>
+          </a:lnRef>
+          <a:fillRef idx="2">
+            <a:schemeClr val="accent2"/>
+          </a:fillRef>
+          <a:effectRef idx="1">
+            <a:schemeClr val="accent2"/>
+          </a:effectRef>
+          <a:fontRef idx="minor">
+            <a:schemeClr val="dk1"/>
+          </a:fontRef>
+        </p:style>
+        <p:txBody>
+          <a:bodyPr rtlCol="0" anchor="ctr"/>
+          <a:lstStyle/>
+          <a:p>
+            <a:pPr algn="ctr"/>
+            <a:r>
+              <a:rPr lang="en-US" sz="1600" dirty="0">
+                <a:solidFill>
+                  <a:schemeClr val="bg1"/>
+                </a:solidFill>
+              </a:rPr>
+              <a:t>:Model</a:t>
+            </a:r>
+            <a:endParaRPr lang="en-SG" sz="1600" dirty="0">
+              <a:solidFill>
+                <a:schemeClr val="bg1"/>
+              </a:solidFill>
+            </a:endParaRPr>
+          </a:p>
+        </p:txBody>
+      </p:sp>
+      <p:cxnSp>
+        <p:nvCxnSpPr>
+          <p:cNvPr id="44" name="Straight Connector 43">
+            <a:extLst>
+              <a:ext uri="{FF2B5EF4-FFF2-40B4-BE49-F238E27FC236}">
+                <a16:creationId xmlns:a16="http://schemas.microsoft.com/office/drawing/2014/main" id="{E978068D-C892-4702-89B7-97F598FC57F9}"/>
+              </a:ext>
+            </a:extLst>
+          </p:cNvPr>
+          <p:cNvCxnSpPr/>
+          <p:nvPr/>
+        </p:nvCxnSpPr>
+        <p:spPr>
+          <a:xfrm>
+            <a:off x="5897051" y="3806161"/>
+            <a:ext cx="0" cy="1723059"/>
+          </a:xfrm>
+          <a:prstGeom prst="line">
+            <a:avLst/>
+          </a:prstGeom>
+          <a:ln w="19050">
+            <a:solidFill>
+              <a:srgbClr val="7030A0"/>
+            </a:solidFill>
+            <a:prstDash val="sysDash"/>
+          </a:ln>
+          <a:effectLst/>
+        </p:spPr>
+        <p:style>
+          <a:lnRef idx="1">
+            <a:schemeClr val="accent1"/>
+          </a:lnRef>
+          <a:fillRef idx="2">
+            <a:schemeClr val="accent1"/>
+          </a:fillRef>
+          <a:effectRef idx="1">
+            <a:schemeClr val="accent1"/>
+          </a:effectRef>
+          <a:fontRef idx="minor">
+            <a:schemeClr val="dk1"/>
+          </a:fontRef>
+        </p:style>
+      </p:cxnSp>
+      <p:sp>
+        <p:nvSpPr>
+          <p:cNvPr id="45" name="Rectangle 44">
+            <a:extLst>
+              <a:ext uri="{FF2B5EF4-FFF2-40B4-BE49-F238E27FC236}">
+                <a16:creationId xmlns:a16="http://schemas.microsoft.com/office/drawing/2014/main" id="{B21FCD2B-25FA-4AAE-AC16-89CDC079D312}"/>
+              </a:ext>
+            </a:extLst>
+          </p:cNvPr>
+          <p:cNvSpPr/>
+          <p:nvPr/>
+        </p:nvSpPr>
+        <p:spPr>
+          <a:xfrm>
+            <a:off x="5825043" y="4372972"/>
+            <a:ext cx="142006" cy="651394"/>
+          </a:xfrm>
+          <a:prstGeom prst="rect">
+            <a:avLst/>
+          </a:prstGeom>
+          <a:solidFill>
+            <a:srgbClr val="7030A0"/>
+          </a:solidFill>
+          <a:ln>
+            <a:solidFill>
+              <a:srgbClr val="7030A0"/>
+            </a:solidFill>
+          </a:ln>
+          <a:effectLst/>
+        </p:spPr>
+        <p:style>
+          <a:lnRef idx="1">
+            <a:schemeClr val="accent3"/>
+          </a:lnRef>
+          <a:fillRef idx="2">
+            <a:schemeClr val="accent3"/>
+          </a:fillRef>
+          <a:effectRef idx="1">
+            <a:schemeClr val="accent3"/>
+          </a:effectRef>
+          <a:fontRef idx="minor">
+            <a:schemeClr val="dk1"/>
+          </a:fontRef>
+        </p:style>
+        <p:txBody>
+          <a:bodyPr rtlCol="0" anchor="ctr"/>
+          <a:lstStyle/>
+          <a:p>
+            <a:pPr algn="ctr"/>
+            <a:endParaRPr lang="en-SG" sz="1400">
+              <a:solidFill>
+                <a:schemeClr val="dk1"/>
+              </a:solidFill>
+            </a:endParaRPr>
+          </a:p>
+        </p:txBody>
+      </p:sp>
+      <p:cxnSp>
+        <p:nvCxnSpPr>
+          <p:cNvPr id="46" name="Straight Arrow Connector 45">
+            <a:extLst>
+              <a:ext uri="{FF2B5EF4-FFF2-40B4-BE49-F238E27FC236}">
+                <a16:creationId xmlns:a16="http://schemas.microsoft.com/office/drawing/2014/main" id="{2F05C300-12A8-4D52-8D1A-8C85801ECE60}"/>
+              </a:ext>
+            </a:extLst>
+          </p:cNvPr>
+          <p:cNvCxnSpPr/>
+          <p:nvPr/>
+        </p:nvCxnSpPr>
+        <p:spPr>
+          <a:xfrm>
+            <a:off x="500269" y="4160543"/>
+            <a:ext cx="1119851" cy="0"/>
+          </a:xfrm>
+          <a:prstGeom prst="straightConnector1">
+            <a:avLst/>
+          </a:prstGeom>
+          <a:ln w="19050">
+            <a:solidFill>
+              <a:schemeClr val="tx1"/>
+            </a:solidFill>
+            <a:tailEnd type="arrow"/>
+          </a:ln>
+        </p:spPr>
+        <p:style>
+          <a:lnRef idx="1">
+            <a:schemeClr val="accent1"/>
+          </a:lnRef>
+          <a:fillRef idx="0">
+            <a:schemeClr val="accent1"/>
+          </a:fillRef>
+          <a:effectRef idx="0">
+            <a:schemeClr val="accent1"/>
+          </a:effectRef>
+          <a:fontRef idx="minor">
+            <a:schemeClr val="tx1"/>
+          </a:fontRef>
+        </p:style>
+      </p:cxnSp>
+      <p:sp>
+        <p:nvSpPr>
+          <p:cNvPr id="47" name="TextBox 46">
+            <a:extLst>
+              <a:ext uri="{FF2B5EF4-FFF2-40B4-BE49-F238E27FC236}">
+                <a16:creationId xmlns:a16="http://schemas.microsoft.com/office/drawing/2014/main" id="{0A0DF46C-19D1-48C6-8852-5A11A590EAD4}"/>
+              </a:ext>
+            </a:extLst>
+          </p:cNvPr>
+          <p:cNvSpPr txBox="1"/>
+          <p:nvPr/>
+        </p:nvSpPr>
+        <p:spPr>
+          <a:xfrm>
+            <a:off x="514083" y="4610541"/>
+            <a:ext cx="873184" cy="215444"/>
+          </a:xfrm>
+          <a:prstGeom prst="rect">
+            <a:avLst/>
+          </a:prstGeom>
+          <a:noFill/>
+        </p:spPr>
+        <p:txBody>
+          <a:bodyPr wrap="square" lIns="0" tIns="0" rIns="0" bIns="0" rtlCol="0">
+            <a:spAutoFit/>
+          </a:bodyPr>
+          <a:lstStyle/>
+          <a:p>
+            <a:r>
+              <a:rPr lang="en-US" sz="1400" dirty="0"/>
+              <a:t>close 1</a:t>
+            </a:r>
+          </a:p>
+        </p:txBody>
+      </p:sp>
+      <p:cxnSp>
+        <p:nvCxnSpPr>
+          <p:cNvPr id="48" name="Straight Arrow Connector 47">
+            <a:extLst>
+              <a:ext uri="{FF2B5EF4-FFF2-40B4-BE49-F238E27FC236}">
+                <a16:creationId xmlns:a16="http://schemas.microsoft.com/office/drawing/2014/main" id="{EFDEC7F2-F0A5-4430-AF85-115E154BFD67}"/>
+              </a:ext>
+            </a:extLst>
+          </p:cNvPr>
+          <p:cNvCxnSpPr/>
+          <p:nvPr/>
+        </p:nvCxnSpPr>
+        <p:spPr>
+          <a:xfrm>
+            <a:off x="1772520" y="4268042"/>
+            <a:ext cx="2071323" cy="0"/>
+          </a:xfrm>
+          <a:prstGeom prst="straightConnector1">
+            <a:avLst/>
+          </a:prstGeom>
+          <a:ln w="19050">
+            <a:solidFill>
+              <a:srgbClr val="00B050"/>
+            </a:solidFill>
+            <a:tailEnd type="arrow"/>
+          </a:ln>
+        </p:spPr>
+        <p:style>
+          <a:lnRef idx="1">
+            <a:schemeClr val="accent1"/>
+          </a:lnRef>
+          <a:fillRef idx="0">
+            <a:schemeClr val="accent1"/>
+          </a:fillRef>
+          <a:effectRef idx="0">
+            <a:schemeClr val="accent1"/>
+          </a:effectRef>
+          <a:fontRef idx="minor">
+            <a:schemeClr val="tx1"/>
+          </a:fontRef>
+        </p:style>
+      </p:cxnSp>
+      <p:sp>
+        <p:nvSpPr>
+          <p:cNvPr id="49" name="TextBox 48">
+            <a:extLst>
+              <a:ext uri="{FF2B5EF4-FFF2-40B4-BE49-F238E27FC236}">
+                <a16:creationId xmlns:a16="http://schemas.microsoft.com/office/drawing/2014/main" id="{E05DBDEE-45A0-401F-BA2E-492EC363512B}"/>
+              </a:ext>
+            </a:extLst>
+          </p:cNvPr>
+          <p:cNvSpPr txBox="1"/>
+          <p:nvPr/>
+        </p:nvSpPr>
+        <p:spPr>
+          <a:xfrm>
+            <a:off x="2120081" y="4288268"/>
+            <a:ext cx="1416781" cy="215444"/>
+          </a:xfrm>
+          <a:prstGeom prst="rect">
+            <a:avLst/>
+          </a:prstGeom>
+          <a:noFill/>
+        </p:spPr>
+        <p:txBody>
+          <a:bodyPr wrap="square" lIns="0" tIns="0" rIns="0" bIns="0" rtlCol="0">
+            <a:spAutoFit/>
+          </a:bodyPr>
+          <a:lstStyle/>
+          <a:p>
+            <a:r>
+              <a:rPr lang="en-US" sz="1400" dirty="0">
+                <a:solidFill>
+                  <a:srgbClr val="0070C0"/>
+                </a:solidFill>
+              </a:rPr>
+              <a:t>execute(“</a:t>
+            </a:r>
+            <a:r>
+              <a:rPr lang="en-US" sz="1400" dirty="0" err="1">
+                <a:solidFill>
+                  <a:srgbClr val="0070C0"/>
+                </a:solidFill>
+              </a:rPr>
+              <a:t>editcase</a:t>
+            </a:r>
+            <a:r>
+              <a:rPr lang="en-US" sz="1400" dirty="0">
+                <a:solidFill>
+                  <a:srgbClr val="0070C0"/>
+                </a:solidFill>
+              </a:rPr>
+              <a:t>”)</a:t>
+            </a:r>
+          </a:p>
+        </p:txBody>
+      </p:sp>
+      <p:cxnSp>
+        <p:nvCxnSpPr>
+          <p:cNvPr id="50" name="Straight Arrow Connector 49">
+            <a:extLst>
+              <a:ext uri="{FF2B5EF4-FFF2-40B4-BE49-F238E27FC236}">
+                <a16:creationId xmlns:a16="http://schemas.microsoft.com/office/drawing/2014/main" id="{E92FF95E-EC33-4EAE-BA2F-CFBCE4515DE5}"/>
+              </a:ext>
+            </a:extLst>
+          </p:cNvPr>
+          <p:cNvCxnSpPr/>
+          <p:nvPr/>
+        </p:nvCxnSpPr>
+        <p:spPr>
+          <a:xfrm>
+            <a:off x="3987859" y="4372973"/>
+            <a:ext cx="1837184" cy="0"/>
+          </a:xfrm>
+          <a:prstGeom prst="straightConnector1">
+            <a:avLst/>
+          </a:prstGeom>
+          <a:ln w="19050">
+            <a:solidFill>
+              <a:srgbClr val="0070C0"/>
+            </a:solidFill>
+            <a:tailEnd type="arrow"/>
+          </a:ln>
+        </p:spPr>
+        <p:style>
+          <a:lnRef idx="1">
+            <a:schemeClr val="accent1"/>
+          </a:lnRef>
+          <a:fillRef idx="0">
+            <a:schemeClr val="accent1"/>
+          </a:fillRef>
+          <a:effectRef idx="0">
+            <a:schemeClr val="accent1"/>
+          </a:effectRef>
+          <a:fontRef idx="minor">
+            <a:schemeClr val="tx1"/>
+          </a:fontRef>
+        </p:style>
+      </p:cxnSp>
+      <p:sp>
+        <p:nvSpPr>
+          <p:cNvPr id="51" name="TextBox 50">
+            <a:extLst>
+              <a:ext uri="{FF2B5EF4-FFF2-40B4-BE49-F238E27FC236}">
+                <a16:creationId xmlns:a16="http://schemas.microsoft.com/office/drawing/2014/main" id="{207A8AFC-6F1D-4AF0-964F-CA2123B8A785}"/>
+              </a:ext>
+            </a:extLst>
+          </p:cNvPr>
+          <p:cNvSpPr txBox="1"/>
+          <p:nvPr/>
+        </p:nvSpPr>
+        <p:spPr>
+          <a:xfrm>
+            <a:off x="4126653" y="4375504"/>
+            <a:ext cx="1539152" cy="215444"/>
+          </a:xfrm>
+          <a:prstGeom prst="rect">
+            <a:avLst/>
+          </a:prstGeom>
+          <a:noFill/>
+        </p:spPr>
+        <p:txBody>
+          <a:bodyPr wrap="square" lIns="0" tIns="0" rIns="0" bIns="0" rtlCol="0">
+            <a:spAutoFit/>
+          </a:bodyPr>
+          <a:lstStyle/>
+          <a:p>
+            <a:r>
+              <a:rPr lang="en-US" sz="1400" dirty="0" err="1">
+                <a:solidFill>
+                  <a:srgbClr val="7030A0"/>
+                </a:solidFill>
+              </a:rPr>
+              <a:t>updateCrimeCase</a:t>
+            </a:r>
+            <a:r>
+              <a:rPr lang="en-US" sz="1400" dirty="0">
+                <a:solidFill>
+                  <a:srgbClr val="7030A0"/>
+                </a:solidFill>
+              </a:rPr>
+              <a:t>(c)</a:t>
+            </a:r>
+          </a:p>
+        </p:txBody>
+      </p:sp>
+      <p:sp>
+        <p:nvSpPr>
+          <p:cNvPr id="52" name="TextBox 51">
+            <a:extLst>
+              <a:ext uri="{FF2B5EF4-FFF2-40B4-BE49-F238E27FC236}">
+                <a16:creationId xmlns:a16="http://schemas.microsoft.com/office/drawing/2014/main" id="{34E129D5-1C38-406C-975F-69AC75DB04A6}"/>
+              </a:ext>
+            </a:extLst>
+          </p:cNvPr>
+          <p:cNvSpPr txBox="1"/>
+          <p:nvPr/>
+        </p:nvSpPr>
+        <p:spPr>
+          <a:xfrm>
+            <a:off x="6023074" y="4524096"/>
+            <a:ext cx="2542772" cy="215444"/>
+          </a:xfrm>
+          <a:prstGeom prst="rect">
+            <a:avLst/>
+          </a:prstGeom>
+          <a:noFill/>
+        </p:spPr>
+        <p:txBody>
+          <a:bodyPr wrap="square" lIns="0" tIns="0" rIns="0" bIns="0" rtlCol="0">
+            <a:spAutoFit/>
+          </a:bodyPr>
+          <a:lstStyle/>
+          <a:p>
+            <a:r>
+              <a:rPr lang="en-US" sz="1400" dirty="0">
+                <a:solidFill>
+                  <a:schemeClr val="accent5">
+                    <a:lumMod val="75000"/>
+                  </a:schemeClr>
+                </a:solidFill>
+              </a:rPr>
+              <a:t>post(</a:t>
+            </a:r>
+            <a:r>
+              <a:rPr lang="en-US" sz="1400" dirty="0" err="1">
+                <a:solidFill>
+                  <a:schemeClr val="accent5">
+                    <a:lumMod val="75000"/>
+                  </a:schemeClr>
+                </a:solidFill>
+              </a:rPr>
+              <a:t>InvestigapptorChangedEvent</a:t>
+            </a:r>
+            <a:r>
+              <a:rPr lang="en-US" sz="1400" dirty="0">
+                <a:solidFill>
+                  <a:schemeClr val="accent5">
+                    <a:lumMod val="75000"/>
+                  </a:schemeClr>
+                </a:solidFill>
+              </a:rPr>
+              <a:t>)</a:t>
+            </a:r>
+          </a:p>
+        </p:txBody>
+      </p:sp>
+      <p:cxnSp>
+        <p:nvCxnSpPr>
+          <p:cNvPr id="53" name="Straight Arrow Connector 52">
+            <a:extLst>
+              <a:ext uri="{FF2B5EF4-FFF2-40B4-BE49-F238E27FC236}">
+                <a16:creationId xmlns:a16="http://schemas.microsoft.com/office/drawing/2014/main" id="{6F23EF36-7981-4CE7-A489-34C18E938B27}"/>
+              </a:ext>
+            </a:extLst>
+          </p:cNvPr>
+          <p:cNvCxnSpPr/>
+          <p:nvPr/>
+        </p:nvCxnSpPr>
+        <p:spPr>
+          <a:xfrm>
+            <a:off x="3987859" y="5025245"/>
+            <a:ext cx="1837184" cy="0"/>
+          </a:xfrm>
+          <a:prstGeom prst="straightConnector1">
+            <a:avLst/>
+          </a:prstGeom>
+          <a:ln w="19050">
+            <a:solidFill>
+              <a:srgbClr val="7030A0"/>
+            </a:solidFill>
+            <a:prstDash val="sysDash"/>
+            <a:headEnd type="arrow" w="med" len="med"/>
+            <a:tailEnd type="none" w="med" len="med"/>
+          </a:ln>
+        </p:spPr>
+        <p:style>
+          <a:lnRef idx="1">
+            <a:schemeClr val="accent1"/>
+          </a:lnRef>
+          <a:fillRef idx="0">
+            <a:schemeClr val="accent1"/>
+          </a:fillRef>
+          <a:effectRef idx="0">
+            <a:schemeClr val="accent1"/>
+          </a:effectRef>
+          <a:fontRef idx="minor">
+            <a:schemeClr val="tx1"/>
+          </a:fontRef>
+        </p:style>
+      </p:cxnSp>
+      <p:cxnSp>
+        <p:nvCxnSpPr>
+          <p:cNvPr id="54" name="Straight Arrow Connector 53">
+            <a:extLst>
+              <a:ext uri="{FF2B5EF4-FFF2-40B4-BE49-F238E27FC236}">
+                <a16:creationId xmlns:a16="http://schemas.microsoft.com/office/drawing/2014/main" id="{4B46CC94-B949-49C6-8B89-68CE85F9C838}"/>
+              </a:ext>
+            </a:extLst>
+          </p:cNvPr>
+          <p:cNvCxnSpPr/>
+          <p:nvPr/>
+        </p:nvCxnSpPr>
+        <p:spPr>
+          <a:xfrm>
+            <a:off x="1772520" y="5100566"/>
+            <a:ext cx="2058118" cy="0"/>
+          </a:xfrm>
+          <a:prstGeom prst="straightConnector1">
+            <a:avLst/>
+          </a:prstGeom>
+          <a:ln w="19050">
+            <a:solidFill>
+              <a:srgbClr val="0070C0"/>
+            </a:solidFill>
+            <a:prstDash val="sysDash"/>
+            <a:headEnd type="arrow" w="med" len="med"/>
+            <a:tailEnd type="none" w="med" len="med"/>
+          </a:ln>
+        </p:spPr>
+        <p:style>
+          <a:lnRef idx="1">
+            <a:schemeClr val="accent1"/>
+          </a:lnRef>
+          <a:fillRef idx="0">
+            <a:schemeClr val="accent1"/>
+          </a:fillRef>
+          <a:effectRef idx="0">
+            <a:schemeClr val="accent1"/>
+          </a:effectRef>
+          <a:fontRef idx="minor">
+            <a:schemeClr val="tx1"/>
+          </a:fontRef>
+        </p:style>
+      </p:cxnSp>
+      <p:cxnSp>
+        <p:nvCxnSpPr>
+          <p:cNvPr id="55" name="Straight Arrow Connector 54">
+            <a:extLst>
+              <a:ext uri="{FF2B5EF4-FFF2-40B4-BE49-F238E27FC236}">
+                <a16:creationId xmlns:a16="http://schemas.microsoft.com/office/drawing/2014/main" id="{E4CE75C4-D267-45BA-88BA-81D9C1BCF890}"/>
+              </a:ext>
+            </a:extLst>
+          </p:cNvPr>
+          <p:cNvCxnSpPr/>
+          <p:nvPr/>
+        </p:nvCxnSpPr>
+        <p:spPr>
+          <a:xfrm>
+            <a:off x="424069" y="5176766"/>
+            <a:ext cx="1196051" cy="0"/>
+          </a:xfrm>
+          <a:prstGeom prst="straightConnector1">
+            <a:avLst/>
+          </a:prstGeom>
+          <a:ln w="19050">
+            <a:solidFill>
+              <a:srgbClr val="00B050"/>
+            </a:solidFill>
+            <a:prstDash val="sysDash"/>
+            <a:headEnd type="arrow" w="med" len="med"/>
+            <a:tailEnd type="none" w="med" len="med"/>
+          </a:ln>
+        </p:spPr>
+        <p:style>
+          <a:lnRef idx="1">
+            <a:schemeClr val="accent1"/>
+          </a:lnRef>
+          <a:fillRef idx="0">
+            <a:schemeClr val="accent1"/>
+          </a:fillRef>
+          <a:effectRef idx="0">
+            <a:schemeClr val="accent1"/>
+          </a:effectRef>
+          <a:fontRef idx="minor">
+            <a:schemeClr val="tx1"/>
+          </a:fontRef>
+        </p:style>
+      </p:cxnSp>
+      <p:sp>
+        <p:nvSpPr>
+          <p:cNvPr id="56" name="Rectangle 62">
+            <a:extLst>
+              <a:ext uri="{FF2B5EF4-FFF2-40B4-BE49-F238E27FC236}">
+                <a16:creationId xmlns:a16="http://schemas.microsoft.com/office/drawing/2014/main" id="{255E8F5D-AE77-4F15-A984-8AF05440C516}"/>
+              </a:ext>
+            </a:extLst>
+          </p:cNvPr>
+          <p:cNvSpPr/>
+          <p:nvPr/>
+        </p:nvSpPr>
+        <p:spPr>
+          <a:xfrm>
+            <a:off x="7729651" y="3425815"/>
+            <a:ext cx="1371600" cy="346760"/>
+          </a:xfrm>
+          <a:prstGeom prst="rect">
+            <a:avLst/>
+          </a:prstGeom>
+          <a:solidFill>
+            <a:schemeClr val="accent5">
+              <a:lumMod val="75000"/>
+            </a:schemeClr>
+          </a:solidFill>
+          <a:ln w="19050">
+            <a:solidFill>
+              <a:schemeClr val="accent5">
+                <a:lumMod val="75000"/>
+              </a:schemeClr>
+            </a:solidFill>
+          </a:ln>
+          <a:effectLst/>
+        </p:spPr>
+        <p:style>
+          <a:lnRef idx="1">
+            <a:schemeClr val="accent2"/>
+          </a:lnRef>
+          <a:fillRef idx="2">
+            <a:schemeClr val="accent2"/>
+          </a:fillRef>
+          <a:effectRef idx="1">
+            <a:schemeClr val="accent2"/>
+          </a:effectRef>
+          <a:fontRef idx="minor">
+            <a:schemeClr val="dk1"/>
+          </a:fontRef>
+        </p:style>
+        <p:txBody>
+          <a:bodyPr rtlCol="0" anchor="ctr"/>
+          <a:lstStyle/>
+          <a:p>
+            <a:pPr algn="ctr"/>
+            <a:r>
+              <a:rPr lang="en-US" sz="1600" dirty="0">
+                <a:solidFill>
+                  <a:schemeClr val="bg1"/>
+                </a:solidFill>
+              </a:rPr>
+              <a:t>:</a:t>
+            </a:r>
+            <a:r>
+              <a:rPr lang="en-US" sz="1600" dirty="0" err="1">
+                <a:solidFill>
+                  <a:schemeClr val="bg1"/>
+                </a:solidFill>
+              </a:rPr>
+              <a:t>EventsCenter</a:t>
+            </a:r>
+            <a:endParaRPr lang="en-SG" sz="1600" dirty="0">
+              <a:solidFill>
+                <a:schemeClr val="bg1"/>
+              </a:solidFill>
+            </a:endParaRPr>
+          </a:p>
+        </p:txBody>
+      </p:sp>
+      <p:cxnSp>
+        <p:nvCxnSpPr>
+          <p:cNvPr id="57" name="Straight Connector 56">
+            <a:extLst>
+              <a:ext uri="{FF2B5EF4-FFF2-40B4-BE49-F238E27FC236}">
+                <a16:creationId xmlns:a16="http://schemas.microsoft.com/office/drawing/2014/main" id="{E2A6ED7B-A0E1-4D73-B289-0EC944173E4C}"/>
+              </a:ext>
+            </a:extLst>
+          </p:cNvPr>
+          <p:cNvCxnSpPr/>
+          <p:nvPr/>
+        </p:nvCxnSpPr>
+        <p:spPr>
+          <a:xfrm>
+            <a:off x="8650253" y="3778869"/>
+            <a:ext cx="0" cy="1723059"/>
+          </a:xfrm>
+          <a:prstGeom prst="line">
+            <a:avLst/>
+          </a:prstGeom>
+          <a:ln w="19050">
+            <a:solidFill>
+              <a:schemeClr val="accent5">
+                <a:lumMod val="75000"/>
+              </a:schemeClr>
+            </a:solidFill>
+            <a:prstDash val="sysDash"/>
+          </a:ln>
+          <a:effectLst/>
+        </p:spPr>
+        <p:style>
+          <a:lnRef idx="1">
+            <a:schemeClr val="accent1"/>
+          </a:lnRef>
+          <a:fillRef idx="2">
+            <a:schemeClr val="accent1"/>
+          </a:fillRef>
+          <a:effectRef idx="1">
+            <a:schemeClr val="accent1"/>
+          </a:effectRef>
+          <a:fontRef idx="minor">
+            <a:schemeClr val="dk1"/>
+          </a:fontRef>
+        </p:style>
+      </p:cxnSp>
+      <p:sp>
+        <p:nvSpPr>
+          <p:cNvPr id="58" name="Rectangle 57">
+            <a:extLst>
+              <a:ext uri="{FF2B5EF4-FFF2-40B4-BE49-F238E27FC236}">
+                <a16:creationId xmlns:a16="http://schemas.microsoft.com/office/drawing/2014/main" id="{B1A0F43B-E913-454C-9D0D-A3FCDA3EC9DD}"/>
+              </a:ext>
+            </a:extLst>
+          </p:cNvPr>
+          <p:cNvSpPr/>
+          <p:nvPr/>
+        </p:nvSpPr>
+        <p:spPr>
+          <a:xfrm>
+            <a:off x="8578245" y="4795766"/>
+            <a:ext cx="142006" cy="176787"/>
+          </a:xfrm>
+          <a:prstGeom prst="rect">
+            <a:avLst/>
+          </a:prstGeom>
+          <a:solidFill>
+            <a:schemeClr val="accent5">
+              <a:lumMod val="75000"/>
+            </a:schemeClr>
+          </a:solidFill>
+          <a:ln>
+            <a:solidFill>
+              <a:schemeClr val="accent5">
+                <a:lumMod val="75000"/>
+              </a:schemeClr>
+            </a:solidFill>
+          </a:ln>
+          <a:effectLst/>
+        </p:spPr>
+        <p:style>
+          <a:lnRef idx="1">
+            <a:schemeClr val="accent3"/>
+          </a:lnRef>
+          <a:fillRef idx="2">
+            <a:schemeClr val="accent3"/>
+          </a:fillRef>
+          <a:effectRef idx="1">
+            <a:schemeClr val="accent3"/>
+          </a:effectRef>
+          <a:fontRef idx="minor">
+            <a:schemeClr val="dk1"/>
+          </a:fontRef>
+        </p:style>
+        <p:txBody>
+          <a:bodyPr rtlCol="0" anchor="ctr"/>
+          <a:lstStyle/>
+          <a:p>
+            <a:pPr algn="ctr"/>
+            <a:endParaRPr lang="en-SG" sz="1400">
+              <a:solidFill>
+                <a:schemeClr val="dk1"/>
+              </a:solidFill>
+            </a:endParaRPr>
+          </a:p>
+        </p:txBody>
+      </p:sp>
+      <p:cxnSp>
+        <p:nvCxnSpPr>
+          <p:cNvPr id="59" name="Straight Arrow Connector 58">
+            <a:extLst>
+              <a:ext uri="{FF2B5EF4-FFF2-40B4-BE49-F238E27FC236}">
+                <a16:creationId xmlns:a16="http://schemas.microsoft.com/office/drawing/2014/main" id="{30B02DBE-576A-4AD6-AD0F-863DC830236E}"/>
+              </a:ext>
+            </a:extLst>
+          </p:cNvPr>
+          <p:cNvCxnSpPr/>
+          <p:nvPr/>
+        </p:nvCxnSpPr>
+        <p:spPr>
+          <a:xfrm>
+            <a:off x="5977443" y="4795766"/>
+            <a:ext cx="2568438" cy="0"/>
+          </a:xfrm>
+          <a:prstGeom prst="straightConnector1">
+            <a:avLst/>
+          </a:prstGeom>
+          <a:ln w="19050">
+            <a:solidFill>
+              <a:srgbClr val="7030A0"/>
+            </a:solidFill>
+            <a:tailEnd type="arrow"/>
+          </a:ln>
+        </p:spPr>
+        <p:style>
+          <a:lnRef idx="1">
+            <a:schemeClr val="accent1"/>
+          </a:lnRef>
+          <a:fillRef idx="0">
+            <a:schemeClr val="accent1"/>
+          </a:fillRef>
+          <a:effectRef idx="0">
+            <a:schemeClr val="accent1"/>
+          </a:effectRef>
+          <a:fontRef idx="minor">
+            <a:schemeClr val="tx1"/>
+          </a:fontRef>
+        </p:style>
+      </p:cxnSp>
+      <p:cxnSp>
+        <p:nvCxnSpPr>
+          <p:cNvPr id="60" name="Straight Arrow Connector 59">
+            <a:extLst>
+              <a:ext uri="{FF2B5EF4-FFF2-40B4-BE49-F238E27FC236}">
+                <a16:creationId xmlns:a16="http://schemas.microsoft.com/office/drawing/2014/main" id="{25E779F8-ED40-4589-85A1-02415233F2A1}"/>
+              </a:ext>
+            </a:extLst>
+          </p:cNvPr>
+          <p:cNvCxnSpPr/>
+          <p:nvPr/>
+        </p:nvCxnSpPr>
+        <p:spPr>
+          <a:xfrm>
+            <a:off x="5977443" y="4972553"/>
+            <a:ext cx="2549946" cy="0"/>
+          </a:xfrm>
+          <a:prstGeom prst="straightConnector1">
+            <a:avLst/>
+          </a:prstGeom>
+          <a:ln w="19050">
+            <a:solidFill>
+              <a:schemeClr val="accent5">
+                <a:lumMod val="75000"/>
+              </a:schemeClr>
+            </a:solidFill>
+            <a:prstDash val="sysDash"/>
+            <a:headEnd type="arrow" w="med" len="med"/>
+            <a:tailEnd type="none" w="med" len="med"/>
+          </a:ln>
+        </p:spPr>
+        <p:style>
+          <a:lnRef idx="1">
+            <a:schemeClr val="accent1"/>
+          </a:lnRef>
+          <a:fillRef idx="0">
+            <a:schemeClr val="accent1"/>
+          </a:fillRef>
+          <a:effectRef idx="0">
+            <a:schemeClr val="accent1"/>
+          </a:effectRef>
+          <a:fontRef idx="minor">
+            <a:schemeClr val="tx1"/>
+          </a:fontRef>
+        </p:style>
+      </p:cxnSp>
+      <p:cxnSp>
+        <p:nvCxnSpPr>
+          <p:cNvPr id="61" name="Straight Connector 60">
+            <a:extLst>
+              <a:ext uri="{FF2B5EF4-FFF2-40B4-BE49-F238E27FC236}">
+                <a16:creationId xmlns:a16="http://schemas.microsoft.com/office/drawing/2014/main" id="{972AC488-866F-446A-A494-615766B440EF}"/>
+              </a:ext>
+            </a:extLst>
+          </p:cNvPr>
+          <p:cNvCxnSpPr/>
+          <p:nvPr/>
+        </p:nvCxnSpPr>
+        <p:spPr>
+          <a:xfrm flipH="1">
+            <a:off x="347845" y="3934236"/>
+            <a:ext cx="24" cy="1598671"/>
+          </a:xfrm>
+          <a:prstGeom prst="line">
+            <a:avLst/>
+          </a:prstGeom>
+          <a:ln w="19050">
+            <a:solidFill>
+              <a:schemeClr val="tx1"/>
+            </a:solidFill>
+            <a:prstDash val="sysDash"/>
+          </a:ln>
+          <a:effectLst/>
+        </p:spPr>
+        <p:style>
+          <a:lnRef idx="1">
+            <a:schemeClr val="accent1"/>
+          </a:lnRef>
+          <a:fillRef idx="2">
+            <a:schemeClr val="accent1"/>
+          </a:fillRef>
+          <a:effectRef idx="1">
+            <a:schemeClr val="accent1"/>
+          </a:effectRef>
+          <a:fontRef idx="minor">
+            <a:schemeClr val="dk1"/>
+          </a:fontRef>
+        </p:style>
+      </p:cxnSp>
+      <p:grpSp>
+        <p:nvGrpSpPr>
+          <p:cNvPr id="62" name="Actor">
+            <a:extLst>
+              <a:ext uri="{FF2B5EF4-FFF2-40B4-BE49-F238E27FC236}">
+                <a16:creationId xmlns:a16="http://schemas.microsoft.com/office/drawing/2014/main" id="{F4DC3764-3F17-4F8D-BE91-39450FF4915F}"/>
+              </a:ext>
+            </a:extLst>
+          </p:cNvPr>
+          <p:cNvGrpSpPr/>
+          <p:nvPr/>
+        </p:nvGrpSpPr>
+        <p:grpSpPr>
+          <a:xfrm>
+            <a:off x="176233" y="3357139"/>
+            <a:ext cx="324036" cy="573410"/>
+            <a:chOff x="3239901" y="4149080"/>
+            <a:chExt cx="648072" cy="1146820"/>
+          </a:xfrm>
+        </p:grpSpPr>
+        <p:sp>
+          <p:nvSpPr>
+            <p:cNvPr id="63" name="Flowchart: Connector 62">
+              <a:extLst>
+                <a:ext uri="{FF2B5EF4-FFF2-40B4-BE49-F238E27FC236}">
+                  <a16:creationId xmlns:a16="http://schemas.microsoft.com/office/drawing/2014/main" id="{B2919A11-DB84-4D6E-A071-48AC9546119E}"/>
+                </a:ext>
+              </a:extLst>
+            </p:cNvPr>
+            <p:cNvSpPr/>
+            <p:nvPr/>
+          </p:nvSpPr>
+          <p:spPr>
+            <a:xfrm>
+              <a:off x="3419872" y="4149080"/>
+              <a:ext cx="288032" cy="288032"/>
+            </a:xfrm>
+            <a:prstGeom prst="flowChartConnector">
+              <a:avLst/>
+            </a:prstGeom>
+            <a:solidFill>
+              <a:schemeClr val="bg1">
+                <a:lumMod val="85000"/>
+              </a:schemeClr>
+            </a:solidFill>
+            <a:ln w="28575">
+              <a:solidFill>
+                <a:schemeClr val="tx1"/>
+              </a:solidFill>
+            </a:ln>
+            <a:effectLst/>
+          </p:spPr>
+          <p:style>
+            <a:lnRef idx="1">
+              <a:schemeClr val="accent4"/>
+            </a:lnRef>
+            <a:fillRef idx="2">
+              <a:schemeClr val="accent4"/>
+            </a:fillRef>
+            <a:effectRef idx="1">
+              <a:schemeClr val="accent4"/>
+            </a:effectRef>
+            <a:fontRef idx="minor">
+              <a:schemeClr val="dk1"/>
+            </a:fontRef>
+          </p:style>
+          <p:txBody>
+            <a:bodyPr rtlCol="0" anchor="ctr"/>
+            <a:lstStyle/>
+            <a:p>
+              <a:pPr algn="ctr"/>
+              <a:endParaRPr lang="en-SG"/>
+            </a:p>
+          </p:txBody>
+        </p:sp>
+        <p:cxnSp>
+          <p:nvCxnSpPr>
+            <p:cNvPr id="64" name="Straight Connector 63">
+              <a:extLst>
+                <a:ext uri="{FF2B5EF4-FFF2-40B4-BE49-F238E27FC236}">
+                  <a16:creationId xmlns:a16="http://schemas.microsoft.com/office/drawing/2014/main" id="{7CB25E5C-4075-42BA-96CF-698BDA50F494}"/>
+                </a:ext>
+              </a:extLst>
+            </p:cNvPr>
+            <p:cNvCxnSpPr>
+              <a:stCxn id="63" idx="4"/>
+            </p:cNvCxnSpPr>
+            <p:nvPr/>
+          </p:nvCxnSpPr>
+          <p:spPr>
+            <a:xfrm>
+              <a:off x="3563888" y="4437112"/>
+              <a:ext cx="0" cy="504056"/>
+            </a:xfrm>
+            <a:prstGeom prst="line">
+              <a:avLst/>
+            </a:prstGeom>
+            <a:ln w="28575">
+              <a:solidFill>
+                <a:schemeClr val="tx1"/>
+              </a:solidFill>
+            </a:ln>
+            <a:effectLst/>
+          </p:spPr>
+          <p:style>
+            <a:lnRef idx="1">
+              <a:schemeClr val="accent4"/>
+            </a:lnRef>
+            <a:fillRef idx="2">
+              <a:schemeClr val="accent4"/>
+            </a:fillRef>
+            <a:effectRef idx="1">
+              <a:schemeClr val="accent4"/>
+            </a:effectRef>
+            <a:fontRef idx="minor">
+              <a:schemeClr val="dk1"/>
+            </a:fontRef>
+          </p:style>
+        </p:cxnSp>
+        <p:sp>
+          <p:nvSpPr>
+            <p:cNvPr id="65" name="Freeform 9">
+              <a:extLst>
+                <a:ext uri="{FF2B5EF4-FFF2-40B4-BE49-F238E27FC236}">
+                  <a16:creationId xmlns:a16="http://schemas.microsoft.com/office/drawing/2014/main" id="{D345F7A8-CF65-4F49-B4B4-D33973F078F5}"/>
+                </a:ext>
+              </a:extLst>
+            </p:cNvPr>
+            <p:cNvSpPr/>
+            <p:nvPr/>
+          </p:nvSpPr>
+          <p:spPr>
+            <a:xfrm>
+              <a:off x="3324225" y="4933950"/>
+              <a:ext cx="479425" cy="361950"/>
+            </a:xfrm>
+            <a:custGeom>
+              <a:avLst/>
+              <a:gdLst>
+                <a:gd name="connsiteX0" fmla="*/ 0 w 479425"/>
+                <a:gd name="connsiteY0" fmla="*/ 355600 h 361950"/>
+                <a:gd name="connsiteX1" fmla="*/ 241300 w 479425"/>
+                <a:gd name="connsiteY1" fmla="*/ 0 h 361950"/>
+                <a:gd name="connsiteX2" fmla="*/ 479425 w 479425"/>
+                <a:gd name="connsiteY2" fmla="*/ 361950 h 361950"/>
+              </a:gdLst>
+              <a:ahLst/>
+              <a:cxnLst>
+                <a:cxn ang="0">
+                  <a:pos x="connsiteX0" y="connsiteY0"/>
+                </a:cxn>
+                <a:cxn ang="0">
+                  <a:pos x="connsiteX1" y="connsiteY1"/>
+                </a:cxn>
+                <a:cxn ang="0">
+                  <a:pos x="connsiteX2" y="connsiteY2"/>
+                </a:cxn>
+              </a:cxnLst>
+              <a:rect l="l" t="t" r="r" b="b"/>
+              <a:pathLst>
+                <a:path w="479425" h="361950">
+                  <a:moveTo>
+                    <a:pt x="0" y="355600"/>
+                  </a:moveTo>
+                  <a:lnTo>
+                    <a:pt x="241300" y="0"/>
+                  </a:lnTo>
+                  <a:lnTo>
+                    <a:pt x="479425" y="361950"/>
+                  </a:lnTo>
+                </a:path>
+              </a:pathLst>
+            </a:custGeom>
+            <a:noFill/>
+            <a:ln w="28575">
+              <a:solidFill>
+                <a:schemeClr val="tx1"/>
+              </a:solidFill>
+            </a:ln>
+            <a:effectLst/>
+          </p:spPr>
+          <p:style>
+            <a:lnRef idx="1">
+              <a:schemeClr val="accent4"/>
+            </a:lnRef>
+            <a:fillRef idx="2">
+              <a:schemeClr val="accent4"/>
+            </a:fillRef>
+            <a:effectRef idx="1">
+              <a:schemeClr val="accent4"/>
+            </a:effectRef>
+            <a:fontRef idx="minor">
+              <a:schemeClr val="dk1"/>
+            </a:fontRef>
+          </p:style>
+          <p:txBody>
+            <a:bodyPr rtlCol="0" anchor="ctr"/>
+            <a:lstStyle/>
+            <a:p>
+              <a:pPr algn="ctr"/>
+              <a:endParaRPr lang="en-SG"/>
+            </a:p>
+          </p:txBody>
+        </p:sp>
+        <p:cxnSp>
+          <p:nvCxnSpPr>
+            <p:cNvPr id="66" name="Straight Connector 65">
+              <a:extLst>
+                <a:ext uri="{FF2B5EF4-FFF2-40B4-BE49-F238E27FC236}">
+                  <a16:creationId xmlns:a16="http://schemas.microsoft.com/office/drawing/2014/main" id="{AD27A58B-8B36-4490-AB56-0F7516E9DB52}"/>
+                </a:ext>
+              </a:extLst>
+            </p:cNvPr>
+            <p:cNvCxnSpPr/>
+            <p:nvPr/>
+          </p:nvCxnSpPr>
+          <p:spPr>
+            <a:xfrm>
+              <a:off x="3239901" y="4509120"/>
+              <a:ext cx="648072" cy="0"/>
+            </a:xfrm>
+            <a:prstGeom prst="line">
+              <a:avLst/>
+            </a:prstGeom>
+            <a:ln w="28575">
+              <a:solidFill>
+                <a:schemeClr val="tx1"/>
+              </a:solidFill>
+            </a:ln>
+            <a:effectLst/>
+          </p:spPr>
+          <p:style>
+            <a:lnRef idx="1">
+              <a:schemeClr val="accent4"/>
+            </a:lnRef>
+            <a:fillRef idx="2">
+              <a:schemeClr val="accent4"/>
+            </a:fillRef>
+            <a:effectRef idx="1">
+              <a:schemeClr val="accent4"/>
+            </a:effectRef>
+            <a:fontRef idx="minor">
+              <a:schemeClr val="dk1"/>
+            </a:fontRef>
+          </p:style>
+        </p:cxnSp>
+      </p:grpSp>
+      <p:sp>
+        <p:nvSpPr>
+          <p:cNvPr id="67" name="TextBox 66">
+            <a:extLst>
+              <a:ext uri="{FF2B5EF4-FFF2-40B4-BE49-F238E27FC236}">
+                <a16:creationId xmlns:a16="http://schemas.microsoft.com/office/drawing/2014/main" id="{3B3BF6E5-5A54-4217-9BE8-DA1832945F90}"/>
+              </a:ext>
+            </a:extLst>
+          </p:cNvPr>
+          <p:cNvSpPr txBox="1"/>
+          <p:nvPr/>
+        </p:nvSpPr>
+        <p:spPr>
+          <a:xfrm>
+            <a:off x="514083" y="4230492"/>
+            <a:ext cx="1269968" cy="215444"/>
+          </a:xfrm>
+          <a:prstGeom prst="rect">
+            <a:avLst/>
+          </a:prstGeom>
+          <a:noFill/>
+        </p:spPr>
+        <p:txBody>
+          <a:bodyPr wrap="square" lIns="0" tIns="0" rIns="0" bIns="0" rtlCol="0">
+            <a:spAutoFit/>
+          </a:bodyPr>
+          <a:lstStyle/>
+          <a:p>
+            <a:r>
+              <a:rPr lang="en-US" sz="1400" dirty="0" err="1"/>
+              <a:t>editcase</a:t>
+            </a:r>
+            <a:r>
+              <a:rPr lang="en-US" sz="1400" dirty="0"/>
+              <a:t> 1</a:t>
+            </a:r>
+          </a:p>
+        </p:txBody>
+      </p:sp>
+      <p:sp>
+        <p:nvSpPr>
+          <p:cNvPr id="68" name="TextBox 67">
+            <a:extLst>
+              <a:ext uri="{FF2B5EF4-FFF2-40B4-BE49-F238E27FC236}">
+                <a16:creationId xmlns:a16="http://schemas.microsoft.com/office/drawing/2014/main" id="{290AC897-6ECC-4174-A9CE-CD33D4C7829C}"/>
+              </a:ext>
+            </a:extLst>
+          </p:cNvPr>
+          <p:cNvSpPr txBox="1"/>
+          <p:nvPr/>
+        </p:nvSpPr>
+        <p:spPr>
+          <a:xfrm>
+            <a:off x="2107254" y="4615215"/>
+            <a:ext cx="1416781" cy="215444"/>
+          </a:xfrm>
+          <a:prstGeom prst="rect">
+            <a:avLst/>
+          </a:prstGeom>
+          <a:noFill/>
+        </p:spPr>
+        <p:txBody>
+          <a:bodyPr wrap="square" lIns="0" tIns="0" rIns="0" bIns="0" rtlCol="0">
+            <a:spAutoFit/>
+          </a:bodyPr>
+          <a:lstStyle/>
+          <a:p>
+            <a:r>
+              <a:rPr lang="en-US" sz="1400" dirty="0">
+                <a:solidFill>
+                  <a:srgbClr val="0070C0"/>
+                </a:solidFill>
+              </a:rPr>
+              <a:t>execute(“close 1”)</a:t>
+            </a:r>
+          </a:p>
+        </p:txBody>
+      </p:sp>
+    </p:spTree>
+    <p:extLst>
+      <p:ext uri="{BB962C8B-B14F-4D97-AF65-F5344CB8AC3E}">
+        <p14:creationId xmlns:p14="http://schemas.microsoft.com/office/powerpoint/2010/main" val="419498744"/>
+      </p:ext>
+    </p:extLst>
+  </p:cSld>
+  <p:clrMapOvr>
+    <a:masterClrMapping/>
+  </p:clrMapOvr>
+</p:sld>
+</file>
+
+<file path=ppt/slides/slide4.xml><?xml version="1.0" encoding="utf-8"?>
+<p:sld xmlns:a="http://schemas.openxmlformats.org/drawingml/2006/main" xmlns:r="http://schemas.openxmlformats.org/officeDocument/2006/relationships" xmlns:p="http://schemas.openxmlformats.org/presentationml/2006/main">
+  <p:cSld>
+    <p:spTree>
+      <p:nvGrpSpPr>
+        <p:cNvPr id="1" name=""/>
+        <p:cNvGrpSpPr/>
+        <p:nvPr/>
+      </p:nvGrpSpPr>
+      <p:grpSpPr>
+        <a:xfrm>
+          <a:off x="0" y="0"/>
+          <a:ext cx="0" cy="0"/>
+          <a:chOff x="0" y="0"/>
+          <a:chExt cx="0" cy="0"/>
+        </a:xfrm>
+      </p:grpSpPr>
+      <p:sp>
+        <p:nvSpPr>
+          <p:cNvPr id="2" name="Rectangle 62">
+            <a:extLst>
+              <a:ext uri="{FF2B5EF4-FFF2-40B4-BE49-F238E27FC236}">
+                <a16:creationId xmlns:a16="http://schemas.microsoft.com/office/drawing/2014/main" id="{B46FB3BF-5A7F-4E5C-8F85-38F31194F989}"/>
+              </a:ext>
+            </a:extLst>
+          </p:cNvPr>
+          <p:cNvSpPr/>
+          <p:nvPr/>
+        </p:nvSpPr>
+        <p:spPr>
+          <a:xfrm>
+            <a:off x="1066800" y="609600"/>
+            <a:ext cx="1093635" cy="346760"/>
+          </a:xfrm>
+          <a:prstGeom prst="rect">
+            <a:avLst/>
+          </a:prstGeom>
+          <a:solidFill>
+            <a:srgbClr val="00B050"/>
+          </a:solidFill>
+          <a:ln w="19050">
+            <a:solidFill>
+              <a:srgbClr val="00B050"/>
+            </a:solidFill>
+          </a:ln>
+          <a:effectLst/>
+        </p:spPr>
+        <p:style>
+          <a:lnRef idx="1">
+            <a:schemeClr val="accent2"/>
+          </a:lnRef>
+          <a:fillRef idx="2">
+            <a:schemeClr val="accent2"/>
+          </a:fillRef>
+          <a:effectRef idx="1">
+            <a:schemeClr val="accent2"/>
+          </a:effectRef>
+          <a:fontRef idx="minor">
+            <a:schemeClr val="dk1"/>
+          </a:fontRef>
+        </p:style>
+        <p:txBody>
+          <a:bodyPr rtlCol="0" anchor="ctr"/>
+          <a:lstStyle/>
+          <a:p>
+            <a:pPr algn="ctr"/>
+            <a:r>
+              <a:rPr lang="en-US" sz="1600" dirty="0">
+                <a:solidFill>
+                  <a:schemeClr val="bg1"/>
+                </a:solidFill>
+              </a:rPr>
+              <a:t>:UI</a:t>
+            </a:r>
+            <a:endParaRPr lang="en-SG" sz="1600" dirty="0">
+              <a:solidFill>
+                <a:schemeClr val="bg1"/>
+              </a:solidFill>
+            </a:endParaRPr>
+          </a:p>
+        </p:txBody>
+      </p:sp>
+      <p:cxnSp>
+        <p:nvCxnSpPr>
+          <p:cNvPr id="3" name="Straight Connector 2">
+            <a:extLst>
+              <a:ext uri="{FF2B5EF4-FFF2-40B4-BE49-F238E27FC236}">
+                <a16:creationId xmlns:a16="http://schemas.microsoft.com/office/drawing/2014/main" id="{E3FA1BAC-D3FB-4D9D-9B18-CB8A36BE2E9E}"/>
+              </a:ext>
+            </a:extLst>
+          </p:cNvPr>
+          <p:cNvCxnSpPr>
+            <a:cxnSpLocks/>
+          </p:cNvCxnSpPr>
+          <p:nvPr/>
+        </p:nvCxnSpPr>
+        <p:spPr>
+          <a:xfrm>
+            <a:off x="1613617" y="973271"/>
+            <a:ext cx="0" cy="2074729"/>
+          </a:xfrm>
+          <a:prstGeom prst="line">
+            <a:avLst/>
+          </a:prstGeom>
+          <a:ln w="19050">
+            <a:solidFill>
+              <a:srgbClr val="00B050"/>
+            </a:solidFill>
+            <a:prstDash val="sysDash"/>
+          </a:ln>
+          <a:effectLst/>
+        </p:spPr>
+        <p:style>
+          <a:lnRef idx="1">
+            <a:schemeClr val="accent1"/>
+          </a:lnRef>
+          <a:fillRef idx="2">
+            <a:schemeClr val="accent1"/>
+          </a:fillRef>
+          <a:effectRef idx="1">
+            <a:schemeClr val="accent1"/>
+          </a:effectRef>
+          <a:fontRef idx="minor">
+            <a:schemeClr val="dk1"/>
+          </a:fontRef>
+        </p:style>
+      </p:cxnSp>
+      <p:sp>
+        <p:nvSpPr>
+          <p:cNvPr id="4" name="Rectangle 3">
+            <a:extLst>
+              <a:ext uri="{FF2B5EF4-FFF2-40B4-BE49-F238E27FC236}">
+                <a16:creationId xmlns:a16="http://schemas.microsoft.com/office/drawing/2014/main" id="{67445CF2-C618-40C9-A5EA-C752143C2948}"/>
+              </a:ext>
+            </a:extLst>
+          </p:cNvPr>
+          <p:cNvSpPr/>
+          <p:nvPr/>
+        </p:nvSpPr>
+        <p:spPr>
+          <a:xfrm>
+            <a:off x="1541609" y="1323965"/>
+            <a:ext cx="144792" cy="1370601"/>
+          </a:xfrm>
+          <a:prstGeom prst="rect">
+            <a:avLst/>
+          </a:prstGeom>
+          <a:solidFill>
+            <a:srgbClr val="00B050"/>
+          </a:solidFill>
+          <a:ln>
+            <a:solidFill>
+              <a:srgbClr val="00B050"/>
+            </a:solidFill>
+          </a:ln>
+          <a:effectLst/>
+        </p:spPr>
+        <p:style>
+          <a:lnRef idx="1">
+            <a:schemeClr val="accent3"/>
+          </a:lnRef>
+          <a:fillRef idx="2">
+            <a:schemeClr val="accent3"/>
+          </a:fillRef>
+          <a:effectRef idx="1">
+            <a:schemeClr val="accent3"/>
+          </a:effectRef>
+          <a:fontRef idx="minor">
+            <a:schemeClr val="dk1"/>
+          </a:fontRef>
+        </p:style>
+        <p:txBody>
+          <a:bodyPr rtlCol="0" anchor="ctr"/>
+          <a:lstStyle/>
+          <a:p>
+            <a:pPr algn="ctr"/>
+            <a:endParaRPr lang="en-SG" sz="1400">
+              <a:solidFill>
+                <a:schemeClr val="dk1"/>
+              </a:solidFill>
+            </a:endParaRPr>
+          </a:p>
+        </p:txBody>
+      </p:sp>
+      <p:sp>
+        <p:nvSpPr>
+          <p:cNvPr id="5" name="Rectangle 62">
+            <a:extLst>
+              <a:ext uri="{FF2B5EF4-FFF2-40B4-BE49-F238E27FC236}">
+                <a16:creationId xmlns:a16="http://schemas.microsoft.com/office/drawing/2014/main" id="{517D9935-4335-4192-99C4-938149DED6C8}"/>
+              </a:ext>
+            </a:extLst>
+          </p:cNvPr>
+          <p:cNvSpPr/>
+          <p:nvPr/>
+        </p:nvSpPr>
+        <p:spPr>
+          <a:xfrm>
+            <a:off x="3504077" y="609600"/>
+            <a:ext cx="1093635" cy="346760"/>
+          </a:xfrm>
+          <a:prstGeom prst="rect">
+            <a:avLst/>
+          </a:prstGeom>
+          <a:solidFill>
+            <a:srgbClr val="0070C0"/>
+          </a:solidFill>
+          <a:ln w="19050">
+            <a:solidFill>
+              <a:srgbClr val="0070C0"/>
+            </a:solidFill>
+          </a:ln>
+          <a:effectLst/>
+        </p:spPr>
+        <p:style>
+          <a:lnRef idx="1">
+            <a:schemeClr val="accent2"/>
+          </a:lnRef>
+          <a:fillRef idx="2">
+            <a:schemeClr val="accent2"/>
+          </a:fillRef>
+          <a:effectRef idx="1">
+            <a:schemeClr val="accent2"/>
+          </a:effectRef>
+          <a:fontRef idx="minor">
+            <a:schemeClr val="dk1"/>
+          </a:fontRef>
+        </p:style>
+        <p:txBody>
+          <a:bodyPr rtlCol="0" anchor="ctr"/>
+          <a:lstStyle/>
+          <a:p>
+            <a:pPr algn="ctr"/>
+            <a:r>
+              <a:rPr lang="en-US" sz="1600" dirty="0">
+                <a:solidFill>
+                  <a:schemeClr val="bg1"/>
+                </a:solidFill>
+              </a:rPr>
+              <a:t>:Logic</a:t>
+            </a:r>
+            <a:endParaRPr lang="en-SG" sz="1600" dirty="0">
+              <a:solidFill>
+                <a:schemeClr val="bg1"/>
+              </a:solidFill>
+            </a:endParaRPr>
+          </a:p>
+        </p:txBody>
+      </p:sp>
+      <p:cxnSp>
+        <p:nvCxnSpPr>
+          <p:cNvPr id="6" name="Straight Connector 5">
+            <a:extLst>
+              <a:ext uri="{FF2B5EF4-FFF2-40B4-BE49-F238E27FC236}">
+                <a16:creationId xmlns:a16="http://schemas.microsoft.com/office/drawing/2014/main" id="{68DD2AF1-7D97-472E-8B21-D06E0927C5E9}"/>
+              </a:ext>
+            </a:extLst>
+          </p:cNvPr>
+          <p:cNvCxnSpPr>
+            <a:cxnSpLocks/>
+          </p:cNvCxnSpPr>
+          <p:nvPr/>
+        </p:nvCxnSpPr>
+        <p:spPr>
+          <a:xfrm>
+            <a:off x="4122218" y="1001721"/>
+            <a:ext cx="0" cy="1994842"/>
+          </a:xfrm>
+          <a:prstGeom prst="line">
+            <a:avLst/>
+          </a:prstGeom>
+          <a:ln w="19050">
+            <a:solidFill>
+              <a:srgbClr val="0070C0"/>
+            </a:solidFill>
+            <a:prstDash val="sysDash"/>
+          </a:ln>
+          <a:effectLst/>
+        </p:spPr>
+        <p:style>
+          <a:lnRef idx="1">
+            <a:schemeClr val="accent1"/>
+          </a:lnRef>
+          <a:fillRef idx="2">
+            <a:schemeClr val="accent1"/>
+          </a:fillRef>
+          <a:effectRef idx="1">
+            <a:schemeClr val="accent1"/>
+          </a:effectRef>
+          <a:fontRef idx="minor">
+            <a:schemeClr val="dk1"/>
+          </a:fontRef>
+        </p:style>
+      </p:cxnSp>
+      <p:sp>
+        <p:nvSpPr>
+          <p:cNvPr id="7" name="Rectangle 6">
+            <a:extLst>
+              <a:ext uri="{FF2B5EF4-FFF2-40B4-BE49-F238E27FC236}">
+                <a16:creationId xmlns:a16="http://schemas.microsoft.com/office/drawing/2014/main" id="{0D858804-9700-4D33-9880-76362937625D}"/>
+              </a:ext>
+            </a:extLst>
+          </p:cNvPr>
+          <p:cNvSpPr/>
+          <p:nvPr/>
+        </p:nvSpPr>
+        <p:spPr>
+          <a:xfrm>
+            <a:off x="4050894" y="1384756"/>
+            <a:ext cx="160893" cy="1282244"/>
+          </a:xfrm>
+          <a:prstGeom prst="rect">
+            <a:avLst/>
+          </a:prstGeom>
+          <a:solidFill>
+            <a:srgbClr val="0070C0"/>
+          </a:solidFill>
+          <a:ln>
+            <a:solidFill>
+              <a:srgbClr val="0070C0"/>
+            </a:solidFill>
+          </a:ln>
+          <a:effectLst/>
+        </p:spPr>
+        <p:style>
+          <a:lnRef idx="1">
+            <a:schemeClr val="accent3"/>
+          </a:lnRef>
+          <a:fillRef idx="2">
+            <a:schemeClr val="accent3"/>
+          </a:fillRef>
+          <a:effectRef idx="1">
+            <a:schemeClr val="accent3"/>
+          </a:effectRef>
+          <a:fontRef idx="minor">
+            <a:schemeClr val="dk1"/>
+          </a:fontRef>
+        </p:style>
+        <p:txBody>
+          <a:bodyPr rtlCol="0" anchor="ctr"/>
+          <a:lstStyle/>
+          <a:p>
+            <a:pPr algn="ctr"/>
+            <a:endParaRPr lang="en-SG" sz="1400">
+              <a:solidFill>
+                <a:schemeClr val="dk1"/>
+              </a:solidFill>
+            </a:endParaRPr>
+          </a:p>
+        </p:txBody>
+      </p:sp>
+      <p:sp>
+        <p:nvSpPr>
+          <p:cNvPr id="8" name="Rectangle 62">
+            <a:extLst>
+              <a:ext uri="{FF2B5EF4-FFF2-40B4-BE49-F238E27FC236}">
+                <a16:creationId xmlns:a16="http://schemas.microsoft.com/office/drawing/2014/main" id="{1090F5CC-583A-495A-81E5-1A1B4D3F6D1E}"/>
+              </a:ext>
+            </a:extLst>
+          </p:cNvPr>
+          <p:cNvSpPr/>
+          <p:nvPr/>
+        </p:nvSpPr>
+        <p:spPr>
+          <a:xfrm>
+            <a:off x="5612712" y="609600"/>
+            <a:ext cx="1093635" cy="346760"/>
+          </a:xfrm>
+          <a:prstGeom prst="rect">
+            <a:avLst/>
+          </a:prstGeom>
+          <a:solidFill>
+            <a:srgbClr val="7030A0"/>
+          </a:solidFill>
+          <a:ln w="19050">
+            <a:solidFill>
+              <a:srgbClr val="7030A0"/>
+            </a:solidFill>
+          </a:ln>
+          <a:effectLst/>
+        </p:spPr>
+        <p:style>
+          <a:lnRef idx="1">
+            <a:schemeClr val="accent2"/>
+          </a:lnRef>
+          <a:fillRef idx="2">
+            <a:schemeClr val="accent2"/>
+          </a:fillRef>
+          <a:effectRef idx="1">
+            <a:schemeClr val="accent2"/>
+          </a:effectRef>
+          <a:fontRef idx="minor">
+            <a:schemeClr val="dk1"/>
+          </a:fontRef>
+        </p:style>
+        <p:txBody>
+          <a:bodyPr rtlCol="0" anchor="ctr"/>
+          <a:lstStyle/>
+          <a:p>
+            <a:pPr algn="ctr"/>
+            <a:r>
+              <a:rPr lang="en-US" sz="1600" dirty="0">
+                <a:solidFill>
+                  <a:schemeClr val="bg1"/>
+                </a:solidFill>
+              </a:rPr>
+              <a:t>:Model</a:t>
+            </a:r>
+            <a:endParaRPr lang="en-SG" sz="1600" dirty="0">
+              <a:solidFill>
+                <a:schemeClr val="bg1"/>
+              </a:solidFill>
+            </a:endParaRPr>
+          </a:p>
+        </p:txBody>
+      </p:sp>
+      <p:cxnSp>
+        <p:nvCxnSpPr>
+          <p:cNvPr id="9" name="Straight Connector 8">
+            <a:extLst>
+              <a:ext uri="{FF2B5EF4-FFF2-40B4-BE49-F238E27FC236}">
+                <a16:creationId xmlns:a16="http://schemas.microsoft.com/office/drawing/2014/main" id="{E9AFA9D4-43E7-47B3-A421-79DCEAB7C5D5}"/>
+              </a:ext>
+            </a:extLst>
+          </p:cNvPr>
+          <p:cNvCxnSpPr>
+            <a:cxnSpLocks/>
+          </p:cNvCxnSpPr>
+          <p:nvPr/>
+        </p:nvCxnSpPr>
+        <p:spPr>
+          <a:xfrm>
+            <a:off x="6136223" y="966977"/>
+            <a:ext cx="0" cy="2029586"/>
+          </a:xfrm>
+          <a:prstGeom prst="line">
+            <a:avLst/>
+          </a:prstGeom>
+          <a:ln w="19050">
+            <a:solidFill>
+              <a:srgbClr val="7030A0"/>
+            </a:solidFill>
+            <a:prstDash val="sysDash"/>
+          </a:ln>
+          <a:effectLst/>
+        </p:spPr>
+        <p:style>
+          <a:lnRef idx="1">
+            <a:schemeClr val="accent1"/>
+          </a:lnRef>
+          <a:fillRef idx="2">
+            <a:schemeClr val="accent1"/>
+          </a:fillRef>
+          <a:effectRef idx="1">
+            <a:schemeClr val="accent1"/>
+          </a:effectRef>
+          <a:fontRef idx="minor">
+            <a:schemeClr val="dk1"/>
+          </a:fontRef>
+        </p:style>
+      </p:cxnSp>
+      <p:sp>
+        <p:nvSpPr>
+          <p:cNvPr id="10" name="Rectangle 9">
+            <a:extLst>
+              <a:ext uri="{FF2B5EF4-FFF2-40B4-BE49-F238E27FC236}">
+                <a16:creationId xmlns:a16="http://schemas.microsoft.com/office/drawing/2014/main" id="{ACA8AF0B-E108-4F21-B84F-6B702EAEDCDB}"/>
+              </a:ext>
+            </a:extLst>
+          </p:cNvPr>
+          <p:cNvSpPr/>
+          <p:nvPr/>
+        </p:nvSpPr>
+        <p:spPr>
+          <a:xfrm>
+            <a:off x="6060555" y="1384756"/>
+            <a:ext cx="179728" cy="998750"/>
+          </a:xfrm>
+          <a:prstGeom prst="rect">
+            <a:avLst/>
+          </a:prstGeom>
+          <a:solidFill>
+            <a:srgbClr val="7030A0"/>
+          </a:solidFill>
+          <a:ln>
+            <a:solidFill>
+              <a:srgbClr val="7030A0"/>
+            </a:solidFill>
+          </a:ln>
+          <a:effectLst/>
+        </p:spPr>
+        <p:style>
+          <a:lnRef idx="1">
+            <a:schemeClr val="accent3"/>
+          </a:lnRef>
+          <a:fillRef idx="2">
+            <a:schemeClr val="accent3"/>
+          </a:fillRef>
+          <a:effectRef idx="1">
+            <a:schemeClr val="accent3"/>
+          </a:effectRef>
+          <a:fontRef idx="minor">
+            <a:schemeClr val="dk1"/>
+          </a:fontRef>
+        </p:style>
+        <p:txBody>
+          <a:bodyPr rtlCol="0" anchor="ctr"/>
+          <a:lstStyle/>
+          <a:p>
+            <a:pPr algn="ctr"/>
+            <a:endParaRPr lang="en-SG" sz="1400">
+              <a:solidFill>
+                <a:schemeClr val="dk1"/>
+              </a:solidFill>
+            </a:endParaRPr>
+          </a:p>
+        </p:txBody>
+      </p:sp>
+      <p:cxnSp>
+        <p:nvCxnSpPr>
+          <p:cNvPr id="11" name="Straight Arrow Connector 10">
+            <a:extLst>
+              <a:ext uri="{FF2B5EF4-FFF2-40B4-BE49-F238E27FC236}">
+                <a16:creationId xmlns:a16="http://schemas.microsoft.com/office/drawing/2014/main" id="{6DA6F807-D73A-48C6-B71F-FC28EF7D6A58}"/>
+              </a:ext>
+            </a:extLst>
+          </p:cNvPr>
+          <p:cNvCxnSpPr>
+            <a:cxnSpLocks/>
+          </p:cNvCxnSpPr>
+          <p:nvPr/>
+        </p:nvCxnSpPr>
+        <p:spPr>
+          <a:xfrm>
+            <a:off x="-29861" y="1327653"/>
+            <a:ext cx="1571470" cy="0"/>
+          </a:xfrm>
+          <a:prstGeom prst="straightConnector1">
+            <a:avLst/>
+          </a:prstGeom>
+          <a:ln w="19050">
+            <a:solidFill>
+              <a:schemeClr val="tx1"/>
+            </a:solidFill>
+            <a:tailEnd type="arrow"/>
+          </a:ln>
+        </p:spPr>
+        <p:style>
+          <a:lnRef idx="1">
+            <a:schemeClr val="accent1"/>
+          </a:lnRef>
+          <a:fillRef idx="0">
+            <a:schemeClr val="accent1"/>
+          </a:fillRef>
+          <a:effectRef idx="0">
+            <a:schemeClr val="accent1"/>
+          </a:effectRef>
+          <a:fontRef idx="minor">
+            <a:schemeClr val="tx1"/>
+          </a:fontRef>
+        </p:style>
+      </p:cxnSp>
+      <p:sp>
+        <p:nvSpPr>
+          <p:cNvPr id="12" name="TextBox 11">
+            <a:extLst>
+              <a:ext uri="{FF2B5EF4-FFF2-40B4-BE49-F238E27FC236}">
+                <a16:creationId xmlns:a16="http://schemas.microsoft.com/office/drawing/2014/main" id="{5526FA48-A227-41B0-846C-E35FB02D38CC}"/>
+              </a:ext>
+            </a:extLst>
+          </p:cNvPr>
+          <p:cNvSpPr txBox="1"/>
+          <p:nvPr/>
+        </p:nvSpPr>
+        <p:spPr>
+          <a:xfrm>
+            <a:off x="408152" y="1384756"/>
+            <a:ext cx="1172175" cy="215444"/>
+          </a:xfrm>
+          <a:prstGeom prst="rect">
+            <a:avLst/>
+          </a:prstGeom>
+          <a:noFill/>
+        </p:spPr>
+        <p:txBody>
+          <a:bodyPr wrap="square" lIns="0" tIns="0" rIns="0" bIns="0" rtlCol="0">
+            <a:spAutoFit/>
+          </a:bodyPr>
+          <a:lstStyle/>
+          <a:p>
+            <a:r>
+              <a:rPr lang="en-US" sz="1400" dirty="0" err="1"/>
+              <a:t>findcase</a:t>
+            </a:r>
+            <a:r>
+              <a:rPr lang="en-US" sz="1400" dirty="0"/>
+              <a:t> Magic</a:t>
+            </a:r>
+          </a:p>
+        </p:txBody>
+      </p:sp>
+      <p:cxnSp>
+        <p:nvCxnSpPr>
+          <p:cNvPr id="13" name="Straight Arrow Connector 12">
+            <a:extLst>
+              <a:ext uri="{FF2B5EF4-FFF2-40B4-BE49-F238E27FC236}">
+                <a16:creationId xmlns:a16="http://schemas.microsoft.com/office/drawing/2014/main" id="{C3710771-2940-43FD-8389-CB672D55913C}"/>
+              </a:ext>
+            </a:extLst>
+          </p:cNvPr>
+          <p:cNvCxnSpPr>
+            <a:cxnSpLocks/>
+          </p:cNvCxnSpPr>
+          <p:nvPr/>
+        </p:nvCxnSpPr>
+        <p:spPr>
+          <a:xfrm>
+            <a:off x="1687406" y="1435151"/>
+            <a:ext cx="2373184" cy="27769"/>
+          </a:xfrm>
+          <a:prstGeom prst="straightConnector1">
+            <a:avLst/>
+          </a:prstGeom>
+          <a:ln w="19050">
+            <a:solidFill>
+              <a:srgbClr val="00B050"/>
+            </a:solidFill>
+            <a:tailEnd type="arrow"/>
+          </a:ln>
+        </p:spPr>
+        <p:style>
+          <a:lnRef idx="1">
+            <a:schemeClr val="accent1"/>
+          </a:lnRef>
+          <a:fillRef idx="0">
+            <a:schemeClr val="accent1"/>
+          </a:fillRef>
+          <a:effectRef idx="0">
+            <a:schemeClr val="accent1"/>
+          </a:effectRef>
+          <a:fontRef idx="minor">
+            <a:schemeClr val="tx1"/>
+          </a:fontRef>
+        </p:style>
+      </p:cxnSp>
+      <p:sp>
+        <p:nvSpPr>
+          <p:cNvPr id="14" name="TextBox 13">
+            <a:extLst>
+              <a:ext uri="{FF2B5EF4-FFF2-40B4-BE49-F238E27FC236}">
+                <a16:creationId xmlns:a16="http://schemas.microsoft.com/office/drawing/2014/main" id="{82DDE382-E983-4A83-9F64-131CCA1E7C7E}"/>
+              </a:ext>
+            </a:extLst>
+          </p:cNvPr>
+          <p:cNvSpPr txBox="1"/>
+          <p:nvPr/>
+        </p:nvSpPr>
+        <p:spPr>
+          <a:xfrm>
+            <a:off x="1782432" y="1462920"/>
+            <a:ext cx="1902509" cy="215444"/>
+          </a:xfrm>
+          <a:prstGeom prst="rect">
+            <a:avLst/>
+          </a:prstGeom>
+          <a:noFill/>
+        </p:spPr>
+        <p:txBody>
+          <a:bodyPr wrap="square" lIns="0" tIns="0" rIns="0" bIns="0" rtlCol="0">
+            <a:spAutoFit/>
+          </a:bodyPr>
+          <a:lstStyle/>
+          <a:p>
+            <a:r>
+              <a:rPr lang="en-US" sz="1400" dirty="0">
+                <a:solidFill>
+                  <a:srgbClr val="0070C0"/>
+                </a:solidFill>
+              </a:rPr>
+              <a:t>execute(“</a:t>
+            </a:r>
+            <a:r>
+              <a:rPr lang="en-US" sz="1400" dirty="0" err="1">
+                <a:solidFill>
+                  <a:srgbClr val="0070C0"/>
+                </a:solidFill>
+              </a:rPr>
+              <a:t>findcase</a:t>
+            </a:r>
+            <a:r>
+              <a:rPr lang="en-US" sz="1400" dirty="0">
+                <a:solidFill>
+                  <a:srgbClr val="0070C0"/>
+                </a:solidFill>
+              </a:rPr>
+              <a:t> Magic”)</a:t>
+            </a:r>
+          </a:p>
+        </p:txBody>
+      </p:sp>
+      <p:cxnSp>
+        <p:nvCxnSpPr>
+          <p:cNvPr id="15" name="Straight Arrow Connector 14">
+            <a:extLst>
+              <a:ext uri="{FF2B5EF4-FFF2-40B4-BE49-F238E27FC236}">
+                <a16:creationId xmlns:a16="http://schemas.microsoft.com/office/drawing/2014/main" id="{C4BF0CD7-472B-48C2-91B1-2039D83C86C5}"/>
+              </a:ext>
+            </a:extLst>
+          </p:cNvPr>
+          <p:cNvCxnSpPr/>
+          <p:nvPr/>
+        </p:nvCxnSpPr>
+        <p:spPr>
+          <a:xfrm>
+            <a:off x="4217579" y="1475314"/>
+            <a:ext cx="1837184" cy="0"/>
+          </a:xfrm>
+          <a:prstGeom prst="straightConnector1">
+            <a:avLst/>
+          </a:prstGeom>
+          <a:ln w="19050">
+            <a:solidFill>
+              <a:srgbClr val="0070C0"/>
+            </a:solidFill>
+            <a:tailEnd type="arrow"/>
+          </a:ln>
+        </p:spPr>
+        <p:style>
+          <a:lnRef idx="1">
+            <a:schemeClr val="accent1"/>
+          </a:lnRef>
+          <a:fillRef idx="0">
+            <a:schemeClr val="accent1"/>
+          </a:fillRef>
+          <a:effectRef idx="0">
+            <a:schemeClr val="accent1"/>
+          </a:effectRef>
+          <a:fontRef idx="minor">
+            <a:schemeClr val="tx1"/>
+          </a:fontRef>
+        </p:style>
+      </p:cxnSp>
+      <p:sp>
+        <p:nvSpPr>
+          <p:cNvPr id="16" name="TextBox 15">
+            <a:extLst>
+              <a:ext uri="{FF2B5EF4-FFF2-40B4-BE49-F238E27FC236}">
+                <a16:creationId xmlns:a16="http://schemas.microsoft.com/office/drawing/2014/main" id="{BF895159-172B-47D2-BEBA-0448908ED64F}"/>
+              </a:ext>
+            </a:extLst>
+          </p:cNvPr>
+          <p:cNvSpPr txBox="1"/>
+          <p:nvPr/>
+        </p:nvSpPr>
+        <p:spPr>
+          <a:xfrm>
+            <a:off x="4411553" y="1699367"/>
+            <a:ext cx="1539152" cy="430887"/>
+          </a:xfrm>
+          <a:prstGeom prst="rect">
+            <a:avLst/>
+          </a:prstGeom>
+          <a:noFill/>
+        </p:spPr>
+        <p:txBody>
+          <a:bodyPr wrap="square" lIns="0" tIns="0" rIns="0" bIns="0" rtlCol="0">
+            <a:spAutoFit/>
+          </a:bodyPr>
+          <a:lstStyle/>
+          <a:p>
+            <a:r>
+              <a:rPr lang="en-US" sz="1400" dirty="0" err="1">
+                <a:solidFill>
+                  <a:srgbClr val="7030A0"/>
+                </a:solidFill>
+              </a:rPr>
+              <a:t>updateFilteredCrimeCaseList</a:t>
+            </a:r>
+            <a:r>
+              <a:rPr lang="en-US" sz="1400" dirty="0">
+                <a:solidFill>
+                  <a:srgbClr val="7030A0"/>
+                </a:solidFill>
+              </a:rPr>
+              <a:t>(keywords)</a:t>
+            </a:r>
+          </a:p>
+        </p:txBody>
+      </p:sp>
+      <p:sp>
+        <p:nvSpPr>
+          <p:cNvPr id="17" name="TextBox 16">
+            <a:extLst>
+              <a:ext uri="{FF2B5EF4-FFF2-40B4-BE49-F238E27FC236}">
+                <a16:creationId xmlns:a16="http://schemas.microsoft.com/office/drawing/2014/main" id="{436033C7-1F74-4104-B092-00297D74995B}"/>
+              </a:ext>
+            </a:extLst>
+          </p:cNvPr>
+          <p:cNvSpPr txBox="1"/>
+          <p:nvPr/>
+        </p:nvSpPr>
+        <p:spPr>
+          <a:xfrm>
+            <a:off x="6354934" y="1758564"/>
+            <a:ext cx="3199437" cy="215444"/>
+          </a:xfrm>
+          <a:prstGeom prst="rect">
+            <a:avLst/>
+          </a:prstGeom>
+          <a:noFill/>
+        </p:spPr>
+        <p:txBody>
+          <a:bodyPr wrap="square" lIns="0" tIns="0" rIns="0" bIns="0" rtlCol="0">
+            <a:spAutoFit/>
+          </a:bodyPr>
+          <a:lstStyle/>
+          <a:p>
+            <a:r>
+              <a:rPr lang="en-US" sz="1400" dirty="0">
+                <a:solidFill>
+                  <a:schemeClr val="accent5">
+                    <a:lumMod val="75000"/>
+                  </a:schemeClr>
+                </a:solidFill>
+              </a:rPr>
+              <a:t>post(</a:t>
+            </a:r>
+            <a:r>
+              <a:rPr lang="en-US" sz="1400" dirty="0" err="1">
+                <a:solidFill>
+                  <a:schemeClr val="accent5">
+                    <a:lumMod val="75000"/>
+                  </a:schemeClr>
+                </a:solidFill>
+              </a:rPr>
+              <a:t>FilteredCrimeCaseListChangedEvent</a:t>
+            </a:r>
+            <a:r>
+              <a:rPr lang="en-US" sz="1400" dirty="0">
+                <a:solidFill>
+                  <a:schemeClr val="accent5">
+                    <a:lumMod val="75000"/>
+                  </a:schemeClr>
+                </a:solidFill>
+              </a:rPr>
+              <a:t>)</a:t>
+            </a:r>
+          </a:p>
+        </p:txBody>
+      </p:sp>
+      <p:cxnSp>
+        <p:nvCxnSpPr>
+          <p:cNvPr id="18" name="Straight Arrow Connector 17">
+            <a:extLst>
+              <a:ext uri="{FF2B5EF4-FFF2-40B4-BE49-F238E27FC236}">
+                <a16:creationId xmlns:a16="http://schemas.microsoft.com/office/drawing/2014/main" id="{1B1AE22C-2879-47B4-9291-0F2B22BF020A}"/>
+              </a:ext>
+            </a:extLst>
+          </p:cNvPr>
+          <p:cNvCxnSpPr/>
+          <p:nvPr/>
+        </p:nvCxnSpPr>
+        <p:spPr>
+          <a:xfrm>
+            <a:off x="4211787" y="2359714"/>
+            <a:ext cx="1837184" cy="0"/>
+          </a:xfrm>
+          <a:prstGeom prst="straightConnector1">
+            <a:avLst/>
+          </a:prstGeom>
+          <a:ln w="19050">
+            <a:solidFill>
+              <a:srgbClr val="7030A0"/>
+            </a:solidFill>
+            <a:prstDash val="sysDash"/>
+            <a:headEnd type="arrow" w="med" len="med"/>
+            <a:tailEnd type="none" w="med" len="med"/>
+          </a:ln>
+        </p:spPr>
+        <p:style>
+          <a:lnRef idx="1">
+            <a:schemeClr val="accent1"/>
+          </a:lnRef>
+          <a:fillRef idx="0">
+            <a:schemeClr val="accent1"/>
+          </a:fillRef>
+          <a:effectRef idx="0">
+            <a:schemeClr val="accent1"/>
+          </a:effectRef>
+          <a:fontRef idx="minor">
+            <a:schemeClr val="tx1"/>
+          </a:fontRef>
+        </p:style>
+      </p:cxnSp>
+      <p:cxnSp>
+        <p:nvCxnSpPr>
+          <p:cNvPr id="19" name="Straight Arrow Connector 18">
+            <a:extLst>
+              <a:ext uri="{FF2B5EF4-FFF2-40B4-BE49-F238E27FC236}">
+                <a16:creationId xmlns:a16="http://schemas.microsoft.com/office/drawing/2014/main" id="{F3498069-9931-43DA-9012-B9044CA16B3A}"/>
+              </a:ext>
+            </a:extLst>
+          </p:cNvPr>
+          <p:cNvCxnSpPr>
+            <a:cxnSpLocks/>
+          </p:cNvCxnSpPr>
+          <p:nvPr/>
+        </p:nvCxnSpPr>
+        <p:spPr>
+          <a:xfrm>
+            <a:off x="1676705" y="2658063"/>
+            <a:ext cx="2374189" cy="0"/>
+          </a:xfrm>
+          <a:prstGeom prst="straightConnector1">
+            <a:avLst/>
+          </a:prstGeom>
+          <a:ln w="19050">
+            <a:solidFill>
+              <a:srgbClr val="0070C0"/>
+            </a:solidFill>
+            <a:prstDash val="sysDash"/>
+            <a:headEnd type="arrow" w="med" len="med"/>
+            <a:tailEnd type="none" w="med" len="med"/>
+          </a:ln>
+        </p:spPr>
+        <p:style>
+          <a:lnRef idx="1">
+            <a:schemeClr val="accent1"/>
+          </a:lnRef>
+          <a:fillRef idx="0">
+            <a:schemeClr val="accent1"/>
+          </a:fillRef>
+          <a:effectRef idx="0">
+            <a:schemeClr val="accent1"/>
+          </a:effectRef>
+          <a:fontRef idx="minor">
+            <a:schemeClr val="tx1"/>
+          </a:fontRef>
+        </p:style>
+      </p:cxnSp>
+      <p:cxnSp>
+        <p:nvCxnSpPr>
+          <p:cNvPr id="20" name="Straight Arrow Connector 19">
+            <a:extLst>
+              <a:ext uri="{FF2B5EF4-FFF2-40B4-BE49-F238E27FC236}">
+                <a16:creationId xmlns:a16="http://schemas.microsoft.com/office/drawing/2014/main" id="{5E1B29CE-7B07-4888-879A-1BD65068AFDC}"/>
+              </a:ext>
+            </a:extLst>
+          </p:cNvPr>
+          <p:cNvCxnSpPr>
+            <a:cxnSpLocks/>
+          </p:cNvCxnSpPr>
+          <p:nvPr/>
+        </p:nvCxnSpPr>
+        <p:spPr>
+          <a:xfrm>
+            <a:off x="-39480" y="2667000"/>
+            <a:ext cx="1581089" cy="0"/>
+          </a:xfrm>
+          <a:prstGeom prst="straightConnector1">
+            <a:avLst/>
+          </a:prstGeom>
+          <a:ln w="19050">
+            <a:solidFill>
+              <a:srgbClr val="00B050"/>
+            </a:solidFill>
+            <a:prstDash val="sysDash"/>
+            <a:headEnd type="arrow" w="med" len="med"/>
+            <a:tailEnd type="none" w="med" len="med"/>
+          </a:ln>
+        </p:spPr>
+        <p:style>
+          <a:lnRef idx="1">
+            <a:schemeClr val="accent1"/>
+          </a:lnRef>
+          <a:fillRef idx="0">
+            <a:schemeClr val="accent1"/>
+          </a:fillRef>
+          <a:effectRef idx="0">
+            <a:schemeClr val="accent1"/>
+          </a:effectRef>
+          <a:fontRef idx="minor">
+            <a:schemeClr val="tx1"/>
+          </a:fontRef>
+        </p:style>
+      </p:cxnSp>
+      <p:sp>
+        <p:nvSpPr>
+          <p:cNvPr id="21" name="Rectangle 62">
+            <a:extLst>
+              <a:ext uri="{FF2B5EF4-FFF2-40B4-BE49-F238E27FC236}">
+                <a16:creationId xmlns:a16="http://schemas.microsoft.com/office/drawing/2014/main" id="{3E383D9D-1AFD-42F3-9404-94C9ECFD3566}"/>
+              </a:ext>
+            </a:extLst>
+          </p:cNvPr>
+          <p:cNvSpPr/>
+          <p:nvPr/>
+        </p:nvSpPr>
+        <p:spPr>
+          <a:xfrm>
+            <a:off x="8763000" y="643840"/>
+            <a:ext cx="1371600" cy="346760"/>
+          </a:xfrm>
+          <a:prstGeom prst="rect">
+            <a:avLst/>
+          </a:prstGeom>
+          <a:solidFill>
+            <a:schemeClr val="accent5">
+              <a:lumMod val="75000"/>
+            </a:schemeClr>
+          </a:solidFill>
+          <a:ln w="19050">
+            <a:solidFill>
+              <a:schemeClr val="accent5">
+                <a:lumMod val="75000"/>
+              </a:schemeClr>
+            </a:solidFill>
+          </a:ln>
+          <a:effectLst/>
+        </p:spPr>
+        <p:style>
+          <a:lnRef idx="1">
+            <a:schemeClr val="accent2"/>
+          </a:lnRef>
+          <a:fillRef idx="2">
+            <a:schemeClr val="accent2"/>
+          </a:fillRef>
+          <a:effectRef idx="1">
+            <a:schemeClr val="accent2"/>
+          </a:effectRef>
+          <a:fontRef idx="minor">
+            <a:schemeClr val="dk1"/>
+          </a:fontRef>
+        </p:style>
+        <p:txBody>
+          <a:bodyPr rtlCol="0" anchor="ctr"/>
+          <a:lstStyle/>
+          <a:p>
+            <a:pPr algn="ctr"/>
+            <a:r>
+              <a:rPr lang="en-US" sz="1600" dirty="0">
+                <a:solidFill>
+                  <a:schemeClr val="bg1"/>
+                </a:solidFill>
+              </a:rPr>
+              <a:t>:</a:t>
+            </a:r>
+            <a:r>
+              <a:rPr lang="en-US" sz="1600" dirty="0" err="1">
+                <a:solidFill>
+                  <a:schemeClr val="bg1"/>
+                </a:solidFill>
+              </a:rPr>
+              <a:t>EventsCenter</a:t>
+            </a:r>
+            <a:endParaRPr lang="en-SG" sz="1600" dirty="0">
+              <a:solidFill>
+                <a:schemeClr val="bg1"/>
+              </a:solidFill>
+            </a:endParaRPr>
+          </a:p>
+        </p:txBody>
+      </p:sp>
+      <p:cxnSp>
+        <p:nvCxnSpPr>
+          <p:cNvPr id="22" name="Straight Connector 21">
+            <a:extLst>
+              <a:ext uri="{FF2B5EF4-FFF2-40B4-BE49-F238E27FC236}">
+                <a16:creationId xmlns:a16="http://schemas.microsoft.com/office/drawing/2014/main" id="{E6EBFB94-1279-4C41-88BB-410E5A194301}"/>
+              </a:ext>
+            </a:extLst>
+          </p:cNvPr>
+          <p:cNvCxnSpPr>
+            <a:cxnSpLocks/>
+          </p:cNvCxnSpPr>
+          <p:nvPr/>
+        </p:nvCxnSpPr>
+        <p:spPr>
+          <a:xfrm>
+            <a:off x="9490260" y="993869"/>
+            <a:ext cx="0" cy="1901731"/>
+          </a:xfrm>
+          <a:prstGeom prst="line">
+            <a:avLst/>
+          </a:prstGeom>
+          <a:ln w="19050">
+            <a:solidFill>
+              <a:schemeClr val="accent5">
+                <a:lumMod val="75000"/>
+              </a:schemeClr>
+            </a:solidFill>
+            <a:prstDash val="sysDash"/>
+          </a:ln>
+          <a:effectLst/>
+        </p:spPr>
+        <p:style>
+          <a:lnRef idx="1">
+            <a:schemeClr val="accent1"/>
+          </a:lnRef>
+          <a:fillRef idx="2">
+            <a:schemeClr val="accent1"/>
+          </a:fillRef>
+          <a:effectRef idx="1">
+            <a:schemeClr val="accent1"/>
+          </a:effectRef>
+          <a:fontRef idx="minor">
+            <a:schemeClr val="dk1"/>
+          </a:fontRef>
+        </p:style>
+      </p:cxnSp>
+      <p:sp>
+        <p:nvSpPr>
+          <p:cNvPr id="23" name="Rectangle 22">
+            <a:extLst>
+              <a:ext uri="{FF2B5EF4-FFF2-40B4-BE49-F238E27FC236}">
+                <a16:creationId xmlns:a16="http://schemas.microsoft.com/office/drawing/2014/main" id="{C20387D3-68F6-44B6-93DC-9127028AAA62}"/>
+              </a:ext>
+            </a:extLst>
+          </p:cNvPr>
+          <p:cNvSpPr/>
+          <p:nvPr/>
+        </p:nvSpPr>
+        <p:spPr>
+          <a:xfrm>
+            <a:off x="9412365" y="1960926"/>
+            <a:ext cx="142006" cy="176787"/>
+          </a:xfrm>
+          <a:prstGeom prst="rect">
+            <a:avLst/>
+          </a:prstGeom>
+          <a:solidFill>
+            <a:schemeClr val="accent5">
+              <a:lumMod val="75000"/>
+            </a:schemeClr>
+          </a:solidFill>
+          <a:ln>
+            <a:solidFill>
+              <a:schemeClr val="accent5">
+                <a:lumMod val="75000"/>
+              </a:schemeClr>
+            </a:solidFill>
+          </a:ln>
+          <a:effectLst/>
+        </p:spPr>
+        <p:style>
+          <a:lnRef idx="1">
+            <a:schemeClr val="accent3"/>
+          </a:lnRef>
+          <a:fillRef idx="2">
+            <a:schemeClr val="accent3"/>
+          </a:fillRef>
+          <a:effectRef idx="1">
+            <a:schemeClr val="accent3"/>
+          </a:effectRef>
+          <a:fontRef idx="minor">
+            <a:schemeClr val="dk1"/>
+          </a:fontRef>
+        </p:style>
+        <p:txBody>
+          <a:bodyPr rtlCol="0" anchor="ctr"/>
+          <a:lstStyle/>
+          <a:p>
+            <a:pPr algn="ctr"/>
+            <a:endParaRPr lang="en-SG" sz="1400">
+              <a:solidFill>
+                <a:schemeClr val="dk1"/>
+              </a:solidFill>
+            </a:endParaRPr>
+          </a:p>
+        </p:txBody>
+      </p:sp>
+      <p:cxnSp>
+        <p:nvCxnSpPr>
+          <p:cNvPr id="24" name="Straight Arrow Connector 23">
+            <a:extLst>
+              <a:ext uri="{FF2B5EF4-FFF2-40B4-BE49-F238E27FC236}">
+                <a16:creationId xmlns:a16="http://schemas.microsoft.com/office/drawing/2014/main" id="{CE0F55FA-57FB-42C4-9E59-A8D831599B4D}"/>
+              </a:ext>
+            </a:extLst>
+          </p:cNvPr>
+          <p:cNvCxnSpPr>
+            <a:cxnSpLocks/>
+            <a:endCxn id="23" idx="1"/>
+          </p:cNvCxnSpPr>
+          <p:nvPr/>
+        </p:nvCxnSpPr>
+        <p:spPr>
+          <a:xfrm>
+            <a:off x="6259510" y="2045279"/>
+            <a:ext cx="3152855" cy="4041"/>
+          </a:xfrm>
+          <a:prstGeom prst="straightConnector1">
+            <a:avLst/>
+          </a:prstGeom>
+          <a:ln w="19050">
+            <a:solidFill>
+              <a:srgbClr val="7030A0"/>
+            </a:solidFill>
+            <a:tailEnd type="arrow"/>
+          </a:ln>
+        </p:spPr>
+        <p:style>
+          <a:lnRef idx="1">
+            <a:schemeClr val="accent1"/>
+          </a:lnRef>
+          <a:fillRef idx="0">
+            <a:schemeClr val="accent1"/>
+          </a:fillRef>
+          <a:effectRef idx="0">
+            <a:schemeClr val="accent1"/>
+          </a:effectRef>
+          <a:fontRef idx="minor">
+            <a:schemeClr val="tx1"/>
+          </a:fontRef>
+        </p:style>
+      </p:cxnSp>
+      <p:cxnSp>
+        <p:nvCxnSpPr>
+          <p:cNvPr id="25" name="Straight Arrow Connector 24">
+            <a:extLst>
+              <a:ext uri="{FF2B5EF4-FFF2-40B4-BE49-F238E27FC236}">
+                <a16:creationId xmlns:a16="http://schemas.microsoft.com/office/drawing/2014/main" id="{7C954EE7-4180-42CF-B1D3-0CD9804B1C06}"/>
+              </a:ext>
+            </a:extLst>
+          </p:cNvPr>
+          <p:cNvCxnSpPr>
+            <a:cxnSpLocks/>
+          </p:cNvCxnSpPr>
+          <p:nvPr/>
+        </p:nvCxnSpPr>
+        <p:spPr>
+          <a:xfrm>
+            <a:off x="6240283" y="2176370"/>
+            <a:ext cx="3230750" cy="20130"/>
+          </a:xfrm>
+          <a:prstGeom prst="straightConnector1">
+            <a:avLst/>
+          </a:prstGeom>
+          <a:ln w="19050">
+            <a:solidFill>
+              <a:schemeClr val="accent5">
+                <a:lumMod val="75000"/>
+              </a:schemeClr>
+            </a:solidFill>
+            <a:prstDash val="sysDash"/>
+            <a:headEnd type="arrow" w="med" len="med"/>
+            <a:tailEnd type="none" w="med" len="med"/>
+          </a:ln>
+        </p:spPr>
+        <p:style>
+          <a:lnRef idx="1">
+            <a:schemeClr val="accent1"/>
+          </a:lnRef>
+          <a:fillRef idx="0">
+            <a:schemeClr val="accent1"/>
+          </a:fillRef>
+          <a:effectRef idx="0">
+            <a:schemeClr val="accent1"/>
+          </a:effectRef>
+          <a:fontRef idx="minor">
+            <a:schemeClr val="tx1"/>
+          </a:fontRef>
+        </p:style>
+      </p:cxnSp>
+      <p:cxnSp>
+        <p:nvCxnSpPr>
+          <p:cNvPr id="26" name="Straight Connector 25">
+            <a:extLst>
+              <a:ext uri="{FF2B5EF4-FFF2-40B4-BE49-F238E27FC236}">
+                <a16:creationId xmlns:a16="http://schemas.microsoft.com/office/drawing/2014/main" id="{B8070101-1F22-48F4-BA8B-CD7B051931A3}"/>
+              </a:ext>
+            </a:extLst>
+          </p:cNvPr>
+          <p:cNvCxnSpPr/>
+          <p:nvPr/>
+        </p:nvCxnSpPr>
+        <p:spPr>
+          <a:xfrm flipH="1">
+            <a:off x="-133188" y="1095896"/>
+            <a:ext cx="24" cy="1598671"/>
+          </a:xfrm>
+          <a:prstGeom prst="line">
+            <a:avLst/>
+          </a:prstGeom>
+          <a:ln w="19050">
+            <a:solidFill>
+              <a:schemeClr val="tx1"/>
+            </a:solidFill>
+            <a:prstDash val="sysDash"/>
+          </a:ln>
+          <a:effectLst/>
+        </p:spPr>
+        <p:style>
+          <a:lnRef idx="1">
+            <a:schemeClr val="accent1"/>
+          </a:lnRef>
+          <a:fillRef idx="2">
+            <a:schemeClr val="accent1"/>
+          </a:fillRef>
+          <a:effectRef idx="1">
+            <a:schemeClr val="accent1"/>
+          </a:effectRef>
+          <a:fontRef idx="minor">
+            <a:schemeClr val="dk1"/>
+          </a:fontRef>
+        </p:style>
+      </p:cxnSp>
+      <p:grpSp>
+        <p:nvGrpSpPr>
+          <p:cNvPr id="27" name="Actor">
+            <a:extLst>
+              <a:ext uri="{FF2B5EF4-FFF2-40B4-BE49-F238E27FC236}">
+                <a16:creationId xmlns:a16="http://schemas.microsoft.com/office/drawing/2014/main" id="{4DF1DAA8-8C39-4207-B566-8ADA7231136C}"/>
+              </a:ext>
+            </a:extLst>
+          </p:cNvPr>
+          <p:cNvGrpSpPr/>
+          <p:nvPr/>
+        </p:nvGrpSpPr>
+        <p:grpSpPr>
+          <a:xfrm>
+            <a:off x="-304800" y="518799"/>
+            <a:ext cx="324036" cy="573410"/>
+            <a:chOff x="3239901" y="4149080"/>
+            <a:chExt cx="648072" cy="1146820"/>
+          </a:xfrm>
+        </p:grpSpPr>
+        <p:sp>
+          <p:nvSpPr>
+            <p:cNvPr id="28" name="Flowchart: Connector 27">
+              <a:extLst>
+                <a:ext uri="{FF2B5EF4-FFF2-40B4-BE49-F238E27FC236}">
+                  <a16:creationId xmlns:a16="http://schemas.microsoft.com/office/drawing/2014/main" id="{C2B41209-97D7-4EE0-B013-14364C6CE9C2}"/>
+                </a:ext>
+              </a:extLst>
+            </p:cNvPr>
+            <p:cNvSpPr/>
+            <p:nvPr/>
+          </p:nvSpPr>
+          <p:spPr>
+            <a:xfrm>
+              <a:off x="3419872" y="4149080"/>
+              <a:ext cx="288032" cy="288032"/>
+            </a:xfrm>
+            <a:prstGeom prst="flowChartConnector">
+              <a:avLst/>
+            </a:prstGeom>
+            <a:solidFill>
+              <a:schemeClr val="bg1">
+                <a:lumMod val="85000"/>
+              </a:schemeClr>
+            </a:solidFill>
+            <a:ln w="28575">
+              <a:solidFill>
+                <a:schemeClr val="tx1"/>
+              </a:solidFill>
+            </a:ln>
+            <a:effectLst/>
+          </p:spPr>
+          <p:style>
+            <a:lnRef idx="1">
+              <a:schemeClr val="accent4"/>
+            </a:lnRef>
+            <a:fillRef idx="2">
+              <a:schemeClr val="accent4"/>
+            </a:fillRef>
+            <a:effectRef idx="1">
+              <a:schemeClr val="accent4"/>
+            </a:effectRef>
+            <a:fontRef idx="minor">
+              <a:schemeClr val="dk1"/>
+            </a:fontRef>
+          </p:style>
+          <p:txBody>
+            <a:bodyPr rtlCol="0" anchor="ctr"/>
+            <a:lstStyle/>
+            <a:p>
+              <a:pPr algn="ctr"/>
+              <a:endParaRPr lang="en-SG"/>
+            </a:p>
+          </p:txBody>
+        </p:sp>
+        <p:cxnSp>
+          <p:nvCxnSpPr>
+            <p:cNvPr id="29" name="Straight Connector 28">
+              <a:extLst>
+                <a:ext uri="{FF2B5EF4-FFF2-40B4-BE49-F238E27FC236}">
+                  <a16:creationId xmlns:a16="http://schemas.microsoft.com/office/drawing/2014/main" id="{B0133811-A74B-449E-BCDF-E092958F3B6C}"/>
+                </a:ext>
+              </a:extLst>
+            </p:cNvPr>
+            <p:cNvCxnSpPr>
+              <a:stCxn id="28" idx="4"/>
+            </p:cNvCxnSpPr>
+            <p:nvPr/>
+          </p:nvCxnSpPr>
+          <p:spPr>
+            <a:xfrm>
+              <a:off x="3563888" y="4437112"/>
+              <a:ext cx="0" cy="504056"/>
+            </a:xfrm>
+            <a:prstGeom prst="line">
+              <a:avLst/>
+            </a:prstGeom>
+            <a:ln w="28575">
+              <a:solidFill>
+                <a:schemeClr val="tx1"/>
+              </a:solidFill>
+            </a:ln>
+            <a:effectLst/>
+          </p:spPr>
+          <p:style>
+            <a:lnRef idx="1">
+              <a:schemeClr val="accent4"/>
+            </a:lnRef>
+            <a:fillRef idx="2">
+              <a:schemeClr val="accent4"/>
+            </a:fillRef>
+            <a:effectRef idx="1">
+              <a:schemeClr val="accent4"/>
+            </a:effectRef>
+            <a:fontRef idx="minor">
+              <a:schemeClr val="dk1"/>
+            </a:fontRef>
+          </p:style>
+        </p:cxnSp>
+        <p:sp>
+          <p:nvSpPr>
+            <p:cNvPr id="30" name="Freeform 9">
+              <a:extLst>
+                <a:ext uri="{FF2B5EF4-FFF2-40B4-BE49-F238E27FC236}">
+                  <a16:creationId xmlns:a16="http://schemas.microsoft.com/office/drawing/2014/main" id="{053360DF-0230-403D-B0D5-E9606F010EB9}"/>
+                </a:ext>
+              </a:extLst>
+            </p:cNvPr>
+            <p:cNvSpPr/>
+            <p:nvPr/>
+          </p:nvSpPr>
+          <p:spPr>
+            <a:xfrm>
+              <a:off x="3324225" y="4933950"/>
+              <a:ext cx="479425" cy="361950"/>
+            </a:xfrm>
+            <a:custGeom>
+              <a:avLst/>
+              <a:gdLst>
+                <a:gd name="connsiteX0" fmla="*/ 0 w 479425"/>
+                <a:gd name="connsiteY0" fmla="*/ 355600 h 361950"/>
+                <a:gd name="connsiteX1" fmla="*/ 241300 w 479425"/>
+                <a:gd name="connsiteY1" fmla="*/ 0 h 361950"/>
+                <a:gd name="connsiteX2" fmla="*/ 479425 w 479425"/>
+                <a:gd name="connsiteY2" fmla="*/ 361950 h 361950"/>
+              </a:gdLst>
+              <a:ahLst/>
+              <a:cxnLst>
+                <a:cxn ang="0">
+                  <a:pos x="connsiteX0" y="connsiteY0"/>
+                </a:cxn>
+                <a:cxn ang="0">
+                  <a:pos x="connsiteX1" y="connsiteY1"/>
+                </a:cxn>
+                <a:cxn ang="0">
+                  <a:pos x="connsiteX2" y="connsiteY2"/>
+                </a:cxn>
+              </a:cxnLst>
+              <a:rect l="l" t="t" r="r" b="b"/>
+              <a:pathLst>
+                <a:path w="479425" h="361950">
+                  <a:moveTo>
+                    <a:pt x="0" y="355600"/>
+                  </a:moveTo>
+                  <a:lnTo>
+                    <a:pt x="241300" y="0"/>
+                  </a:lnTo>
+                  <a:lnTo>
+                    <a:pt x="479425" y="361950"/>
+                  </a:lnTo>
+                </a:path>
+              </a:pathLst>
+            </a:custGeom>
+            <a:noFill/>
+            <a:ln w="28575">
+              <a:solidFill>
+                <a:schemeClr val="tx1"/>
+              </a:solidFill>
+            </a:ln>
+            <a:effectLst/>
+          </p:spPr>
+          <p:style>
+            <a:lnRef idx="1">
+              <a:schemeClr val="accent4"/>
+            </a:lnRef>
+            <a:fillRef idx="2">
+              <a:schemeClr val="accent4"/>
+            </a:fillRef>
+            <a:effectRef idx="1">
+              <a:schemeClr val="accent4"/>
+            </a:effectRef>
+            <a:fontRef idx="minor">
+              <a:schemeClr val="dk1"/>
+            </a:fontRef>
+          </p:style>
+          <p:txBody>
+            <a:bodyPr rtlCol="0" anchor="ctr"/>
+            <a:lstStyle/>
+            <a:p>
+              <a:pPr algn="ctr"/>
+              <a:endParaRPr lang="en-SG"/>
+            </a:p>
+          </p:txBody>
+        </p:sp>
+        <p:cxnSp>
+          <p:nvCxnSpPr>
+            <p:cNvPr id="31" name="Straight Connector 30">
+              <a:extLst>
+                <a:ext uri="{FF2B5EF4-FFF2-40B4-BE49-F238E27FC236}">
+                  <a16:creationId xmlns:a16="http://schemas.microsoft.com/office/drawing/2014/main" id="{93D779BF-C220-4E6A-9618-FE2066B13CCB}"/>
+                </a:ext>
+              </a:extLst>
+            </p:cNvPr>
+            <p:cNvCxnSpPr/>
+            <p:nvPr/>
+          </p:nvCxnSpPr>
+          <p:spPr>
+            <a:xfrm>
+              <a:off x="3239901" y="4509120"/>
+              <a:ext cx="648072" cy="0"/>
+            </a:xfrm>
+            <a:prstGeom prst="line">
+              <a:avLst/>
+            </a:prstGeom>
+            <a:ln w="28575">
+              <a:solidFill>
+                <a:schemeClr val="tx1"/>
+              </a:solidFill>
+            </a:ln>
+            <a:effectLst/>
+          </p:spPr>
+          <p:style>
+            <a:lnRef idx="1">
+              <a:schemeClr val="accent4"/>
+            </a:lnRef>
+            <a:fillRef idx="2">
+              <a:schemeClr val="accent4"/>
+            </a:fillRef>
+            <a:effectRef idx="1">
+              <a:schemeClr val="accent4"/>
+            </a:effectRef>
+            <a:fontRef idx="minor">
+              <a:schemeClr val="dk1"/>
+            </a:fontRef>
+          </p:style>
+        </p:cxnSp>
+      </p:grpSp>
+      <p:sp>
+        <p:nvSpPr>
+          <p:cNvPr id="36" name="TextBox 35">
+            <a:extLst>
+              <a:ext uri="{FF2B5EF4-FFF2-40B4-BE49-F238E27FC236}">
+                <a16:creationId xmlns:a16="http://schemas.microsoft.com/office/drawing/2014/main" id="{0CB7604E-F893-49CF-8268-02B732B8197D}"/>
+              </a:ext>
+            </a:extLst>
+          </p:cNvPr>
+          <p:cNvSpPr txBox="1"/>
+          <p:nvPr/>
+        </p:nvSpPr>
+        <p:spPr>
+          <a:xfrm>
+            <a:off x="142420" y="1623871"/>
+            <a:ext cx="1470656" cy="215444"/>
+          </a:xfrm>
+          <a:prstGeom prst="rect">
+            <a:avLst/>
+          </a:prstGeom>
+          <a:noFill/>
+        </p:spPr>
+        <p:txBody>
+          <a:bodyPr wrap="square" lIns="0" tIns="0" rIns="0" bIns="0" rtlCol="0">
+            <a:spAutoFit/>
+          </a:bodyPr>
+          <a:lstStyle/>
+          <a:p>
+            <a:r>
+              <a:rPr lang="en-US" sz="1400" dirty="0" err="1"/>
+              <a:t>findcasetags</a:t>
+            </a:r>
+            <a:r>
+              <a:rPr lang="en-US" sz="1400" dirty="0"/>
+              <a:t> Fraud</a:t>
+            </a:r>
+          </a:p>
+        </p:txBody>
+      </p:sp>
+      <p:sp>
+        <p:nvSpPr>
+          <p:cNvPr id="39" name="TextBox 38">
+            <a:extLst>
+              <a:ext uri="{FF2B5EF4-FFF2-40B4-BE49-F238E27FC236}">
+                <a16:creationId xmlns:a16="http://schemas.microsoft.com/office/drawing/2014/main" id="{62258F58-7F50-4194-BE71-7F91382E30B0}"/>
+              </a:ext>
+            </a:extLst>
+          </p:cNvPr>
+          <p:cNvSpPr txBox="1"/>
+          <p:nvPr/>
+        </p:nvSpPr>
+        <p:spPr>
+          <a:xfrm>
+            <a:off x="443628" y="1882446"/>
+            <a:ext cx="1062505" cy="215444"/>
+          </a:xfrm>
+          <a:prstGeom prst="rect">
+            <a:avLst/>
+          </a:prstGeom>
+          <a:noFill/>
+        </p:spPr>
+        <p:txBody>
+          <a:bodyPr wrap="square" lIns="0" tIns="0" rIns="0" bIns="0" rtlCol="0">
+            <a:spAutoFit/>
+          </a:bodyPr>
+          <a:lstStyle/>
+          <a:p>
+            <a:r>
+              <a:rPr lang="en-US" sz="1400" dirty="0" err="1"/>
+              <a:t>findclosecases</a:t>
+            </a:r>
+            <a:endParaRPr lang="en-US" sz="1400" dirty="0"/>
+          </a:p>
+        </p:txBody>
+      </p:sp>
+      <p:sp>
+        <p:nvSpPr>
+          <p:cNvPr id="40" name="TextBox 39">
+            <a:extLst>
+              <a:ext uri="{FF2B5EF4-FFF2-40B4-BE49-F238E27FC236}">
+                <a16:creationId xmlns:a16="http://schemas.microsoft.com/office/drawing/2014/main" id="{796BE94C-6E63-43FE-A316-D27682736F8E}"/>
+              </a:ext>
+            </a:extLst>
+          </p:cNvPr>
+          <p:cNvSpPr txBox="1"/>
+          <p:nvPr/>
+        </p:nvSpPr>
+        <p:spPr>
+          <a:xfrm>
+            <a:off x="449243" y="2169208"/>
+            <a:ext cx="1062505" cy="215444"/>
+          </a:xfrm>
+          <a:prstGeom prst="rect">
+            <a:avLst/>
+          </a:prstGeom>
+          <a:noFill/>
+        </p:spPr>
+        <p:txBody>
+          <a:bodyPr wrap="square" lIns="0" tIns="0" rIns="0" bIns="0" rtlCol="0">
+            <a:spAutoFit/>
+          </a:bodyPr>
+          <a:lstStyle/>
+          <a:p>
+            <a:r>
+              <a:rPr lang="en-US" sz="1400" dirty="0" err="1"/>
+              <a:t>findopencases</a:t>
+            </a:r>
+            <a:endParaRPr lang="en-US" sz="1400" dirty="0"/>
+          </a:p>
+        </p:txBody>
+      </p:sp>
+      <p:sp>
+        <p:nvSpPr>
+          <p:cNvPr id="43" name="TextBox 42">
+            <a:extLst>
+              <a:ext uri="{FF2B5EF4-FFF2-40B4-BE49-F238E27FC236}">
+                <a16:creationId xmlns:a16="http://schemas.microsoft.com/office/drawing/2014/main" id="{4A2FD849-1115-48FD-856C-80C4B2F098F5}"/>
+              </a:ext>
+            </a:extLst>
+          </p:cNvPr>
+          <p:cNvSpPr txBox="1"/>
+          <p:nvPr/>
+        </p:nvSpPr>
+        <p:spPr>
+          <a:xfrm>
+            <a:off x="1780208" y="1699367"/>
+            <a:ext cx="2206576" cy="861774"/>
+          </a:xfrm>
+          <a:prstGeom prst="rect">
+            <a:avLst/>
+          </a:prstGeom>
+          <a:noFill/>
+        </p:spPr>
+        <p:txBody>
+          <a:bodyPr wrap="square" lIns="0" tIns="0" rIns="0" bIns="0" rtlCol="0">
+            <a:spAutoFit/>
+          </a:bodyPr>
+          <a:lstStyle/>
+          <a:p>
+            <a:r>
+              <a:rPr lang="en-US" sz="1400" dirty="0">
+                <a:solidFill>
+                  <a:srgbClr val="0070C0"/>
+                </a:solidFill>
+              </a:rPr>
+              <a:t>execute(“</a:t>
+            </a:r>
+            <a:r>
+              <a:rPr lang="en-US" sz="1400" dirty="0" err="1">
+                <a:solidFill>
+                  <a:srgbClr val="0070C0"/>
+                </a:solidFill>
+              </a:rPr>
+              <a:t>findcasetags</a:t>
+            </a:r>
+            <a:r>
+              <a:rPr lang="en-US" sz="1400" dirty="0">
+                <a:solidFill>
+                  <a:srgbClr val="0070C0"/>
+                </a:solidFill>
+              </a:rPr>
+              <a:t> Fraud”)</a:t>
+            </a:r>
+          </a:p>
+          <a:p>
+            <a:r>
+              <a:rPr lang="en-US" sz="1400" dirty="0">
+                <a:solidFill>
+                  <a:srgbClr val="0070C0"/>
+                </a:solidFill>
+              </a:rPr>
+              <a:t>execute(“</a:t>
+            </a:r>
+            <a:r>
+              <a:rPr lang="en-US" sz="1400" dirty="0" err="1">
+                <a:solidFill>
+                  <a:srgbClr val="0070C0"/>
+                </a:solidFill>
+              </a:rPr>
+              <a:t>findclosecases</a:t>
+            </a:r>
+            <a:r>
+              <a:rPr lang="en-US" sz="1400" dirty="0">
+                <a:solidFill>
+                  <a:srgbClr val="0070C0"/>
+                </a:solidFill>
+              </a:rPr>
+              <a:t>”)</a:t>
+            </a:r>
+          </a:p>
+          <a:p>
+            <a:r>
+              <a:rPr lang="en-US" sz="1400" dirty="0">
+                <a:solidFill>
+                  <a:srgbClr val="0070C0"/>
+                </a:solidFill>
+              </a:rPr>
+              <a:t>execute(“</a:t>
+            </a:r>
+            <a:r>
+              <a:rPr lang="en-US" sz="1400" dirty="0" err="1">
+                <a:solidFill>
+                  <a:srgbClr val="0070C0"/>
+                </a:solidFill>
+              </a:rPr>
+              <a:t>findopencases</a:t>
+            </a:r>
+            <a:r>
+              <a:rPr lang="en-US" sz="1400" dirty="0">
+                <a:solidFill>
+                  <a:srgbClr val="0070C0"/>
+                </a:solidFill>
+              </a:rPr>
+              <a:t>”)</a:t>
+            </a:r>
+          </a:p>
+          <a:p>
+            <a:r>
+              <a:rPr lang="en-US" sz="1400" dirty="0">
+                <a:solidFill>
+                  <a:srgbClr val="0070C0"/>
+                </a:solidFill>
+              </a:rPr>
+              <a:t>execute(“</a:t>
+            </a:r>
+            <a:r>
+              <a:rPr lang="en-US" sz="1400" dirty="0" err="1">
+                <a:solidFill>
+                  <a:srgbClr val="0070C0"/>
+                </a:solidFill>
+              </a:rPr>
+              <a:t>listcases</a:t>
+            </a:r>
+            <a:r>
+              <a:rPr lang="en-US" sz="1400" dirty="0">
+                <a:solidFill>
+                  <a:srgbClr val="0070C0"/>
+                </a:solidFill>
+              </a:rPr>
+              <a:t>”)</a:t>
+            </a:r>
+          </a:p>
+        </p:txBody>
+      </p:sp>
+      <p:sp>
+        <p:nvSpPr>
+          <p:cNvPr id="58" name="TextBox 57">
+            <a:extLst>
+              <a:ext uri="{FF2B5EF4-FFF2-40B4-BE49-F238E27FC236}">
+                <a16:creationId xmlns:a16="http://schemas.microsoft.com/office/drawing/2014/main" id="{A84B2A98-ED2B-4794-A2E0-2F4225716A25}"/>
+              </a:ext>
+            </a:extLst>
+          </p:cNvPr>
+          <p:cNvSpPr txBox="1"/>
+          <p:nvPr/>
+        </p:nvSpPr>
+        <p:spPr>
+          <a:xfrm>
+            <a:off x="892544" y="2399951"/>
+            <a:ext cx="1062505" cy="215444"/>
+          </a:xfrm>
+          <a:prstGeom prst="rect">
+            <a:avLst/>
+          </a:prstGeom>
+          <a:noFill/>
+        </p:spPr>
+        <p:txBody>
+          <a:bodyPr wrap="square" lIns="0" tIns="0" rIns="0" bIns="0" rtlCol="0">
+            <a:spAutoFit/>
+          </a:bodyPr>
+          <a:lstStyle/>
+          <a:p>
+            <a:r>
+              <a:rPr lang="en-US" sz="1400" dirty="0" err="1"/>
+              <a:t>listcases</a:t>
+            </a:r>
+            <a:endParaRPr lang="en-US" sz="1400" dirty="0"/>
+          </a:p>
+        </p:txBody>
+      </p:sp>
+    </p:spTree>
+    <p:extLst>
+      <p:ext uri="{BB962C8B-B14F-4D97-AF65-F5344CB8AC3E}">
+        <p14:creationId xmlns:p14="http://schemas.microsoft.com/office/powerpoint/2010/main" val="4132991113"/>
       </p:ext>
     </p:extLst>
   </p:cSld>

--- a/docs/diagrams/HighLevelSequenceDiagrams.pptx
+++ b/docs/diagrams/HighLevelSequenceDiagrams.pptx
@@ -215,7 +215,7 @@
           <a:p>
             <a:fld id="{F5CC4B3F-88C1-4FFA-B1B6-F41C21DC6924}" type="datetimeFigureOut">
               <a:rPr lang="en-US" smtClean="0"/>
-              <a:t>4/12/2018</a:t>
+              <a:t>4/14/2018</a:t>
             </a:fld>
             <a:endParaRPr lang="en-US"/>
           </a:p>
@@ -661,7 +661,7 @@
           <a:p>
             <a:fld id="{78C97017-6FC3-485B-9764-EAC9E56C1D49}" type="datetimeFigureOut">
               <a:rPr lang="en-US" smtClean="0"/>
-              <a:t>4/12/2018</a:t>
+              <a:t>4/14/2018</a:t>
             </a:fld>
             <a:endParaRPr lang="en-US"/>
           </a:p>
@@ -829,7 +829,7 @@
           <a:p>
             <a:fld id="{78C97017-6FC3-485B-9764-EAC9E56C1D49}" type="datetimeFigureOut">
               <a:rPr lang="en-US" smtClean="0"/>
-              <a:t>4/12/2018</a:t>
+              <a:t>4/14/2018</a:t>
             </a:fld>
             <a:endParaRPr lang="en-US"/>
           </a:p>
@@ -1007,7 +1007,7 @@
           <a:p>
             <a:fld id="{78C97017-6FC3-485B-9764-EAC9E56C1D49}" type="datetimeFigureOut">
               <a:rPr lang="en-US" smtClean="0"/>
-              <a:t>4/12/2018</a:t>
+              <a:t>4/14/2018</a:t>
             </a:fld>
             <a:endParaRPr lang="en-US"/>
           </a:p>
@@ -1175,7 +1175,7 @@
           <a:p>
             <a:fld id="{78C97017-6FC3-485B-9764-EAC9E56C1D49}" type="datetimeFigureOut">
               <a:rPr lang="en-US" smtClean="0"/>
-              <a:t>4/12/2018</a:t>
+              <a:t>4/14/2018</a:t>
             </a:fld>
             <a:endParaRPr lang="en-US"/>
           </a:p>
@@ -1420,7 +1420,7 @@
           <a:p>
             <a:fld id="{78C97017-6FC3-485B-9764-EAC9E56C1D49}" type="datetimeFigureOut">
               <a:rPr lang="en-US" smtClean="0"/>
-              <a:t>4/12/2018</a:t>
+              <a:t>4/14/2018</a:t>
             </a:fld>
             <a:endParaRPr lang="en-US"/>
           </a:p>
@@ -1705,7 +1705,7 @@
           <a:p>
             <a:fld id="{78C97017-6FC3-485B-9764-EAC9E56C1D49}" type="datetimeFigureOut">
               <a:rPr lang="en-US" smtClean="0"/>
-              <a:t>4/12/2018</a:t>
+              <a:t>4/14/2018</a:t>
             </a:fld>
             <a:endParaRPr lang="en-US"/>
           </a:p>
@@ -2124,7 +2124,7 @@
           <a:p>
             <a:fld id="{78C97017-6FC3-485B-9764-EAC9E56C1D49}" type="datetimeFigureOut">
               <a:rPr lang="en-US" smtClean="0"/>
-              <a:t>4/12/2018</a:t>
+              <a:t>4/14/2018</a:t>
             </a:fld>
             <a:endParaRPr lang="en-US"/>
           </a:p>
@@ -2241,7 +2241,7 @@
           <a:p>
             <a:fld id="{78C97017-6FC3-485B-9764-EAC9E56C1D49}" type="datetimeFigureOut">
               <a:rPr lang="en-US" smtClean="0"/>
-              <a:t>4/12/2018</a:t>
+              <a:t>4/14/2018</a:t>
             </a:fld>
             <a:endParaRPr lang="en-US"/>
           </a:p>
@@ -2336,7 +2336,7 @@
           <a:p>
             <a:fld id="{78C97017-6FC3-485B-9764-EAC9E56C1D49}" type="datetimeFigureOut">
               <a:rPr lang="en-US" smtClean="0"/>
-              <a:t>4/12/2018</a:t>
+              <a:t>4/14/2018</a:t>
             </a:fld>
             <a:endParaRPr lang="en-US"/>
           </a:p>
@@ -2611,7 +2611,7 @@
           <a:p>
             <a:fld id="{78C97017-6FC3-485B-9764-EAC9E56C1D49}" type="datetimeFigureOut">
               <a:rPr lang="en-US" smtClean="0"/>
-              <a:t>4/12/2018</a:t>
+              <a:t>4/14/2018</a:t>
             </a:fld>
             <a:endParaRPr lang="en-US"/>
           </a:p>
@@ -2863,7 +2863,7 @@
           <a:p>
             <a:fld id="{78C97017-6FC3-485B-9764-EAC9E56C1D49}" type="datetimeFigureOut">
               <a:rPr lang="en-US" smtClean="0"/>
-              <a:t>4/12/2018</a:t>
+              <a:t>4/14/2018</a:t>
             </a:fld>
             <a:endParaRPr lang="en-US"/>
           </a:p>
@@ -3074,7 +3074,7 @@
           <a:p>
             <a:fld id="{78C97017-6FC3-485B-9764-EAC9E56C1D49}" type="datetimeFigureOut">
               <a:rPr lang="en-US" smtClean="0"/>
-              <a:t>4/12/2018</a:t>
+              <a:t>4/14/2018</a:t>
             </a:fld>
             <a:endParaRPr lang="en-US"/>
           </a:p>
@@ -4167,7 +4167,7 @@
           <a:p>
             <a:r>
               <a:rPr lang="en-US" sz="1400" dirty="0" err="1"/>
-              <a:t>deleteCase</a:t>
+              <a:t>deletecase</a:t>
             </a:r>
             <a:r>
               <a:rPr lang="en-US" sz="1400" dirty="0"/>
@@ -4248,7 +4248,7 @@
                   <a:srgbClr val="0070C0"/>
                 </a:solidFill>
               </a:rPr>
-              <a:t>deleteCase</a:t>
+              <a:t>deletecase</a:t>
             </a:r>
             <a:r>
               <a:rPr lang="en-US" sz="1400" dirty="0">
@@ -9718,7 +9718,7 @@
         <p:spPr>
           <a:xfrm>
             <a:off x="466818" y="1345880"/>
-            <a:ext cx="1107452" cy="646331"/>
+            <a:ext cx="1107452" cy="430887"/>
           </a:xfrm>
           <a:prstGeom prst="rect">
             <a:avLst/>
@@ -9742,16 +9742,6 @@
           </a:p>
           <a:p>
             <a:endParaRPr lang="en-US" sz="1400" dirty="0"/>
-          </a:p>
-          <a:p>
-            <a:r>
-              <a:rPr lang="en-US" sz="1400" dirty="0" err="1"/>
-              <a:t>deletecase</a:t>
-            </a:r>
-            <a:r>
-              <a:rPr lang="en-US" sz="1400" dirty="0"/>
-              <a:t> 1</a:t>
-            </a:r>
           </a:p>
         </p:txBody>
       </p:sp>
@@ -9812,7 +9802,7 @@
         <p:spPr>
           <a:xfrm>
             <a:off x="1823476" y="1446215"/>
-            <a:ext cx="1902509" cy="646331"/>
+            <a:ext cx="1902509" cy="430887"/>
           </a:xfrm>
           <a:prstGeom prst="rect">
             <a:avLst/>
@@ -9856,32 +9846,6 @@
                 <a:srgbClr val="0070C0"/>
               </a:solidFill>
             </a:endParaRPr>
-          </a:p>
-          <a:p>
-            <a:r>
-              <a:rPr lang="en-US" sz="1400" dirty="0">
-                <a:solidFill>
-                  <a:srgbClr val="0070C0"/>
-                </a:solidFill>
-              </a:rPr>
-              <a:t>Execute(“</a:t>
-            </a:r>
-            <a:r>
-              <a:rPr lang="en-US" sz="1400" dirty="0" err="1">
-                <a:solidFill>
-                  <a:srgbClr val="0070C0"/>
-                </a:solidFill>
-              </a:rPr>
-              <a:t>deletecase</a:t>
-            </a:r>
-            <a:r>
-              <a:rPr lang="en-US" sz="1400" dirty="0">
-                <a:solidFill>
-                  <a:srgbClr val="0070C0"/>
-                </a:solidFill>
-              </a:rPr>
-              <a:t> 1”)</a:t>
-            </a:r>
           </a:p>
         </p:txBody>
       </p:sp>

--- a/docs/diagrams/HighLevelSequenceDiagrams.pptx
+++ b/docs/diagrams/HighLevelSequenceDiagrams.pptx
@@ -5,13 +5,14 @@
     <p:sldMasterId id="2147483648" r:id="rId1"/>
   </p:sldMasterIdLst>
   <p:notesMasterIdLst>
-    <p:notesMasterId r:id="rId6"/>
+    <p:notesMasterId r:id="rId7"/>
   </p:notesMasterIdLst>
   <p:sldIdLst>
     <p:sldId id="266" r:id="rId2"/>
-    <p:sldId id="270" r:id="rId3"/>
-    <p:sldId id="268" r:id="rId4"/>
-    <p:sldId id="269" r:id="rId5"/>
+    <p:sldId id="271" r:id="rId3"/>
+    <p:sldId id="270" r:id="rId4"/>
+    <p:sldId id="268" r:id="rId5"/>
+    <p:sldId id="269" r:id="rId6"/>
   </p:sldIdLst>
   <p:sldSz cx="9144000" cy="6858000" type="screen4x3"/>
   <p:notesSz cx="6858000" cy="9144000"/>
@@ -129,10 +130,6 @@
 </p:presentation>
 </file>
 
-<file path=ppt/revisionInfo.xml><?xml version="1.0" encoding="utf-8"?>
-<p1510:revInfo xmlns:a="http://schemas.openxmlformats.org/drawingml/2006/main" xmlns:r="http://schemas.openxmlformats.org/officeDocument/2006/relationships" xmlns:p1510="http://schemas.microsoft.com/office/powerpoint/2015/10/main"/>
-</file>
-
 <file path=ppt/notesMasters/notesMaster1.xml><?xml version="1.0" encoding="utf-8"?>
 <p:notesMaster xmlns:a="http://schemas.openxmlformats.org/drawingml/2006/main" xmlns:r="http://schemas.openxmlformats.org/officeDocument/2006/relationships" xmlns:p="http://schemas.openxmlformats.org/presentationml/2006/main">
   <p:cSld>
@@ -215,7 +212,7 @@
           <a:p>
             <a:fld id="{F5CC4B3F-88C1-4FFA-B1B6-F41C21DC6924}" type="datetimeFigureOut">
               <a:rPr lang="en-US" smtClean="0"/>
-              <a:t>4/14/2018</a:t>
+              <a:t>15-Apr-18</a:t>
             </a:fld>
             <a:endParaRPr lang="en-US"/>
           </a:p>
@@ -661,7 +658,7 @@
           <a:p>
             <a:fld id="{78C97017-6FC3-485B-9764-EAC9E56C1D49}" type="datetimeFigureOut">
               <a:rPr lang="en-US" smtClean="0"/>
-              <a:t>4/14/2018</a:t>
+              <a:t>15-Apr-18</a:t>
             </a:fld>
             <a:endParaRPr lang="en-US"/>
           </a:p>
@@ -829,7 +826,7 @@
           <a:p>
             <a:fld id="{78C97017-6FC3-485B-9764-EAC9E56C1D49}" type="datetimeFigureOut">
               <a:rPr lang="en-US" smtClean="0"/>
-              <a:t>4/14/2018</a:t>
+              <a:t>15-Apr-18</a:t>
             </a:fld>
             <a:endParaRPr lang="en-US"/>
           </a:p>
@@ -1007,7 +1004,7 @@
           <a:p>
             <a:fld id="{78C97017-6FC3-485B-9764-EAC9E56C1D49}" type="datetimeFigureOut">
               <a:rPr lang="en-US" smtClean="0"/>
-              <a:t>4/14/2018</a:t>
+              <a:t>15-Apr-18</a:t>
             </a:fld>
             <a:endParaRPr lang="en-US"/>
           </a:p>
@@ -1175,7 +1172,7 @@
           <a:p>
             <a:fld id="{78C97017-6FC3-485B-9764-EAC9E56C1D49}" type="datetimeFigureOut">
               <a:rPr lang="en-US" smtClean="0"/>
-              <a:t>4/14/2018</a:t>
+              <a:t>15-Apr-18</a:t>
             </a:fld>
             <a:endParaRPr lang="en-US"/>
           </a:p>
@@ -1420,7 +1417,7 @@
           <a:p>
             <a:fld id="{78C97017-6FC3-485B-9764-EAC9E56C1D49}" type="datetimeFigureOut">
               <a:rPr lang="en-US" smtClean="0"/>
-              <a:t>4/14/2018</a:t>
+              <a:t>15-Apr-18</a:t>
             </a:fld>
             <a:endParaRPr lang="en-US"/>
           </a:p>
@@ -1705,7 +1702,7 @@
           <a:p>
             <a:fld id="{78C97017-6FC3-485B-9764-EAC9E56C1D49}" type="datetimeFigureOut">
               <a:rPr lang="en-US" smtClean="0"/>
-              <a:t>4/14/2018</a:t>
+              <a:t>15-Apr-18</a:t>
             </a:fld>
             <a:endParaRPr lang="en-US"/>
           </a:p>
@@ -2124,7 +2121,7 @@
           <a:p>
             <a:fld id="{78C97017-6FC3-485B-9764-EAC9E56C1D49}" type="datetimeFigureOut">
               <a:rPr lang="en-US" smtClean="0"/>
-              <a:t>4/14/2018</a:t>
+              <a:t>15-Apr-18</a:t>
             </a:fld>
             <a:endParaRPr lang="en-US"/>
           </a:p>
@@ -2241,7 +2238,7 @@
           <a:p>
             <a:fld id="{78C97017-6FC3-485B-9764-EAC9E56C1D49}" type="datetimeFigureOut">
               <a:rPr lang="en-US" smtClean="0"/>
-              <a:t>4/14/2018</a:t>
+              <a:t>15-Apr-18</a:t>
             </a:fld>
             <a:endParaRPr lang="en-US"/>
           </a:p>
@@ -2336,7 +2333,7 @@
           <a:p>
             <a:fld id="{78C97017-6FC3-485B-9764-EAC9E56C1D49}" type="datetimeFigureOut">
               <a:rPr lang="en-US" smtClean="0"/>
-              <a:t>4/14/2018</a:t>
+              <a:t>15-Apr-18</a:t>
             </a:fld>
             <a:endParaRPr lang="en-US"/>
           </a:p>
@@ -2611,7 +2608,7 @@
           <a:p>
             <a:fld id="{78C97017-6FC3-485B-9764-EAC9E56C1D49}" type="datetimeFigureOut">
               <a:rPr lang="en-US" smtClean="0"/>
-              <a:t>4/14/2018</a:t>
+              <a:t>15-Apr-18</a:t>
             </a:fld>
             <a:endParaRPr lang="en-US"/>
           </a:p>
@@ -2863,7 +2860,7 @@
           <a:p>
             <a:fld id="{78C97017-6FC3-485B-9764-EAC9E56C1D49}" type="datetimeFigureOut">
               <a:rPr lang="en-US" smtClean="0"/>
-              <a:t>4/14/2018</a:t>
+              <a:t>15-Apr-18</a:t>
             </a:fld>
             <a:endParaRPr lang="en-US"/>
           </a:p>
@@ -3074,7 +3071,7 @@
           <a:p>
             <a:fld id="{78C97017-6FC3-485B-9764-EAC9E56C1D49}" type="datetimeFigureOut">
               <a:rPr lang="en-US" smtClean="0"/>
-              <a:t>4/14/2018</a:t>
+              <a:t>15-Apr-18</a:t>
             </a:fld>
             <a:endParaRPr lang="en-US"/>
           </a:p>
@@ -6069,6 +6066,2624 @@
       </p:grpSpPr>
       <p:sp>
         <p:nvSpPr>
+          <p:cNvPr id="2" name="Rectangle 62"/>
+          <p:cNvSpPr/>
+          <p:nvPr/>
+        </p:nvSpPr>
+        <p:spPr>
+          <a:xfrm>
+            <a:off x="1111860" y="607926"/>
+            <a:ext cx="1093635" cy="346760"/>
+          </a:xfrm>
+          <a:prstGeom prst="rect">
+            <a:avLst/>
+          </a:prstGeom>
+          <a:solidFill>
+            <a:srgbClr val="00B050"/>
+          </a:solidFill>
+          <a:ln w="19050">
+            <a:solidFill>
+              <a:srgbClr val="00B050"/>
+            </a:solidFill>
+          </a:ln>
+          <a:effectLst/>
+        </p:spPr>
+        <p:style>
+          <a:lnRef idx="1">
+            <a:schemeClr val="accent2"/>
+          </a:lnRef>
+          <a:fillRef idx="2">
+            <a:schemeClr val="accent2"/>
+          </a:fillRef>
+          <a:effectRef idx="1">
+            <a:schemeClr val="accent2"/>
+          </a:effectRef>
+          <a:fontRef idx="minor">
+            <a:schemeClr val="dk1"/>
+          </a:fontRef>
+        </p:style>
+        <p:txBody>
+          <a:bodyPr rtlCol="0" anchor="ctr"/>
+          <a:lstStyle/>
+          <a:p>
+            <a:pPr algn="ctr"/>
+            <a:r>
+              <a:rPr lang="en-US" sz="1600" dirty="0">
+                <a:solidFill>
+                  <a:schemeClr val="bg1"/>
+                </a:solidFill>
+              </a:rPr>
+              <a:t>:UI</a:t>
+            </a:r>
+            <a:endParaRPr lang="en-SG" sz="1600" dirty="0">
+              <a:solidFill>
+                <a:schemeClr val="bg1"/>
+              </a:solidFill>
+            </a:endParaRPr>
+          </a:p>
+        </p:txBody>
+      </p:sp>
+      <p:cxnSp>
+        <p:nvCxnSpPr>
+          <p:cNvPr id="5" name="Straight Connector 4"/>
+          <p:cNvCxnSpPr/>
+          <p:nvPr/>
+        </p:nvCxnSpPr>
+        <p:spPr>
+          <a:xfrm>
+            <a:off x="1658677" y="971597"/>
+            <a:ext cx="0" cy="1723059"/>
+          </a:xfrm>
+          <a:prstGeom prst="line">
+            <a:avLst/>
+          </a:prstGeom>
+          <a:ln w="19050">
+            <a:solidFill>
+              <a:srgbClr val="00B050"/>
+            </a:solidFill>
+            <a:prstDash val="sysDash"/>
+          </a:ln>
+          <a:effectLst/>
+        </p:spPr>
+        <p:style>
+          <a:lnRef idx="1">
+            <a:schemeClr val="accent1"/>
+          </a:lnRef>
+          <a:fillRef idx="2">
+            <a:schemeClr val="accent1"/>
+          </a:fillRef>
+          <a:effectRef idx="1">
+            <a:schemeClr val="accent1"/>
+          </a:effectRef>
+          <a:fontRef idx="minor">
+            <a:schemeClr val="dk1"/>
+          </a:fontRef>
+        </p:style>
+      </p:cxnSp>
+      <p:sp>
+        <p:nvSpPr>
+          <p:cNvPr id="6" name="Rectangle 5"/>
+          <p:cNvSpPr/>
+          <p:nvPr/>
+        </p:nvSpPr>
+        <p:spPr>
+          <a:xfrm>
+            <a:off x="1586669" y="1322292"/>
+            <a:ext cx="152400" cy="1019910"/>
+          </a:xfrm>
+          <a:prstGeom prst="rect">
+            <a:avLst/>
+          </a:prstGeom>
+          <a:solidFill>
+            <a:srgbClr val="00B050"/>
+          </a:solidFill>
+          <a:ln>
+            <a:solidFill>
+              <a:srgbClr val="00B050"/>
+            </a:solidFill>
+          </a:ln>
+          <a:effectLst/>
+        </p:spPr>
+        <p:style>
+          <a:lnRef idx="1">
+            <a:schemeClr val="accent3"/>
+          </a:lnRef>
+          <a:fillRef idx="2">
+            <a:schemeClr val="accent3"/>
+          </a:fillRef>
+          <a:effectRef idx="1">
+            <a:schemeClr val="accent3"/>
+          </a:effectRef>
+          <a:fontRef idx="minor">
+            <a:schemeClr val="dk1"/>
+          </a:fontRef>
+        </p:style>
+        <p:txBody>
+          <a:bodyPr rtlCol="0" anchor="ctr"/>
+          <a:lstStyle/>
+          <a:p>
+            <a:pPr algn="ctr"/>
+            <a:endParaRPr lang="en-SG" sz="1400">
+              <a:solidFill>
+                <a:schemeClr val="dk1"/>
+              </a:solidFill>
+            </a:endParaRPr>
+          </a:p>
+        </p:txBody>
+      </p:sp>
+      <p:grpSp>
+        <p:nvGrpSpPr>
+          <p:cNvPr id="7" name="Actor"/>
+          <p:cNvGrpSpPr/>
+          <p:nvPr/>
+        </p:nvGrpSpPr>
+        <p:grpSpPr>
+          <a:xfrm>
+            <a:off x="152400" y="533400"/>
+            <a:ext cx="324036" cy="573410"/>
+            <a:chOff x="3239901" y="4149080"/>
+            <a:chExt cx="648072" cy="1146820"/>
+          </a:xfrm>
+        </p:grpSpPr>
+        <p:sp>
+          <p:nvSpPr>
+            <p:cNvPr id="8" name="Flowchart: Connector 7"/>
+            <p:cNvSpPr/>
+            <p:nvPr/>
+          </p:nvSpPr>
+          <p:spPr>
+            <a:xfrm>
+              <a:off x="3419872" y="4149080"/>
+              <a:ext cx="288032" cy="288032"/>
+            </a:xfrm>
+            <a:prstGeom prst="flowChartConnector">
+              <a:avLst/>
+            </a:prstGeom>
+            <a:solidFill>
+              <a:schemeClr val="bg1">
+                <a:lumMod val="85000"/>
+              </a:schemeClr>
+            </a:solidFill>
+            <a:ln w="28575">
+              <a:solidFill>
+                <a:schemeClr val="tx1"/>
+              </a:solidFill>
+            </a:ln>
+            <a:effectLst/>
+          </p:spPr>
+          <p:style>
+            <a:lnRef idx="1">
+              <a:schemeClr val="accent4"/>
+            </a:lnRef>
+            <a:fillRef idx="2">
+              <a:schemeClr val="accent4"/>
+            </a:fillRef>
+            <a:effectRef idx="1">
+              <a:schemeClr val="accent4"/>
+            </a:effectRef>
+            <a:fontRef idx="minor">
+              <a:schemeClr val="dk1"/>
+            </a:fontRef>
+          </p:style>
+          <p:txBody>
+            <a:bodyPr rtlCol="0" anchor="ctr"/>
+            <a:lstStyle/>
+            <a:p>
+              <a:pPr algn="ctr"/>
+              <a:endParaRPr lang="en-SG"/>
+            </a:p>
+          </p:txBody>
+        </p:sp>
+        <p:cxnSp>
+          <p:nvCxnSpPr>
+            <p:cNvPr id="9" name="Straight Connector 8"/>
+            <p:cNvCxnSpPr>
+              <a:stCxn id="8" idx="4"/>
+            </p:cNvCxnSpPr>
+            <p:nvPr/>
+          </p:nvCxnSpPr>
+          <p:spPr>
+            <a:xfrm>
+              <a:off x="3563888" y="4437112"/>
+              <a:ext cx="0" cy="504056"/>
+            </a:xfrm>
+            <a:prstGeom prst="line">
+              <a:avLst/>
+            </a:prstGeom>
+            <a:ln w="28575">
+              <a:solidFill>
+                <a:schemeClr val="tx1"/>
+              </a:solidFill>
+            </a:ln>
+            <a:effectLst/>
+          </p:spPr>
+          <p:style>
+            <a:lnRef idx="1">
+              <a:schemeClr val="accent4"/>
+            </a:lnRef>
+            <a:fillRef idx="2">
+              <a:schemeClr val="accent4"/>
+            </a:fillRef>
+            <a:effectRef idx="1">
+              <a:schemeClr val="accent4"/>
+            </a:effectRef>
+            <a:fontRef idx="minor">
+              <a:schemeClr val="dk1"/>
+            </a:fontRef>
+          </p:style>
+        </p:cxnSp>
+        <p:sp>
+          <p:nvSpPr>
+            <p:cNvPr id="10" name="Freeform 9"/>
+            <p:cNvSpPr/>
+            <p:nvPr/>
+          </p:nvSpPr>
+          <p:spPr>
+            <a:xfrm>
+              <a:off x="3324225" y="4933950"/>
+              <a:ext cx="479425" cy="361950"/>
+            </a:xfrm>
+            <a:custGeom>
+              <a:avLst/>
+              <a:gdLst>
+                <a:gd name="connsiteX0" fmla="*/ 0 w 479425"/>
+                <a:gd name="connsiteY0" fmla="*/ 355600 h 361950"/>
+                <a:gd name="connsiteX1" fmla="*/ 241300 w 479425"/>
+                <a:gd name="connsiteY1" fmla="*/ 0 h 361950"/>
+                <a:gd name="connsiteX2" fmla="*/ 479425 w 479425"/>
+                <a:gd name="connsiteY2" fmla="*/ 361950 h 361950"/>
+              </a:gdLst>
+              <a:ahLst/>
+              <a:cxnLst>
+                <a:cxn ang="0">
+                  <a:pos x="connsiteX0" y="connsiteY0"/>
+                </a:cxn>
+                <a:cxn ang="0">
+                  <a:pos x="connsiteX1" y="connsiteY1"/>
+                </a:cxn>
+                <a:cxn ang="0">
+                  <a:pos x="connsiteX2" y="connsiteY2"/>
+                </a:cxn>
+              </a:cxnLst>
+              <a:rect l="l" t="t" r="r" b="b"/>
+              <a:pathLst>
+                <a:path w="479425" h="361950">
+                  <a:moveTo>
+                    <a:pt x="0" y="355600"/>
+                  </a:moveTo>
+                  <a:lnTo>
+                    <a:pt x="241300" y="0"/>
+                  </a:lnTo>
+                  <a:lnTo>
+                    <a:pt x="479425" y="361950"/>
+                  </a:lnTo>
+                </a:path>
+              </a:pathLst>
+            </a:custGeom>
+            <a:noFill/>
+            <a:ln w="28575">
+              <a:solidFill>
+                <a:schemeClr val="tx1"/>
+              </a:solidFill>
+            </a:ln>
+            <a:effectLst/>
+          </p:spPr>
+          <p:style>
+            <a:lnRef idx="1">
+              <a:schemeClr val="accent4"/>
+            </a:lnRef>
+            <a:fillRef idx="2">
+              <a:schemeClr val="accent4"/>
+            </a:fillRef>
+            <a:effectRef idx="1">
+              <a:schemeClr val="accent4"/>
+            </a:effectRef>
+            <a:fontRef idx="minor">
+              <a:schemeClr val="dk1"/>
+            </a:fontRef>
+          </p:style>
+          <p:txBody>
+            <a:bodyPr rtlCol="0" anchor="ctr"/>
+            <a:lstStyle/>
+            <a:p>
+              <a:pPr algn="ctr"/>
+              <a:endParaRPr lang="en-SG"/>
+            </a:p>
+          </p:txBody>
+        </p:sp>
+        <p:cxnSp>
+          <p:nvCxnSpPr>
+            <p:cNvPr id="11" name="Straight Connector 10"/>
+            <p:cNvCxnSpPr/>
+            <p:nvPr/>
+          </p:nvCxnSpPr>
+          <p:spPr>
+            <a:xfrm>
+              <a:off x="3239901" y="4509120"/>
+              <a:ext cx="648072" cy="0"/>
+            </a:xfrm>
+            <a:prstGeom prst="line">
+              <a:avLst/>
+            </a:prstGeom>
+            <a:ln w="28575">
+              <a:solidFill>
+                <a:schemeClr val="tx1"/>
+              </a:solidFill>
+            </a:ln>
+            <a:effectLst/>
+          </p:spPr>
+          <p:style>
+            <a:lnRef idx="1">
+              <a:schemeClr val="accent4"/>
+            </a:lnRef>
+            <a:fillRef idx="2">
+              <a:schemeClr val="accent4"/>
+            </a:fillRef>
+            <a:effectRef idx="1">
+              <a:schemeClr val="accent4"/>
+            </a:effectRef>
+            <a:fontRef idx="minor">
+              <a:schemeClr val="dk1"/>
+            </a:fontRef>
+          </p:style>
+        </p:cxnSp>
+      </p:grpSp>
+      <p:sp>
+        <p:nvSpPr>
+          <p:cNvPr id="16" name="Rectangle 62"/>
+          <p:cNvSpPr/>
+          <p:nvPr/>
+        </p:nvSpPr>
+        <p:spPr>
+          <a:xfrm>
+            <a:off x="3335583" y="611613"/>
+            <a:ext cx="1093635" cy="346760"/>
+          </a:xfrm>
+          <a:prstGeom prst="rect">
+            <a:avLst/>
+          </a:prstGeom>
+          <a:solidFill>
+            <a:srgbClr val="0070C0"/>
+          </a:solidFill>
+          <a:ln w="19050">
+            <a:solidFill>
+              <a:srgbClr val="0070C0"/>
+            </a:solidFill>
+          </a:ln>
+          <a:effectLst/>
+        </p:spPr>
+        <p:style>
+          <a:lnRef idx="1">
+            <a:schemeClr val="accent2"/>
+          </a:lnRef>
+          <a:fillRef idx="2">
+            <a:schemeClr val="accent2"/>
+          </a:fillRef>
+          <a:effectRef idx="1">
+            <a:schemeClr val="accent2"/>
+          </a:effectRef>
+          <a:fontRef idx="minor">
+            <a:schemeClr val="dk1"/>
+          </a:fontRef>
+        </p:style>
+        <p:txBody>
+          <a:bodyPr rtlCol="0" anchor="ctr"/>
+          <a:lstStyle/>
+          <a:p>
+            <a:pPr algn="ctr"/>
+            <a:r>
+              <a:rPr lang="en-US" sz="1600" dirty="0">
+                <a:solidFill>
+                  <a:schemeClr val="bg1"/>
+                </a:solidFill>
+              </a:rPr>
+              <a:t>:Logic</a:t>
+            </a:r>
+            <a:endParaRPr lang="en-SG" sz="1600" dirty="0">
+              <a:solidFill>
+                <a:schemeClr val="bg1"/>
+              </a:solidFill>
+            </a:endParaRPr>
+          </a:p>
+        </p:txBody>
+      </p:sp>
+      <p:cxnSp>
+        <p:nvCxnSpPr>
+          <p:cNvPr id="17" name="Straight Connector 16"/>
+          <p:cNvCxnSpPr/>
+          <p:nvPr/>
+        </p:nvCxnSpPr>
+        <p:spPr>
+          <a:xfrm>
+            <a:off x="3882400" y="975284"/>
+            <a:ext cx="0" cy="1723059"/>
+          </a:xfrm>
+          <a:prstGeom prst="line">
+            <a:avLst/>
+          </a:prstGeom>
+          <a:ln w="19050">
+            <a:solidFill>
+              <a:srgbClr val="0070C0"/>
+            </a:solidFill>
+            <a:prstDash val="sysDash"/>
+          </a:ln>
+          <a:effectLst/>
+        </p:spPr>
+        <p:style>
+          <a:lnRef idx="1">
+            <a:schemeClr val="accent1"/>
+          </a:lnRef>
+          <a:fillRef idx="2">
+            <a:schemeClr val="accent1"/>
+          </a:fillRef>
+          <a:effectRef idx="1">
+            <a:schemeClr val="accent1"/>
+          </a:effectRef>
+          <a:fontRef idx="minor">
+            <a:schemeClr val="dk1"/>
+          </a:fontRef>
+        </p:style>
+      </p:cxnSp>
+      <p:sp>
+        <p:nvSpPr>
+          <p:cNvPr id="18" name="Rectangle 17"/>
+          <p:cNvSpPr/>
+          <p:nvPr/>
+        </p:nvSpPr>
+        <p:spPr>
+          <a:xfrm>
+            <a:off x="3810392" y="1433477"/>
+            <a:ext cx="144016" cy="832525"/>
+          </a:xfrm>
+          <a:prstGeom prst="rect">
+            <a:avLst/>
+          </a:prstGeom>
+          <a:solidFill>
+            <a:srgbClr val="0070C0"/>
+          </a:solidFill>
+          <a:ln>
+            <a:solidFill>
+              <a:srgbClr val="0070C0"/>
+            </a:solidFill>
+          </a:ln>
+          <a:effectLst/>
+        </p:spPr>
+        <p:style>
+          <a:lnRef idx="1">
+            <a:schemeClr val="accent3"/>
+          </a:lnRef>
+          <a:fillRef idx="2">
+            <a:schemeClr val="accent3"/>
+          </a:fillRef>
+          <a:effectRef idx="1">
+            <a:schemeClr val="accent3"/>
+          </a:effectRef>
+          <a:fontRef idx="minor">
+            <a:schemeClr val="dk1"/>
+          </a:fontRef>
+        </p:style>
+        <p:txBody>
+          <a:bodyPr rtlCol="0" anchor="ctr"/>
+          <a:lstStyle/>
+          <a:p>
+            <a:pPr algn="ctr"/>
+            <a:endParaRPr lang="en-SG" sz="1400">
+              <a:solidFill>
+                <a:schemeClr val="dk1"/>
+              </a:solidFill>
+            </a:endParaRPr>
+          </a:p>
+        </p:txBody>
+      </p:sp>
+      <p:sp>
+        <p:nvSpPr>
+          <p:cNvPr id="19" name="Rectangle 62"/>
+          <p:cNvSpPr/>
+          <p:nvPr/>
+        </p:nvSpPr>
+        <p:spPr>
+          <a:xfrm>
+            <a:off x="5316783" y="607926"/>
+            <a:ext cx="1093635" cy="346760"/>
+          </a:xfrm>
+          <a:prstGeom prst="rect">
+            <a:avLst/>
+          </a:prstGeom>
+          <a:solidFill>
+            <a:srgbClr val="7030A0"/>
+          </a:solidFill>
+          <a:ln w="19050">
+            <a:solidFill>
+              <a:srgbClr val="7030A0"/>
+            </a:solidFill>
+          </a:ln>
+          <a:effectLst/>
+        </p:spPr>
+        <p:style>
+          <a:lnRef idx="1">
+            <a:schemeClr val="accent2"/>
+          </a:lnRef>
+          <a:fillRef idx="2">
+            <a:schemeClr val="accent2"/>
+          </a:fillRef>
+          <a:effectRef idx="1">
+            <a:schemeClr val="accent2"/>
+          </a:effectRef>
+          <a:fontRef idx="minor">
+            <a:schemeClr val="dk1"/>
+          </a:fontRef>
+        </p:style>
+        <p:txBody>
+          <a:bodyPr rtlCol="0" anchor="ctr"/>
+          <a:lstStyle/>
+          <a:p>
+            <a:pPr algn="ctr"/>
+            <a:r>
+              <a:rPr lang="en-US" sz="1600" dirty="0">
+                <a:solidFill>
+                  <a:schemeClr val="bg1"/>
+                </a:solidFill>
+              </a:rPr>
+              <a:t>:Model</a:t>
+            </a:r>
+            <a:endParaRPr lang="en-SG" sz="1600" dirty="0">
+              <a:solidFill>
+                <a:schemeClr val="bg1"/>
+              </a:solidFill>
+            </a:endParaRPr>
+          </a:p>
+        </p:txBody>
+      </p:sp>
+      <p:cxnSp>
+        <p:nvCxnSpPr>
+          <p:cNvPr id="20" name="Straight Connector 19"/>
+          <p:cNvCxnSpPr/>
+          <p:nvPr/>
+        </p:nvCxnSpPr>
+        <p:spPr>
+          <a:xfrm>
+            <a:off x="5863600" y="971597"/>
+            <a:ext cx="0" cy="1723059"/>
+          </a:xfrm>
+          <a:prstGeom prst="line">
+            <a:avLst/>
+          </a:prstGeom>
+          <a:ln w="19050">
+            <a:solidFill>
+              <a:srgbClr val="7030A0"/>
+            </a:solidFill>
+            <a:prstDash val="sysDash"/>
+          </a:ln>
+          <a:effectLst/>
+        </p:spPr>
+        <p:style>
+          <a:lnRef idx="1">
+            <a:schemeClr val="accent1"/>
+          </a:lnRef>
+          <a:fillRef idx="2">
+            <a:schemeClr val="accent1"/>
+          </a:fillRef>
+          <a:effectRef idx="1">
+            <a:schemeClr val="accent1"/>
+          </a:effectRef>
+          <a:fontRef idx="minor">
+            <a:schemeClr val="dk1"/>
+          </a:fontRef>
+        </p:style>
+      </p:cxnSp>
+      <p:sp>
+        <p:nvSpPr>
+          <p:cNvPr id="21" name="Rectangle 20"/>
+          <p:cNvSpPr/>
+          <p:nvPr/>
+        </p:nvSpPr>
+        <p:spPr>
+          <a:xfrm>
+            <a:off x="5791592" y="1538408"/>
+            <a:ext cx="142006" cy="651394"/>
+          </a:xfrm>
+          <a:prstGeom prst="rect">
+            <a:avLst/>
+          </a:prstGeom>
+          <a:solidFill>
+            <a:srgbClr val="7030A0"/>
+          </a:solidFill>
+          <a:ln>
+            <a:solidFill>
+              <a:srgbClr val="7030A0"/>
+            </a:solidFill>
+          </a:ln>
+          <a:effectLst/>
+        </p:spPr>
+        <p:style>
+          <a:lnRef idx="1">
+            <a:schemeClr val="accent3"/>
+          </a:lnRef>
+          <a:fillRef idx="2">
+            <a:schemeClr val="accent3"/>
+          </a:fillRef>
+          <a:effectRef idx="1">
+            <a:schemeClr val="accent3"/>
+          </a:effectRef>
+          <a:fontRef idx="minor">
+            <a:schemeClr val="dk1"/>
+          </a:fontRef>
+        </p:style>
+        <p:txBody>
+          <a:bodyPr rtlCol="0" anchor="ctr"/>
+          <a:lstStyle/>
+          <a:p>
+            <a:pPr algn="ctr"/>
+            <a:endParaRPr lang="en-SG" sz="1400">
+              <a:solidFill>
+                <a:schemeClr val="dk1"/>
+              </a:solidFill>
+            </a:endParaRPr>
+          </a:p>
+        </p:txBody>
+      </p:sp>
+      <p:cxnSp>
+        <p:nvCxnSpPr>
+          <p:cNvPr id="23" name="Straight Arrow Connector 22"/>
+          <p:cNvCxnSpPr/>
+          <p:nvPr/>
+        </p:nvCxnSpPr>
+        <p:spPr>
+          <a:xfrm>
+            <a:off x="466818" y="1325979"/>
+            <a:ext cx="1119851" cy="0"/>
+          </a:xfrm>
+          <a:prstGeom prst="straightConnector1">
+            <a:avLst/>
+          </a:prstGeom>
+          <a:ln w="19050">
+            <a:solidFill>
+              <a:schemeClr val="tx1"/>
+            </a:solidFill>
+            <a:tailEnd type="arrow"/>
+          </a:ln>
+        </p:spPr>
+        <p:style>
+          <a:lnRef idx="1">
+            <a:schemeClr val="accent1"/>
+          </a:lnRef>
+          <a:fillRef idx="0">
+            <a:schemeClr val="accent1"/>
+          </a:fillRef>
+          <a:effectRef idx="0">
+            <a:schemeClr val="accent1"/>
+          </a:effectRef>
+          <a:fontRef idx="minor">
+            <a:schemeClr val="tx1"/>
+          </a:fontRef>
+        </p:style>
+      </p:cxnSp>
+      <p:sp>
+        <p:nvSpPr>
+          <p:cNvPr id="24" name="TextBox 23"/>
+          <p:cNvSpPr txBox="1"/>
+          <p:nvPr/>
+        </p:nvSpPr>
+        <p:spPr>
+          <a:xfrm>
+            <a:off x="466818" y="1345880"/>
+            <a:ext cx="1107452" cy="215444"/>
+          </a:xfrm>
+          <a:prstGeom prst="rect">
+            <a:avLst/>
+          </a:prstGeom>
+          <a:noFill/>
+        </p:spPr>
+        <p:txBody>
+          <a:bodyPr wrap="square" lIns="0" tIns="0" rIns="0" bIns="0" rtlCol="0">
+            <a:spAutoFit/>
+          </a:bodyPr>
+          <a:lstStyle/>
+          <a:p>
+            <a:r>
+              <a:rPr lang="en-US" sz="1400" dirty="0"/>
+              <a:t>Backup March</a:t>
+            </a:r>
+          </a:p>
+        </p:txBody>
+      </p:sp>
+      <p:cxnSp>
+        <p:nvCxnSpPr>
+          <p:cNvPr id="25" name="Straight Arrow Connector 24"/>
+          <p:cNvCxnSpPr/>
+          <p:nvPr/>
+        </p:nvCxnSpPr>
+        <p:spPr>
+          <a:xfrm>
+            <a:off x="1739069" y="1433478"/>
+            <a:ext cx="2071323" cy="0"/>
+          </a:xfrm>
+          <a:prstGeom prst="straightConnector1">
+            <a:avLst/>
+          </a:prstGeom>
+          <a:ln w="19050">
+            <a:solidFill>
+              <a:srgbClr val="00B050"/>
+            </a:solidFill>
+            <a:tailEnd type="arrow"/>
+          </a:ln>
+        </p:spPr>
+        <p:style>
+          <a:lnRef idx="1">
+            <a:schemeClr val="accent1"/>
+          </a:lnRef>
+          <a:fillRef idx="0">
+            <a:schemeClr val="accent1"/>
+          </a:fillRef>
+          <a:effectRef idx="0">
+            <a:schemeClr val="accent1"/>
+          </a:effectRef>
+          <a:fontRef idx="minor">
+            <a:schemeClr val="tx1"/>
+          </a:fontRef>
+        </p:style>
+      </p:cxnSp>
+      <p:sp>
+        <p:nvSpPr>
+          <p:cNvPr id="26" name="TextBox 25"/>
+          <p:cNvSpPr txBox="1"/>
+          <p:nvPr/>
+        </p:nvSpPr>
+        <p:spPr>
+          <a:xfrm>
+            <a:off x="1823476" y="1446215"/>
+            <a:ext cx="1902509" cy="215444"/>
+          </a:xfrm>
+          <a:prstGeom prst="rect">
+            <a:avLst/>
+          </a:prstGeom>
+          <a:noFill/>
+        </p:spPr>
+        <p:txBody>
+          <a:bodyPr wrap="square" lIns="0" tIns="0" rIns="0" bIns="0" rtlCol="0">
+            <a:spAutoFit/>
+          </a:bodyPr>
+          <a:lstStyle/>
+          <a:p>
+            <a:r>
+              <a:rPr lang="en-US" sz="1400" dirty="0">
+                <a:solidFill>
+                  <a:srgbClr val="0070C0"/>
+                </a:solidFill>
+              </a:rPr>
+              <a:t>execute(“backup March”)</a:t>
+            </a:r>
+          </a:p>
+        </p:txBody>
+      </p:sp>
+      <p:cxnSp>
+        <p:nvCxnSpPr>
+          <p:cNvPr id="28" name="Straight Arrow Connector 27"/>
+          <p:cNvCxnSpPr/>
+          <p:nvPr/>
+        </p:nvCxnSpPr>
+        <p:spPr>
+          <a:xfrm>
+            <a:off x="3954408" y="1538409"/>
+            <a:ext cx="1837184" cy="0"/>
+          </a:xfrm>
+          <a:prstGeom prst="straightConnector1">
+            <a:avLst/>
+          </a:prstGeom>
+          <a:ln w="19050">
+            <a:solidFill>
+              <a:srgbClr val="0070C0"/>
+            </a:solidFill>
+            <a:tailEnd type="arrow"/>
+          </a:ln>
+        </p:spPr>
+        <p:style>
+          <a:lnRef idx="1">
+            <a:schemeClr val="accent1"/>
+          </a:lnRef>
+          <a:fillRef idx="0">
+            <a:schemeClr val="accent1"/>
+          </a:fillRef>
+          <a:effectRef idx="0">
+            <a:schemeClr val="accent1"/>
+          </a:effectRef>
+          <a:fontRef idx="minor">
+            <a:schemeClr val="tx1"/>
+          </a:fontRef>
+        </p:style>
+      </p:cxnSp>
+      <p:sp>
+        <p:nvSpPr>
+          <p:cNvPr id="29" name="TextBox 28"/>
+          <p:cNvSpPr txBox="1"/>
+          <p:nvPr/>
+        </p:nvSpPr>
+        <p:spPr>
+          <a:xfrm>
+            <a:off x="4077272" y="1538408"/>
+            <a:ext cx="1619462" cy="430887"/>
+          </a:xfrm>
+          <a:prstGeom prst="rect">
+            <a:avLst/>
+          </a:prstGeom>
+          <a:noFill/>
+        </p:spPr>
+        <p:txBody>
+          <a:bodyPr wrap="square" lIns="0" tIns="0" rIns="0" bIns="0" rtlCol="0">
+            <a:spAutoFit/>
+          </a:bodyPr>
+          <a:lstStyle/>
+          <a:p>
+            <a:r>
+              <a:rPr lang="en-US" sz="1400" dirty="0" err="1">
+                <a:solidFill>
+                  <a:srgbClr val="7030A0"/>
+                </a:solidFill>
+              </a:rPr>
+              <a:t>backupInvestigapptor</a:t>
+            </a:r>
+            <a:endParaRPr lang="en-US" sz="1400" dirty="0">
+              <a:solidFill>
+                <a:srgbClr val="7030A0"/>
+              </a:solidFill>
+            </a:endParaRPr>
+          </a:p>
+          <a:p>
+            <a:pPr algn="r"/>
+            <a:r>
+              <a:rPr lang="en-US" sz="1400" dirty="0">
+                <a:solidFill>
+                  <a:srgbClr val="7030A0"/>
+                </a:solidFill>
+              </a:rPr>
+              <a:t>(“March”)</a:t>
+            </a:r>
+          </a:p>
+        </p:txBody>
+      </p:sp>
+      <p:sp>
+        <p:nvSpPr>
+          <p:cNvPr id="33" name="TextBox 32"/>
+          <p:cNvSpPr txBox="1"/>
+          <p:nvPr/>
+        </p:nvSpPr>
+        <p:spPr>
+          <a:xfrm>
+            <a:off x="5989623" y="1689532"/>
+            <a:ext cx="2542772" cy="215444"/>
+          </a:xfrm>
+          <a:prstGeom prst="rect">
+            <a:avLst/>
+          </a:prstGeom>
+          <a:noFill/>
+        </p:spPr>
+        <p:txBody>
+          <a:bodyPr wrap="square" lIns="0" tIns="0" rIns="0" bIns="0" rtlCol="0">
+            <a:spAutoFit/>
+          </a:bodyPr>
+          <a:lstStyle/>
+          <a:p>
+            <a:r>
+              <a:rPr lang="en-US" sz="1400" dirty="0">
+                <a:solidFill>
+                  <a:schemeClr val="accent5">
+                    <a:lumMod val="75000"/>
+                  </a:schemeClr>
+                </a:solidFill>
+              </a:rPr>
+              <a:t>post(</a:t>
+            </a:r>
+            <a:r>
+              <a:rPr lang="en-US" sz="1400" dirty="0" err="1">
+                <a:solidFill>
+                  <a:schemeClr val="accent5">
+                    <a:lumMod val="75000"/>
+                  </a:schemeClr>
+                </a:solidFill>
+              </a:rPr>
+              <a:t>InvestigapptorBackupEvent</a:t>
+            </a:r>
+            <a:r>
+              <a:rPr lang="en-US" sz="1400" dirty="0">
+                <a:solidFill>
+                  <a:schemeClr val="accent5">
+                    <a:lumMod val="75000"/>
+                  </a:schemeClr>
+                </a:solidFill>
+              </a:rPr>
+              <a:t>)</a:t>
+            </a:r>
+          </a:p>
+        </p:txBody>
+      </p:sp>
+      <p:cxnSp>
+        <p:nvCxnSpPr>
+          <p:cNvPr id="34" name="Straight Arrow Connector 33"/>
+          <p:cNvCxnSpPr/>
+          <p:nvPr/>
+        </p:nvCxnSpPr>
+        <p:spPr>
+          <a:xfrm>
+            <a:off x="3954408" y="2190681"/>
+            <a:ext cx="1837184" cy="0"/>
+          </a:xfrm>
+          <a:prstGeom prst="straightConnector1">
+            <a:avLst/>
+          </a:prstGeom>
+          <a:ln w="19050">
+            <a:solidFill>
+              <a:srgbClr val="7030A0"/>
+            </a:solidFill>
+            <a:prstDash val="sysDash"/>
+            <a:headEnd type="arrow" w="med" len="med"/>
+            <a:tailEnd type="none" w="med" len="med"/>
+          </a:ln>
+        </p:spPr>
+        <p:style>
+          <a:lnRef idx="1">
+            <a:schemeClr val="accent1"/>
+          </a:lnRef>
+          <a:fillRef idx="0">
+            <a:schemeClr val="accent1"/>
+          </a:fillRef>
+          <a:effectRef idx="0">
+            <a:schemeClr val="accent1"/>
+          </a:effectRef>
+          <a:fontRef idx="minor">
+            <a:schemeClr val="tx1"/>
+          </a:fontRef>
+        </p:style>
+      </p:cxnSp>
+      <p:cxnSp>
+        <p:nvCxnSpPr>
+          <p:cNvPr id="35" name="Straight Arrow Connector 34"/>
+          <p:cNvCxnSpPr/>
+          <p:nvPr/>
+        </p:nvCxnSpPr>
+        <p:spPr>
+          <a:xfrm>
+            <a:off x="1739069" y="2266002"/>
+            <a:ext cx="2058118" cy="0"/>
+          </a:xfrm>
+          <a:prstGeom prst="straightConnector1">
+            <a:avLst/>
+          </a:prstGeom>
+          <a:ln w="19050">
+            <a:solidFill>
+              <a:srgbClr val="0070C0"/>
+            </a:solidFill>
+            <a:prstDash val="sysDash"/>
+            <a:headEnd type="arrow" w="med" len="med"/>
+            <a:tailEnd type="none" w="med" len="med"/>
+          </a:ln>
+        </p:spPr>
+        <p:style>
+          <a:lnRef idx="1">
+            <a:schemeClr val="accent1"/>
+          </a:lnRef>
+          <a:fillRef idx="0">
+            <a:schemeClr val="accent1"/>
+          </a:fillRef>
+          <a:effectRef idx="0">
+            <a:schemeClr val="accent1"/>
+          </a:effectRef>
+          <a:fontRef idx="minor">
+            <a:schemeClr val="tx1"/>
+          </a:fontRef>
+        </p:style>
+      </p:cxnSp>
+      <p:cxnSp>
+        <p:nvCxnSpPr>
+          <p:cNvPr id="37" name="Straight Arrow Connector 36"/>
+          <p:cNvCxnSpPr/>
+          <p:nvPr/>
+        </p:nvCxnSpPr>
+        <p:spPr>
+          <a:xfrm>
+            <a:off x="390618" y="2342202"/>
+            <a:ext cx="1196051" cy="0"/>
+          </a:xfrm>
+          <a:prstGeom prst="straightConnector1">
+            <a:avLst/>
+          </a:prstGeom>
+          <a:ln w="19050">
+            <a:solidFill>
+              <a:srgbClr val="00B050"/>
+            </a:solidFill>
+            <a:prstDash val="sysDash"/>
+            <a:headEnd type="arrow" w="med" len="med"/>
+            <a:tailEnd type="none" w="med" len="med"/>
+          </a:ln>
+        </p:spPr>
+        <p:style>
+          <a:lnRef idx="1">
+            <a:schemeClr val="accent1"/>
+          </a:lnRef>
+          <a:fillRef idx="0">
+            <a:schemeClr val="accent1"/>
+          </a:fillRef>
+          <a:effectRef idx="0">
+            <a:schemeClr val="accent1"/>
+          </a:effectRef>
+          <a:fontRef idx="minor">
+            <a:schemeClr val="tx1"/>
+          </a:fontRef>
+        </p:style>
+      </p:cxnSp>
+      <p:sp>
+        <p:nvSpPr>
+          <p:cNvPr id="39" name="Rectangle 62"/>
+          <p:cNvSpPr/>
+          <p:nvPr/>
+        </p:nvSpPr>
+        <p:spPr>
+          <a:xfrm>
+            <a:off x="7696200" y="591251"/>
+            <a:ext cx="1371600" cy="346760"/>
+          </a:xfrm>
+          <a:prstGeom prst="rect">
+            <a:avLst/>
+          </a:prstGeom>
+          <a:solidFill>
+            <a:schemeClr val="accent5">
+              <a:lumMod val="75000"/>
+            </a:schemeClr>
+          </a:solidFill>
+          <a:ln w="19050">
+            <a:solidFill>
+              <a:schemeClr val="accent5">
+                <a:lumMod val="75000"/>
+              </a:schemeClr>
+            </a:solidFill>
+          </a:ln>
+          <a:effectLst/>
+        </p:spPr>
+        <p:style>
+          <a:lnRef idx="1">
+            <a:schemeClr val="accent2"/>
+          </a:lnRef>
+          <a:fillRef idx="2">
+            <a:schemeClr val="accent2"/>
+          </a:fillRef>
+          <a:effectRef idx="1">
+            <a:schemeClr val="accent2"/>
+          </a:effectRef>
+          <a:fontRef idx="minor">
+            <a:schemeClr val="dk1"/>
+          </a:fontRef>
+        </p:style>
+        <p:txBody>
+          <a:bodyPr rtlCol="0" anchor="ctr"/>
+          <a:lstStyle/>
+          <a:p>
+            <a:pPr algn="ctr"/>
+            <a:r>
+              <a:rPr lang="en-US" sz="1600" dirty="0">
+                <a:solidFill>
+                  <a:schemeClr val="bg1"/>
+                </a:solidFill>
+              </a:rPr>
+              <a:t>:</a:t>
+            </a:r>
+            <a:r>
+              <a:rPr lang="en-US" sz="1600" dirty="0" err="1">
+                <a:solidFill>
+                  <a:schemeClr val="bg1"/>
+                </a:solidFill>
+              </a:rPr>
+              <a:t>EventsCenter</a:t>
+            </a:r>
+            <a:endParaRPr lang="en-SG" sz="1600" dirty="0">
+              <a:solidFill>
+                <a:schemeClr val="bg1"/>
+              </a:solidFill>
+            </a:endParaRPr>
+          </a:p>
+        </p:txBody>
+      </p:sp>
+      <p:cxnSp>
+        <p:nvCxnSpPr>
+          <p:cNvPr id="40" name="Straight Connector 39"/>
+          <p:cNvCxnSpPr/>
+          <p:nvPr/>
+        </p:nvCxnSpPr>
+        <p:spPr>
+          <a:xfrm>
+            <a:off x="8616802" y="944305"/>
+            <a:ext cx="0" cy="1723059"/>
+          </a:xfrm>
+          <a:prstGeom prst="line">
+            <a:avLst/>
+          </a:prstGeom>
+          <a:ln w="19050">
+            <a:solidFill>
+              <a:schemeClr val="accent5">
+                <a:lumMod val="75000"/>
+              </a:schemeClr>
+            </a:solidFill>
+            <a:prstDash val="sysDash"/>
+          </a:ln>
+          <a:effectLst/>
+        </p:spPr>
+        <p:style>
+          <a:lnRef idx="1">
+            <a:schemeClr val="accent1"/>
+          </a:lnRef>
+          <a:fillRef idx="2">
+            <a:schemeClr val="accent1"/>
+          </a:fillRef>
+          <a:effectRef idx="1">
+            <a:schemeClr val="accent1"/>
+          </a:effectRef>
+          <a:fontRef idx="minor">
+            <a:schemeClr val="dk1"/>
+          </a:fontRef>
+        </p:style>
+      </p:cxnSp>
+      <p:sp>
+        <p:nvSpPr>
+          <p:cNvPr id="41" name="Rectangle 40"/>
+          <p:cNvSpPr/>
+          <p:nvPr/>
+        </p:nvSpPr>
+        <p:spPr>
+          <a:xfrm>
+            <a:off x="8544794" y="1961202"/>
+            <a:ext cx="142006" cy="176787"/>
+          </a:xfrm>
+          <a:prstGeom prst="rect">
+            <a:avLst/>
+          </a:prstGeom>
+          <a:solidFill>
+            <a:schemeClr val="accent5">
+              <a:lumMod val="75000"/>
+            </a:schemeClr>
+          </a:solidFill>
+          <a:ln>
+            <a:solidFill>
+              <a:schemeClr val="accent5">
+                <a:lumMod val="75000"/>
+              </a:schemeClr>
+            </a:solidFill>
+          </a:ln>
+          <a:effectLst/>
+        </p:spPr>
+        <p:style>
+          <a:lnRef idx="1">
+            <a:schemeClr val="accent3"/>
+          </a:lnRef>
+          <a:fillRef idx="2">
+            <a:schemeClr val="accent3"/>
+          </a:fillRef>
+          <a:effectRef idx="1">
+            <a:schemeClr val="accent3"/>
+          </a:effectRef>
+          <a:fontRef idx="minor">
+            <a:schemeClr val="dk1"/>
+          </a:fontRef>
+        </p:style>
+        <p:txBody>
+          <a:bodyPr rtlCol="0" anchor="ctr"/>
+          <a:lstStyle/>
+          <a:p>
+            <a:pPr algn="ctr"/>
+            <a:endParaRPr lang="en-SG" sz="1400">
+              <a:solidFill>
+                <a:schemeClr val="dk1"/>
+              </a:solidFill>
+            </a:endParaRPr>
+          </a:p>
+        </p:txBody>
+      </p:sp>
+      <p:cxnSp>
+        <p:nvCxnSpPr>
+          <p:cNvPr id="42" name="Straight Arrow Connector 41"/>
+          <p:cNvCxnSpPr/>
+          <p:nvPr/>
+        </p:nvCxnSpPr>
+        <p:spPr>
+          <a:xfrm>
+            <a:off x="5943992" y="1961202"/>
+            <a:ext cx="2568438" cy="0"/>
+          </a:xfrm>
+          <a:prstGeom prst="straightConnector1">
+            <a:avLst/>
+          </a:prstGeom>
+          <a:ln w="19050">
+            <a:solidFill>
+              <a:srgbClr val="7030A0"/>
+            </a:solidFill>
+            <a:tailEnd type="arrow"/>
+          </a:ln>
+        </p:spPr>
+        <p:style>
+          <a:lnRef idx="1">
+            <a:schemeClr val="accent1"/>
+          </a:lnRef>
+          <a:fillRef idx="0">
+            <a:schemeClr val="accent1"/>
+          </a:fillRef>
+          <a:effectRef idx="0">
+            <a:schemeClr val="accent1"/>
+          </a:effectRef>
+          <a:fontRef idx="minor">
+            <a:schemeClr val="tx1"/>
+          </a:fontRef>
+        </p:style>
+      </p:cxnSp>
+      <p:cxnSp>
+        <p:nvCxnSpPr>
+          <p:cNvPr id="44" name="Straight Arrow Connector 43"/>
+          <p:cNvCxnSpPr/>
+          <p:nvPr/>
+        </p:nvCxnSpPr>
+        <p:spPr>
+          <a:xfrm>
+            <a:off x="5943992" y="2137989"/>
+            <a:ext cx="2549946" cy="0"/>
+          </a:xfrm>
+          <a:prstGeom prst="straightConnector1">
+            <a:avLst/>
+          </a:prstGeom>
+          <a:ln w="19050">
+            <a:solidFill>
+              <a:schemeClr val="accent5">
+                <a:lumMod val="75000"/>
+              </a:schemeClr>
+            </a:solidFill>
+            <a:prstDash val="sysDash"/>
+            <a:headEnd type="arrow" w="med" len="med"/>
+            <a:tailEnd type="none" w="med" len="med"/>
+          </a:ln>
+        </p:spPr>
+        <p:style>
+          <a:lnRef idx="1">
+            <a:schemeClr val="accent1"/>
+          </a:lnRef>
+          <a:fillRef idx="0">
+            <a:schemeClr val="accent1"/>
+          </a:fillRef>
+          <a:effectRef idx="0">
+            <a:schemeClr val="accent1"/>
+          </a:effectRef>
+          <a:fontRef idx="minor">
+            <a:schemeClr val="tx1"/>
+          </a:fontRef>
+        </p:style>
+      </p:cxnSp>
+      <p:sp>
+        <p:nvSpPr>
+          <p:cNvPr id="53" name="Rectangle 62"/>
+          <p:cNvSpPr/>
+          <p:nvPr/>
+        </p:nvSpPr>
+        <p:spPr>
+          <a:xfrm>
+            <a:off x="7523167" y="2850358"/>
+            <a:ext cx="1093635" cy="346760"/>
+          </a:xfrm>
+          <a:prstGeom prst="rect">
+            <a:avLst/>
+          </a:prstGeom>
+          <a:solidFill>
+            <a:schemeClr val="accent6">
+              <a:lumMod val="75000"/>
+            </a:schemeClr>
+          </a:solidFill>
+          <a:ln w="19050">
+            <a:solidFill>
+              <a:schemeClr val="accent6">
+                <a:lumMod val="75000"/>
+              </a:schemeClr>
+            </a:solidFill>
+          </a:ln>
+          <a:effectLst/>
+        </p:spPr>
+        <p:style>
+          <a:lnRef idx="1">
+            <a:schemeClr val="accent2"/>
+          </a:lnRef>
+          <a:fillRef idx="2">
+            <a:schemeClr val="accent2"/>
+          </a:fillRef>
+          <a:effectRef idx="1">
+            <a:schemeClr val="accent2"/>
+          </a:effectRef>
+          <a:fontRef idx="minor">
+            <a:schemeClr val="dk1"/>
+          </a:fontRef>
+        </p:style>
+        <p:txBody>
+          <a:bodyPr rtlCol="0" anchor="ctr"/>
+          <a:lstStyle/>
+          <a:p>
+            <a:pPr algn="ctr"/>
+            <a:r>
+              <a:rPr lang="en-US" sz="1600" dirty="0">
+                <a:solidFill>
+                  <a:schemeClr val="bg1"/>
+                </a:solidFill>
+              </a:rPr>
+              <a:t>:Storage</a:t>
+            </a:r>
+            <a:endParaRPr lang="en-SG" sz="1600" dirty="0">
+              <a:solidFill>
+                <a:schemeClr val="bg1"/>
+              </a:solidFill>
+            </a:endParaRPr>
+          </a:p>
+        </p:txBody>
+      </p:sp>
+      <p:cxnSp>
+        <p:nvCxnSpPr>
+          <p:cNvPr id="54" name="Straight Connector 53"/>
+          <p:cNvCxnSpPr/>
+          <p:nvPr/>
+        </p:nvCxnSpPr>
+        <p:spPr>
+          <a:xfrm>
+            <a:off x="8069984" y="3214029"/>
+            <a:ext cx="0" cy="1723059"/>
+          </a:xfrm>
+          <a:prstGeom prst="line">
+            <a:avLst/>
+          </a:prstGeom>
+          <a:ln w="19050">
+            <a:solidFill>
+              <a:schemeClr val="accent6">
+                <a:lumMod val="75000"/>
+              </a:schemeClr>
+            </a:solidFill>
+            <a:prstDash val="sysDash"/>
+          </a:ln>
+          <a:effectLst/>
+        </p:spPr>
+        <p:style>
+          <a:lnRef idx="1">
+            <a:schemeClr val="accent1"/>
+          </a:lnRef>
+          <a:fillRef idx="2">
+            <a:schemeClr val="accent1"/>
+          </a:fillRef>
+          <a:effectRef idx="1">
+            <a:schemeClr val="accent1"/>
+          </a:effectRef>
+          <a:fontRef idx="minor">
+            <a:schemeClr val="dk1"/>
+          </a:fontRef>
+        </p:style>
+      </p:cxnSp>
+      <p:sp>
+        <p:nvSpPr>
+          <p:cNvPr id="55" name="Rectangle 54"/>
+          <p:cNvSpPr/>
+          <p:nvPr/>
+        </p:nvSpPr>
+        <p:spPr>
+          <a:xfrm>
+            <a:off x="7997976" y="3907698"/>
+            <a:ext cx="124478" cy="287409"/>
+          </a:xfrm>
+          <a:prstGeom prst="rect">
+            <a:avLst/>
+          </a:prstGeom>
+          <a:solidFill>
+            <a:schemeClr val="accent6">
+              <a:lumMod val="75000"/>
+            </a:schemeClr>
+          </a:solidFill>
+          <a:ln>
+            <a:solidFill>
+              <a:schemeClr val="accent6">
+                <a:lumMod val="75000"/>
+              </a:schemeClr>
+            </a:solidFill>
+          </a:ln>
+          <a:effectLst/>
+        </p:spPr>
+        <p:style>
+          <a:lnRef idx="1">
+            <a:schemeClr val="accent3"/>
+          </a:lnRef>
+          <a:fillRef idx="2">
+            <a:schemeClr val="accent3"/>
+          </a:fillRef>
+          <a:effectRef idx="1">
+            <a:schemeClr val="accent3"/>
+          </a:effectRef>
+          <a:fontRef idx="minor">
+            <a:schemeClr val="dk1"/>
+          </a:fontRef>
+        </p:style>
+        <p:txBody>
+          <a:bodyPr rtlCol="0" anchor="ctr"/>
+          <a:lstStyle/>
+          <a:p>
+            <a:pPr algn="ctr"/>
+            <a:endParaRPr lang="en-SG" sz="1400">
+              <a:solidFill>
+                <a:schemeClr val="dk1"/>
+              </a:solidFill>
+            </a:endParaRPr>
+          </a:p>
+        </p:txBody>
+      </p:sp>
+      <p:sp>
+        <p:nvSpPr>
+          <p:cNvPr id="62" name="TextBox 61"/>
+          <p:cNvSpPr txBox="1"/>
+          <p:nvPr/>
+        </p:nvSpPr>
+        <p:spPr>
+          <a:xfrm>
+            <a:off x="1963083" y="3369710"/>
+            <a:ext cx="2716635" cy="215444"/>
+          </a:xfrm>
+          <a:prstGeom prst="rect">
+            <a:avLst/>
+          </a:prstGeom>
+          <a:noFill/>
+        </p:spPr>
+        <p:txBody>
+          <a:bodyPr wrap="square" lIns="0" tIns="0" rIns="0" bIns="0" rtlCol="0">
+            <a:spAutoFit/>
+          </a:bodyPr>
+          <a:lstStyle/>
+          <a:p>
+            <a:r>
+              <a:rPr lang="en-US" sz="1400" dirty="0">
+                <a:solidFill>
+                  <a:schemeClr val="accent5">
+                    <a:lumMod val="75000"/>
+                  </a:schemeClr>
+                </a:solidFill>
+              </a:rPr>
+              <a:t>post(</a:t>
+            </a:r>
+            <a:r>
+              <a:rPr lang="en-US" sz="1400" dirty="0" err="1">
+                <a:solidFill>
+                  <a:schemeClr val="accent5">
+                    <a:lumMod val="75000"/>
+                  </a:schemeClr>
+                </a:solidFill>
+              </a:rPr>
+              <a:t>InvestigapptorBackupEvent</a:t>
+            </a:r>
+            <a:r>
+              <a:rPr lang="en-US" sz="1400" dirty="0">
+                <a:solidFill>
+                  <a:schemeClr val="accent5">
+                    <a:lumMod val="75000"/>
+                  </a:schemeClr>
+                </a:solidFill>
+              </a:rPr>
+              <a:t>)</a:t>
+            </a:r>
+          </a:p>
+        </p:txBody>
+      </p:sp>
+      <p:cxnSp>
+        <p:nvCxnSpPr>
+          <p:cNvPr id="63" name="Straight Arrow Connector 62"/>
+          <p:cNvCxnSpPr/>
+          <p:nvPr/>
+        </p:nvCxnSpPr>
+        <p:spPr>
+          <a:xfrm flipH="1">
+            <a:off x="4679718" y="4195107"/>
+            <a:ext cx="3383941" cy="0"/>
+          </a:xfrm>
+          <a:prstGeom prst="straightConnector1">
+            <a:avLst/>
+          </a:prstGeom>
+          <a:ln w="19050">
+            <a:solidFill>
+              <a:schemeClr val="accent6">
+                <a:lumMod val="75000"/>
+              </a:schemeClr>
+            </a:solidFill>
+            <a:prstDash val="sysDash"/>
+            <a:headEnd type="none" w="med" len="med"/>
+            <a:tailEnd type="arrow" w="med" len="med"/>
+          </a:ln>
+        </p:spPr>
+        <p:style>
+          <a:lnRef idx="1">
+            <a:schemeClr val="accent1"/>
+          </a:lnRef>
+          <a:fillRef idx="0">
+            <a:schemeClr val="accent1"/>
+          </a:fillRef>
+          <a:effectRef idx="0">
+            <a:schemeClr val="accent1"/>
+          </a:effectRef>
+          <a:fontRef idx="minor">
+            <a:schemeClr val="tx1"/>
+          </a:fontRef>
+        </p:style>
+      </p:cxnSp>
+      <p:sp>
+        <p:nvSpPr>
+          <p:cNvPr id="66" name="Rectangle 62"/>
+          <p:cNvSpPr/>
+          <p:nvPr/>
+        </p:nvSpPr>
+        <p:spPr>
+          <a:xfrm>
+            <a:off x="3944135" y="2867269"/>
+            <a:ext cx="1371600" cy="346760"/>
+          </a:xfrm>
+          <a:prstGeom prst="rect">
+            <a:avLst/>
+          </a:prstGeom>
+          <a:solidFill>
+            <a:schemeClr val="accent5">
+              <a:lumMod val="75000"/>
+            </a:schemeClr>
+          </a:solidFill>
+          <a:ln w="19050">
+            <a:solidFill>
+              <a:schemeClr val="accent5">
+                <a:lumMod val="75000"/>
+              </a:schemeClr>
+            </a:solidFill>
+          </a:ln>
+          <a:effectLst/>
+        </p:spPr>
+        <p:style>
+          <a:lnRef idx="1">
+            <a:schemeClr val="accent2"/>
+          </a:lnRef>
+          <a:fillRef idx="2">
+            <a:schemeClr val="accent2"/>
+          </a:fillRef>
+          <a:effectRef idx="1">
+            <a:schemeClr val="accent2"/>
+          </a:effectRef>
+          <a:fontRef idx="minor">
+            <a:schemeClr val="dk1"/>
+          </a:fontRef>
+        </p:style>
+        <p:txBody>
+          <a:bodyPr rtlCol="0" anchor="ctr"/>
+          <a:lstStyle/>
+          <a:p>
+            <a:pPr algn="ctr"/>
+            <a:r>
+              <a:rPr lang="en-US" sz="1600" dirty="0">
+                <a:solidFill>
+                  <a:schemeClr val="bg1"/>
+                </a:solidFill>
+              </a:rPr>
+              <a:t>:</a:t>
+            </a:r>
+            <a:r>
+              <a:rPr lang="en-US" sz="1600" dirty="0" err="1">
+                <a:solidFill>
+                  <a:schemeClr val="bg1"/>
+                </a:solidFill>
+              </a:rPr>
+              <a:t>EventsCenter</a:t>
+            </a:r>
+            <a:endParaRPr lang="en-SG" sz="1600" dirty="0">
+              <a:solidFill>
+                <a:schemeClr val="bg1"/>
+              </a:solidFill>
+            </a:endParaRPr>
+          </a:p>
+        </p:txBody>
+      </p:sp>
+      <p:cxnSp>
+        <p:nvCxnSpPr>
+          <p:cNvPr id="67" name="Straight Connector 66"/>
+          <p:cNvCxnSpPr/>
+          <p:nvPr/>
+        </p:nvCxnSpPr>
+        <p:spPr>
+          <a:xfrm>
+            <a:off x="4609720" y="3220323"/>
+            <a:ext cx="0" cy="1723059"/>
+          </a:xfrm>
+          <a:prstGeom prst="line">
+            <a:avLst/>
+          </a:prstGeom>
+          <a:ln w="19050">
+            <a:solidFill>
+              <a:schemeClr val="accent5">
+                <a:lumMod val="75000"/>
+              </a:schemeClr>
+            </a:solidFill>
+            <a:prstDash val="sysDash"/>
+          </a:ln>
+          <a:effectLst/>
+        </p:spPr>
+        <p:style>
+          <a:lnRef idx="1">
+            <a:schemeClr val="accent1"/>
+          </a:lnRef>
+          <a:fillRef idx="2">
+            <a:schemeClr val="accent1"/>
+          </a:fillRef>
+          <a:effectRef idx="1">
+            <a:schemeClr val="accent1"/>
+          </a:effectRef>
+          <a:fontRef idx="minor">
+            <a:schemeClr val="dk1"/>
+          </a:fontRef>
+        </p:style>
+      </p:cxnSp>
+      <p:sp>
+        <p:nvSpPr>
+          <p:cNvPr id="68" name="Rectangle 67"/>
+          <p:cNvSpPr/>
+          <p:nvPr/>
+        </p:nvSpPr>
+        <p:spPr>
+          <a:xfrm>
+            <a:off x="4537712" y="3643256"/>
+            <a:ext cx="142006" cy="1036757"/>
+          </a:xfrm>
+          <a:prstGeom prst="rect">
+            <a:avLst/>
+          </a:prstGeom>
+          <a:solidFill>
+            <a:schemeClr val="accent5">
+              <a:lumMod val="75000"/>
+            </a:schemeClr>
+          </a:solidFill>
+          <a:ln>
+            <a:solidFill>
+              <a:schemeClr val="accent5">
+                <a:lumMod val="75000"/>
+              </a:schemeClr>
+            </a:solidFill>
+          </a:ln>
+          <a:effectLst/>
+        </p:spPr>
+        <p:style>
+          <a:lnRef idx="1">
+            <a:schemeClr val="accent3"/>
+          </a:lnRef>
+          <a:fillRef idx="2">
+            <a:schemeClr val="accent3"/>
+          </a:fillRef>
+          <a:effectRef idx="1">
+            <a:schemeClr val="accent3"/>
+          </a:effectRef>
+          <a:fontRef idx="minor">
+            <a:schemeClr val="dk1"/>
+          </a:fontRef>
+        </p:style>
+        <p:txBody>
+          <a:bodyPr rtlCol="0" anchor="ctr"/>
+          <a:lstStyle/>
+          <a:p>
+            <a:pPr algn="ctr"/>
+            <a:endParaRPr lang="en-SG" sz="1400">
+              <a:solidFill>
+                <a:schemeClr val="dk1"/>
+              </a:solidFill>
+            </a:endParaRPr>
+          </a:p>
+        </p:txBody>
+      </p:sp>
+      <p:cxnSp>
+        <p:nvCxnSpPr>
+          <p:cNvPr id="69" name="Straight Arrow Connector 68"/>
+          <p:cNvCxnSpPr/>
+          <p:nvPr/>
+        </p:nvCxnSpPr>
+        <p:spPr>
+          <a:xfrm>
+            <a:off x="3231918" y="3643256"/>
+            <a:ext cx="1295400" cy="0"/>
+          </a:xfrm>
+          <a:prstGeom prst="straightConnector1">
+            <a:avLst/>
+          </a:prstGeom>
+          <a:ln w="19050">
+            <a:solidFill>
+              <a:srgbClr val="7030A0"/>
+            </a:solidFill>
+            <a:tailEnd type="arrow"/>
+          </a:ln>
+        </p:spPr>
+        <p:style>
+          <a:lnRef idx="1">
+            <a:schemeClr val="accent1"/>
+          </a:lnRef>
+          <a:fillRef idx="0">
+            <a:schemeClr val="accent1"/>
+          </a:fillRef>
+          <a:effectRef idx="0">
+            <a:schemeClr val="accent1"/>
+          </a:effectRef>
+          <a:fontRef idx="minor">
+            <a:schemeClr val="tx1"/>
+          </a:fontRef>
+        </p:style>
+      </p:cxnSp>
+      <p:cxnSp>
+        <p:nvCxnSpPr>
+          <p:cNvPr id="70" name="Straight Arrow Connector 69"/>
+          <p:cNvCxnSpPr/>
+          <p:nvPr/>
+        </p:nvCxnSpPr>
+        <p:spPr>
+          <a:xfrm>
+            <a:off x="3128631" y="4680013"/>
+            <a:ext cx="1448755" cy="0"/>
+          </a:xfrm>
+          <a:prstGeom prst="straightConnector1">
+            <a:avLst/>
+          </a:prstGeom>
+          <a:ln w="19050">
+            <a:solidFill>
+              <a:schemeClr val="accent5">
+                <a:lumMod val="75000"/>
+              </a:schemeClr>
+            </a:solidFill>
+            <a:prstDash val="sysDash"/>
+            <a:headEnd type="arrow" w="med" len="med"/>
+            <a:tailEnd type="none" w="med" len="med"/>
+          </a:ln>
+        </p:spPr>
+        <p:style>
+          <a:lnRef idx="1">
+            <a:schemeClr val="accent1"/>
+          </a:lnRef>
+          <a:fillRef idx="0">
+            <a:schemeClr val="accent1"/>
+          </a:fillRef>
+          <a:effectRef idx="0">
+            <a:schemeClr val="accent1"/>
+          </a:effectRef>
+          <a:fontRef idx="minor">
+            <a:schemeClr val="tx1"/>
+          </a:fontRef>
+        </p:style>
+      </p:cxnSp>
+      <p:cxnSp>
+        <p:nvCxnSpPr>
+          <p:cNvPr id="72" name="Straight Arrow Connector 71"/>
+          <p:cNvCxnSpPr/>
+          <p:nvPr/>
+        </p:nvCxnSpPr>
+        <p:spPr>
+          <a:xfrm>
+            <a:off x="4679718" y="3913050"/>
+            <a:ext cx="3318258" cy="0"/>
+          </a:xfrm>
+          <a:prstGeom prst="straightConnector1">
+            <a:avLst/>
+          </a:prstGeom>
+          <a:ln w="19050">
+            <a:solidFill>
+              <a:schemeClr val="accent5">
+                <a:lumMod val="75000"/>
+              </a:schemeClr>
+            </a:solidFill>
+            <a:headEnd type="none" w="med" len="med"/>
+            <a:tailEnd type="arrow" w="med" len="med"/>
+          </a:ln>
+        </p:spPr>
+        <p:style>
+          <a:lnRef idx="1">
+            <a:schemeClr val="accent1"/>
+          </a:lnRef>
+          <a:fillRef idx="0">
+            <a:schemeClr val="accent1"/>
+          </a:fillRef>
+          <a:effectRef idx="0">
+            <a:schemeClr val="accent1"/>
+          </a:effectRef>
+          <a:fontRef idx="minor">
+            <a:schemeClr val="tx1"/>
+          </a:fontRef>
+        </p:style>
+      </p:cxnSp>
+      <p:sp>
+        <p:nvSpPr>
+          <p:cNvPr id="74" name="TextBox 73"/>
+          <p:cNvSpPr txBox="1"/>
+          <p:nvPr/>
+        </p:nvSpPr>
+        <p:spPr>
+          <a:xfrm>
+            <a:off x="5150808" y="3637947"/>
+            <a:ext cx="2698381" cy="215444"/>
+          </a:xfrm>
+          <a:prstGeom prst="rect">
+            <a:avLst/>
+          </a:prstGeom>
+          <a:noFill/>
+        </p:spPr>
+        <p:txBody>
+          <a:bodyPr wrap="square" lIns="0" tIns="0" rIns="0" bIns="0" rtlCol="0">
+            <a:spAutoFit/>
+          </a:bodyPr>
+          <a:lstStyle/>
+          <a:p>
+            <a:r>
+              <a:rPr lang="en-US" sz="1400" dirty="0" err="1">
+                <a:solidFill>
+                  <a:schemeClr val="accent6">
+                    <a:lumMod val="75000"/>
+                  </a:schemeClr>
+                </a:solidFill>
+              </a:rPr>
+              <a:t>handleInvestigapptorBackupEvent</a:t>
+            </a:r>
+            <a:r>
+              <a:rPr lang="en-US" sz="1400" dirty="0">
+                <a:solidFill>
+                  <a:schemeClr val="accent6">
+                    <a:lumMod val="75000"/>
+                  </a:schemeClr>
+                </a:solidFill>
+              </a:rPr>
+              <a:t>()</a:t>
+            </a:r>
+          </a:p>
+        </p:txBody>
+      </p:sp>
+      <p:cxnSp>
+        <p:nvCxnSpPr>
+          <p:cNvPr id="85" name="Straight Connector 84"/>
+          <p:cNvCxnSpPr/>
+          <p:nvPr/>
+        </p:nvCxnSpPr>
+        <p:spPr>
+          <a:xfrm flipH="1">
+            <a:off x="314394" y="1099672"/>
+            <a:ext cx="24" cy="1598671"/>
+          </a:xfrm>
+          <a:prstGeom prst="line">
+            <a:avLst/>
+          </a:prstGeom>
+          <a:ln w="19050">
+            <a:solidFill>
+              <a:schemeClr val="tx1"/>
+            </a:solidFill>
+            <a:prstDash val="sysDash"/>
+          </a:ln>
+          <a:effectLst/>
+        </p:spPr>
+        <p:style>
+          <a:lnRef idx="1">
+            <a:schemeClr val="accent1"/>
+          </a:lnRef>
+          <a:fillRef idx="2">
+            <a:schemeClr val="accent1"/>
+          </a:fillRef>
+          <a:effectRef idx="1">
+            <a:schemeClr val="accent1"/>
+          </a:effectRef>
+          <a:fontRef idx="minor">
+            <a:schemeClr val="dk1"/>
+          </a:fontRef>
+        </p:style>
+      </p:cxnSp>
+      <p:sp>
+        <p:nvSpPr>
+          <p:cNvPr id="45" name="Rectangle 62"/>
+          <p:cNvSpPr/>
+          <p:nvPr/>
+        </p:nvSpPr>
+        <p:spPr>
+          <a:xfrm>
+            <a:off x="874623" y="2850358"/>
+            <a:ext cx="1093635" cy="346760"/>
+          </a:xfrm>
+          <a:prstGeom prst="rect">
+            <a:avLst/>
+          </a:prstGeom>
+          <a:solidFill>
+            <a:srgbClr val="00B050"/>
+          </a:solidFill>
+          <a:ln w="19050">
+            <a:solidFill>
+              <a:srgbClr val="00B050"/>
+            </a:solidFill>
+          </a:ln>
+          <a:effectLst/>
+        </p:spPr>
+        <p:style>
+          <a:lnRef idx="1">
+            <a:schemeClr val="accent2"/>
+          </a:lnRef>
+          <a:fillRef idx="2">
+            <a:schemeClr val="accent2"/>
+          </a:fillRef>
+          <a:effectRef idx="1">
+            <a:schemeClr val="accent2"/>
+          </a:effectRef>
+          <a:fontRef idx="minor">
+            <a:schemeClr val="dk1"/>
+          </a:fontRef>
+        </p:style>
+        <p:txBody>
+          <a:bodyPr rtlCol="0" anchor="ctr"/>
+          <a:lstStyle/>
+          <a:p>
+            <a:pPr algn="ctr"/>
+            <a:r>
+              <a:rPr lang="en-US" sz="1600" dirty="0">
+                <a:solidFill>
+                  <a:schemeClr val="bg1"/>
+                </a:solidFill>
+              </a:rPr>
+              <a:t>:UI</a:t>
+            </a:r>
+            <a:endParaRPr lang="en-SG" sz="1600" dirty="0">
+              <a:solidFill>
+                <a:schemeClr val="bg1"/>
+              </a:solidFill>
+            </a:endParaRPr>
+          </a:p>
+        </p:txBody>
+      </p:sp>
+      <p:cxnSp>
+        <p:nvCxnSpPr>
+          <p:cNvPr id="46" name="Straight Connector 45"/>
+          <p:cNvCxnSpPr/>
+          <p:nvPr/>
+        </p:nvCxnSpPr>
+        <p:spPr>
+          <a:xfrm>
+            <a:off x="1421440" y="3214029"/>
+            <a:ext cx="0" cy="1723059"/>
+          </a:xfrm>
+          <a:prstGeom prst="line">
+            <a:avLst/>
+          </a:prstGeom>
+          <a:ln w="19050">
+            <a:solidFill>
+              <a:srgbClr val="00B050"/>
+            </a:solidFill>
+            <a:prstDash val="sysDash"/>
+          </a:ln>
+          <a:effectLst/>
+        </p:spPr>
+        <p:style>
+          <a:lnRef idx="1">
+            <a:schemeClr val="accent1"/>
+          </a:lnRef>
+          <a:fillRef idx="2">
+            <a:schemeClr val="accent1"/>
+          </a:fillRef>
+          <a:effectRef idx="1">
+            <a:schemeClr val="accent1"/>
+          </a:effectRef>
+          <a:fontRef idx="minor">
+            <a:schemeClr val="dk1"/>
+          </a:fontRef>
+        </p:style>
+      </p:cxnSp>
+      <p:sp>
+        <p:nvSpPr>
+          <p:cNvPr id="47" name="Rectangle 46"/>
+          <p:cNvSpPr/>
+          <p:nvPr/>
+        </p:nvSpPr>
+        <p:spPr>
+          <a:xfrm>
+            <a:off x="1349432" y="4242508"/>
+            <a:ext cx="130545" cy="273128"/>
+          </a:xfrm>
+          <a:prstGeom prst="rect">
+            <a:avLst/>
+          </a:prstGeom>
+          <a:solidFill>
+            <a:srgbClr val="00B050"/>
+          </a:solidFill>
+          <a:ln>
+            <a:solidFill>
+              <a:srgbClr val="00B050"/>
+            </a:solidFill>
+          </a:ln>
+          <a:effectLst/>
+        </p:spPr>
+        <p:style>
+          <a:lnRef idx="1">
+            <a:schemeClr val="accent3"/>
+          </a:lnRef>
+          <a:fillRef idx="2">
+            <a:schemeClr val="accent3"/>
+          </a:fillRef>
+          <a:effectRef idx="1">
+            <a:schemeClr val="accent3"/>
+          </a:effectRef>
+          <a:fontRef idx="minor">
+            <a:schemeClr val="dk1"/>
+          </a:fontRef>
+        </p:style>
+        <p:txBody>
+          <a:bodyPr rtlCol="0" anchor="ctr"/>
+          <a:lstStyle/>
+          <a:p>
+            <a:pPr algn="ctr"/>
+            <a:endParaRPr lang="en-SG" sz="1400">
+              <a:solidFill>
+                <a:schemeClr val="dk1"/>
+              </a:solidFill>
+            </a:endParaRPr>
+          </a:p>
+        </p:txBody>
+      </p:sp>
+      <p:cxnSp>
+        <p:nvCxnSpPr>
+          <p:cNvPr id="48" name="Straight Arrow Connector 47"/>
+          <p:cNvCxnSpPr/>
+          <p:nvPr/>
+        </p:nvCxnSpPr>
+        <p:spPr>
+          <a:xfrm flipH="1">
+            <a:off x="1501832" y="4515636"/>
+            <a:ext cx="3061842" cy="0"/>
+          </a:xfrm>
+          <a:prstGeom prst="straightConnector1">
+            <a:avLst/>
+          </a:prstGeom>
+          <a:ln w="19050">
+            <a:solidFill>
+              <a:srgbClr val="00B050"/>
+            </a:solidFill>
+            <a:prstDash val="sysDash"/>
+            <a:headEnd type="arrow" w="med" len="med"/>
+            <a:tailEnd type="none" w="med" len="med"/>
+          </a:ln>
+        </p:spPr>
+        <p:style>
+          <a:lnRef idx="1">
+            <a:schemeClr val="accent1"/>
+          </a:lnRef>
+          <a:fillRef idx="0">
+            <a:schemeClr val="accent1"/>
+          </a:fillRef>
+          <a:effectRef idx="0">
+            <a:schemeClr val="accent1"/>
+          </a:effectRef>
+          <a:fontRef idx="minor">
+            <a:schemeClr val="tx1"/>
+          </a:fontRef>
+        </p:style>
+      </p:cxnSp>
+      <p:cxnSp>
+        <p:nvCxnSpPr>
+          <p:cNvPr id="49" name="Straight Arrow Connector 48"/>
+          <p:cNvCxnSpPr/>
+          <p:nvPr/>
+        </p:nvCxnSpPr>
+        <p:spPr>
+          <a:xfrm>
+            <a:off x="1501832" y="4242508"/>
+            <a:ext cx="3061841" cy="0"/>
+          </a:xfrm>
+          <a:prstGeom prst="straightConnector1">
+            <a:avLst/>
+          </a:prstGeom>
+          <a:ln w="19050">
+            <a:solidFill>
+              <a:schemeClr val="accent5">
+                <a:lumMod val="75000"/>
+              </a:schemeClr>
+            </a:solidFill>
+            <a:headEnd type="arrow" w="med" len="med"/>
+            <a:tailEnd type="none" w="med" len="med"/>
+          </a:ln>
+        </p:spPr>
+        <p:style>
+          <a:lnRef idx="1">
+            <a:schemeClr val="accent1"/>
+          </a:lnRef>
+          <a:fillRef idx="0">
+            <a:schemeClr val="accent1"/>
+          </a:fillRef>
+          <a:effectRef idx="0">
+            <a:schemeClr val="accent1"/>
+          </a:effectRef>
+          <a:fontRef idx="minor">
+            <a:schemeClr val="tx1"/>
+          </a:fontRef>
+        </p:style>
+      </p:cxnSp>
+      <p:sp>
+        <p:nvSpPr>
+          <p:cNvPr id="50" name="TextBox 49"/>
+          <p:cNvSpPr txBox="1"/>
+          <p:nvPr/>
+        </p:nvSpPr>
+        <p:spPr>
+          <a:xfrm>
+            <a:off x="1569264" y="3967405"/>
+            <a:ext cx="2915959" cy="215444"/>
+          </a:xfrm>
+          <a:prstGeom prst="rect">
+            <a:avLst/>
+          </a:prstGeom>
+          <a:noFill/>
+        </p:spPr>
+        <p:txBody>
+          <a:bodyPr wrap="square" lIns="0" tIns="0" rIns="0" bIns="0" rtlCol="0">
+            <a:spAutoFit/>
+          </a:bodyPr>
+          <a:lstStyle/>
+          <a:p>
+            <a:r>
+              <a:rPr lang="en-US" sz="1400" dirty="0" err="1">
+                <a:solidFill>
+                  <a:srgbClr val="00B050"/>
+                </a:solidFill>
+              </a:rPr>
+              <a:t>handleInvestigapptorBackupEvent</a:t>
+            </a:r>
+            <a:r>
+              <a:rPr lang="en-US" sz="1400" dirty="0">
+                <a:solidFill>
+                  <a:srgbClr val="00B050"/>
+                </a:solidFill>
+              </a:rPr>
+              <a:t>()</a:t>
+            </a:r>
+          </a:p>
+        </p:txBody>
+      </p:sp>
+      <p:grpSp>
+        <p:nvGrpSpPr>
+          <p:cNvPr id="13" name="Group 12"/>
+          <p:cNvGrpSpPr/>
+          <p:nvPr/>
+        </p:nvGrpSpPr>
+        <p:grpSpPr>
+          <a:xfrm>
+            <a:off x="1181123" y="4184068"/>
+            <a:ext cx="217349" cy="270072"/>
+            <a:chOff x="1028134" y="5612032"/>
+            <a:chExt cx="217349" cy="270072"/>
+          </a:xfrm>
+        </p:grpSpPr>
+        <p:sp>
+          <p:nvSpPr>
+            <p:cNvPr id="12" name="Freeform 11"/>
+            <p:cNvSpPr/>
+            <p:nvPr/>
+          </p:nvSpPr>
+          <p:spPr>
+            <a:xfrm rot="2600998" flipH="1" flipV="1">
+              <a:off x="1028134" y="5612032"/>
+              <a:ext cx="167452" cy="116880"/>
+            </a:xfrm>
+            <a:custGeom>
+              <a:avLst/>
+              <a:gdLst>
+                <a:gd name="connsiteX0" fmla="*/ 0 w 226400"/>
+                <a:gd name="connsiteY0" fmla="*/ 32920 h 171466"/>
+                <a:gd name="connsiteX1" fmla="*/ 157018 w 226400"/>
+                <a:gd name="connsiteY1" fmla="*/ 5211 h 171466"/>
+                <a:gd name="connsiteX2" fmla="*/ 221673 w 226400"/>
+                <a:gd name="connsiteY2" fmla="*/ 125284 h 171466"/>
+                <a:gd name="connsiteX3" fmla="*/ 36945 w 226400"/>
+                <a:gd name="connsiteY3" fmla="*/ 171466 h 171466"/>
+              </a:gdLst>
+              <a:ahLst/>
+              <a:cxnLst>
+                <a:cxn ang="0">
+                  <a:pos x="connsiteX0" y="connsiteY0"/>
+                </a:cxn>
+                <a:cxn ang="0">
+                  <a:pos x="connsiteX1" y="connsiteY1"/>
+                </a:cxn>
+                <a:cxn ang="0">
+                  <a:pos x="connsiteX2" y="connsiteY2"/>
+                </a:cxn>
+                <a:cxn ang="0">
+                  <a:pos x="connsiteX3" y="connsiteY3"/>
+                </a:cxn>
+              </a:cxnLst>
+              <a:rect l="l" t="t" r="r" b="b"/>
+              <a:pathLst>
+                <a:path w="226400" h="171466">
+                  <a:moveTo>
+                    <a:pt x="0" y="32920"/>
+                  </a:moveTo>
+                  <a:cubicBezTo>
+                    <a:pt x="60036" y="11368"/>
+                    <a:pt x="120073" y="-10183"/>
+                    <a:pt x="157018" y="5211"/>
+                  </a:cubicBezTo>
+                  <a:cubicBezTo>
+                    <a:pt x="193963" y="20605"/>
+                    <a:pt x="241685" y="97575"/>
+                    <a:pt x="221673" y="125284"/>
+                  </a:cubicBezTo>
+                  <a:cubicBezTo>
+                    <a:pt x="201661" y="152993"/>
+                    <a:pt x="119303" y="162229"/>
+                    <a:pt x="36945" y="171466"/>
+                  </a:cubicBezTo>
+                </a:path>
+              </a:pathLst>
+            </a:custGeom>
+            <a:ln w="19050">
+              <a:solidFill>
+                <a:srgbClr val="00B050"/>
+              </a:solidFill>
+              <a:headEnd type="arrow" w="med" len="med"/>
+              <a:tailEnd type="none" w="med" len="med"/>
+            </a:ln>
+          </p:spPr>
+          <p:style>
+            <a:lnRef idx="1">
+              <a:schemeClr val="accent1"/>
+            </a:lnRef>
+            <a:fillRef idx="0">
+              <a:schemeClr val="accent1"/>
+            </a:fillRef>
+            <a:effectRef idx="0">
+              <a:schemeClr val="accent1"/>
+            </a:effectRef>
+            <a:fontRef idx="minor">
+              <a:schemeClr val="tx1"/>
+            </a:fontRef>
+          </p:style>
+          <p:txBody>
+            <a:bodyPr rtlCol="0" anchor="ctr"/>
+            <a:lstStyle/>
+            <a:p>
+              <a:pPr algn="ctr"/>
+              <a:endParaRPr lang="en-SG"/>
+            </a:p>
+          </p:txBody>
+        </p:sp>
+        <p:sp>
+          <p:nvSpPr>
+            <p:cNvPr id="56" name="Rectangle 55"/>
+            <p:cNvSpPr/>
+            <p:nvPr/>
+          </p:nvSpPr>
+          <p:spPr>
+            <a:xfrm>
+              <a:off x="1147403" y="5712513"/>
+              <a:ext cx="98080" cy="169591"/>
+            </a:xfrm>
+            <a:prstGeom prst="rect">
+              <a:avLst/>
+            </a:prstGeom>
+            <a:solidFill>
+              <a:srgbClr val="00B050"/>
+            </a:solidFill>
+            <a:ln>
+              <a:solidFill>
+                <a:schemeClr val="bg1"/>
+              </a:solidFill>
+            </a:ln>
+            <a:effectLst/>
+          </p:spPr>
+          <p:style>
+            <a:lnRef idx="1">
+              <a:schemeClr val="accent3"/>
+            </a:lnRef>
+            <a:fillRef idx="2">
+              <a:schemeClr val="accent3"/>
+            </a:fillRef>
+            <a:effectRef idx="1">
+              <a:schemeClr val="accent3"/>
+            </a:effectRef>
+            <a:fontRef idx="minor">
+              <a:schemeClr val="dk1"/>
+            </a:fontRef>
+          </p:style>
+          <p:txBody>
+            <a:bodyPr rtlCol="0" anchor="ctr"/>
+            <a:lstStyle/>
+            <a:p>
+              <a:pPr algn="ctr"/>
+              <a:endParaRPr lang="en-SG" sz="1400">
+                <a:solidFill>
+                  <a:schemeClr val="dk1"/>
+                </a:solidFill>
+              </a:endParaRPr>
+            </a:p>
+          </p:txBody>
+        </p:sp>
+      </p:grpSp>
+      <p:sp>
+        <p:nvSpPr>
+          <p:cNvPr id="57" name="TextBox 56"/>
+          <p:cNvSpPr txBox="1"/>
+          <p:nvPr/>
+        </p:nvSpPr>
+        <p:spPr>
+          <a:xfrm>
+            <a:off x="347551" y="4016607"/>
+            <a:ext cx="794081" cy="430887"/>
+          </a:xfrm>
+          <a:prstGeom prst="rect">
+            <a:avLst/>
+          </a:prstGeom>
+          <a:noFill/>
+        </p:spPr>
+        <p:txBody>
+          <a:bodyPr wrap="square" lIns="0" tIns="0" rIns="0" bIns="0" rtlCol="0">
+            <a:spAutoFit/>
+          </a:bodyPr>
+          <a:lstStyle/>
+          <a:p>
+            <a:pPr algn="r"/>
+            <a:r>
+              <a:rPr lang="en-US" sz="1400" dirty="0">
+                <a:solidFill>
+                  <a:srgbClr val="00B050"/>
+                </a:solidFill>
+              </a:rPr>
+              <a:t>Update status bar</a:t>
+            </a:r>
+          </a:p>
+        </p:txBody>
+      </p:sp>
+      <p:grpSp>
+        <p:nvGrpSpPr>
+          <p:cNvPr id="58" name="Group 57"/>
+          <p:cNvGrpSpPr/>
+          <p:nvPr/>
+        </p:nvGrpSpPr>
+        <p:grpSpPr>
+          <a:xfrm flipH="1">
+            <a:off x="8089831" y="3907698"/>
+            <a:ext cx="217349" cy="270072"/>
+            <a:chOff x="1028134" y="5612032"/>
+            <a:chExt cx="217349" cy="270072"/>
+          </a:xfrm>
+        </p:grpSpPr>
+        <p:sp>
+          <p:nvSpPr>
+            <p:cNvPr id="59" name="Freeform 58"/>
+            <p:cNvSpPr/>
+            <p:nvPr/>
+          </p:nvSpPr>
+          <p:spPr>
+            <a:xfrm rot="2600998" flipH="1" flipV="1">
+              <a:off x="1028134" y="5612032"/>
+              <a:ext cx="167452" cy="116880"/>
+            </a:xfrm>
+            <a:custGeom>
+              <a:avLst/>
+              <a:gdLst>
+                <a:gd name="connsiteX0" fmla="*/ 0 w 226400"/>
+                <a:gd name="connsiteY0" fmla="*/ 32920 h 171466"/>
+                <a:gd name="connsiteX1" fmla="*/ 157018 w 226400"/>
+                <a:gd name="connsiteY1" fmla="*/ 5211 h 171466"/>
+                <a:gd name="connsiteX2" fmla="*/ 221673 w 226400"/>
+                <a:gd name="connsiteY2" fmla="*/ 125284 h 171466"/>
+                <a:gd name="connsiteX3" fmla="*/ 36945 w 226400"/>
+                <a:gd name="connsiteY3" fmla="*/ 171466 h 171466"/>
+              </a:gdLst>
+              <a:ahLst/>
+              <a:cxnLst>
+                <a:cxn ang="0">
+                  <a:pos x="connsiteX0" y="connsiteY0"/>
+                </a:cxn>
+                <a:cxn ang="0">
+                  <a:pos x="connsiteX1" y="connsiteY1"/>
+                </a:cxn>
+                <a:cxn ang="0">
+                  <a:pos x="connsiteX2" y="connsiteY2"/>
+                </a:cxn>
+                <a:cxn ang="0">
+                  <a:pos x="connsiteX3" y="connsiteY3"/>
+                </a:cxn>
+              </a:cxnLst>
+              <a:rect l="l" t="t" r="r" b="b"/>
+              <a:pathLst>
+                <a:path w="226400" h="171466">
+                  <a:moveTo>
+                    <a:pt x="0" y="32920"/>
+                  </a:moveTo>
+                  <a:cubicBezTo>
+                    <a:pt x="60036" y="11368"/>
+                    <a:pt x="120073" y="-10183"/>
+                    <a:pt x="157018" y="5211"/>
+                  </a:cubicBezTo>
+                  <a:cubicBezTo>
+                    <a:pt x="193963" y="20605"/>
+                    <a:pt x="241685" y="97575"/>
+                    <a:pt x="221673" y="125284"/>
+                  </a:cubicBezTo>
+                  <a:cubicBezTo>
+                    <a:pt x="201661" y="152993"/>
+                    <a:pt x="119303" y="162229"/>
+                    <a:pt x="36945" y="171466"/>
+                  </a:cubicBezTo>
+                </a:path>
+              </a:pathLst>
+            </a:custGeom>
+            <a:ln w="19050">
+              <a:solidFill>
+                <a:schemeClr val="accent6">
+                  <a:lumMod val="75000"/>
+                </a:schemeClr>
+              </a:solidFill>
+              <a:headEnd type="arrow" w="med" len="med"/>
+              <a:tailEnd type="none" w="med" len="med"/>
+            </a:ln>
+          </p:spPr>
+          <p:style>
+            <a:lnRef idx="1">
+              <a:schemeClr val="accent1"/>
+            </a:lnRef>
+            <a:fillRef idx="0">
+              <a:schemeClr val="accent1"/>
+            </a:fillRef>
+            <a:effectRef idx="0">
+              <a:schemeClr val="accent1"/>
+            </a:effectRef>
+            <a:fontRef idx="minor">
+              <a:schemeClr val="tx1"/>
+            </a:fontRef>
+          </p:style>
+          <p:txBody>
+            <a:bodyPr rtlCol="0" anchor="ctr"/>
+            <a:lstStyle/>
+            <a:p>
+              <a:pPr algn="ctr"/>
+              <a:endParaRPr lang="en-SG"/>
+            </a:p>
+          </p:txBody>
+        </p:sp>
+        <p:sp>
+          <p:nvSpPr>
+            <p:cNvPr id="60" name="Rectangle 59"/>
+            <p:cNvSpPr/>
+            <p:nvPr/>
+          </p:nvSpPr>
+          <p:spPr>
+            <a:xfrm>
+              <a:off x="1147403" y="5712513"/>
+              <a:ext cx="98080" cy="169591"/>
+            </a:xfrm>
+            <a:prstGeom prst="rect">
+              <a:avLst/>
+            </a:prstGeom>
+            <a:solidFill>
+              <a:schemeClr val="accent6">
+                <a:lumMod val="75000"/>
+              </a:schemeClr>
+            </a:solidFill>
+            <a:ln>
+              <a:solidFill>
+                <a:schemeClr val="bg1"/>
+              </a:solidFill>
+            </a:ln>
+            <a:effectLst/>
+          </p:spPr>
+          <p:style>
+            <a:lnRef idx="1">
+              <a:schemeClr val="accent3"/>
+            </a:lnRef>
+            <a:fillRef idx="2">
+              <a:schemeClr val="accent3"/>
+            </a:fillRef>
+            <a:effectRef idx="1">
+              <a:schemeClr val="accent3"/>
+            </a:effectRef>
+            <a:fontRef idx="minor">
+              <a:schemeClr val="dk1"/>
+            </a:fontRef>
+          </p:style>
+          <p:txBody>
+            <a:bodyPr rtlCol="0" anchor="ctr"/>
+            <a:lstStyle/>
+            <a:p>
+              <a:pPr algn="ctr"/>
+              <a:endParaRPr lang="en-SG" sz="1400">
+                <a:solidFill>
+                  <a:schemeClr val="dk1"/>
+                </a:solidFill>
+              </a:endParaRPr>
+            </a:p>
+          </p:txBody>
+        </p:sp>
+      </p:grpSp>
+      <p:sp>
+        <p:nvSpPr>
+          <p:cNvPr id="61" name="TextBox 60"/>
+          <p:cNvSpPr txBox="1"/>
+          <p:nvPr/>
+        </p:nvSpPr>
+        <p:spPr>
+          <a:xfrm>
+            <a:off x="8357077" y="3621789"/>
+            <a:ext cx="725484" cy="861774"/>
+          </a:xfrm>
+          <a:prstGeom prst="rect">
+            <a:avLst/>
+          </a:prstGeom>
+          <a:noFill/>
+        </p:spPr>
+        <p:txBody>
+          <a:bodyPr wrap="square" lIns="0" tIns="0" rIns="0" bIns="0" rtlCol="0">
+            <a:spAutoFit/>
+          </a:bodyPr>
+          <a:lstStyle/>
+          <a:p>
+            <a:r>
+              <a:rPr lang="en-US" sz="1400" dirty="0">
+                <a:solidFill>
+                  <a:schemeClr val="accent6">
+                    <a:lumMod val="75000"/>
+                  </a:schemeClr>
+                </a:solidFill>
+              </a:rPr>
+              <a:t>Save </a:t>
+            </a:r>
+            <a:br>
+              <a:rPr lang="en-US" sz="1400" dirty="0">
+                <a:solidFill>
+                  <a:schemeClr val="accent6">
+                    <a:lumMod val="75000"/>
+                  </a:schemeClr>
+                </a:solidFill>
+              </a:rPr>
+            </a:br>
+            <a:r>
+              <a:rPr lang="en-US" sz="1400" dirty="0">
+                <a:solidFill>
+                  <a:schemeClr val="accent6">
+                    <a:lumMod val="75000"/>
+                  </a:schemeClr>
+                </a:solidFill>
+              </a:rPr>
+              <a:t>to a new file</a:t>
+            </a:r>
+          </a:p>
+          <a:p>
+            <a:r>
+              <a:rPr lang="en-US" sz="1400" dirty="0">
+                <a:solidFill>
+                  <a:schemeClr val="accent6">
+                    <a:lumMod val="75000"/>
+                  </a:schemeClr>
+                </a:solidFill>
+              </a:rPr>
+              <a:t>“March”</a:t>
+            </a:r>
+          </a:p>
+        </p:txBody>
+      </p:sp>
+    </p:spTree>
+    <p:extLst>
+      <p:ext uri="{BB962C8B-B14F-4D97-AF65-F5344CB8AC3E}">
+        <p14:creationId xmlns:p14="http://schemas.microsoft.com/office/powerpoint/2010/main" val="1239498968"/>
+      </p:ext>
+    </p:extLst>
+  </p:cSld>
+  <p:clrMapOvr>
+    <a:masterClrMapping/>
+  </p:clrMapOvr>
+</p:sld>
+</file>
+
+<file path=ppt/slides/slide3.xml><?xml version="1.0" encoding="utf-8"?>
+<p:sld xmlns:a="http://schemas.openxmlformats.org/drawingml/2006/main" xmlns:r="http://schemas.openxmlformats.org/officeDocument/2006/relationships" xmlns:p="http://schemas.openxmlformats.org/presentationml/2006/main">
+  <p:cSld>
+    <p:spTree>
+      <p:nvGrpSpPr>
+        <p:cNvPr id="1" name=""/>
+        <p:cNvGrpSpPr/>
+        <p:nvPr/>
+      </p:nvGrpSpPr>
+      <p:grpSpPr>
+        <a:xfrm>
+          <a:off x="0" y="0"/>
+          <a:ext cx="0" cy="0"/>
+          <a:chOff x="0" y="0"/>
+          <a:chExt cx="0" cy="0"/>
+        </a:xfrm>
+      </p:grpSpPr>
+      <p:sp>
+        <p:nvSpPr>
           <p:cNvPr id="2" name="Rectangle 62">
             <a:extLst>
               <a:ext uri="{FF2B5EF4-FFF2-40B4-BE49-F238E27FC236}">
@@ -8902,7 +11517,7 @@
 </p:sld>
 </file>
 
-<file path=ppt/slides/slide3.xml><?xml version="1.0" encoding="utf-8"?>
+<file path=ppt/slides/slide4.xml><?xml version="1.0" encoding="utf-8"?>
 <p:sld xmlns:a="http://schemas.openxmlformats.org/drawingml/2006/main" xmlns:r="http://schemas.openxmlformats.org/officeDocument/2006/relationships" xmlns:p="http://schemas.openxmlformats.org/presentationml/2006/main">
   <p:cSld>
     <p:spTree>
@@ -12048,7 +14663,7 @@
 </p:sld>
 </file>
 
-<file path=ppt/slides/slide4.xml><?xml version="1.0" encoding="utf-8"?>
+<file path=ppt/slides/slide5.xml><?xml version="1.0" encoding="utf-8"?>
 <p:sld xmlns:a="http://schemas.openxmlformats.org/drawingml/2006/main" xmlns:r="http://schemas.openxmlformats.org/officeDocument/2006/relationships" xmlns:p="http://schemas.openxmlformats.org/presentationml/2006/main">
   <p:cSld>
     <p:spTree>
